--- a/latex/Kolloquium/Kolloquium_Marvin_Karhan.pptx
+++ b/latex/Kolloquium/Kolloquium_Marvin_Karhan.pptx
@@ -243,6 +243,14 @@
     </p:ext>
   </p:extLst>
 </p:presentation>
+</file>
+
+<file path=ppt/revisionInfo.xml><?xml version="1.0" encoding="utf-8"?>
+<p1510:revInfo xmlns:a="http://schemas.openxmlformats.org/drawingml/2006/main" xmlns:r="http://schemas.openxmlformats.org/officeDocument/2006/relationships" xmlns:p1510="http://schemas.microsoft.com/office/powerpoint/2015/10/main">
+  <p1510:revLst>
+    <p1510:client id="{5C268CEF-E060-4768-BAAB-EB7B0DFD6236}" v="73" dt="2022-10-12T09:29:03.864"/>
+  </p1510:revLst>
+</p1510:revInfo>
 </file>
 
 <file path=ppt/handoutMasters/handoutMaster1.xml><?xml version="1.0" encoding="utf-8"?>
@@ -2917,14 +2925,14 @@
             <a:pPr lvl="1"/>
             <a:r>
               <a:rPr lang="de-DE" altLang="de-DE" kern="0" dirty="0"/>
-              <a:t>Per Hand gewählte Evaluations Kriterien</a:t>
+              <a:t>Per Hand gewählte Evaluationskriterien</a:t>
             </a:r>
           </a:p>
           <a:p>
             <a:pPr lvl="1"/>
             <a:r>
               <a:rPr lang="de-DE" altLang="de-DE" kern="0" dirty="0"/>
-              <a:t>Durch Menschen kuriert</a:t>
+              <a:t>Durch Menschen ausgewählt</a:t>
             </a:r>
           </a:p>
           <a:p>
@@ -3101,7 +3109,7 @@
           </a:prstGeom>
         </p:spPr>
         <p:txBody>
-          <a:bodyPr/>
+          <a:bodyPr lIns="91440" tIns="45720" rIns="91440" bIns="45720" anchor="t"/>
           <a:lstStyle>
             <a:lvl1pPr algn="l" rtl="0" eaLnBrk="1" fontAlgn="base" hangingPunct="1">
               <a:lnSpc>
@@ -3276,53 +3284,75 @@
             </a:lvl9pPr>
           </a:lstStyle>
           <a:p>
-            <a:pPr lvl="1"/>
+            <a:pPr marL="182245" lvl="1"/>
             <a:r>
               <a:rPr lang="de-DE" altLang="de-DE" kern="0" dirty="0"/>
               <a:t>Nach biologischem Vorbild (Gehirn)</a:t>
             </a:r>
-          </a:p>
-          <a:p>
-            <a:pPr lvl="1"/>
+            <a:endParaRPr lang="de-DE" dirty="0"/>
+          </a:p>
+          <a:p>
+            <a:pPr marL="182245" lvl="1"/>
             <a:r>
               <a:rPr lang="de-DE" altLang="de-DE" kern="0" dirty="0"/>
               <a:t>Vernetzte Neuronen</a:t>
             </a:r>
-          </a:p>
-          <a:p>
-            <a:pPr lvl="1"/>
+            <a:endParaRPr lang="de-DE" altLang="de-DE" kern="0" dirty="0">
+              <a:cs typeface="Arial"/>
+            </a:endParaRPr>
+          </a:p>
+          <a:p>
+            <a:pPr marL="182245" lvl="1"/>
             <a:r>
               <a:rPr lang="de-DE" altLang="de-DE" kern="0" dirty="0"/>
               <a:t>Aufgeteilt in Schichten</a:t>
             </a:r>
-          </a:p>
-          <a:p>
-            <a:pPr lvl="1"/>
+            <a:endParaRPr lang="de-DE" altLang="de-DE" kern="0" dirty="0">
+              <a:cs typeface="Arial"/>
+            </a:endParaRPr>
+          </a:p>
+          <a:p>
+            <a:pPr marL="182245" lvl="1"/>
             <a:r>
               <a:rPr lang="de-DE" altLang="de-DE" kern="0" dirty="0"/>
               <a:t>Kanten sind Gewichte</a:t>
             </a:r>
-          </a:p>
-          <a:p>
-            <a:pPr lvl="1"/>
+            <a:endParaRPr lang="de-DE" altLang="de-DE" kern="0" dirty="0">
+              <a:cs typeface="Arial"/>
+            </a:endParaRPr>
+          </a:p>
+          <a:p>
+            <a:pPr marL="182245" lvl="1"/>
             <a:r>
               <a:rPr lang="de-DE" altLang="de-DE" kern="0" dirty="0"/>
               <a:t>Darstellung der Gewichte</a:t>
             </a:r>
-          </a:p>
-          <a:p>
-            <a:pPr lvl="2"/>
+            <a:endParaRPr lang="de-DE" altLang="de-DE" kern="0" dirty="0">
+              <a:cs typeface="Arial"/>
+            </a:endParaRPr>
+          </a:p>
+          <a:p>
+            <a:pPr lvl="2">
+              <a:buFont typeface="Wingdings" panose="05000000000000000000" pitchFamily="2" charset="2"/>
+              <a:buChar char="§"/>
+            </a:pPr>
             <a:r>
               <a:rPr lang="de-DE" altLang="de-DE" kern="0" dirty="0"/>
               <a:t>Quantisierung</a:t>
             </a:r>
-          </a:p>
-          <a:p>
-            <a:pPr lvl="1"/>
+            <a:endParaRPr lang="de-DE" altLang="de-DE" kern="0" dirty="0">
+              <a:cs typeface="Arial"/>
+            </a:endParaRPr>
+          </a:p>
+          <a:p>
+            <a:pPr marL="182245" lvl="1"/>
             <a:r>
               <a:rPr lang="de-DE" altLang="de-DE" kern="0" dirty="0"/>
               <a:t>Bildet eine Funktion nach</a:t>
             </a:r>
+            <a:endParaRPr lang="de-DE" altLang="de-DE" kern="0" dirty="0">
+              <a:cs typeface="Arial"/>
+            </a:endParaRPr>
           </a:p>
         </p:txBody>
       </p:sp>
@@ -4221,7 +4251,7 @@
           </a:prstGeom>
         </p:spPr>
         <p:txBody>
-          <a:bodyPr/>
+          <a:bodyPr lIns="91440" tIns="45720" rIns="91440" bIns="45720" anchor="t"/>
           <a:lstStyle>
             <a:lvl1pPr algn="l" rtl="0" eaLnBrk="1" fontAlgn="base" hangingPunct="1">
               <a:lnSpc>
@@ -4396,31 +4426,38 @@
             </a:lvl9pPr>
           </a:lstStyle>
           <a:p>
-            <a:pPr lvl="1"/>
+            <a:pPr marL="182245" lvl="1"/>
             <a:r>
               <a:rPr lang="de-DE" altLang="de-DE" kern="0" dirty="0"/>
               <a:t>Instruktionen auf mehreren Elementen gleichzeitig</a:t>
             </a:r>
-          </a:p>
-          <a:p>
-            <a:pPr lvl="1"/>
+            <a:endParaRPr lang="de-DE" dirty="0"/>
+          </a:p>
+          <a:p>
+            <a:pPr marL="182245" lvl="1"/>
             <a:r>
               <a:rPr lang="de-DE" altLang="de-DE" kern="0" dirty="0"/>
-              <a:t>Befehle sind Prozessorspezifisch</a:t>
-            </a:r>
-          </a:p>
-          <a:p>
-            <a:pPr lvl="1"/>
+              <a:t>Befehle sind prozessorspezifisch</a:t>
+            </a:r>
+            <a:endParaRPr lang="de-DE" altLang="de-DE" kern="0" dirty="0">
+              <a:cs typeface="Arial"/>
+            </a:endParaRPr>
+          </a:p>
+          <a:p>
+            <a:pPr marL="182245" lvl="1"/>
             <a:r>
               <a:rPr lang="de-DE" altLang="de-DE" kern="0" dirty="0"/>
               <a:t>Befehlssätze haben unterschiedliche Registergrößen</a:t>
             </a:r>
-          </a:p>
-          <a:p>
-            <a:pPr lvl="1"/>
+            <a:endParaRPr lang="de-DE" altLang="de-DE" kern="0" dirty="0">
+              <a:cs typeface="Arial"/>
+            </a:endParaRPr>
+          </a:p>
+          <a:p>
+            <a:pPr marL="182245" lvl="1"/>
             <a:r>
               <a:rPr lang="de-DE" altLang="de-DE" kern="0" dirty="0"/>
-              <a:t>Vektoren müssen der Registergröße endsprechend </a:t>
+              <a:t>Vektoren müssen der Registergröße entsprechend </a:t>
             </a:r>
             <a:r>
               <a:rPr lang="de-DE" altLang="de-DE" kern="0" dirty="0" err="1"/>
@@ -4430,14 +4467,21 @@
               <a:rPr lang="de-DE" altLang="de-DE" kern="0" dirty="0"/>
               <a:t> sein</a:t>
             </a:r>
-          </a:p>
-          <a:p>
-            <a:pPr lvl="1"/>
-            <a:endParaRPr lang="de-DE" altLang="de-DE" kern="0" dirty="0"/>
-          </a:p>
-          <a:p>
-            <a:pPr lvl="1"/>
-            <a:endParaRPr lang="de-DE" altLang="de-DE" kern="0" dirty="0"/>
+            <a:endParaRPr lang="de-DE" altLang="de-DE" kern="0" dirty="0">
+              <a:cs typeface="Arial"/>
+            </a:endParaRPr>
+          </a:p>
+          <a:p>
+            <a:pPr marL="182245" lvl="1"/>
+            <a:endParaRPr lang="de-DE" altLang="de-DE" kern="0" dirty="0">
+              <a:cs typeface="Arial"/>
+            </a:endParaRPr>
+          </a:p>
+          <a:p>
+            <a:pPr marL="182245" lvl="1"/>
+            <a:endParaRPr lang="de-DE" altLang="de-DE" kern="0" dirty="0">
+              <a:cs typeface="Arial"/>
+            </a:endParaRPr>
           </a:p>
         </p:txBody>
       </p:sp>
@@ -4565,7 +4609,7 @@
           </a:prstGeom>
         </p:spPr>
         <p:txBody>
-          <a:bodyPr/>
+          <a:bodyPr lIns="91440" tIns="45720" rIns="91440" bIns="45720" anchor="t"/>
           <a:lstStyle>
             <a:lvl1pPr algn="l" rtl="0" eaLnBrk="1" fontAlgn="base" hangingPunct="1">
               <a:lnSpc>
@@ -4740,70 +4784,98 @@
             </a:lvl9pPr>
           </a:lstStyle>
           <a:p>
-            <a:pPr lvl="1"/>
+            <a:pPr marL="182245" lvl="1"/>
             <a:r>
               <a:rPr lang="de-DE" altLang="de-DE" kern="0" dirty="0"/>
               <a:t>Evaluiert eine Stellung</a:t>
             </a:r>
-          </a:p>
-          <a:p>
-            <a:pPr lvl="1"/>
+            <a:endParaRPr lang="de-DE" dirty="0"/>
+          </a:p>
+          <a:p>
+            <a:pPr marL="182245" lvl="1"/>
             <a:r>
               <a:rPr lang="de-DE" altLang="de-DE" kern="0" dirty="0"/>
               <a:t>Läuft auf der CPU</a:t>
             </a:r>
-          </a:p>
-          <a:p>
-            <a:pPr lvl="1"/>
+            <a:endParaRPr lang="de-DE" altLang="de-DE" kern="0" dirty="0">
+              <a:cs typeface="Arial"/>
+            </a:endParaRPr>
+          </a:p>
+          <a:p>
+            <a:pPr marL="182245" lvl="1"/>
             <a:r>
               <a:rPr lang="de-DE" altLang="de-DE" kern="0" dirty="0"/>
               <a:t>Inkrementelle Aktualisierung eines Akkumulators:</a:t>
             </a:r>
-          </a:p>
-          <a:p>
-            <a:pPr lvl="1"/>
-            <a:endParaRPr lang="de-DE" altLang="de-DE" kern="0" dirty="0"/>
-          </a:p>
-          <a:p>
-            <a:pPr lvl="1"/>
-            <a:endParaRPr lang="de-DE" altLang="de-DE" kern="0" dirty="0"/>
-          </a:p>
-          <a:p>
-            <a:pPr lvl="1"/>
-            <a:endParaRPr lang="de-DE" altLang="de-DE" kern="0" dirty="0"/>
-          </a:p>
-          <a:p>
-            <a:pPr lvl="1"/>
-            <a:endParaRPr lang="de-DE" altLang="de-DE" kern="0" dirty="0"/>
-          </a:p>
-          <a:p>
-            <a:pPr lvl="1"/>
+            <a:endParaRPr lang="de-DE" altLang="de-DE" kern="0" dirty="0">
+              <a:cs typeface="Arial"/>
+            </a:endParaRPr>
+          </a:p>
+          <a:p>
+            <a:pPr marL="182245" lvl="1"/>
+            <a:endParaRPr lang="de-DE" altLang="de-DE" kern="0" dirty="0">
+              <a:cs typeface="Arial"/>
+            </a:endParaRPr>
+          </a:p>
+          <a:p>
+            <a:pPr marL="182245" lvl="1"/>
+            <a:endParaRPr lang="de-DE" altLang="de-DE" kern="0" dirty="0">
+              <a:cs typeface="Arial"/>
+            </a:endParaRPr>
+          </a:p>
+          <a:p>
+            <a:pPr marL="182245" lvl="1"/>
+            <a:endParaRPr lang="de-DE" altLang="de-DE" kern="0" dirty="0">
+              <a:cs typeface="Arial"/>
+            </a:endParaRPr>
+          </a:p>
+          <a:p>
+            <a:pPr marL="182245" lvl="1"/>
+            <a:endParaRPr lang="de-DE" altLang="de-DE" kern="0" dirty="0">
+              <a:cs typeface="Arial"/>
+            </a:endParaRPr>
+          </a:p>
+          <a:p>
+            <a:pPr marL="182245" lvl="1"/>
             <a:r>
               <a:rPr lang="de-DE" altLang="de-DE" kern="0" dirty="0"/>
               <a:t>Feature-Set:</a:t>
             </a:r>
-          </a:p>
-          <a:p>
-            <a:pPr lvl="2"/>
+            <a:endParaRPr lang="de-DE" altLang="de-DE" kern="0" dirty="0">
+              <a:cs typeface="Arial"/>
+            </a:endParaRPr>
+          </a:p>
+          <a:p>
+            <a:pPr lvl="2">
+              <a:buFont typeface="Wingdings" panose="05000000000000000000" pitchFamily="2" charset="2"/>
+              <a:buChar char="§"/>
+            </a:pPr>
             <a:r>
               <a:rPr lang="de-DE" altLang="de-DE" kern="0" dirty="0"/>
               <a:t>Stellt eine Stellung dar</a:t>
             </a:r>
-          </a:p>
-          <a:p>
-            <a:pPr lvl="2"/>
+            <a:endParaRPr lang="de-DE" altLang="de-DE" kern="0" dirty="0">
+              <a:cs typeface="Arial"/>
+            </a:endParaRPr>
+          </a:p>
+          <a:p>
+            <a:pPr lvl="2">
+              <a:buFont typeface="Wingdings" panose="05000000000000000000" pitchFamily="2" charset="2"/>
+              <a:buChar char="§"/>
+            </a:pPr>
             <a:r>
               <a:rPr lang="de-DE" altLang="de-DE" kern="0" dirty="0"/>
-              <a:t>Bestimmt die Form des </a:t>
-            </a:r>
-            <a:r>
-              <a:rPr lang="de-DE" altLang="de-DE" kern="0" dirty="0" err="1"/>
-              <a:t>Eingevektors</a:t>
-            </a:r>
-            <a:endParaRPr lang="de-DE" altLang="de-DE" kern="0" dirty="0"/>
-          </a:p>
-          <a:p>
-            <a:pPr lvl="2"/>
+              <a:t>Bestimmt die Form des Eingabevektors</a:t>
+            </a:r>
+            <a:endParaRPr lang="de-DE" altLang="de-DE" kern="0" dirty="0">
+              <a:cs typeface="Arial"/>
+            </a:endParaRPr>
+          </a:p>
+          <a:p>
+            <a:pPr lvl="2">
+              <a:buFont typeface="Wingdings" panose="05000000000000000000" pitchFamily="2" charset="2"/>
+              <a:buChar char="§"/>
+            </a:pPr>
             <a:r>
               <a:rPr lang="de-DE" altLang="de-DE" kern="0" dirty="0" err="1"/>
               <a:t>HalfKP</a:t>
@@ -4816,7 +4888,9 @@
               <a:rPr lang="de-DE" dirty="0"/>
               <a:t>Feld des eigenen Königs, Feld der Figur, Figurentyp, Farbe der Figur (64 ∗ 64 ∗ 5 ∗ 2 = 40960 Merkmale)</a:t>
             </a:r>
-            <a:endParaRPr lang="de-DE" altLang="de-DE" kern="0" dirty="0"/>
+            <a:endParaRPr lang="de-DE" altLang="de-DE" kern="0" dirty="0">
+              <a:cs typeface="Arial"/>
+            </a:endParaRPr>
           </a:p>
         </p:txBody>
       </p:sp>
@@ -4903,10 +4977,16 @@
           <a:lstStyle/>
           <a:p>
             <a:r>
-              <a:rPr lang="en-US" altLang="de-DE"/>
-              <a:t>Hochschule Mannheim University of Applied Sciences | Vorname Name</a:t>
-            </a:r>
-            <a:endParaRPr lang="de-DE" altLang="de-DE" dirty="0"/>
+              <a:rPr lang="en-US" altLang="de-DE" dirty="0">
+                <a:latin typeface="Arial"/>
+                <a:cs typeface="Arial"/>
+              </a:rPr>
+              <a:t>Hochschule Mannheim University of Applied Sciences | Marvin Karhan</a:t>
+            </a:r>
+            <a:endParaRPr lang="de-DE" altLang="de-DE" dirty="0">
+              <a:latin typeface="Arial"/>
+              <a:cs typeface="Arial"/>
+            </a:endParaRPr>
           </a:p>
         </p:txBody>
       </p:sp>
@@ -5494,10 +5574,12 @@
           <a:lstStyle/>
           <a:p>
             <a:r>
-              <a:rPr lang="en-US" altLang="de-DE"/>
-              <a:t>Hochschule Mannheim University of Applied Sciences | Vorname Name</a:t>
-            </a:r>
-            <a:endParaRPr lang="de-DE" altLang="de-DE" dirty="0"/>
+              <a:rPr lang="en-US" altLang="de-DE" dirty="0">
+                <a:latin typeface="Arial"/>
+                <a:cs typeface="Arial"/>
+              </a:rPr>
+              <a:t>Hochschule Mannheim University of Applied Sciences | Marvin Karhan</a:t>
+            </a:r>
           </a:p>
         </p:txBody>
       </p:sp>
@@ -6282,10 +6364,13 @@
             </a:r>
           </a:p>
           <a:p>
-            <a:pPr lvl="2"/>
+            <a:pPr lvl="2">
+              <a:buFont typeface="Wingdings" panose="05000000000000000000" pitchFamily="2" charset="2"/>
+              <a:buChar char="§"/>
+            </a:pPr>
             <a:r>
               <a:rPr lang="de-DE" altLang="de-DE" kern="0" dirty="0"/>
-              <a:t>5000 Knoten fixe Suche mit </a:t>
+              <a:t>5000 Knoten pro Zug mit </a:t>
             </a:r>
             <a:r>
               <a:rPr lang="de-DE" altLang="de-DE" kern="0" dirty="0" err="1"/>
@@ -6294,17 +6379,23 @@
             <a:endParaRPr lang="de-DE" altLang="de-DE" kern="0" dirty="0"/>
           </a:p>
           <a:p>
-            <a:pPr lvl="2"/>
+            <a:pPr lvl="2">
+              <a:buFont typeface="Wingdings" panose="05000000000000000000" pitchFamily="2" charset="2"/>
+              <a:buChar char="§"/>
+            </a:pPr>
             <a:r>
               <a:rPr lang="de-DE" altLang="de-DE" kern="0" dirty="0"/>
               <a:t>Verschieden generierte Daten mit Lc0</a:t>
             </a:r>
           </a:p>
           <a:p>
-            <a:pPr lvl="2"/>
+            <a:pPr lvl="2">
+              <a:buFont typeface="Wingdings" panose="05000000000000000000" pitchFamily="2" charset="2"/>
+              <a:buChar char="§"/>
+            </a:pPr>
             <a:r>
               <a:rPr lang="de-DE" altLang="de-DE" kern="0" dirty="0"/>
-              <a:t>DFRC 5000 Knoten fixe Suche mit </a:t>
+              <a:t>DFRC 5000 pro Zug mit </a:t>
             </a:r>
             <a:r>
               <a:rPr lang="de-DE" altLang="de-DE" kern="0" dirty="0" err="1"/>
@@ -6330,28 +6421,40 @@
             <a:endParaRPr lang="de-DE" altLang="de-DE" kern="0" dirty="0"/>
           </a:p>
           <a:p>
-            <a:pPr lvl="2"/>
+            <a:pPr lvl="2">
+              <a:buFont typeface="Wingdings" panose="05000000000000000000" pitchFamily="2" charset="2"/>
+              <a:buChar char="§"/>
+            </a:pPr>
             <a:r>
               <a:rPr lang="de-DE" altLang="de-DE" kern="0" dirty="0"/>
-              <a:t>Netzwerk Definition</a:t>
-            </a:r>
-          </a:p>
-          <a:p>
-            <a:pPr lvl="2"/>
+              <a:t>Netzwerkdefinition</a:t>
+            </a:r>
+          </a:p>
+          <a:p>
+            <a:pPr lvl="2">
+              <a:buFont typeface="Wingdings" panose="05000000000000000000" pitchFamily="2" charset="2"/>
+              <a:buChar char="§"/>
+            </a:pPr>
             <a:r>
               <a:rPr lang="de-DE" dirty="0"/>
               <a:t>Vorwärtsaktivierung</a:t>
             </a:r>
           </a:p>
           <a:p>
-            <a:pPr lvl="2"/>
+            <a:pPr lvl="2">
+              <a:buFont typeface="Wingdings" panose="05000000000000000000" pitchFamily="2" charset="2"/>
+              <a:buChar char="§"/>
+            </a:pPr>
             <a:r>
               <a:rPr lang="de-DE" dirty="0"/>
               <a:t>Fehlerberechnung</a:t>
             </a:r>
           </a:p>
           <a:p>
-            <a:pPr lvl="2"/>
+            <a:pPr lvl="2">
+              <a:buFont typeface="Wingdings" panose="05000000000000000000" pitchFamily="2" charset="2"/>
+              <a:buChar char="§"/>
+            </a:pPr>
             <a:r>
               <a:rPr lang="de-DE" dirty="0"/>
               <a:t>Optimierer</a:t>
@@ -6495,7 +6598,7 @@
           </a:prstGeom>
         </p:spPr>
         <p:txBody>
-          <a:bodyPr/>
+          <a:bodyPr lIns="91440" tIns="45720" rIns="91440" bIns="45720" anchor="t"/>
           <a:lstStyle>
             <a:lvl1pPr algn="l" rtl="0" eaLnBrk="1" fontAlgn="base" hangingPunct="1">
               <a:lnSpc>
@@ -6670,36 +6773,48 @@
             </a:lvl9pPr>
           </a:lstStyle>
           <a:p>
-            <a:pPr lvl="1"/>
+            <a:pPr marL="182245" lvl="1"/>
             <a:r>
               <a:rPr lang="de-DE" altLang="de-DE" kern="0" dirty="0"/>
               <a:t>Liest die Gewichte aus einer Binärdatei</a:t>
             </a:r>
-          </a:p>
-          <a:p>
-            <a:pPr lvl="1"/>
+            <a:endParaRPr lang="de-DE" dirty="0"/>
+          </a:p>
+          <a:p>
+            <a:pPr marL="182245" lvl="1"/>
             <a:r>
               <a:rPr lang="de-DE" altLang="de-DE" kern="0" dirty="0"/>
-              <a:t>Speichert Änderung bei der Ausführung eines Zugs</a:t>
-            </a:r>
-          </a:p>
-          <a:p>
-            <a:pPr lvl="1"/>
+              <a:t>Speichert Änderungen bei der Ausführung eines Zugs</a:t>
+            </a:r>
+            <a:endParaRPr lang="de-DE" altLang="de-DE" kern="0" dirty="0">
+              <a:cs typeface="Arial"/>
+            </a:endParaRPr>
+          </a:p>
+          <a:p>
+            <a:pPr marL="182245" lvl="1"/>
             <a:r>
               <a:rPr lang="de-DE" altLang="de-DE" kern="0" dirty="0"/>
-              <a:t>Falls möglich wird der Akkumulator inkrementell Aktualisiert</a:t>
-            </a:r>
-          </a:p>
-          <a:p>
-            <a:pPr lvl="1"/>
+              <a:t>Falls möglich wird der Akkumulator inkrementell aktualisiert</a:t>
+            </a:r>
+            <a:endParaRPr lang="de-DE" altLang="de-DE" kern="0" dirty="0">
+              <a:cs typeface="Arial"/>
+            </a:endParaRPr>
+          </a:p>
+          <a:p>
+            <a:pPr marL="182245" lvl="1"/>
             <a:r>
               <a:rPr lang="de-DE" altLang="de-DE" kern="0" dirty="0"/>
               <a:t>Übrige Schichten werden normal berechnet</a:t>
             </a:r>
-          </a:p>
-          <a:p>
-            <a:pPr lvl="1"/>
-            <a:endParaRPr lang="de-DE" altLang="de-DE" kern="0" dirty="0"/>
+            <a:endParaRPr lang="de-DE" altLang="de-DE" kern="0" dirty="0">
+              <a:cs typeface="Arial"/>
+            </a:endParaRPr>
+          </a:p>
+          <a:p>
+            <a:pPr marL="182245" lvl="1"/>
+            <a:endParaRPr lang="de-DE" altLang="de-DE" kern="0" dirty="0">
+              <a:cs typeface="Arial"/>
+            </a:endParaRPr>
           </a:p>
         </p:txBody>
       </p:sp>
@@ -7268,7 +7383,7 @@
           </a:prstGeom>
         </p:spPr>
         <p:txBody>
-          <a:bodyPr/>
+          <a:bodyPr lIns="91440" tIns="45720" rIns="91440" bIns="45720" anchor="t"/>
           <a:lstStyle>
             <a:lvl1pPr algn="l" rtl="0" eaLnBrk="1" fontAlgn="base" hangingPunct="1">
               <a:lnSpc>
@@ -7443,26 +7558,25 @@
             </a:lvl9pPr>
           </a:lstStyle>
           <a:p>
-            <a:pPr lvl="1"/>
+            <a:pPr marL="182245" lvl="1"/>
             <a:r>
               <a:rPr lang="de-DE" altLang="de-DE" kern="0" dirty="0"/>
               <a:t>Eröffnungsbuch: UHO V3</a:t>
             </a:r>
-          </a:p>
-          <a:p>
-            <a:pPr lvl="1"/>
+            <a:endParaRPr lang="de-DE"/>
+          </a:p>
+          <a:p>
+            <a:pPr marL="182245" lvl="1"/>
             <a:r>
               <a:rPr lang="de-DE" altLang="de-DE" kern="0" dirty="0"/>
-              <a:t>UCI-</a:t>
-            </a:r>
-            <a:r>
-              <a:rPr lang="de-DE" altLang="de-DE" kern="0" dirty="0" err="1"/>
-              <a:t>Standart</a:t>
-            </a:r>
-            <a:endParaRPr lang="de-DE" altLang="de-DE" kern="0" dirty="0"/>
-          </a:p>
-          <a:p>
-            <a:pPr lvl="1"/>
+              <a:t>UCI-Standard</a:t>
+            </a:r>
+            <a:endParaRPr lang="de-DE" altLang="de-DE" kern="0" dirty="0">
+              <a:cs typeface="Arial"/>
+            </a:endParaRPr>
+          </a:p>
+          <a:p>
+            <a:pPr marL="182245" lvl="1"/>
             <a:r>
               <a:rPr lang="de-DE" altLang="de-DE" kern="0" dirty="0" err="1"/>
               <a:t>Cutechess</a:t>
@@ -7471,23 +7585,32 @@
               <a:rPr lang="de-DE" altLang="de-DE" kern="0" dirty="0"/>
               <a:t>-cli</a:t>
             </a:r>
-          </a:p>
-          <a:p>
-            <a:pPr lvl="1"/>
+            <a:endParaRPr lang="de-DE" altLang="de-DE" kern="0" dirty="0">
+              <a:cs typeface="Arial"/>
+            </a:endParaRPr>
+          </a:p>
+          <a:p>
+            <a:pPr marL="182245" lvl="1"/>
             <a:r>
               <a:rPr lang="de-DE" altLang="de-DE" kern="0" dirty="0"/>
               <a:t>Ordo</a:t>
             </a:r>
-          </a:p>
-          <a:p>
-            <a:pPr lvl="1"/>
+            <a:endParaRPr lang="de-DE" altLang="de-DE" kern="0" dirty="0">
+              <a:cs typeface="Arial"/>
+            </a:endParaRPr>
+          </a:p>
+          <a:p>
+            <a:pPr marL="182245" lvl="1"/>
             <a:r>
               <a:rPr lang="de-DE" altLang="de-DE" kern="0" dirty="0"/>
               <a:t>Zeitkontrolle</a:t>
             </a:r>
-          </a:p>
-          <a:p>
-            <a:pPr lvl="1"/>
+            <a:endParaRPr lang="de-DE" altLang="de-DE" kern="0" dirty="0">
+              <a:cs typeface="Arial"/>
+            </a:endParaRPr>
+          </a:p>
+          <a:p>
+            <a:pPr marL="182245" lvl="1"/>
             <a:r>
               <a:rPr lang="de-DE" b="0" i="0" dirty="0">
                 <a:effectLst/>
@@ -7495,11 +7618,15 @@
               </a:rPr>
               <a:t>Automatische Urteilsverkündung</a:t>
             </a:r>
-            <a:endParaRPr lang="de-DE" altLang="de-DE" kern="0" dirty="0"/>
-          </a:p>
-          <a:p>
-            <a:pPr lvl="1"/>
-            <a:endParaRPr lang="de-DE" altLang="de-DE" kern="0" dirty="0"/>
+            <a:endParaRPr lang="de-DE" altLang="de-DE" kern="0" dirty="0">
+              <a:cs typeface="Arial"/>
+            </a:endParaRPr>
+          </a:p>
+          <a:p>
+            <a:pPr marL="182245" lvl="1"/>
+            <a:endParaRPr lang="de-DE" altLang="de-DE" kern="0" dirty="0">
+              <a:cs typeface="Arial"/>
+            </a:endParaRPr>
           </a:p>
         </p:txBody>
       </p:sp>
@@ -7617,7 +7744,7 @@
           <p:nvPr>
             <p:extLst>
               <p:ext uri="{D42A27DB-BD31-4B8C-83A1-F6EECF244321}">
-                <p14:modId xmlns:p14="http://schemas.microsoft.com/office/powerpoint/2010/main" val="105513801"/>
+                <p14:modId xmlns:p14="http://schemas.microsoft.com/office/powerpoint/2010/main" val="452529127"/>
               </p:ext>
             </p:extLst>
           </p:nvPr>
@@ -8929,7 +9056,7 @@
                           <a:ea typeface="+mn-ea"/>
                           <a:cs typeface="+mn-cs"/>
                         </a:rPr>
-                        <a:t>Mittlere quadratische Fehler-Verlustfunktion statt Kreuzentropie-Verlustfunktion</a:t>
+                        <a:t>Mittlere quadratische Fehler-Verlustfunktion anstatt Kreuzentropie-Verlustfunktion</a:t>
                       </a:r>
                     </a:p>
                   </a:txBody>
@@ -10661,7 +10788,7 @@
           <p:nvPr>
             <p:extLst>
               <p:ext uri="{D42A27DB-BD31-4B8C-83A1-F6EECF244321}">
-                <p14:modId xmlns:p14="http://schemas.microsoft.com/office/powerpoint/2010/main" val="743379524"/>
+                <p14:modId xmlns:p14="http://schemas.microsoft.com/office/powerpoint/2010/main" val="1395949623"/>
               </p:ext>
             </p:extLst>
           </p:nvPr>
@@ -12453,7 +12580,7 @@
                           <a:ea typeface="+mn-ea"/>
                           <a:cs typeface="+mn-cs"/>
                         </a:rPr>
-                        <a:t> statt </a:t>
+                        <a:t> anstatt </a:t>
                       </a:r>
                       <a:r>
                         <a:rPr lang="de-DE" sz="1400" b="0" kern="1200" dirty="0" err="1">
@@ -12930,7 +13057,7 @@
                           <a:ea typeface="+mn-ea"/>
                           <a:cs typeface="+mn-cs"/>
                         </a:rPr>
-                        <a:t>Horizontal gespiegeltes Schachbrett statt 180-Grad-Rotiertes</a:t>
+                        <a:t>Horizontal gespiegeltes Schachbrett anstatt 180-Grad-Rotiertes</a:t>
                       </a:r>
                     </a:p>
                   </a:txBody>
@@ -14354,14 +14481,14 @@
         <p:spPr>
           <a:xfrm>
             <a:off x="4932363" y="2160000"/>
-            <a:ext cx="3743325" cy="3600450"/>
+            <a:ext cx="3743325" cy="4005304"/>
           </a:xfrm>
           <a:prstGeom prst="rect">
             <a:avLst/>
           </a:prstGeom>
         </p:spPr>
         <p:txBody>
-          <a:bodyPr/>
+          <a:bodyPr lIns="91440" tIns="45720" rIns="91440" bIns="45720" anchor="t"/>
           <a:lstStyle>
             <a:lvl1pPr algn="l" rtl="0" eaLnBrk="1" fontAlgn="base" hangingPunct="1">
               <a:lnSpc>
@@ -14536,24 +14663,17 @@
             </a:lvl9pPr>
           </a:lstStyle>
           <a:p>
-            <a:pPr marL="1588" lvl="1" indent="0">
+            <a:pPr marL="1270" lvl="1" indent="0">
               <a:buNone/>
             </a:pPr>
             <a:r>
               <a:rPr lang="de-DE" altLang="de-DE" kern="0" dirty="0"/>
-              <a:t>Training mit </a:t>
-            </a:r>
-            <a:r>
-              <a:rPr lang="de-DE" altLang="de-DE" kern="0" dirty="0" err="1"/>
-              <a:t>lambda</a:t>
-            </a:r>
-            <a:r>
-              <a:rPr lang="de-DE" altLang="de-DE" kern="0" dirty="0"/>
-              <a:t> 0,8</a:t>
-            </a:r>
-          </a:p>
-          <a:p>
-            <a:pPr marL="134938" lvl="1" indent="-133350"/>
+              <a:t>Training mit Lambda 0,8</a:t>
+            </a:r>
+            <a:endParaRPr lang="de-DE" dirty="0"/>
+          </a:p>
+          <a:p>
+            <a:pPr marL="134620" lvl="1" indent="-133350"/>
             <a:r>
               <a:rPr lang="de-DE" altLang="de-DE" kern="0" dirty="0"/>
               <a:t>Test 7: Training mit </a:t>
@@ -14570,51 +14690,74 @@
               </a:rPr>
               <a:t>simplen 5000 Knotendaten</a:t>
             </a:r>
-          </a:p>
-          <a:p>
-            <a:pPr marL="134938" lvl="1" indent="-133350"/>
+            <a:endParaRPr lang="de-DE" sz="1800" b="0" kern="1200" dirty="0">
+              <a:solidFill>
+                <a:schemeClr val="tx1"/>
+              </a:solidFill>
+              <a:effectLst/>
+              <a:latin typeface="Arial" charset="0"/>
+              <a:cs typeface="Arial" charset="0"/>
+            </a:endParaRPr>
+          </a:p>
+          <a:p>
+            <a:pPr marL="134620" lvl="1" indent="-133350"/>
             <a:r>
               <a:rPr lang="de-DE" altLang="de-DE" dirty="0">
                 <a:latin typeface="Arial" charset="0"/>
               </a:rPr>
               <a:t>Test 8: Training mit Lc0 Daten</a:t>
             </a:r>
-          </a:p>
-          <a:p>
-            <a:pPr marL="134938" lvl="1" indent="-133350"/>
+            <a:endParaRPr lang="de-DE" altLang="de-DE" dirty="0">
+              <a:latin typeface="Arial" charset="0"/>
+              <a:cs typeface="Arial" charset="0"/>
+            </a:endParaRPr>
+          </a:p>
+          <a:p>
+            <a:pPr marL="134620" lvl="1" indent="-133350"/>
             <a:r>
               <a:rPr lang="de-DE" altLang="de-DE" dirty="0">
                 <a:latin typeface="Arial" charset="0"/>
               </a:rPr>
               <a:t>Test 9: Neutraining von Test 7 mit Lc0 Daten</a:t>
             </a:r>
-          </a:p>
-          <a:p>
-            <a:pPr marL="134938" lvl="1" indent="-133350"/>
+            <a:endParaRPr lang="de-DE" altLang="de-DE" dirty="0">
+              <a:latin typeface="Arial" charset="0"/>
+              <a:cs typeface="Arial" charset="0"/>
+            </a:endParaRPr>
+          </a:p>
+          <a:p>
+            <a:pPr marL="134620" lvl="1" indent="-133350"/>
             <a:r>
               <a:rPr lang="de-DE" altLang="de-DE" kern="0" dirty="0">
                 <a:latin typeface="Arial" charset="0"/>
               </a:rPr>
               <a:t>Test 10: Neutraining von Test 8 mit 5000 Knotendaten</a:t>
             </a:r>
-          </a:p>
-          <a:p>
-            <a:pPr marL="1588" lvl="1" indent="0">
+            <a:endParaRPr lang="de-DE" altLang="de-DE" kern="0" dirty="0">
+              <a:latin typeface="Arial" charset="0"/>
+              <a:cs typeface="Arial" charset="0"/>
+            </a:endParaRPr>
+          </a:p>
+          <a:p>
+            <a:pPr marL="1270" lvl="1" indent="0">
               <a:buNone/>
             </a:pPr>
             <a:endParaRPr lang="de-DE" altLang="de-DE" kern="0" dirty="0">
               <a:latin typeface="Arial" charset="0"/>
+              <a:cs typeface="Arial" charset="0"/>
             </a:endParaRPr>
           </a:p>
           <a:p>
-            <a:pPr marL="1588" lvl="1" indent="0">
+            <a:pPr marL="1270" lvl="1" indent="0">
               <a:buNone/>
             </a:pPr>
             <a:r>
               <a:rPr lang="de-DE" dirty="0"/>
-              <a:t>⇒ Test 7 (Epoche 300) ist deutlich Stärker als Versionen zuvor</a:t>
-            </a:r>
-            <a:endParaRPr lang="de-DE" altLang="de-DE" kern="0" dirty="0"/>
+              <a:t>⇒ Test 7 (Epoche 300) ist deutlich stärker als die Versionen zuvor</a:t>
+            </a:r>
+            <a:endParaRPr lang="de-DE" altLang="de-DE" kern="0" dirty="0">
+              <a:cs typeface="Arial"/>
+            </a:endParaRPr>
           </a:p>
         </p:txBody>
       </p:sp>
@@ -14966,7 +15109,7 @@
             <a:pPr marL="134938" lvl="1" indent="-133350"/>
             <a:r>
               <a:rPr lang="de-DE" altLang="de-DE" kern="0" dirty="0"/>
-              <a:t>Fehler erklärt nicht den Spielstärke Ausreißer</a:t>
+              <a:t>Fehler erklärt nicht den Spielstärke-Ausreißer</a:t>
             </a:r>
           </a:p>
           <a:p>
@@ -15374,7 +15517,7 @@
                 <a:ea typeface="+mn-ea"/>
                 <a:cs typeface="+mn-cs"/>
               </a:rPr>
-              <a:t> statt </a:t>
+              <a:t> anstatt </a:t>
             </a:r>
             <a:r>
               <a:rPr lang="de-DE" sz="1800" b="0" kern="1200" dirty="0" err="1">
@@ -15764,7 +15907,7 @@
                 <a:ea typeface="+mn-ea"/>
                 <a:cs typeface="+mn-cs"/>
               </a:rPr>
-              <a:t>Horizontal gespiegeltes Schachbrett statt 180-Grad-Rotiertes</a:t>
+              <a:t>Horizontal gespiegeltes Schachbrett anstatt 180-Grad-Rotiertes</a:t>
             </a:r>
           </a:p>
           <a:p>
@@ -22234,7 +22377,7 @@
           </a:prstGeom>
         </p:spPr>
         <p:txBody>
-          <a:bodyPr/>
+          <a:bodyPr lIns="91440" tIns="45720" rIns="91440" bIns="45720" anchor="t"/>
           <a:lstStyle>
             <a:lvl1pPr algn="l" rtl="0" eaLnBrk="1" fontAlgn="base" hangingPunct="1">
               <a:lnSpc>
@@ -22409,20 +22552,18 @@
             </a:lvl9pPr>
           </a:lstStyle>
           <a:p>
-            <a:pPr lvl="1"/>
+            <a:pPr marL="182245" lvl="1"/>
             <a:r>
               <a:rPr lang="de-DE" altLang="de-DE" kern="0" dirty="0"/>
               <a:t>Großes Netz </a:t>
             </a:r>
             <a:r>
               <a:rPr lang="de-DE" dirty="0"/>
-              <a:t>⇒ lange </a:t>
-            </a:r>
-            <a:r>
-              <a:rPr lang="de-DE" dirty="0" err="1"/>
-              <a:t>Traningsdauer</a:t>
-            </a:r>
-            <a:endParaRPr lang="de-DE" kern="0" dirty="0"/>
+              <a:t>⇒ lange Trainingsdauer</a:t>
+            </a:r>
+            <a:endParaRPr lang="de-DE" kern="0" dirty="0">
+              <a:cs typeface="Arial"/>
+            </a:endParaRPr>
           </a:p>
           <a:p>
             <a:pPr lvl="1"/>
@@ -22439,11 +22580,14 @@
             </a:r>
           </a:p>
           <a:p>
-            <a:pPr lvl="1"/>
+            <a:pPr marL="182245" lvl="1"/>
             <a:r>
               <a:rPr lang="de-DE" altLang="de-DE" kern="0" dirty="0"/>
-              <a:t>UHO-Eröffnungsbuch endspricht nicht der Realität</a:t>
-            </a:r>
+              <a:t>UHO-Eröffnungsbuch entspricht nicht der Realität</a:t>
+            </a:r>
+            <a:endParaRPr lang="de-DE" altLang="de-DE" kern="0" dirty="0">
+              <a:cs typeface="Arial"/>
+            </a:endParaRPr>
           </a:p>
           <a:p>
             <a:pPr lvl="1"/>
@@ -22481,7 +22625,7 @@
                 </a:solidFill>
                 <a:latin typeface="Arial" panose="020B0604020202020204" pitchFamily="34" charset="0"/>
               </a:rPr>
-              <a:t>Initiale Implementierung schwer zu Debuggen</a:t>
+              <a:t>Initiale Implementierung schwer zu debuggen</a:t>
             </a:r>
           </a:p>
           <a:p>
@@ -22503,17 +22647,21 @@
             </a:endParaRPr>
           </a:p>
           <a:p>
-            <a:pPr lvl="1"/>
+            <a:pPr marL="182245" lvl="1"/>
             <a:r>
               <a:rPr lang="de-DE" altLang="de-DE" kern="0" dirty="0">
                 <a:solidFill>
                   <a:srgbClr val="202122"/>
                 </a:solidFill>
-                <a:latin typeface="Arial" panose="020B0604020202020204" pitchFamily="34" charset="0"/>
+                <a:latin typeface="Arial"/>
+                <a:cs typeface="Arial"/>
               </a:rPr>
-              <a:t>Nicht Optimaler SIMD Code</a:t>
-            </a:r>
-            <a:endParaRPr lang="de-DE" altLang="de-DE" kern="0" dirty="0"/>
+              <a:t>Nicht optimaler SIMD Code</a:t>
+            </a:r>
+            <a:endParaRPr lang="de-DE" altLang="de-DE" kern="0" dirty="0">
+              <a:latin typeface="Arial"/>
+              <a:cs typeface="Arial"/>
+            </a:endParaRPr>
           </a:p>
         </p:txBody>
       </p:sp>
@@ -22765,7 +22913,7 @@
           </a:prstGeom>
         </p:spPr>
         <p:txBody>
-          <a:bodyPr/>
+          <a:bodyPr lIns="91440" tIns="45720" rIns="91440" bIns="45720" anchor="t"/>
           <a:lstStyle>
             <a:lvl1pPr algn="l" rtl="0" eaLnBrk="1" fontAlgn="base" hangingPunct="1">
               <a:lnSpc>
@@ -22963,9 +23111,12 @@
               <a:buAutoNum type="arabicPeriod"/>
             </a:pPr>
             <a:r>
-              <a:rPr lang="de-DE" altLang="de-DE" dirty="0"/>
+              <a:rPr lang="de-DE" altLang="de-DE"/>
               <a:t>Anwendungsgebiete</a:t>
             </a:r>
+            <a:endParaRPr lang="de-DE" altLang="de-DE">
+              <a:cs typeface="Arial"/>
+            </a:endParaRPr>
           </a:p>
           <a:p>
             <a:pPr marL="381000" indent="-381000">
@@ -23098,7 +23249,7 @@
           </a:prstGeom>
         </p:spPr>
         <p:txBody>
-          <a:bodyPr/>
+          <a:bodyPr lIns="91440" tIns="45720" rIns="91440" bIns="45720" anchor="t"/>
           <a:lstStyle>
             <a:lvl1pPr algn="l" rtl="0" eaLnBrk="1" fontAlgn="base" hangingPunct="1">
               <a:lnSpc>
@@ -23273,10 +23424,10 @@
             </a:lvl9pPr>
           </a:lstStyle>
           <a:p>
-            <a:pPr lvl="1"/>
+            <a:pPr marL="182245" lvl="1"/>
             <a:r>
               <a:rPr lang="de-DE" altLang="de-DE" kern="0" dirty="0"/>
-              <a:t>Anderen Optimierungsalgorithmus verwenden (z. b. </a:t>
+              <a:t>Anderen Optimierungsalgorithmus verwenden (z. B. </a:t>
             </a:r>
             <a:r>
               <a:rPr lang="de-DE" kern="0" dirty="0" err="1"/>
@@ -23286,17 +23437,20 @@
               <a:rPr lang="de-DE" kern="0" dirty="0"/>
               <a:t>)</a:t>
             </a:r>
-          </a:p>
-          <a:p>
-            <a:pPr lvl="1"/>
+            <a:endParaRPr lang="de-DE"/>
+          </a:p>
+          <a:p>
+            <a:pPr marL="182245" lvl="1"/>
             <a:r>
               <a:rPr lang="de-DE" kern="0" dirty="0" err="1"/>
               <a:t>Buckets</a:t>
             </a:r>
-            <a:endParaRPr lang="de-DE" kern="0" dirty="0"/>
-          </a:p>
-          <a:p>
-            <a:pPr lvl="1"/>
+            <a:endParaRPr lang="de-DE" kern="0" dirty="0">
+              <a:cs typeface="Arial"/>
+            </a:endParaRPr>
+          </a:p>
+          <a:p>
+            <a:pPr marL="182245" lvl="1"/>
             <a:r>
               <a:rPr lang="de-DE" kern="0" dirty="0"/>
               <a:t>Feature </a:t>
@@ -23305,14 +23459,19 @@
               <a:rPr lang="de-DE" kern="0" dirty="0" err="1"/>
               <a:t>Factorization</a:t>
             </a:r>
-            <a:endParaRPr lang="de-DE" kern="0" dirty="0"/>
-          </a:p>
-          <a:p>
-            <a:pPr lvl="1"/>
+            <a:endParaRPr lang="de-DE" kern="0" dirty="0">
+              <a:cs typeface="Arial"/>
+            </a:endParaRPr>
+          </a:p>
+          <a:p>
+            <a:pPr marL="182245" lvl="1"/>
             <a:r>
               <a:rPr lang="de-DE" kern="0" dirty="0"/>
               <a:t>Eigene Trainingsdaten</a:t>
             </a:r>
+            <a:endParaRPr lang="de-DE" kern="0" dirty="0">
+              <a:cs typeface="Arial"/>
+            </a:endParaRPr>
           </a:p>
         </p:txBody>
       </p:sp>
@@ -23525,10 +23684,12 @@
           <a:lstStyle/>
           <a:p>
             <a:r>
-              <a:rPr lang="en-US" altLang="de-DE"/>
-              <a:t>Hochschule Mannheim University of Applied Sciences | Vorname Name</a:t>
-            </a:r>
-            <a:endParaRPr lang="de-DE" altLang="de-DE" dirty="0"/>
+              <a:rPr lang="en-US" altLang="de-DE" dirty="0">
+                <a:latin typeface="Arial"/>
+                <a:cs typeface="Arial"/>
+              </a:rPr>
+              <a:t>Hochschule Mannheim University of Applied Sciences | Marvin Karhan</a:t>
+            </a:r>
           </a:p>
         </p:txBody>
       </p:sp>
@@ -24042,10 +24203,16 @@
           <a:lstStyle/>
           <a:p>
             <a:r>
-              <a:rPr lang="en-US" altLang="de-DE"/>
-              <a:t>Hochschule Mannheim University of Applied Sciences | Vorname Name</a:t>
-            </a:r>
-            <a:endParaRPr lang="de-DE" altLang="de-DE" dirty="0"/>
+              <a:rPr lang="en-US" altLang="de-DE" dirty="0">
+                <a:latin typeface="Arial"/>
+                <a:cs typeface="Arial"/>
+              </a:rPr>
+              <a:t>Hochschule Mannheim University of Applied Sciences | Marvin Karhan</a:t>
+            </a:r>
+            <a:endParaRPr lang="de-DE" altLang="de-DE" dirty="0">
+              <a:latin typeface="Arial"/>
+              <a:cs typeface="Arial"/>
+            </a:endParaRPr>
           </a:p>
         </p:txBody>
       </p:sp>

--- a/latex/Kolloquium/Kolloquium_Marvin_Karhan.pptx
+++ b/latex/Kolloquium/Kolloquium_Marvin_Karhan.pptx
@@ -5,54 +5,49 @@
     <p:sldMasterId id="2147483649" r:id="rId1"/>
   </p:sldMasterIdLst>
   <p:notesMasterIdLst>
-    <p:notesMasterId r:id="rId44"/>
+    <p:notesMasterId r:id="rId39"/>
   </p:notesMasterIdLst>
   <p:handoutMasterIdLst>
-    <p:handoutMasterId r:id="rId45"/>
+    <p:handoutMasterId r:id="rId40"/>
   </p:handoutMasterIdLst>
   <p:sldIdLst>
     <p:sldId id="328" r:id="rId2"/>
     <p:sldId id="330" r:id="rId3"/>
     <p:sldId id="366" r:id="rId4"/>
-    <p:sldId id="370" r:id="rId5"/>
-    <p:sldId id="369" r:id="rId6"/>
-    <p:sldId id="368" r:id="rId7"/>
-    <p:sldId id="371" r:id="rId8"/>
-    <p:sldId id="372" r:id="rId9"/>
-    <p:sldId id="373" r:id="rId10"/>
-    <p:sldId id="382" r:id="rId11"/>
-    <p:sldId id="384" r:id="rId12"/>
-    <p:sldId id="385" r:id="rId13"/>
-    <p:sldId id="386" r:id="rId14"/>
-    <p:sldId id="387" r:id="rId15"/>
-    <p:sldId id="391" r:id="rId16"/>
-    <p:sldId id="390" r:id="rId17"/>
-    <p:sldId id="375" r:id="rId18"/>
-    <p:sldId id="376" r:id="rId19"/>
-    <p:sldId id="377" r:id="rId20"/>
-    <p:sldId id="393" r:id="rId21"/>
-    <p:sldId id="392" r:id="rId22"/>
-    <p:sldId id="348" r:id="rId23"/>
-    <p:sldId id="350" r:id="rId24"/>
-    <p:sldId id="352" r:id="rId25"/>
-    <p:sldId id="354" r:id="rId26"/>
-    <p:sldId id="355" r:id="rId27"/>
-    <p:sldId id="357" r:id="rId28"/>
-    <p:sldId id="349" r:id="rId29"/>
-    <p:sldId id="358" r:id="rId30"/>
-    <p:sldId id="359" r:id="rId31"/>
-    <p:sldId id="362" r:id="rId32"/>
-    <p:sldId id="360" r:id="rId33"/>
-    <p:sldId id="361" r:id="rId34"/>
-    <p:sldId id="378" r:id="rId35"/>
-    <p:sldId id="363" r:id="rId36"/>
-    <p:sldId id="364" r:id="rId37"/>
-    <p:sldId id="379" r:id="rId38"/>
-    <p:sldId id="380" r:id="rId39"/>
-    <p:sldId id="365" r:id="rId40"/>
-    <p:sldId id="381" r:id="rId41"/>
-    <p:sldId id="367" r:id="rId42"/>
-    <p:sldId id="346" r:id="rId43"/>
+    <p:sldId id="368" r:id="rId5"/>
+    <p:sldId id="371" r:id="rId6"/>
+    <p:sldId id="372" r:id="rId7"/>
+    <p:sldId id="382" r:id="rId8"/>
+    <p:sldId id="391" r:id="rId9"/>
+    <p:sldId id="390" r:id="rId10"/>
+    <p:sldId id="375" r:id="rId11"/>
+    <p:sldId id="377" r:id="rId12"/>
+    <p:sldId id="393" r:id="rId13"/>
+    <p:sldId id="392" r:id="rId14"/>
+    <p:sldId id="348" r:id="rId15"/>
+    <p:sldId id="352" r:id="rId16"/>
+    <p:sldId id="354" r:id="rId17"/>
+    <p:sldId id="355" r:id="rId18"/>
+    <p:sldId id="357" r:id="rId19"/>
+    <p:sldId id="349" r:id="rId20"/>
+    <p:sldId id="358" r:id="rId21"/>
+    <p:sldId id="359" r:id="rId22"/>
+    <p:sldId id="360" r:id="rId23"/>
+    <p:sldId id="361" r:id="rId24"/>
+    <p:sldId id="378" r:id="rId25"/>
+    <p:sldId id="363" r:id="rId26"/>
+    <p:sldId id="379" r:id="rId27"/>
+    <p:sldId id="380" r:id="rId28"/>
+    <p:sldId id="365" r:id="rId29"/>
+    <p:sldId id="381" r:id="rId30"/>
+    <p:sldId id="367" r:id="rId31"/>
+    <p:sldId id="346" r:id="rId32"/>
+    <p:sldId id="369" r:id="rId33"/>
+    <p:sldId id="384" r:id="rId34"/>
+    <p:sldId id="385" r:id="rId35"/>
+    <p:sldId id="386" r:id="rId36"/>
+    <p:sldId id="387" r:id="rId37"/>
+    <p:sldId id="362" r:id="rId38"/>
   </p:sldIdLst>
   <p:sldSz cx="9144000" cy="6858000" type="screen4x3"/>
   <p:notesSz cx="6858000" cy="9144000"/>
@@ -2645,7 +2640,47 @@
       </p:grpSpPr>
       <p:sp>
         <p:nvSpPr>
-          <p:cNvPr id="3" name="Fußzeilenplatzhalter 2"/>
+          <p:cNvPr id="2" name="Titel 1">
+            <a:extLst>
+              <a:ext uri="{FF2B5EF4-FFF2-40B4-BE49-F238E27FC236}">
+                <a16:creationId xmlns:a16="http://schemas.microsoft.com/office/drawing/2014/main" id="{F64A9751-63ED-04DE-9EEA-FC0C22828676}"/>
+              </a:ext>
+            </a:extLst>
+          </p:cNvPr>
+          <p:cNvSpPr>
+            <a:spLocks noGrp="1"/>
+          </p:cNvSpPr>
+          <p:nvPr>
+            <p:ph type="title"/>
+          </p:nvPr>
+        </p:nvSpPr>
+        <p:spPr>
+          <a:xfrm>
+            <a:off x="0" y="3246437"/>
+            <a:ext cx="9144000" cy="365125"/>
+          </a:xfrm>
+        </p:spPr>
+        <p:txBody>
+          <a:bodyPr/>
+          <a:lstStyle/>
+          <a:p>
+            <a:pPr algn="ctr"/>
+            <a:r>
+              <a:rPr lang="de-DE" sz="3600" dirty="0"/>
+              <a:t>Implementierung</a:t>
+            </a:r>
+          </a:p>
+        </p:txBody>
+      </p:sp>
+      <p:sp>
+        <p:nvSpPr>
+          <p:cNvPr id="3" name="Fußzeilenplatzhalter 2">
+            <a:extLst>
+              <a:ext uri="{FF2B5EF4-FFF2-40B4-BE49-F238E27FC236}">
+                <a16:creationId xmlns:a16="http://schemas.microsoft.com/office/drawing/2014/main" id="{D0DCF5F5-5C07-C213-58E3-5F856F047CB0}"/>
+              </a:ext>
+            </a:extLst>
+          </p:cNvPr>
           <p:cNvSpPr>
             <a:spLocks noGrp="1"/>
           </p:cNvSpPr>
@@ -2668,7 +2703,13 @@
       </p:sp>
       <p:sp>
         <p:nvSpPr>
-          <p:cNvPr id="4" name="Foliennummernplatzhalter 3"/>
+          <p:cNvPr id="4" name="Foliennummernplatzhalter 3">
+            <a:extLst>
+              <a:ext uri="{FF2B5EF4-FFF2-40B4-BE49-F238E27FC236}">
+                <a16:creationId xmlns:a16="http://schemas.microsoft.com/office/drawing/2014/main" id="{355734E1-0407-D0AD-C1AA-D2C386B1FF85}"/>
+              </a:ext>
+            </a:extLst>
+          </p:cNvPr>
           <p:cNvSpPr>
             <a:spLocks noGrp="1"/>
           </p:cNvSpPr>
@@ -2690,305 +2731,10 @@
           </a:p>
         </p:txBody>
       </p:sp>
-      <p:sp>
-        <p:nvSpPr>
-          <p:cNvPr id="5" name="Rectangle 2"/>
-          <p:cNvSpPr>
-            <a:spLocks noGrp="1" noChangeArrowheads="1"/>
-          </p:cNvSpPr>
-          <p:nvPr>
-            <p:ph type="title"/>
-          </p:nvPr>
-        </p:nvSpPr>
-        <p:spPr>
-          <a:xfrm>
-            <a:off x="971550" y="1404000"/>
-            <a:ext cx="7704138" cy="792162"/>
-          </a:xfrm>
-        </p:spPr>
-        <p:txBody>
-          <a:bodyPr/>
-          <a:lstStyle/>
-          <a:p>
-            <a:r>
-              <a:rPr lang="de-DE" altLang="de-DE" kern="0" dirty="0"/>
-              <a:t>Hand-</a:t>
-            </a:r>
-            <a:r>
-              <a:rPr lang="de-DE" altLang="de-DE" kern="0" dirty="0" err="1"/>
-              <a:t>Crafted</a:t>
-            </a:r>
-            <a:r>
-              <a:rPr lang="de-DE" altLang="de-DE" kern="0" dirty="0"/>
-              <a:t> Evaluation</a:t>
-            </a:r>
-            <a:br>
-              <a:rPr lang="de-DE" altLang="de-DE" kern="0" dirty="0"/>
-            </a:br>
-            <a:endParaRPr lang="de-DE" altLang="de-DE" dirty="0"/>
-          </a:p>
-        </p:txBody>
-      </p:sp>
-      <p:sp>
-        <p:nvSpPr>
-          <p:cNvPr id="6" name="Rectangle 3"/>
-          <p:cNvSpPr txBox="1">
-            <a:spLocks noChangeArrowheads="1"/>
-          </p:cNvSpPr>
-          <p:nvPr/>
-        </p:nvSpPr>
-        <p:spPr>
-          <a:xfrm>
-            <a:off x="971550" y="2160000"/>
-            <a:ext cx="7677150" cy="3600450"/>
-          </a:xfrm>
-          <a:prstGeom prst="rect">
-            <a:avLst/>
-          </a:prstGeom>
-        </p:spPr>
-        <p:txBody>
-          <a:bodyPr/>
-          <a:lstStyle>
-            <a:lvl1pPr algn="l" rtl="0" eaLnBrk="1" fontAlgn="base" hangingPunct="1">
-              <a:lnSpc>
-                <a:spcPct val="110000"/>
-              </a:lnSpc>
-              <a:spcBef>
-                <a:spcPct val="0"/>
-              </a:spcBef>
-              <a:spcAft>
-                <a:spcPct val="20000"/>
-              </a:spcAft>
-              <a:defRPr>
-                <a:solidFill>
-                  <a:schemeClr val="tx1"/>
-                </a:solidFill>
-                <a:latin typeface="+mn-lt"/>
-                <a:ea typeface="+mn-ea"/>
-                <a:cs typeface="+mn-cs"/>
-              </a:defRPr>
-            </a:lvl1pPr>
-            <a:lvl2pPr marL="182563" indent="-180975" algn="l" rtl="0" eaLnBrk="1" fontAlgn="base" hangingPunct="1">
-              <a:lnSpc>
-                <a:spcPct val="110000"/>
-              </a:lnSpc>
-              <a:spcBef>
-                <a:spcPct val="0"/>
-              </a:spcBef>
-              <a:spcAft>
-                <a:spcPct val="20000"/>
-              </a:spcAft>
-              <a:buFont typeface="Arial" charset="0"/>
-              <a:buChar char="•"/>
-              <a:defRPr>
-                <a:solidFill>
-                  <a:schemeClr val="tx1"/>
-                </a:solidFill>
-                <a:latin typeface="+mn-lt"/>
-              </a:defRPr>
-            </a:lvl2pPr>
-            <a:lvl3pPr marL="366713" indent="-182563" algn="l" rtl="0" eaLnBrk="1" fontAlgn="base" hangingPunct="1">
-              <a:lnSpc>
-                <a:spcPct val="110000"/>
-              </a:lnSpc>
-              <a:spcBef>
-                <a:spcPct val="0"/>
-              </a:spcBef>
-              <a:spcAft>
-                <a:spcPct val="20000"/>
-              </a:spcAft>
-              <a:buFont typeface="Arial" charset="0"/>
-              <a:buChar char="•"/>
-              <a:defRPr>
-                <a:solidFill>
-                  <a:schemeClr val="tx1"/>
-                </a:solidFill>
-                <a:latin typeface="+mn-lt"/>
-              </a:defRPr>
-            </a:lvl3pPr>
-            <a:lvl4pPr marL="552450" indent="-184150" algn="l" rtl="0" eaLnBrk="1" fontAlgn="base" hangingPunct="1">
-              <a:lnSpc>
-                <a:spcPct val="110000"/>
-              </a:lnSpc>
-              <a:spcBef>
-                <a:spcPct val="0"/>
-              </a:spcBef>
-              <a:spcAft>
-                <a:spcPct val="20000"/>
-              </a:spcAft>
-              <a:buFont typeface="Arial" charset="0"/>
-              <a:buChar char="•"/>
-              <a:defRPr>
-                <a:solidFill>
-                  <a:schemeClr val="tx1"/>
-                </a:solidFill>
-                <a:latin typeface="+mn-lt"/>
-              </a:defRPr>
-            </a:lvl4pPr>
-            <a:lvl5pPr marL="738188" indent="-184150" algn="l" rtl="0" eaLnBrk="1" fontAlgn="base" hangingPunct="1">
-              <a:lnSpc>
-                <a:spcPct val="110000"/>
-              </a:lnSpc>
-              <a:spcBef>
-                <a:spcPct val="0"/>
-              </a:spcBef>
-              <a:spcAft>
-                <a:spcPct val="20000"/>
-              </a:spcAft>
-              <a:buFont typeface="Arial" charset="0"/>
-              <a:buChar char="•"/>
-              <a:defRPr>
-                <a:solidFill>
-                  <a:schemeClr val="tx1"/>
-                </a:solidFill>
-                <a:latin typeface="+mn-lt"/>
-              </a:defRPr>
-            </a:lvl5pPr>
-            <a:lvl6pPr marL="1195388" indent="-184150" algn="l" rtl="0" eaLnBrk="1" fontAlgn="base" hangingPunct="1">
-              <a:lnSpc>
-                <a:spcPct val="110000"/>
-              </a:lnSpc>
-              <a:spcBef>
-                <a:spcPct val="0"/>
-              </a:spcBef>
-              <a:spcAft>
-                <a:spcPct val="20000"/>
-              </a:spcAft>
-              <a:buFont typeface="Arial" charset="0"/>
-              <a:buChar char="•"/>
-              <a:defRPr>
-                <a:solidFill>
-                  <a:schemeClr val="tx1"/>
-                </a:solidFill>
-                <a:latin typeface="+mn-lt"/>
-              </a:defRPr>
-            </a:lvl6pPr>
-            <a:lvl7pPr marL="1652588" indent="-184150" algn="l" rtl="0" eaLnBrk="1" fontAlgn="base" hangingPunct="1">
-              <a:lnSpc>
-                <a:spcPct val="110000"/>
-              </a:lnSpc>
-              <a:spcBef>
-                <a:spcPct val="0"/>
-              </a:spcBef>
-              <a:spcAft>
-                <a:spcPct val="20000"/>
-              </a:spcAft>
-              <a:buFont typeface="Arial" charset="0"/>
-              <a:buChar char="•"/>
-              <a:defRPr>
-                <a:solidFill>
-                  <a:schemeClr val="tx1"/>
-                </a:solidFill>
-                <a:latin typeface="+mn-lt"/>
-              </a:defRPr>
-            </a:lvl7pPr>
-            <a:lvl8pPr marL="2109788" indent="-184150" algn="l" rtl="0" eaLnBrk="1" fontAlgn="base" hangingPunct="1">
-              <a:lnSpc>
-                <a:spcPct val="110000"/>
-              </a:lnSpc>
-              <a:spcBef>
-                <a:spcPct val="0"/>
-              </a:spcBef>
-              <a:spcAft>
-                <a:spcPct val="20000"/>
-              </a:spcAft>
-              <a:buFont typeface="Arial" charset="0"/>
-              <a:buChar char="•"/>
-              <a:defRPr>
-                <a:solidFill>
-                  <a:schemeClr val="tx1"/>
-                </a:solidFill>
-                <a:latin typeface="+mn-lt"/>
-              </a:defRPr>
-            </a:lvl8pPr>
-            <a:lvl9pPr marL="2566988" indent="-184150" algn="l" rtl="0" eaLnBrk="1" fontAlgn="base" hangingPunct="1">
-              <a:lnSpc>
-                <a:spcPct val="110000"/>
-              </a:lnSpc>
-              <a:spcBef>
-                <a:spcPct val="0"/>
-              </a:spcBef>
-              <a:spcAft>
-                <a:spcPct val="20000"/>
-              </a:spcAft>
-              <a:buFont typeface="Arial" charset="0"/>
-              <a:buChar char="•"/>
-              <a:defRPr>
-                <a:solidFill>
-                  <a:schemeClr val="tx1"/>
-                </a:solidFill>
-                <a:latin typeface="+mn-lt"/>
-              </a:defRPr>
-            </a:lvl9pPr>
-          </a:lstStyle>
-          <a:p>
-            <a:pPr lvl="1"/>
-            <a:r>
-              <a:rPr lang="de-DE" altLang="de-DE" kern="0" dirty="0"/>
-              <a:t>Per Hand gewählte Evaluationskriterien</a:t>
-            </a:r>
-          </a:p>
-          <a:p>
-            <a:pPr lvl="1"/>
-            <a:r>
-              <a:rPr lang="de-DE" altLang="de-DE" kern="0" dirty="0"/>
-              <a:t>Durch Menschen ausgewählt</a:t>
-            </a:r>
-          </a:p>
-          <a:p>
-            <a:pPr marL="1588" lvl="1" indent="0">
-              <a:buNone/>
-            </a:pPr>
-            <a:endParaRPr lang="de-DE" altLang="de-DE" kern="0" dirty="0"/>
-          </a:p>
-          <a:p>
-            <a:pPr marL="1588" lvl="1" indent="0">
-              <a:buNone/>
-            </a:pPr>
-            <a:r>
-              <a:rPr lang="de-DE" altLang="de-DE" kern="0" dirty="0"/>
-              <a:t>z. B.:</a:t>
-            </a:r>
-          </a:p>
-          <a:p>
-            <a:pPr lvl="1"/>
-            <a:r>
-              <a:rPr lang="de-DE" altLang="de-DE" kern="0" dirty="0"/>
-              <a:t>Materialwertung</a:t>
-            </a:r>
-          </a:p>
-          <a:p>
-            <a:pPr lvl="1"/>
-            <a:r>
-              <a:rPr lang="de-DE" altLang="de-DE" kern="0" dirty="0"/>
-              <a:t>Piece Square </a:t>
-            </a:r>
-            <a:r>
-              <a:rPr lang="de-DE" altLang="de-DE" kern="0" dirty="0" err="1"/>
-              <a:t>Tables</a:t>
-            </a:r>
-            <a:endParaRPr lang="de-DE" altLang="de-DE" kern="0" dirty="0"/>
-          </a:p>
-          <a:p>
-            <a:pPr lvl="1"/>
-            <a:r>
-              <a:rPr lang="de-DE" altLang="de-DE" kern="0" dirty="0"/>
-              <a:t>Mobilität</a:t>
-            </a:r>
-          </a:p>
-          <a:p>
-            <a:pPr lvl="1"/>
-            <a:r>
-              <a:rPr lang="de-DE" altLang="de-DE" kern="0" dirty="0"/>
-              <a:t>Spielphasen</a:t>
-            </a:r>
-          </a:p>
-        </p:txBody>
-      </p:sp>
     </p:spTree>
     <p:extLst>
       <p:ext uri="{BB962C8B-B14F-4D97-AF65-F5344CB8AC3E}">
-        <p14:creationId xmlns:p14="http://schemas.microsoft.com/office/powerpoint/2010/main" val="4267071689"/>
+        <p14:creationId xmlns:p14="http://schemas.microsoft.com/office/powerpoint/2010/main" val="358082169"/>
       </p:ext>
     </p:extLst>
   </p:cSld>
@@ -3032,10 +2778,12 @@
           <a:lstStyle/>
           <a:p>
             <a:r>
-              <a:rPr lang="en-US" altLang="de-DE" dirty="0"/>
+              <a:rPr lang="en-US" altLang="de-DE" dirty="0">
+                <a:latin typeface="Arial"/>
+                <a:cs typeface="Arial"/>
+              </a:rPr>
               <a:t>Hochschule Mannheim University of Applied Sciences | Marvin Karhan</a:t>
             </a:r>
-            <a:endParaRPr lang="de-DE" altLang="de-DE" dirty="0"/>
           </a:p>
         </p:txBody>
       </p:sp>
@@ -3058,2550 +2806,6 @@
               <a:rPr lang="de-DE" smtClean="0"/>
               <a:pPr/>
               <a:t>11</a:t>
-            </a:fld>
-            <a:endParaRPr lang="de-DE" dirty="0"/>
-          </a:p>
-        </p:txBody>
-      </p:sp>
-      <p:sp>
-        <p:nvSpPr>
-          <p:cNvPr id="5" name="Rectangle 2"/>
-          <p:cNvSpPr>
-            <a:spLocks noGrp="1" noChangeArrowheads="1"/>
-          </p:cNvSpPr>
-          <p:nvPr>
-            <p:ph type="title"/>
-          </p:nvPr>
-        </p:nvSpPr>
-        <p:spPr>
-          <a:xfrm>
-            <a:off x="971550" y="1404000"/>
-            <a:ext cx="7704138" cy="792162"/>
-          </a:xfrm>
-        </p:spPr>
-        <p:txBody>
-          <a:bodyPr/>
-          <a:lstStyle/>
-          <a:p>
-            <a:r>
-              <a:rPr lang="de-DE" altLang="de-DE" kern="0" dirty="0"/>
-              <a:t>Neuronale Netze</a:t>
-            </a:r>
-            <a:endParaRPr lang="de-DE" altLang="de-DE" dirty="0"/>
-          </a:p>
-        </p:txBody>
-      </p:sp>
-      <p:sp>
-        <p:nvSpPr>
-          <p:cNvPr id="6" name="Rectangle 3"/>
-          <p:cNvSpPr txBox="1">
-            <a:spLocks noChangeArrowheads="1"/>
-          </p:cNvSpPr>
-          <p:nvPr/>
-        </p:nvSpPr>
-        <p:spPr>
-          <a:xfrm>
-            <a:off x="4932363" y="2160000"/>
-            <a:ext cx="4032125" cy="3600450"/>
-          </a:xfrm>
-          <a:prstGeom prst="rect">
-            <a:avLst/>
-          </a:prstGeom>
-        </p:spPr>
-        <p:txBody>
-          <a:bodyPr lIns="91440" tIns="45720" rIns="91440" bIns="45720" anchor="t"/>
-          <a:lstStyle>
-            <a:lvl1pPr algn="l" rtl="0" eaLnBrk="1" fontAlgn="base" hangingPunct="1">
-              <a:lnSpc>
-                <a:spcPct val="110000"/>
-              </a:lnSpc>
-              <a:spcBef>
-                <a:spcPct val="0"/>
-              </a:spcBef>
-              <a:spcAft>
-                <a:spcPct val="20000"/>
-              </a:spcAft>
-              <a:defRPr>
-                <a:solidFill>
-                  <a:schemeClr val="tx1"/>
-                </a:solidFill>
-                <a:latin typeface="+mn-lt"/>
-                <a:ea typeface="+mn-ea"/>
-                <a:cs typeface="+mn-cs"/>
-              </a:defRPr>
-            </a:lvl1pPr>
-            <a:lvl2pPr marL="182563" indent="-180975" algn="l" rtl="0" eaLnBrk="1" fontAlgn="base" hangingPunct="1">
-              <a:lnSpc>
-                <a:spcPct val="110000"/>
-              </a:lnSpc>
-              <a:spcBef>
-                <a:spcPct val="0"/>
-              </a:spcBef>
-              <a:spcAft>
-                <a:spcPct val="20000"/>
-              </a:spcAft>
-              <a:buFont typeface="Arial" charset="0"/>
-              <a:buChar char="•"/>
-              <a:defRPr>
-                <a:solidFill>
-                  <a:schemeClr val="tx1"/>
-                </a:solidFill>
-                <a:latin typeface="+mn-lt"/>
-              </a:defRPr>
-            </a:lvl2pPr>
-            <a:lvl3pPr marL="366713" indent="-182563" algn="l" rtl="0" eaLnBrk="1" fontAlgn="base" hangingPunct="1">
-              <a:lnSpc>
-                <a:spcPct val="110000"/>
-              </a:lnSpc>
-              <a:spcBef>
-                <a:spcPct val="0"/>
-              </a:spcBef>
-              <a:spcAft>
-                <a:spcPct val="20000"/>
-              </a:spcAft>
-              <a:buFont typeface="Arial" charset="0"/>
-              <a:buChar char="•"/>
-              <a:defRPr>
-                <a:solidFill>
-                  <a:schemeClr val="tx1"/>
-                </a:solidFill>
-                <a:latin typeface="+mn-lt"/>
-              </a:defRPr>
-            </a:lvl3pPr>
-            <a:lvl4pPr marL="552450" indent="-184150" algn="l" rtl="0" eaLnBrk="1" fontAlgn="base" hangingPunct="1">
-              <a:lnSpc>
-                <a:spcPct val="110000"/>
-              </a:lnSpc>
-              <a:spcBef>
-                <a:spcPct val="0"/>
-              </a:spcBef>
-              <a:spcAft>
-                <a:spcPct val="20000"/>
-              </a:spcAft>
-              <a:buFont typeface="Arial" charset="0"/>
-              <a:buChar char="•"/>
-              <a:defRPr>
-                <a:solidFill>
-                  <a:schemeClr val="tx1"/>
-                </a:solidFill>
-                <a:latin typeface="+mn-lt"/>
-              </a:defRPr>
-            </a:lvl4pPr>
-            <a:lvl5pPr marL="738188" indent="-184150" algn="l" rtl="0" eaLnBrk="1" fontAlgn="base" hangingPunct="1">
-              <a:lnSpc>
-                <a:spcPct val="110000"/>
-              </a:lnSpc>
-              <a:spcBef>
-                <a:spcPct val="0"/>
-              </a:spcBef>
-              <a:spcAft>
-                <a:spcPct val="20000"/>
-              </a:spcAft>
-              <a:buFont typeface="Arial" charset="0"/>
-              <a:buChar char="•"/>
-              <a:defRPr>
-                <a:solidFill>
-                  <a:schemeClr val="tx1"/>
-                </a:solidFill>
-                <a:latin typeface="+mn-lt"/>
-              </a:defRPr>
-            </a:lvl5pPr>
-            <a:lvl6pPr marL="1195388" indent="-184150" algn="l" rtl="0" eaLnBrk="1" fontAlgn="base" hangingPunct="1">
-              <a:lnSpc>
-                <a:spcPct val="110000"/>
-              </a:lnSpc>
-              <a:spcBef>
-                <a:spcPct val="0"/>
-              </a:spcBef>
-              <a:spcAft>
-                <a:spcPct val="20000"/>
-              </a:spcAft>
-              <a:buFont typeface="Arial" charset="0"/>
-              <a:buChar char="•"/>
-              <a:defRPr>
-                <a:solidFill>
-                  <a:schemeClr val="tx1"/>
-                </a:solidFill>
-                <a:latin typeface="+mn-lt"/>
-              </a:defRPr>
-            </a:lvl6pPr>
-            <a:lvl7pPr marL="1652588" indent="-184150" algn="l" rtl="0" eaLnBrk="1" fontAlgn="base" hangingPunct="1">
-              <a:lnSpc>
-                <a:spcPct val="110000"/>
-              </a:lnSpc>
-              <a:spcBef>
-                <a:spcPct val="0"/>
-              </a:spcBef>
-              <a:spcAft>
-                <a:spcPct val="20000"/>
-              </a:spcAft>
-              <a:buFont typeface="Arial" charset="0"/>
-              <a:buChar char="•"/>
-              <a:defRPr>
-                <a:solidFill>
-                  <a:schemeClr val="tx1"/>
-                </a:solidFill>
-                <a:latin typeface="+mn-lt"/>
-              </a:defRPr>
-            </a:lvl7pPr>
-            <a:lvl8pPr marL="2109788" indent="-184150" algn="l" rtl="0" eaLnBrk="1" fontAlgn="base" hangingPunct="1">
-              <a:lnSpc>
-                <a:spcPct val="110000"/>
-              </a:lnSpc>
-              <a:spcBef>
-                <a:spcPct val="0"/>
-              </a:spcBef>
-              <a:spcAft>
-                <a:spcPct val="20000"/>
-              </a:spcAft>
-              <a:buFont typeface="Arial" charset="0"/>
-              <a:buChar char="•"/>
-              <a:defRPr>
-                <a:solidFill>
-                  <a:schemeClr val="tx1"/>
-                </a:solidFill>
-                <a:latin typeface="+mn-lt"/>
-              </a:defRPr>
-            </a:lvl8pPr>
-            <a:lvl9pPr marL="2566988" indent="-184150" algn="l" rtl="0" eaLnBrk="1" fontAlgn="base" hangingPunct="1">
-              <a:lnSpc>
-                <a:spcPct val="110000"/>
-              </a:lnSpc>
-              <a:spcBef>
-                <a:spcPct val="0"/>
-              </a:spcBef>
-              <a:spcAft>
-                <a:spcPct val="20000"/>
-              </a:spcAft>
-              <a:buFont typeface="Arial" charset="0"/>
-              <a:buChar char="•"/>
-              <a:defRPr>
-                <a:solidFill>
-                  <a:schemeClr val="tx1"/>
-                </a:solidFill>
-                <a:latin typeface="+mn-lt"/>
-              </a:defRPr>
-            </a:lvl9pPr>
-          </a:lstStyle>
-          <a:p>
-            <a:pPr marL="182245" lvl="1"/>
-            <a:r>
-              <a:rPr lang="de-DE" altLang="de-DE" kern="0" dirty="0"/>
-              <a:t>Nach biologischem Vorbild (Gehirn)</a:t>
-            </a:r>
-            <a:endParaRPr lang="de-DE" dirty="0"/>
-          </a:p>
-          <a:p>
-            <a:pPr marL="182245" lvl="1"/>
-            <a:r>
-              <a:rPr lang="de-DE" altLang="de-DE" kern="0" dirty="0"/>
-              <a:t>Vernetzte Neuronen</a:t>
-            </a:r>
-            <a:endParaRPr lang="de-DE" altLang="de-DE" kern="0" dirty="0">
-              <a:cs typeface="Arial"/>
-            </a:endParaRPr>
-          </a:p>
-          <a:p>
-            <a:pPr marL="182245" lvl="1"/>
-            <a:r>
-              <a:rPr lang="de-DE" altLang="de-DE" kern="0" dirty="0"/>
-              <a:t>Aufgeteilt in Schichten</a:t>
-            </a:r>
-            <a:endParaRPr lang="de-DE" altLang="de-DE" kern="0" dirty="0">
-              <a:cs typeface="Arial"/>
-            </a:endParaRPr>
-          </a:p>
-          <a:p>
-            <a:pPr marL="182245" lvl="1"/>
-            <a:r>
-              <a:rPr lang="de-DE" altLang="de-DE" kern="0" dirty="0"/>
-              <a:t>Kanten sind Gewichte</a:t>
-            </a:r>
-            <a:endParaRPr lang="de-DE" altLang="de-DE" kern="0" dirty="0">
-              <a:cs typeface="Arial"/>
-            </a:endParaRPr>
-          </a:p>
-          <a:p>
-            <a:pPr marL="182245" lvl="1"/>
-            <a:r>
-              <a:rPr lang="de-DE" altLang="de-DE" kern="0" dirty="0"/>
-              <a:t>Darstellung der Gewichte</a:t>
-            </a:r>
-            <a:endParaRPr lang="de-DE" altLang="de-DE" kern="0" dirty="0">
-              <a:cs typeface="Arial"/>
-            </a:endParaRPr>
-          </a:p>
-          <a:p>
-            <a:pPr lvl="2">
-              <a:buFont typeface="Wingdings" panose="05000000000000000000" pitchFamily="2" charset="2"/>
-              <a:buChar char="§"/>
-            </a:pPr>
-            <a:r>
-              <a:rPr lang="de-DE" altLang="de-DE" kern="0" dirty="0"/>
-              <a:t>Quantisierung</a:t>
-            </a:r>
-            <a:endParaRPr lang="de-DE" altLang="de-DE" kern="0" dirty="0">
-              <a:cs typeface="Arial"/>
-            </a:endParaRPr>
-          </a:p>
-          <a:p>
-            <a:pPr marL="182245" lvl="1"/>
-            <a:r>
-              <a:rPr lang="de-DE" altLang="de-DE" kern="0" dirty="0"/>
-              <a:t>Bildet eine Funktion nach</a:t>
-            </a:r>
-            <a:endParaRPr lang="de-DE" altLang="de-DE" kern="0" dirty="0">
-              <a:cs typeface="Arial"/>
-            </a:endParaRPr>
-          </a:p>
-        </p:txBody>
-      </p:sp>
-      <p:pic>
-        <p:nvPicPr>
-          <p:cNvPr id="2" name="Grafik 1">
-            <a:extLst>
-              <a:ext uri="{FF2B5EF4-FFF2-40B4-BE49-F238E27FC236}">
-                <a16:creationId xmlns:a16="http://schemas.microsoft.com/office/drawing/2014/main" id="{FC904A1F-7C1C-2BBC-797E-C988AB46D4DF}"/>
-              </a:ext>
-            </a:extLst>
-          </p:cNvPr>
-          <p:cNvPicPr>
-            <a:picLocks noChangeAspect="1"/>
-          </p:cNvPicPr>
-          <p:nvPr/>
-        </p:nvPicPr>
-        <p:blipFill>
-          <a:blip r:embed="rId2">
-            <a:extLst>
-              <a:ext uri="{28A0092B-C50C-407E-A947-70E740481C1C}">
-                <a14:useLocalDpi xmlns:a14="http://schemas.microsoft.com/office/drawing/2010/main" val="0"/>
-              </a:ext>
-              <a:ext uri="{96DAC541-7B7A-43D3-8B79-37D633B846F1}">
-                <asvg:svgBlip xmlns:asvg="http://schemas.microsoft.com/office/drawing/2016/SVG/main" r:embed="rId3"/>
-              </a:ext>
-            </a:extLst>
-          </a:blip>
-          <a:srcRect/>
-          <a:stretch/>
-        </p:blipFill>
-        <p:spPr>
-          <a:xfrm>
-            <a:off x="971550" y="2535834"/>
-            <a:ext cx="3799008" cy="2284749"/>
-          </a:xfrm>
-          <a:prstGeom prst="rect">
-            <a:avLst/>
-          </a:prstGeom>
-        </p:spPr>
-      </p:pic>
-    </p:spTree>
-    <p:extLst>
-      <p:ext uri="{BB962C8B-B14F-4D97-AF65-F5344CB8AC3E}">
-        <p14:creationId xmlns:p14="http://schemas.microsoft.com/office/powerpoint/2010/main" val="2814027738"/>
-      </p:ext>
-    </p:extLst>
-  </p:cSld>
-  <p:clrMapOvr>
-    <a:masterClrMapping/>
-  </p:clrMapOvr>
-  <p:transition/>
-</p:sld>
-</file>
-
-<file path=ppt/slides/slide12.xml><?xml version="1.0" encoding="utf-8"?>
-<p:sld xmlns:a="http://schemas.openxmlformats.org/drawingml/2006/main" xmlns:r="http://schemas.openxmlformats.org/officeDocument/2006/relationships" xmlns:p="http://schemas.openxmlformats.org/presentationml/2006/main">
-  <p:cSld>
-    <p:spTree>
-      <p:nvGrpSpPr>
-        <p:cNvPr id="1" name=""/>
-        <p:cNvGrpSpPr/>
-        <p:nvPr/>
-      </p:nvGrpSpPr>
-      <p:grpSpPr>
-        <a:xfrm>
-          <a:off x="0" y="0"/>
-          <a:ext cx="0" cy="0"/>
-          <a:chOff x="0" y="0"/>
-          <a:chExt cx="0" cy="0"/>
-        </a:xfrm>
-      </p:grpSpPr>
-      <p:sp>
-        <p:nvSpPr>
-          <p:cNvPr id="3" name="Fußzeilenplatzhalter 2"/>
-          <p:cNvSpPr>
-            <a:spLocks noGrp="1"/>
-          </p:cNvSpPr>
-          <p:nvPr>
-            <p:ph type="ftr" sz="quarter" idx="10"/>
-          </p:nvPr>
-        </p:nvSpPr>
-        <p:spPr/>
-        <p:txBody>
-          <a:bodyPr/>
-          <a:lstStyle/>
-          <a:p>
-            <a:r>
-              <a:rPr lang="en-US" altLang="de-DE" dirty="0"/>
-              <a:t>Hochschule Mannheim University of Applied Sciences | Marvin Karhan</a:t>
-            </a:r>
-            <a:endParaRPr lang="de-DE" altLang="de-DE" dirty="0"/>
-          </a:p>
-        </p:txBody>
-      </p:sp>
-      <p:sp>
-        <p:nvSpPr>
-          <p:cNvPr id="4" name="Foliennummernplatzhalter 3"/>
-          <p:cNvSpPr>
-            <a:spLocks noGrp="1"/>
-          </p:cNvSpPr>
-          <p:nvPr>
-            <p:ph type="sldNum" sz="quarter" idx="11"/>
-          </p:nvPr>
-        </p:nvSpPr>
-        <p:spPr/>
-        <p:txBody>
-          <a:bodyPr/>
-          <a:lstStyle/>
-          <a:p>
-            <a:fld id="{57D12BB6-0ED4-46B6-AB23-7758AD07EFBF}" type="slidenum">
-              <a:rPr lang="de-DE" smtClean="0"/>
-              <a:pPr/>
-              <a:t>12</a:t>
-            </a:fld>
-            <a:endParaRPr lang="de-DE" dirty="0"/>
-          </a:p>
-        </p:txBody>
-      </p:sp>
-      <p:sp>
-        <p:nvSpPr>
-          <p:cNvPr id="5" name="Rectangle 2"/>
-          <p:cNvSpPr>
-            <a:spLocks noGrp="1" noChangeArrowheads="1"/>
-          </p:cNvSpPr>
-          <p:nvPr>
-            <p:ph type="title"/>
-          </p:nvPr>
-        </p:nvSpPr>
-        <p:spPr>
-          <a:xfrm>
-            <a:off x="971550" y="1404000"/>
-            <a:ext cx="7704138" cy="792162"/>
-          </a:xfrm>
-        </p:spPr>
-        <p:txBody>
-          <a:bodyPr/>
-          <a:lstStyle/>
-          <a:p>
-            <a:r>
-              <a:rPr lang="de-DE" altLang="de-DE" kern="0" dirty="0"/>
-              <a:t>Neuronale Netze: Das Neuron</a:t>
-            </a:r>
-            <a:endParaRPr lang="de-DE" altLang="de-DE" dirty="0"/>
-          </a:p>
-        </p:txBody>
-      </p:sp>
-      <p:sp>
-        <p:nvSpPr>
-          <p:cNvPr id="6" name="Rectangle 3"/>
-          <p:cNvSpPr txBox="1">
-            <a:spLocks noChangeArrowheads="1"/>
-          </p:cNvSpPr>
-          <p:nvPr/>
-        </p:nvSpPr>
-        <p:spPr>
-          <a:xfrm>
-            <a:off x="4932363" y="2160000"/>
-            <a:ext cx="4032125" cy="3600450"/>
-          </a:xfrm>
-          <a:prstGeom prst="rect">
-            <a:avLst/>
-          </a:prstGeom>
-        </p:spPr>
-        <p:txBody>
-          <a:bodyPr/>
-          <a:lstStyle>
-            <a:lvl1pPr algn="l" rtl="0" eaLnBrk="1" fontAlgn="base" hangingPunct="1">
-              <a:lnSpc>
-                <a:spcPct val="110000"/>
-              </a:lnSpc>
-              <a:spcBef>
-                <a:spcPct val="0"/>
-              </a:spcBef>
-              <a:spcAft>
-                <a:spcPct val="20000"/>
-              </a:spcAft>
-              <a:defRPr>
-                <a:solidFill>
-                  <a:schemeClr val="tx1"/>
-                </a:solidFill>
-                <a:latin typeface="+mn-lt"/>
-                <a:ea typeface="+mn-ea"/>
-                <a:cs typeface="+mn-cs"/>
-              </a:defRPr>
-            </a:lvl1pPr>
-            <a:lvl2pPr marL="182563" indent="-180975" algn="l" rtl="0" eaLnBrk="1" fontAlgn="base" hangingPunct="1">
-              <a:lnSpc>
-                <a:spcPct val="110000"/>
-              </a:lnSpc>
-              <a:spcBef>
-                <a:spcPct val="0"/>
-              </a:spcBef>
-              <a:spcAft>
-                <a:spcPct val="20000"/>
-              </a:spcAft>
-              <a:buFont typeface="Arial" charset="0"/>
-              <a:buChar char="•"/>
-              <a:defRPr>
-                <a:solidFill>
-                  <a:schemeClr val="tx1"/>
-                </a:solidFill>
-                <a:latin typeface="+mn-lt"/>
-              </a:defRPr>
-            </a:lvl2pPr>
-            <a:lvl3pPr marL="366713" indent="-182563" algn="l" rtl="0" eaLnBrk="1" fontAlgn="base" hangingPunct="1">
-              <a:lnSpc>
-                <a:spcPct val="110000"/>
-              </a:lnSpc>
-              <a:spcBef>
-                <a:spcPct val="0"/>
-              </a:spcBef>
-              <a:spcAft>
-                <a:spcPct val="20000"/>
-              </a:spcAft>
-              <a:buFont typeface="Arial" charset="0"/>
-              <a:buChar char="•"/>
-              <a:defRPr>
-                <a:solidFill>
-                  <a:schemeClr val="tx1"/>
-                </a:solidFill>
-                <a:latin typeface="+mn-lt"/>
-              </a:defRPr>
-            </a:lvl3pPr>
-            <a:lvl4pPr marL="552450" indent="-184150" algn="l" rtl="0" eaLnBrk="1" fontAlgn="base" hangingPunct="1">
-              <a:lnSpc>
-                <a:spcPct val="110000"/>
-              </a:lnSpc>
-              <a:spcBef>
-                <a:spcPct val="0"/>
-              </a:spcBef>
-              <a:spcAft>
-                <a:spcPct val="20000"/>
-              </a:spcAft>
-              <a:buFont typeface="Arial" charset="0"/>
-              <a:buChar char="•"/>
-              <a:defRPr>
-                <a:solidFill>
-                  <a:schemeClr val="tx1"/>
-                </a:solidFill>
-                <a:latin typeface="+mn-lt"/>
-              </a:defRPr>
-            </a:lvl4pPr>
-            <a:lvl5pPr marL="738188" indent="-184150" algn="l" rtl="0" eaLnBrk="1" fontAlgn="base" hangingPunct="1">
-              <a:lnSpc>
-                <a:spcPct val="110000"/>
-              </a:lnSpc>
-              <a:spcBef>
-                <a:spcPct val="0"/>
-              </a:spcBef>
-              <a:spcAft>
-                <a:spcPct val="20000"/>
-              </a:spcAft>
-              <a:buFont typeface="Arial" charset="0"/>
-              <a:buChar char="•"/>
-              <a:defRPr>
-                <a:solidFill>
-                  <a:schemeClr val="tx1"/>
-                </a:solidFill>
-                <a:latin typeface="+mn-lt"/>
-              </a:defRPr>
-            </a:lvl5pPr>
-            <a:lvl6pPr marL="1195388" indent="-184150" algn="l" rtl="0" eaLnBrk="1" fontAlgn="base" hangingPunct="1">
-              <a:lnSpc>
-                <a:spcPct val="110000"/>
-              </a:lnSpc>
-              <a:spcBef>
-                <a:spcPct val="0"/>
-              </a:spcBef>
-              <a:spcAft>
-                <a:spcPct val="20000"/>
-              </a:spcAft>
-              <a:buFont typeface="Arial" charset="0"/>
-              <a:buChar char="•"/>
-              <a:defRPr>
-                <a:solidFill>
-                  <a:schemeClr val="tx1"/>
-                </a:solidFill>
-                <a:latin typeface="+mn-lt"/>
-              </a:defRPr>
-            </a:lvl6pPr>
-            <a:lvl7pPr marL="1652588" indent="-184150" algn="l" rtl="0" eaLnBrk="1" fontAlgn="base" hangingPunct="1">
-              <a:lnSpc>
-                <a:spcPct val="110000"/>
-              </a:lnSpc>
-              <a:spcBef>
-                <a:spcPct val="0"/>
-              </a:spcBef>
-              <a:spcAft>
-                <a:spcPct val="20000"/>
-              </a:spcAft>
-              <a:buFont typeface="Arial" charset="0"/>
-              <a:buChar char="•"/>
-              <a:defRPr>
-                <a:solidFill>
-                  <a:schemeClr val="tx1"/>
-                </a:solidFill>
-                <a:latin typeface="+mn-lt"/>
-              </a:defRPr>
-            </a:lvl7pPr>
-            <a:lvl8pPr marL="2109788" indent="-184150" algn="l" rtl="0" eaLnBrk="1" fontAlgn="base" hangingPunct="1">
-              <a:lnSpc>
-                <a:spcPct val="110000"/>
-              </a:lnSpc>
-              <a:spcBef>
-                <a:spcPct val="0"/>
-              </a:spcBef>
-              <a:spcAft>
-                <a:spcPct val="20000"/>
-              </a:spcAft>
-              <a:buFont typeface="Arial" charset="0"/>
-              <a:buChar char="•"/>
-              <a:defRPr>
-                <a:solidFill>
-                  <a:schemeClr val="tx1"/>
-                </a:solidFill>
-                <a:latin typeface="+mn-lt"/>
-              </a:defRPr>
-            </a:lvl8pPr>
-            <a:lvl9pPr marL="2566988" indent="-184150" algn="l" rtl="0" eaLnBrk="1" fontAlgn="base" hangingPunct="1">
-              <a:lnSpc>
-                <a:spcPct val="110000"/>
-              </a:lnSpc>
-              <a:spcBef>
-                <a:spcPct val="0"/>
-              </a:spcBef>
-              <a:spcAft>
-                <a:spcPct val="20000"/>
-              </a:spcAft>
-              <a:buFont typeface="Arial" charset="0"/>
-              <a:buChar char="•"/>
-              <a:defRPr>
-                <a:solidFill>
-                  <a:schemeClr val="tx1"/>
-                </a:solidFill>
-                <a:latin typeface="+mn-lt"/>
-              </a:defRPr>
-            </a:lvl9pPr>
-          </a:lstStyle>
-          <a:p>
-            <a:pPr lvl="1"/>
-            <a:r>
-              <a:rPr lang="de-DE" altLang="de-DE" kern="0" dirty="0"/>
-              <a:t>Nimmt Eingabewerte</a:t>
-            </a:r>
-          </a:p>
-          <a:p>
-            <a:pPr lvl="1"/>
-            <a:r>
-              <a:rPr lang="de-DE" altLang="de-DE" kern="0" dirty="0"/>
-              <a:t>Gewichtet</a:t>
-            </a:r>
-          </a:p>
-          <a:p>
-            <a:pPr lvl="1"/>
-            <a:r>
-              <a:rPr lang="de-DE" altLang="de-DE" kern="0" dirty="0"/>
-              <a:t>Summiert</a:t>
-            </a:r>
-          </a:p>
-          <a:p>
-            <a:pPr lvl="1"/>
-            <a:r>
-              <a:rPr lang="de-DE" altLang="de-DE" kern="0" dirty="0"/>
-              <a:t>Aktiviert</a:t>
-            </a:r>
-          </a:p>
-        </p:txBody>
-      </p:sp>
-      <p:pic>
-        <p:nvPicPr>
-          <p:cNvPr id="2" name="Grafik 1">
-            <a:extLst>
-              <a:ext uri="{FF2B5EF4-FFF2-40B4-BE49-F238E27FC236}">
-                <a16:creationId xmlns:a16="http://schemas.microsoft.com/office/drawing/2014/main" id="{FC904A1F-7C1C-2BBC-797E-C988AB46D4DF}"/>
-              </a:ext>
-            </a:extLst>
-          </p:cNvPr>
-          <p:cNvPicPr>
-            <a:picLocks noChangeAspect="1"/>
-          </p:cNvPicPr>
-          <p:nvPr/>
-        </p:nvPicPr>
-        <p:blipFill>
-          <a:blip r:embed="rId2">
-            <a:extLst>
-              <a:ext uri="{28A0092B-C50C-407E-A947-70E740481C1C}">
-                <a14:useLocalDpi xmlns:a14="http://schemas.microsoft.com/office/drawing/2010/main" val="0"/>
-              </a:ext>
-              <a:ext uri="{96DAC541-7B7A-43D3-8B79-37D633B846F1}">
-                <asvg:svgBlip xmlns:asvg="http://schemas.microsoft.com/office/drawing/2016/SVG/main" r:embed="rId3"/>
-              </a:ext>
-            </a:extLst>
-          </a:blip>
-          <a:srcRect/>
-          <a:stretch/>
-        </p:blipFill>
-        <p:spPr>
-          <a:xfrm>
-            <a:off x="971550" y="2701745"/>
-            <a:ext cx="3799008" cy="1952927"/>
-          </a:xfrm>
-          <a:prstGeom prst="rect">
-            <a:avLst/>
-          </a:prstGeom>
-        </p:spPr>
-      </p:pic>
-    </p:spTree>
-    <p:extLst>
-      <p:ext uri="{BB962C8B-B14F-4D97-AF65-F5344CB8AC3E}">
-        <p14:creationId xmlns:p14="http://schemas.microsoft.com/office/powerpoint/2010/main" val="4097952752"/>
-      </p:ext>
-    </p:extLst>
-  </p:cSld>
-  <p:clrMapOvr>
-    <a:masterClrMapping/>
-  </p:clrMapOvr>
-  <p:transition/>
-</p:sld>
-</file>
-
-<file path=ppt/slides/slide13.xml><?xml version="1.0" encoding="utf-8"?>
-<p:sld xmlns:a="http://schemas.openxmlformats.org/drawingml/2006/main" xmlns:r="http://schemas.openxmlformats.org/officeDocument/2006/relationships" xmlns:p="http://schemas.openxmlformats.org/presentationml/2006/main">
-  <p:cSld>
-    <p:spTree>
-      <p:nvGrpSpPr>
-        <p:cNvPr id="1" name=""/>
-        <p:cNvGrpSpPr/>
-        <p:nvPr/>
-      </p:nvGrpSpPr>
-      <p:grpSpPr>
-        <a:xfrm>
-          <a:off x="0" y="0"/>
-          <a:ext cx="0" cy="0"/>
-          <a:chOff x="0" y="0"/>
-          <a:chExt cx="0" cy="0"/>
-        </a:xfrm>
-      </p:grpSpPr>
-      <p:sp>
-        <p:nvSpPr>
-          <p:cNvPr id="3" name="Fußzeilenplatzhalter 2"/>
-          <p:cNvSpPr>
-            <a:spLocks noGrp="1"/>
-          </p:cNvSpPr>
-          <p:nvPr>
-            <p:ph type="ftr" sz="quarter" idx="10"/>
-          </p:nvPr>
-        </p:nvSpPr>
-        <p:spPr/>
-        <p:txBody>
-          <a:bodyPr/>
-          <a:lstStyle/>
-          <a:p>
-            <a:r>
-              <a:rPr lang="en-US" altLang="de-DE" dirty="0"/>
-              <a:t>Hochschule Mannheim University of Applied Sciences | Marvin Karhan</a:t>
-            </a:r>
-            <a:endParaRPr lang="de-DE" altLang="de-DE" dirty="0"/>
-          </a:p>
-        </p:txBody>
-      </p:sp>
-      <p:sp>
-        <p:nvSpPr>
-          <p:cNvPr id="4" name="Foliennummernplatzhalter 3"/>
-          <p:cNvSpPr>
-            <a:spLocks noGrp="1"/>
-          </p:cNvSpPr>
-          <p:nvPr>
-            <p:ph type="sldNum" sz="quarter" idx="11"/>
-          </p:nvPr>
-        </p:nvSpPr>
-        <p:spPr/>
-        <p:txBody>
-          <a:bodyPr/>
-          <a:lstStyle/>
-          <a:p>
-            <a:fld id="{57D12BB6-0ED4-46B6-AB23-7758AD07EFBF}" type="slidenum">
-              <a:rPr lang="de-DE" smtClean="0"/>
-              <a:pPr/>
-              <a:t>13</a:t>
-            </a:fld>
-            <a:endParaRPr lang="de-DE" dirty="0"/>
-          </a:p>
-        </p:txBody>
-      </p:sp>
-      <p:sp>
-        <p:nvSpPr>
-          <p:cNvPr id="5" name="Rectangle 2"/>
-          <p:cNvSpPr>
-            <a:spLocks noGrp="1" noChangeArrowheads="1"/>
-          </p:cNvSpPr>
-          <p:nvPr>
-            <p:ph type="title"/>
-          </p:nvPr>
-        </p:nvSpPr>
-        <p:spPr>
-          <a:xfrm>
-            <a:off x="971550" y="1404000"/>
-            <a:ext cx="7704138" cy="792162"/>
-          </a:xfrm>
-        </p:spPr>
-        <p:txBody>
-          <a:bodyPr/>
-          <a:lstStyle/>
-          <a:p>
-            <a:r>
-              <a:rPr lang="de-DE" altLang="de-DE" kern="0" dirty="0"/>
-              <a:t>Neuronale Netze: Lernen</a:t>
-            </a:r>
-            <a:endParaRPr lang="de-DE" altLang="de-DE" dirty="0"/>
-          </a:p>
-        </p:txBody>
-      </p:sp>
-      <p:sp>
-        <p:nvSpPr>
-          <p:cNvPr id="6" name="Rectangle 3"/>
-          <p:cNvSpPr txBox="1">
-            <a:spLocks noChangeArrowheads="1"/>
-          </p:cNvSpPr>
-          <p:nvPr/>
-        </p:nvSpPr>
-        <p:spPr>
-          <a:xfrm>
-            <a:off x="971550" y="2160000"/>
-            <a:ext cx="7677150" cy="3600450"/>
-          </a:xfrm>
-          <a:prstGeom prst="rect">
-            <a:avLst/>
-          </a:prstGeom>
-        </p:spPr>
-        <p:txBody>
-          <a:bodyPr/>
-          <a:lstStyle>
-            <a:lvl1pPr algn="l" rtl="0" eaLnBrk="1" fontAlgn="base" hangingPunct="1">
-              <a:lnSpc>
-                <a:spcPct val="110000"/>
-              </a:lnSpc>
-              <a:spcBef>
-                <a:spcPct val="0"/>
-              </a:spcBef>
-              <a:spcAft>
-                <a:spcPct val="20000"/>
-              </a:spcAft>
-              <a:defRPr>
-                <a:solidFill>
-                  <a:schemeClr val="tx1"/>
-                </a:solidFill>
-                <a:latin typeface="+mn-lt"/>
-                <a:ea typeface="+mn-ea"/>
-                <a:cs typeface="+mn-cs"/>
-              </a:defRPr>
-            </a:lvl1pPr>
-            <a:lvl2pPr marL="182563" indent="-180975" algn="l" rtl="0" eaLnBrk="1" fontAlgn="base" hangingPunct="1">
-              <a:lnSpc>
-                <a:spcPct val="110000"/>
-              </a:lnSpc>
-              <a:spcBef>
-                <a:spcPct val="0"/>
-              </a:spcBef>
-              <a:spcAft>
-                <a:spcPct val="20000"/>
-              </a:spcAft>
-              <a:buFont typeface="Arial" charset="0"/>
-              <a:buChar char="•"/>
-              <a:defRPr>
-                <a:solidFill>
-                  <a:schemeClr val="tx1"/>
-                </a:solidFill>
-                <a:latin typeface="+mn-lt"/>
-              </a:defRPr>
-            </a:lvl2pPr>
-            <a:lvl3pPr marL="366713" indent="-182563" algn="l" rtl="0" eaLnBrk="1" fontAlgn="base" hangingPunct="1">
-              <a:lnSpc>
-                <a:spcPct val="110000"/>
-              </a:lnSpc>
-              <a:spcBef>
-                <a:spcPct val="0"/>
-              </a:spcBef>
-              <a:spcAft>
-                <a:spcPct val="20000"/>
-              </a:spcAft>
-              <a:buFont typeface="Arial" charset="0"/>
-              <a:buChar char="•"/>
-              <a:defRPr>
-                <a:solidFill>
-                  <a:schemeClr val="tx1"/>
-                </a:solidFill>
-                <a:latin typeface="+mn-lt"/>
-              </a:defRPr>
-            </a:lvl3pPr>
-            <a:lvl4pPr marL="552450" indent="-184150" algn="l" rtl="0" eaLnBrk="1" fontAlgn="base" hangingPunct="1">
-              <a:lnSpc>
-                <a:spcPct val="110000"/>
-              </a:lnSpc>
-              <a:spcBef>
-                <a:spcPct val="0"/>
-              </a:spcBef>
-              <a:spcAft>
-                <a:spcPct val="20000"/>
-              </a:spcAft>
-              <a:buFont typeface="Arial" charset="0"/>
-              <a:buChar char="•"/>
-              <a:defRPr>
-                <a:solidFill>
-                  <a:schemeClr val="tx1"/>
-                </a:solidFill>
-                <a:latin typeface="+mn-lt"/>
-              </a:defRPr>
-            </a:lvl4pPr>
-            <a:lvl5pPr marL="738188" indent="-184150" algn="l" rtl="0" eaLnBrk="1" fontAlgn="base" hangingPunct="1">
-              <a:lnSpc>
-                <a:spcPct val="110000"/>
-              </a:lnSpc>
-              <a:spcBef>
-                <a:spcPct val="0"/>
-              </a:spcBef>
-              <a:spcAft>
-                <a:spcPct val="20000"/>
-              </a:spcAft>
-              <a:buFont typeface="Arial" charset="0"/>
-              <a:buChar char="•"/>
-              <a:defRPr>
-                <a:solidFill>
-                  <a:schemeClr val="tx1"/>
-                </a:solidFill>
-                <a:latin typeface="+mn-lt"/>
-              </a:defRPr>
-            </a:lvl5pPr>
-            <a:lvl6pPr marL="1195388" indent="-184150" algn="l" rtl="0" eaLnBrk="1" fontAlgn="base" hangingPunct="1">
-              <a:lnSpc>
-                <a:spcPct val="110000"/>
-              </a:lnSpc>
-              <a:spcBef>
-                <a:spcPct val="0"/>
-              </a:spcBef>
-              <a:spcAft>
-                <a:spcPct val="20000"/>
-              </a:spcAft>
-              <a:buFont typeface="Arial" charset="0"/>
-              <a:buChar char="•"/>
-              <a:defRPr>
-                <a:solidFill>
-                  <a:schemeClr val="tx1"/>
-                </a:solidFill>
-                <a:latin typeface="+mn-lt"/>
-              </a:defRPr>
-            </a:lvl6pPr>
-            <a:lvl7pPr marL="1652588" indent="-184150" algn="l" rtl="0" eaLnBrk="1" fontAlgn="base" hangingPunct="1">
-              <a:lnSpc>
-                <a:spcPct val="110000"/>
-              </a:lnSpc>
-              <a:spcBef>
-                <a:spcPct val="0"/>
-              </a:spcBef>
-              <a:spcAft>
-                <a:spcPct val="20000"/>
-              </a:spcAft>
-              <a:buFont typeface="Arial" charset="0"/>
-              <a:buChar char="•"/>
-              <a:defRPr>
-                <a:solidFill>
-                  <a:schemeClr val="tx1"/>
-                </a:solidFill>
-                <a:latin typeface="+mn-lt"/>
-              </a:defRPr>
-            </a:lvl7pPr>
-            <a:lvl8pPr marL="2109788" indent="-184150" algn="l" rtl="0" eaLnBrk="1" fontAlgn="base" hangingPunct="1">
-              <a:lnSpc>
-                <a:spcPct val="110000"/>
-              </a:lnSpc>
-              <a:spcBef>
-                <a:spcPct val="0"/>
-              </a:spcBef>
-              <a:spcAft>
-                <a:spcPct val="20000"/>
-              </a:spcAft>
-              <a:buFont typeface="Arial" charset="0"/>
-              <a:buChar char="•"/>
-              <a:defRPr>
-                <a:solidFill>
-                  <a:schemeClr val="tx1"/>
-                </a:solidFill>
-                <a:latin typeface="+mn-lt"/>
-              </a:defRPr>
-            </a:lvl8pPr>
-            <a:lvl9pPr marL="2566988" indent="-184150" algn="l" rtl="0" eaLnBrk="1" fontAlgn="base" hangingPunct="1">
-              <a:lnSpc>
-                <a:spcPct val="110000"/>
-              </a:lnSpc>
-              <a:spcBef>
-                <a:spcPct val="0"/>
-              </a:spcBef>
-              <a:spcAft>
-                <a:spcPct val="20000"/>
-              </a:spcAft>
-              <a:buFont typeface="Arial" charset="0"/>
-              <a:buChar char="•"/>
-              <a:defRPr>
-                <a:solidFill>
-                  <a:schemeClr val="tx1"/>
-                </a:solidFill>
-                <a:latin typeface="+mn-lt"/>
-              </a:defRPr>
-            </a:lvl9pPr>
-          </a:lstStyle>
-          <a:p>
-            <a:pPr marL="1588" lvl="1" indent="0">
-              <a:buNone/>
-            </a:pPr>
-            <a:r>
-              <a:rPr lang="de-DE" altLang="de-DE" kern="0" dirty="0"/>
-              <a:t>Wie lernen Neuronale Netze?</a:t>
-            </a:r>
-          </a:p>
-          <a:p>
-            <a:pPr marL="1588" lvl="1" indent="0">
-              <a:buNone/>
-            </a:pPr>
-            <a:endParaRPr lang="de-DE" altLang="de-DE" kern="0" dirty="0"/>
-          </a:p>
-          <a:p>
-            <a:pPr marL="1588" lvl="1" indent="0">
-              <a:buNone/>
-            </a:pPr>
-            <a:r>
-              <a:rPr lang="de-DE" altLang="de-DE" kern="0" dirty="0"/>
-              <a:t>Aus Fehlern:</a:t>
-            </a:r>
-          </a:p>
-          <a:p>
-            <a:pPr marL="344488" lvl="1" indent="-342900">
-              <a:buFont typeface="+mj-lt"/>
-              <a:buAutoNum type="arabicPeriod"/>
-            </a:pPr>
-            <a:r>
-              <a:rPr lang="de-DE" dirty="0"/>
-              <a:t>Verlustfunktion ⇒ berechnet den Fehler</a:t>
-            </a:r>
-          </a:p>
-          <a:p>
-            <a:pPr marL="344488" lvl="1" indent="-342900">
-              <a:buFont typeface="+mj-lt"/>
-              <a:buAutoNum type="arabicPeriod"/>
-            </a:pPr>
-            <a:r>
-              <a:rPr lang="de-DE" altLang="de-DE" kern="0" dirty="0" err="1"/>
-              <a:t>Gradientenabstieg</a:t>
-            </a:r>
-            <a:r>
-              <a:rPr lang="de-DE" altLang="de-DE" kern="0" dirty="0"/>
-              <a:t> </a:t>
-            </a:r>
-            <a:r>
-              <a:rPr lang="de-DE" dirty="0"/>
-              <a:t>⇒ minimiert den Fehler</a:t>
-            </a:r>
-          </a:p>
-          <a:p>
-            <a:pPr marL="344488" lvl="1" indent="-342900">
-              <a:buFont typeface="+mj-lt"/>
-              <a:buAutoNum type="arabicPeriod"/>
-            </a:pPr>
-            <a:r>
-              <a:rPr lang="de-DE" altLang="de-DE" kern="0" dirty="0"/>
-              <a:t>Backpropagation </a:t>
-            </a:r>
-            <a:r>
-              <a:rPr lang="de-DE" dirty="0"/>
-              <a:t>⇒ passt die Gewichte an</a:t>
-            </a:r>
-            <a:endParaRPr lang="de-DE" altLang="de-DE" kern="0" dirty="0"/>
-          </a:p>
-        </p:txBody>
-      </p:sp>
-    </p:spTree>
-    <p:extLst>
-      <p:ext uri="{BB962C8B-B14F-4D97-AF65-F5344CB8AC3E}">
-        <p14:creationId xmlns:p14="http://schemas.microsoft.com/office/powerpoint/2010/main" val="3458251260"/>
-      </p:ext>
-    </p:extLst>
-  </p:cSld>
-  <p:clrMapOvr>
-    <a:masterClrMapping/>
-  </p:clrMapOvr>
-  <p:transition/>
-</p:sld>
-</file>
-
-<file path=ppt/slides/slide14.xml><?xml version="1.0" encoding="utf-8"?>
-<p:sld xmlns:a="http://schemas.openxmlformats.org/drawingml/2006/main" xmlns:r="http://schemas.openxmlformats.org/officeDocument/2006/relationships" xmlns:p="http://schemas.openxmlformats.org/presentationml/2006/main">
-  <p:cSld>
-    <p:spTree>
-      <p:nvGrpSpPr>
-        <p:cNvPr id="1" name=""/>
-        <p:cNvGrpSpPr/>
-        <p:nvPr/>
-      </p:nvGrpSpPr>
-      <p:grpSpPr>
-        <a:xfrm>
-          <a:off x="0" y="0"/>
-          <a:ext cx="0" cy="0"/>
-          <a:chOff x="0" y="0"/>
-          <a:chExt cx="0" cy="0"/>
-        </a:xfrm>
-      </p:grpSpPr>
-      <p:sp>
-        <p:nvSpPr>
-          <p:cNvPr id="3" name="Fußzeilenplatzhalter 2"/>
-          <p:cNvSpPr>
-            <a:spLocks noGrp="1"/>
-          </p:cNvSpPr>
-          <p:nvPr>
-            <p:ph type="ftr" sz="quarter" idx="10"/>
-          </p:nvPr>
-        </p:nvSpPr>
-        <p:spPr/>
-        <p:txBody>
-          <a:bodyPr/>
-          <a:lstStyle/>
-          <a:p>
-            <a:r>
-              <a:rPr lang="en-US" altLang="de-DE" dirty="0"/>
-              <a:t>Hochschule Mannheim University of Applied Sciences | Marvin Karhan</a:t>
-            </a:r>
-            <a:endParaRPr lang="de-DE" altLang="de-DE" dirty="0"/>
-          </a:p>
-        </p:txBody>
-      </p:sp>
-      <p:sp>
-        <p:nvSpPr>
-          <p:cNvPr id="4" name="Foliennummernplatzhalter 3"/>
-          <p:cNvSpPr>
-            <a:spLocks noGrp="1"/>
-          </p:cNvSpPr>
-          <p:nvPr>
-            <p:ph type="sldNum" sz="quarter" idx="11"/>
-          </p:nvPr>
-        </p:nvSpPr>
-        <p:spPr/>
-        <p:txBody>
-          <a:bodyPr/>
-          <a:lstStyle/>
-          <a:p>
-            <a:fld id="{57D12BB6-0ED4-46B6-AB23-7758AD07EFBF}" type="slidenum">
-              <a:rPr lang="de-DE" smtClean="0"/>
-              <a:pPr/>
-              <a:t>14</a:t>
-            </a:fld>
-            <a:endParaRPr lang="de-DE" dirty="0"/>
-          </a:p>
-        </p:txBody>
-      </p:sp>
-      <p:sp>
-        <p:nvSpPr>
-          <p:cNvPr id="5" name="Rectangle 2"/>
-          <p:cNvSpPr>
-            <a:spLocks noGrp="1" noChangeArrowheads="1"/>
-          </p:cNvSpPr>
-          <p:nvPr>
-            <p:ph type="title"/>
-          </p:nvPr>
-        </p:nvSpPr>
-        <p:spPr>
-          <a:xfrm>
-            <a:off x="971550" y="1404000"/>
-            <a:ext cx="7704138" cy="792162"/>
-          </a:xfrm>
-        </p:spPr>
-        <p:txBody>
-          <a:bodyPr/>
-          <a:lstStyle/>
-          <a:p>
-            <a:r>
-              <a:rPr lang="de-DE" altLang="de-DE" kern="0" dirty="0"/>
-              <a:t>SIMD</a:t>
-            </a:r>
-            <a:endParaRPr lang="de-DE" altLang="de-DE" dirty="0"/>
-          </a:p>
-        </p:txBody>
-      </p:sp>
-      <p:sp>
-        <p:nvSpPr>
-          <p:cNvPr id="6" name="Rectangle 3"/>
-          <p:cNvSpPr txBox="1">
-            <a:spLocks noChangeArrowheads="1"/>
-          </p:cNvSpPr>
-          <p:nvPr/>
-        </p:nvSpPr>
-        <p:spPr>
-          <a:xfrm>
-            <a:off x="971550" y="2160000"/>
-            <a:ext cx="7677150" cy="3600450"/>
-          </a:xfrm>
-          <a:prstGeom prst="rect">
-            <a:avLst/>
-          </a:prstGeom>
-        </p:spPr>
-        <p:txBody>
-          <a:bodyPr lIns="91440" tIns="45720" rIns="91440" bIns="45720" anchor="t"/>
-          <a:lstStyle>
-            <a:lvl1pPr algn="l" rtl="0" eaLnBrk="1" fontAlgn="base" hangingPunct="1">
-              <a:lnSpc>
-                <a:spcPct val="110000"/>
-              </a:lnSpc>
-              <a:spcBef>
-                <a:spcPct val="0"/>
-              </a:spcBef>
-              <a:spcAft>
-                <a:spcPct val="20000"/>
-              </a:spcAft>
-              <a:defRPr>
-                <a:solidFill>
-                  <a:schemeClr val="tx1"/>
-                </a:solidFill>
-                <a:latin typeface="+mn-lt"/>
-                <a:ea typeface="+mn-ea"/>
-                <a:cs typeface="+mn-cs"/>
-              </a:defRPr>
-            </a:lvl1pPr>
-            <a:lvl2pPr marL="182563" indent="-180975" algn="l" rtl="0" eaLnBrk="1" fontAlgn="base" hangingPunct="1">
-              <a:lnSpc>
-                <a:spcPct val="110000"/>
-              </a:lnSpc>
-              <a:spcBef>
-                <a:spcPct val="0"/>
-              </a:spcBef>
-              <a:spcAft>
-                <a:spcPct val="20000"/>
-              </a:spcAft>
-              <a:buFont typeface="Arial" charset="0"/>
-              <a:buChar char="•"/>
-              <a:defRPr>
-                <a:solidFill>
-                  <a:schemeClr val="tx1"/>
-                </a:solidFill>
-                <a:latin typeface="+mn-lt"/>
-              </a:defRPr>
-            </a:lvl2pPr>
-            <a:lvl3pPr marL="366713" indent="-182563" algn="l" rtl="0" eaLnBrk="1" fontAlgn="base" hangingPunct="1">
-              <a:lnSpc>
-                <a:spcPct val="110000"/>
-              </a:lnSpc>
-              <a:spcBef>
-                <a:spcPct val="0"/>
-              </a:spcBef>
-              <a:spcAft>
-                <a:spcPct val="20000"/>
-              </a:spcAft>
-              <a:buFont typeface="Arial" charset="0"/>
-              <a:buChar char="•"/>
-              <a:defRPr>
-                <a:solidFill>
-                  <a:schemeClr val="tx1"/>
-                </a:solidFill>
-                <a:latin typeface="+mn-lt"/>
-              </a:defRPr>
-            </a:lvl3pPr>
-            <a:lvl4pPr marL="552450" indent="-184150" algn="l" rtl="0" eaLnBrk="1" fontAlgn="base" hangingPunct="1">
-              <a:lnSpc>
-                <a:spcPct val="110000"/>
-              </a:lnSpc>
-              <a:spcBef>
-                <a:spcPct val="0"/>
-              </a:spcBef>
-              <a:spcAft>
-                <a:spcPct val="20000"/>
-              </a:spcAft>
-              <a:buFont typeface="Arial" charset="0"/>
-              <a:buChar char="•"/>
-              <a:defRPr>
-                <a:solidFill>
-                  <a:schemeClr val="tx1"/>
-                </a:solidFill>
-                <a:latin typeface="+mn-lt"/>
-              </a:defRPr>
-            </a:lvl4pPr>
-            <a:lvl5pPr marL="738188" indent="-184150" algn="l" rtl="0" eaLnBrk="1" fontAlgn="base" hangingPunct="1">
-              <a:lnSpc>
-                <a:spcPct val="110000"/>
-              </a:lnSpc>
-              <a:spcBef>
-                <a:spcPct val="0"/>
-              </a:spcBef>
-              <a:spcAft>
-                <a:spcPct val="20000"/>
-              </a:spcAft>
-              <a:buFont typeface="Arial" charset="0"/>
-              <a:buChar char="•"/>
-              <a:defRPr>
-                <a:solidFill>
-                  <a:schemeClr val="tx1"/>
-                </a:solidFill>
-                <a:latin typeface="+mn-lt"/>
-              </a:defRPr>
-            </a:lvl5pPr>
-            <a:lvl6pPr marL="1195388" indent="-184150" algn="l" rtl="0" eaLnBrk="1" fontAlgn="base" hangingPunct="1">
-              <a:lnSpc>
-                <a:spcPct val="110000"/>
-              </a:lnSpc>
-              <a:spcBef>
-                <a:spcPct val="0"/>
-              </a:spcBef>
-              <a:spcAft>
-                <a:spcPct val="20000"/>
-              </a:spcAft>
-              <a:buFont typeface="Arial" charset="0"/>
-              <a:buChar char="•"/>
-              <a:defRPr>
-                <a:solidFill>
-                  <a:schemeClr val="tx1"/>
-                </a:solidFill>
-                <a:latin typeface="+mn-lt"/>
-              </a:defRPr>
-            </a:lvl6pPr>
-            <a:lvl7pPr marL="1652588" indent="-184150" algn="l" rtl="0" eaLnBrk="1" fontAlgn="base" hangingPunct="1">
-              <a:lnSpc>
-                <a:spcPct val="110000"/>
-              </a:lnSpc>
-              <a:spcBef>
-                <a:spcPct val="0"/>
-              </a:spcBef>
-              <a:spcAft>
-                <a:spcPct val="20000"/>
-              </a:spcAft>
-              <a:buFont typeface="Arial" charset="0"/>
-              <a:buChar char="•"/>
-              <a:defRPr>
-                <a:solidFill>
-                  <a:schemeClr val="tx1"/>
-                </a:solidFill>
-                <a:latin typeface="+mn-lt"/>
-              </a:defRPr>
-            </a:lvl7pPr>
-            <a:lvl8pPr marL="2109788" indent="-184150" algn="l" rtl="0" eaLnBrk="1" fontAlgn="base" hangingPunct="1">
-              <a:lnSpc>
-                <a:spcPct val="110000"/>
-              </a:lnSpc>
-              <a:spcBef>
-                <a:spcPct val="0"/>
-              </a:spcBef>
-              <a:spcAft>
-                <a:spcPct val="20000"/>
-              </a:spcAft>
-              <a:buFont typeface="Arial" charset="0"/>
-              <a:buChar char="•"/>
-              <a:defRPr>
-                <a:solidFill>
-                  <a:schemeClr val="tx1"/>
-                </a:solidFill>
-                <a:latin typeface="+mn-lt"/>
-              </a:defRPr>
-            </a:lvl8pPr>
-            <a:lvl9pPr marL="2566988" indent="-184150" algn="l" rtl="0" eaLnBrk="1" fontAlgn="base" hangingPunct="1">
-              <a:lnSpc>
-                <a:spcPct val="110000"/>
-              </a:lnSpc>
-              <a:spcBef>
-                <a:spcPct val="0"/>
-              </a:spcBef>
-              <a:spcAft>
-                <a:spcPct val="20000"/>
-              </a:spcAft>
-              <a:buFont typeface="Arial" charset="0"/>
-              <a:buChar char="•"/>
-              <a:defRPr>
-                <a:solidFill>
-                  <a:schemeClr val="tx1"/>
-                </a:solidFill>
-                <a:latin typeface="+mn-lt"/>
-              </a:defRPr>
-            </a:lvl9pPr>
-          </a:lstStyle>
-          <a:p>
-            <a:pPr marL="182245" lvl="1"/>
-            <a:r>
-              <a:rPr lang="de-DE" altLang="de-DE" kern="0" dirty="0"/>
-              <a:t>Instruktionen auf mehreren Elementen gleichzeitig</a:t>
-            </a:r>
-            <a:endParaRPr lang="de-DE" dirty="0"/>
-          </a:p>
-          <a:p>
-            <a:pPr marL="182245" lvl="1"/>
-            <a:r>
-              <a:rPr lang="de-DE" altLang="de-DE" kern="0" dirty="0"/>
-              <a:t>Befehle sind prozessorspezifisch</a:t>
-            </a:r>
-            <a:endParaRPr lang="de-DE" altLang="de-DE" kern="0" dirty="0">
-              <a:cs typeface="Arial"/>
-            </a:endParaRPr>
-          </a:p>
-          <a:p>
-            <a:pPr marL="182245" lvl="1"/>
-            <a:r>
-              <a:rPr lang="de-DE" altLang="de-DE" kern="0" dirty="0"/>
-              <a:t>Befehlssätze haben unterschiedliche Registergrößen</a:t>
-            </a:r>
-            <a:endParaRPr lang="de-DE" altLang="de-DE" kern="0" dirty="0">
-              <a:cs typeface="Arial"/>
-            </a:endParaRPr>
-          </a:p>
-          <a:p>
-            <a:pPr marL="182245" lvl="1"/>
-            <a:r>
-              <a:rPr lang="de-DE" altLang="de-DE" kern="0" dirty="0"/>
-              <a:t>Vektoren müssen der Registergröße entsprechend </a:t>
-            </a:r>
-            <a:r>
-              <a:rPr lang="de-DE" altLang="de-DE" kern="0" dirty="0" err="1"/>
-              <a:t>aligned</a:t>
-            </a:r>
-            <a:r>
-              <a:rPr lang="de-DE" altLang="de-DE" kern="0" dirty="0"/>
-              <a:t> sein</a:t>
-            </a:r>
-            <a:endParaRPr lang="de-DE" altLang="de-DE" kern="0" dirty="0">
-              <a:cs typeface="Arial"/>
-            </a:endParaRPr>
-          </a:p>
-          <a:p>
-            <a:pPr marL="182245" lvl="1"/>
-            <a:endParaRPr lang="de-DE" altLang="de-DE" kern="0" dirty="0">
-              <a:cs typeface="Arial"/>
-            </a:endParaRPr>
-          </a:p>
-          <a:p>
-            <a:pPr marL="182245" lvl="1"/>
-            <a:endParaRPr lang="de-DE" altLang="de-DE" kern="0" dirty="0">
-              <a:cs typeface="Arial"/>
-            </a:endParaRPr>
-          </a:p>
-        </p:txBody>
-      </p:sp>
-    </p:spTree>
-    <p:extLst>
-      <p:ext uri="{BB962C8B-B14F-4D97-AF65-F5344CB8AC3E}">
-        <p14:creationId xmlns:p14="http://schemas.microsoft.com/office/powerpoint/2010/main" val="3241939481"/>
-      </p:ext>
-    </p:extLst>
-  </p:cSld>
-  <p:clrMapOvr>
-    <a:masterClrMapping/>
-  </p:clrMapOvr>
-  <p:transition/>
-</p:sld>
-</file>
-
-<file path=ppt/slides/slide15.xml><?xml version="1.0" encoding="utf-8"?>
-<p:sld xmlns:a="http://schemas.openxmlformats.org/drawingml/2006/main" xmlns:r="http://schemas.openxmlformats.org/officeDocument/2006/relationships" xmlns:p="http://schemas.openxmlformats.org/presentationml/2006/main">
-  <p:cSld>
-    <p:spTree>
-      <p:nvGrpSpPr>
-        <p:cNvPr id="1" name=""/>
-        <p:cNvGrpSpPr/>
-        <p:nvPr/>
-      </p:nvGrpSpPr>
-      <p:grpSpPr>
-        <a:xfrm>
-          <a:off x="0" y="0"/>
-          <a:ext cx="0" cy="0"/>
-          <a:chOff x="0" y="0"/>
-          <a:chExt cx="0" cy="0"/>
-        </a:xfrm>
-      </p:grpSpPr>
-      <p:sp>
-        <p:nvSpPr>
-          <p:cNvPr id="3" name="Fußzeilenplatzhalter 2"/>
-          <p:cNvSpPr>
-            <a:spLocks noGrp="1"/>
-          </p:cNvSpPr>
-          <p:nvPr>
-            <p:ph type="ftr" sz="quarter" idx="10"/>
-          </p:nvPr>
-        </p:nvSpPr>
-        <p:spPr/>
-        <p:txBody>
-          <a:bodyPr/>
-          <a:lstStyle/>
-          <a:p>
-            <a:r>
-              <a:rPr lang="en-US" altLang="de-DE" dirty="0"/>
-              <a:t>Hochschule Mannheim University of Applied Sciences | Marvin Karhan</a:t>
-            </a:r>
-            <a:endParaRPr lang="de-DE" altLang="de-DE" dirty="0"/>
-          </a:p>
-        </p:txBody>
-      </p:sp>
-      <p:sp>
-        <p:nvSpPr>
-          <p:cNvPr id="4" name="Foliennummernplatzhalter 3"/>
-          <p:cNvSpPr>
-            <a:spLocks noGrp="1"/>
-          </p:cNvSpPr>
-          <p:nvPr>
-            <p:ph type="sldNum" sz="quarter" idx="11"/>
-          </p:nvPr>
-        </p:nvSpPr>
-        <p:spPr/>
-        <p:txBody>
-          <a:bodyPr/>
-          <a:lstStyle/>
-          <a:p>
-            <a:fld id="{57D12BB6-0ED4-46B6-AB23-7758AD07EFBF}" type="slidenum">
-              <a:rPr lang="de-DE" smtClean="0"/>
-              <a:pPr/>
-              <a:t>15</a:t>
-            </a:fld>
-            <a:endParaRPr lang="de-DE" dirty="0"/>
-          </a:p>
-        </p:txBody>
-      </p:sp>
-      <p:sp>
-        <p:nvSpPr>
-          <p:cNvPr id="5" name="Rectangle 2"/>
-          <p:cNvSpPr>
-            <a:spLocks noGrp="1" noChangeArrowheads="1"/>
-          </p:cNvSpPr>
-          <p:nvPr>
-            <p:ph type="title"/>
-          </p:nvPr>
-        </p:nvSpPr>
-        <p:spPr>
-          <a:xfrm>
-            <a:off x="971550" y="1404000"/>
-            <a:ext cx="7704138" cy="792162"/>
-          </a:xfrm>
-        </p:spPr>
-        <p:txBody>
-          <a:bodyPr/>
-          <a:lstStyle/>
-          <a:p>
-            <a:r>
-              <a:rPr lang="de-DE" altLang="de-DE" kern="0" dirty="0"/>
-              <a:t>NNUE</a:t>
-            </a:r>
-            <a:endParaRPr lang="de-DE" altLang="de-DE" dirty="0"/>
-          </a:p>
-        </p:txBody>
-      </p:sp>
-      <p:sp>
-        <p:nvSpPr>
-          <p:cNvPr id="6" name="Rectangle 3"/>
-          <p:cNvSpPr txBox="1">
-            <a:spLocks noChangeArrowheads="1"/>
-          </p:cNvSpPr>
-          <p:nvPr/>
-        </p:nvSpPr>
-        <p:spPr>
-          <a:xfrm>
-            <a:off x="971550" y="2160000"/>
-            <a:ext cx="7677150" cy="4221328"/>
-          </a:xfrm>
-          <a:prstGeom prst="rect">
-            <a:avLst/>
-          </a:prstGeom>
-        </p:spPr>
-        <p:txBody>
-          <a:bodyPr lIns="91440" tIns="45720" rIns="91440" bIns="45720" anchor="t"/>
-          <a:lstStyle>
-            <a:lvl1pPr algn="l" rtl="0" eaLnBrk="1" fontAlgn="base" hangingPunct="1">
-              <a:lnSpc>
-                <a:spcPct val="110000"/>
-              </a:lnSpc>
-              <a:spcBef>
-                <a:spcPct val="0"/>
-              </a:spcBef>
-              <a:spcAft>
-                <a:spcPct val="20000"/>
-              </a:spcAft>
-              <a:defRPr>
-                <a:solidFill>
-                  <a:schemeClr val="tx1"/>
-                </a:solidFill>
-                <a:latin typeface="+mn-lt"/>
-                <a:ea typeface="+mn-ea"/>
-                <a:cs typeface="+mn-cs"/>
-              </a:defRPr>
-            </a:lvl1pPr>
-            <a:lvl2pPr marL="182563" indent="-180975" algn="l" rtl="0" eaLnBrk="1" fontAlgn="base" hangingPunct="1">
-              <a:lnSpc>
-                <a:spcPct val="110000"/>
-              </a:lnSpc>
-              <a:spcBef>
-                <a:spcPct val="0"/>
-              </a:spcBef>
-              <a:spcAft>
-                <a:spcPct val="20000"/>
-              </a:spcAft>
-              <a:buFont typeface="Arial" charset="0"/>
-              <a:buChar char="•"/>
-              <a:defRPr>
-                <a:solidFill>
-                  <a:schemeClr val="tx1"/>
-                </a:solidFill>
-                <a:latin typeface="+mn-lt"/>
-              </a:defRPr>
-            </a:lvl2pPr>
-            <a:lvl3pPr marL="366713" indent="-182563" algn="l" rtl="0" eaLnBrk="1" fontAlgn="base" hangingPunct="1">
-              <a:lnSpc>
-                <a:spcPct val="110000"/>
-              </a:lnSpc>
-              <a:spcBef>
-                <a:spcPct val="0"/>
-              </a:spcBef>
-              <a:spcAft>
-                <a:spcPct val="20000"/>
-              </a:spcAft>
-              <a:buFont typeface="Arial" charset="0"/>
-              <a:buChar char="•"/>
-              <a:defRPr>
-                <a:solidFill>
-                  <a:schemeClr val="tx1"/>
-                </a:solidFill>
-                <a:latin typeface="+mn-lt"/>
-              </a:defRPr>
-            </a:lvl3pPr>
-            <a:lvl4pPr marL="552450" indent="-184150" algn="l" rtl="0" eaLnBrk="1" fontAlgn="base" hangingPunct="1">
-              <a:lnSpc>
-                <a:spcPct val="110000"/>
-              </a:lnSpc>
-              <a:spcBef>
-                <a:spcPct val="0"/>
-              </a:spcBef>
-              <a:spcAft>
-                <a:spcPct val="20000"/>
-              </a:spcAft>
-              <a:buFont typeface="Arial" charset="0"/>
-              <a:buChar char="•"/>
-              <a:defRPr>
-                <a:solidFill>
-                  <a:schemeClr val="tx1"/>
-                </a:solidFill>
-                <a:latin typeface="+mn-lt"/>
-              </a:defRPr>
-            </a:lvl4pPr>
-            <a:lvl5pPr marL="738188" indent="-184150" algn="l" rtl="0" eaLnBrk="1" fontAlgn="base" hangingPunct="1">
-              <a:lnSpc>
-                <a:spcPct val="110000"/>
-              </a:lnSpc>
-              <a:spcBef>
-                <a:spcPct val="0"/>
-              </a:spcBef>
-              <a:spcAft>
-                <a:spcPct val="20000"/>
-              </a:spcAft>
-              <a:buFont typeface="Arial" charset="0"/>
-              <a:buChar char="•"/>
-              <a:defRPr>
-                <a:solidFill>
-                  <a:schemeClr val="tx1"/>
-                </a:solidFill>
-                <a:latin typeface="+mn-lt"/>
-              </a:defRPr>
-            </a:lvl5pPr>
-            <a:lvl6pPr marL="1195388" indent="-184150" algn="l" rtl="0" eaLnBrk="1" fontAlgn="base" hangingPunct="1">
-              <a:lnSpc>
-                <a:spcPct val="110000"/>
-              </a:lnSpc>
-              <a:spcBef>
-                <a:spcPct val="0"/>
-              </a:spcBef>
-              <a:spcAft>
-                <a:spcPct val="20000"/>
-              </a:spcAft>
-              <a:buFont typeface="Arial" charset="0"/>
-              <a:buChar char="•"/>
-              <a:defRPr>
-                <a:solidFill>
-                  <a:schemeClr val="tx1"/>
-                </a:solidFill>
-                <a:latin typeface="+mn-lt"/>
-              </a:defRPr>
-            </a:lvl6pPr>
-            <a:lvl7pPr marL="1652588" indent="-184150" algn="l" rtl="0" eaLnBrk="1" fontAlgn="base" hangingPunct="1">
-              <a:lnSpc>
-                <a:spcPct val="110000"/>
-              </a:lnSpc>
-              <a:spcBef>
-                <a:spcPct val="0"/>
-              </a:spcBef>
-              <a:spcAft>
-                <a:spcPct val="20000"/>
-              </a:spcAft>
-              <a:buFont typeface="Arial" charset="0"/>
-              <a:buChar char="•"/>
-              <a:defRPr>
-                <a:solidFill>
-                  <a:schemeClr val="tx1"/>
-                </a:solidFill>
-                <a:latin typeface="+mn-lt"/>
-              </a:defRPr>
-            </a:lvl7pPr>
-            <a:lvl8pPr marL="2109788" indent="-184150" algn="l" rtl="0" eaLnBrk="1" fontAlgn="base" hangingPunct="1">
-              <a:lnSpc>
-                <a:spcPct val="110000"/>
-              </a:lnSpc>
-              <a:spcBef>
-                <a:spcPct val="0"/>
-              </a:spcBef>
-              <a:spcAft>
-                <a:spcPct val="20000"/>
-              </a:spcAft>
-              <a:buFont typeface="Arial" charset="0"/>
-              <a:buChar char="•"/>
-              <a:defRPr>
-                <a:solidFill>
-                  <a:schemeClr val="tx1"/>
-                </a:solidFill>
-                <a:latin typeface="+mn-lt"/>
-              </a:defRPr>
-            </a:lvl8pPr>
-            <a:lvl9pPr marL="2566988" indent="-184150" algn="l" rtl="0" eaLnBrk="1" fontAlgn="base" hangingPunct="1">
-              <a:lnSpc>
-                <a:spcPct val="110000"/>
-              </a:lnSpc>
-              <a:spcBef>
-                <a:spcPct val="0"/>
-              </a:spcBef>
-              <a:spcAft>
-                <a:spcPct val="20000"/>
-              </a:spcAft>
-              <a:buFont typeface="Arial" charset="0"/>
-              <a:buChar char="•"/>
-              <a:defRPr>
-                <a:solidFill>
-                  <a:schemeClr val="tx1"/>
-                </a:solidFill>
-                <a:latin typeface="+mn-lt"/>
-              </a:defRPr>
-            </a:lvl9pPr>
-          </a:lstStyle>
-          <a:p>
-            <a:pPr marL="182245" lvl="1"/>
-            <a:r>
-              <a:rPr lang="de-DE" altLang="de-DE" kern="0" dirty="0"/>
-              <a:t>Evaluiert eine Stellung</a:t>
-            </a:r>
-            <a:endParaRPr lang="de-DE" dirty="0"/>
-          </a:p>
-          <a:p>
-            <a:pPr marL="182245" lvl="1"/>
-            <a:r>
-              <a:rPr lang="de-DE" altLang="de-DE" kern="0" dirty="0"/>
-              <a:t>Läuft auf der CPU</a:t>
-            </a:r>
-            <a:endParaRPr lang="de-DE" altLang="de-DE" kern="0" dirty="0">
-              <a:cs typeface="Arial"/>
-            </a:endParaRPr>
-          </a:p>
-          <a:p>
-            <a:pPr marL="182245" lvl="1"/>
-            <a:r>
-              <a:rPr lang="de-DE" altLang="de-DE" kern="0" dirty="0"/>
-              <a:t>Inkrementelle Aktualisierung eines Akkumulators:</a:t>
-            </a:r>
-            <a:endParaRPr lang="de-DE" altLang="de-DE" kern="0" dirty="0">
-              <a:cs typeface="Arial"/>
-            </a:endParaRPr>
-          </a:p>
-          <a:p>
-            <a:pPr marL="182245" lvl="1"/>
-            <a:endParaRPr lang="de-DE" altLang="de-DE" kern="0" dirty="0">
-              <a:cs typeface="Arial"/>
-            </a:endParaRPr>
-          </a:p>
-          <a:p>
-            <a:pPr marL="182245" lvl="1"/>
-            <a:endParaRPr lang="de-DE" altLang="de-DE" kern="0" dirty="0">
-              <a:cs typeface="Arial"/>
-            </a:endParaRPr>
-          </a:p>
-          <a:p>
-            <a:pPr marL="182245" lvl="1"/>
-            <a:endParaRPr lang="de-DE" altLang="de-DE" kern="0" dirty="0">
-              <a:cs typeface="Arial"/>
-            </a:endParaRPr>
-          </a:p>
-          <a:p>
-            <a:pPr marL="182245" lvl="1"/>
-            <a:endParaRPr lang="de-DE" altLang="de-DE" kern="0" dirty="0">
-              <a:cs typeface="Arial"/>
-            </a:endParaRPr>
-          </a:p>
-          <a:p>
-            <a:pPr marL="182245" lvl="1"/>
-            <a:r>
-              <a:rPr lang="de-DE" altLang="de-DE" kern="0" dirty="0"/>
-              <a:t>Feature-Set:</a:t>
-            </a:r>
-            <a:endParaRPr lang="de-DE" altLang="de-DE" kern="0" dirty="0">
-              <a:cs typeface="Arial"/>
-            </a:endParaRPr>
-          </a:p>
-          <a:p>
-            <a:pPr lvl="2">
-              <a:buFont typeface="Wingdings" panose="05000000000000000000" pitchFamily="2" charset="2"/>
-              <a:buChar char="§"/>
-            </a:pPr>
-            <a:r>
-              <a:rPr lang="de-DE" altLang="de-DE" kern="0" dirty="0"/>
-              <a:t>Stellt eine Stellung dar</a:t>
-            </a:r>
-            <a:endParaRPr lang="de-DE" altLang="de-DE" kern="0" dirty="0">
-              <a:cs typeface="Arial"/>
-            </a:endParaRPr>
-          </a:p>
-          <a:p>
-            <a:pPr lvl="2">
-              <a:buFont typeface="Wingdings" panose="05000000000000000000" pitchFamily="2" charset="2"/>
-              <a:buChar char="§"/>
-            </a:pPr>
-            <a:r>
-              <a:rPr lang="de-DE" altLang="de-DE" kern="0" dirty="0"/>
-              <a:t>Bestimmt die Form des Eingabevektors</a:t>
-            </a:r>
-            <a:endParaRPr lang="de-DE" altLang="de-DE" kern="0" dirty="0">
-              <a:cs typeface="Arial"/>
-            </a:endParaRPr>
-          </a:p>
-          <a:p>
-            <a:pPr lvl="2">
-              <a:buFont typeface="Wingdings" panose="05000000000000000000" pitchFamily="2" charset="2"/>
-              <a:buChar char="§"/>
-            </a:pPr>
-            <a:r>
-              <a:rPr lang="de-DE" altLang="de-DE" kern="0" dirty="0" err="1"/>
-              <a:t>HalfKP</a:t>
-            </a:r>
-            <a:r>
-              <a:rPr lang="de-DE" altLang="de-DE" kern="0" dirty="0"/>
-              <a:t>: </a:t>
-            </a:r>
-            <a:r>
-              <a:rPr lang="de-DE" dirty="0"/>
-              <a:t>Feld des eigenen Königs, Feld der Figur, Figurentyp, Farbe der Figur (64 ∗ 64 ∗ 5 ∗ 2 = 40960 Merkmale)</a:t>
-            </a:r>
-            <a:endParaRPr lang="de-DE" altLang="de-DE" kern="0" dirty="0">
-              <a:cs typeface="Arial"/>
-            </a:endParaRPr>
-          </a:p>
-        </p:txBody>
-      </p:sp>
-      <p:pic>
-        <p:nvPicPr>
-          <p:cNvPr id="7" name="Grafik 6" descr="Ein Bild, das Text enthält.&#10;&#10;Automatisch generierte Beschreibung">
-            <a:extLst>
-              <a:ext uri="{FF2B5EF4-FFF2-40B4-BE49-F238E27FC236}">
-                <a16:creationId xmlns:a16="http://schemas.microsoft.com/office/drawing/2014/main" id="{E3E97AD9-FD1E-7C35-F34F-5E64503898DF}"/>
-              </a:ext>
-            </a:extLst>
-          </p:cNvPr>
-          <p:cNvPicPr>
-            <a:picLocks noChangeAspect="1"/>
-          </p:cNvPicPr>
-          <p:nvPr/>
-        </p:nvPicPr>
-        <p:blipFill>
-          <a:blip r:embed="rId2">
-            <a:extLst>
-              <a:ext uri="{28A0092B-C50C-407E-A947-70E740481C1C}">
-                <a14:useLocalDpi xmlns:a14="http://schemas.microsoft.com/office/drawing/2010/main" val="0"/>
-              </a:ext>
-            </a:extLst>
-          </a:blip>
-          <a:stretch>
-            <a:fillRect/>
-          </a:stretch>
-        </p:blipFill>
-        <p:spPr>
-          <a:xfrm>
-            <a:off x="1115616" y="3220082"/>
-            <a:ext cx="2993788" cy="1516447"/>
-          </a:xfrm>
-          <a:prstGeom prst="rect">
-            <a:avLst/>
-          </a:prstGeom>
-        </p:spPr>
-      </p:pic>
-    </p:spTree>
-    <p:extLst>
-      <p:ext uri="{BB962C8B-B14F-4D97-AF65-F5344CB8AC3E}">
-        <p14:creationId xmlns:p14="http://schemas.microsoft.com/office/powerpoint/2010/main" val="1691085576"/>
-      </p:ext>
-    </p:extLst>
-  </p:cSld>
-  <p:clrMapOvr>
-    <a:masterClrMapping/>
-  </p:clrMapOvr>
-  <p:transition/>
-</p:sld>
-</file>
-
-<file path=ppt/slides/slide16.xml><?xml version="1.0" encoding="utf-8"?>
-<p:sld xmlns:a="http://schemas.openxmlformats.org/drawingml/2006/main" xmlns:r="http://schemas.openxmlformats.org/officeDocument/2006/relationships" xmlns:p="http://schemas.openxmlformats.org/presentationml/2006/main">
-  <p:cSld>
-    <p:spTree>
-      <p:nvGrpSpPr>
-        <p:cNvPr id="1" name=""/>
-        <p:cNvGrpSpPr/>
-        <p:nvPr/>
-      </p:nvGrpSpPr>
-      <p:grpSpPr>
-        <a:xfrm>
-          <a:off x="0" y="0"/>
-          <a:ext cx="0" cy="0"/>
-          <a:chOff x="0" y="0"/>
-          <a:chExt cx="0" cy="0"/>
-        </a:xfrm>
-      </p:grpSpPr>
-      <p:sp>
-        <p:nvSpPr>
-          <p:cNvPr id="3" name="Fußzeilenplatzhalter 2"/>
-          <p:cNvSpPr>
-            <a:spLocks noGrp="1"/>
-          </p:cNvSpPr>
-          <p:nvPr>
-            <p:ph type="ftr" sz="quarter" idx="10"/>
-          </p:nvPr>
-        </p:nvSpPr>
-        <p:spPr/>
-        <p:txBody>
-          <a:bodyPr/>
-          <a:lstStyle/>
-          <a:p>
-            <a:r>
-              <a:rPr lang="en-US" altLang="de-DE" dirty="0">
-                <a:latin typeface="Arial"/>
-                <a:cs typeface="Arial"/>
-              </a:rPr>
-              <a:t>Hochschule Mannheim University of Applied Sciences | Marvin Karhan</a:t>
-            </a:r>
-            <a:endParaRPr lang="de-DE" altLang="de-DE" dirty="0">
-              <a:latin typeface="Arial"/>
-              <a:cs typeface="Arial"/>
-            </a:endParaRPr>
-          </a:p>
-        </p:txBody>
-      </p:sp>
-      <p:sp>
-        <p:nvSpPr>
-          <p:cNvPr id="4" name="Foliennummernplatzhalter 3"/>
-          <p:cNvSpPr>
-            <a:spLocks noGrp="1"/>
-          </p:cNvSpPr>
-          <p:nvPr>
-            <p:ph type="sldNum" sz="quarter" idx="11"/>
-          </p:nvPr>
-        </p:nvSpPr>
-        <p:spPr/>
-        <p:txBody>
-          <a:bodyPr/>
-          <a:lstStyle/>
-          <a:p>
-            <a:fld id="{57D12BB6-0ED4-46B6-AB23-7758AD07EFBF}" type="slidenum">
-              <a:rPr lang="de-DE" smtClean="0"/>
-              <a:pPr/>
-              <a:t>16</a:t>
-            </a:fld>
-            <a:endParaRPr lang="de-DE" dirty="0"/>
-          </a:p>
-        </p:txBody>
-      </p:sp>
-      <p:sp>
-        <p:nvSpPr>
-          <p:cNvPr id="5" name="Rectangle 2"/>
-          <p:cNvSpPr>
-            <a:spLocks noGrp="1" noChangeArrowheads="1"/>
-          </p:cNvSpPr>
-          <p:nvPr>
-            <p:ph type="title"/>
-          </p:nvPr>
-        </p:nvSpPr>
-        <p:spPr>
-          <a:xfrm>
-            <a:off x="971550" y="1404000"/>
-            <a:ext cx="7704138" cy="792162"/>
-          </a:xfrm>
-        </p:spPr>
-        <p:txBody>
-          <a:bodyPr/>
-          <a:lstStyle/>
-          <a:p>
-            <a:r>
-              <a:rPr lang="de-DE" altLang="de-DE" dirty="0"/>
-              <a:t>NNUE</a:t>
-            </a:r>
-          </a:p>
-        </p:txBody>
-      </p:sp>
-      <p:pic>
-        <p:nvPicPr>
-          <p:cNvPr id="7" name="Grafik 6">
-            <a:extLst>
-              <a:ext uri="{FF2B5EF4-FFF2-40B4-BE49-F238E27FC236}">
-                <a16:creationId xmlns:a16="http://schemas.microsoft.com/office/drawing/2014/main" id="{4BE8F783-253E-DC81-A43B-BB05E4C0635C}"/>
-              </a:ext>
-            </a:extLst>
-          </p:cNvPr>
-          <p:cNvPicPr>
-            <a:picLocks noChangeAspect="1"/>
-          </p:cNvPicPr>
-          <p:nvPr/>
-        </p:nvPicPr>
-        <p:blipFill>
-          <a:blip r:embed="rId2">
-            <a:extLst>
-              <a:ext uri="{28A0092B-C50C-407E-A947-70E740481C1C}">
-                <a14:useLocalDpi xmlns:a14="http://schemas.microsoft.com/office/drawing/2010/main" val="0"/>
-              </a:ext>
-            </a:extLst>
-          </a:blip>
-          <a:srcRect/>
-          <a:stretch/>
-        </p:blipFill>
-        <p:spPr>
-          <a:xfrm>
-            <a:off x="827584" y="2159868"/>
-            <a:ext cx="7200800" cy="4260234"/>
-          </a:xfrm>
-          <a:prstGeom prst="rect">
-            <a:avLst/>
-          </a:prstGeom>
-        </p:spPr>
-      </p:pic>
-    </p:spTree>
-    <p:extLst>
-      <p:ext uri="{BB962C8B-B14F-4D97-AF65-F5344CB8AC3E}">
-        <p14:creationId xmlns:p14="http://schemas.microsoft.com/office/powerpoint/2010/main" val="1753889684"/>
-      </p:ext>
-    </p:extLst>
-  </p:cSld>
-  <p:clrMapOvr>
-    <a:masterClrMapping/>
-  </p:clrMapOvr>
-  <p:transition/>
-</p:sld>
-</file>
-
-<file path=ppt/slides/slide17.xml><?xml version="1.0" encoding="utf-8"?>
-<p:sld xmlns:a="http://schemas.openxmlformats.org/drawingml/2006/main" xmlns:r="http://schemas.openxmlformats.org/officeDocument/2006/relationships" xmlns:p="http://schemas.openxmlformats.org/presentationml/2006/main">
-  <p:cSld>
-    <p:spTree>
-      <p:nvGrpSpPr>
-        <p:cNvPr id="1" name=""/>
-        <p:cNvGrpSpPr/>
-        <p:nvPr/>
-      </p:nvGrpSpPr>
-      <p:grpSpPr>
-        <a:xfrm>
-          <a:off x="0" y="0"/>
-          <a:ext cx="0" cy="0"/>
-          <a:chOff x="0" y="0"/>
-          <a:chExt cx="0" cy="0"/>
-        </a:xfrm>
-      </p:grpSpPr>
-      <p:sp>
-        <p:nvSpPr>
-          <p:cNvPr id="2" name="Titel 1">
-            <a:extLst>
-              <a:ext uri="{FF2B5EF4-FFF2-40B4-BE49-F238E27FC236}">
-                <a16:creationId xmlns:a16="http://schemas.microsoft.com/office/drawing/2014/main" id="{F64A9751-63ED-04DE-9EEA-FC0C22828676}"/>
-              </a:ext>
-            </a:extLst>
-          </p:cNvPr>
-          <p:cNvSpPr>
-            <a:spLocks noGrp="1"/>
-          </p:cNvSpPr>
-          <p:nvPr>
-            <p:ph type="title"/>
-          </p:nvPr>
-        </p:nvSpPr>
-        <p:spPr>
-          <a:xfrm>
-            <a:off x="0" y="3246437"/>
-            <a:ext cx="9144000" cy="365125"/>
-          </a:xfrm>
-        </p:spPr>
-        <p:txBody>
-          <a:bodyPr/>
-          <a:lstStyle/>
-          <a:p>
-            <a:pPr algn="ctr"/>
-            <a:r>
-              <a:rPr lang="de-DE" sz="3600" dirty="0"/>
-              <a:t>Implementierung</a:t>
-            </a:r>
-          </a:p>
-        </p:txBody>
-      </p:sp>
-      <p:sp>
-        <p:nvSpPr>
-          <p:cNvPr id="3" name="Fußzeilenplatzhalter 2">
-            <a:extLst>
-              <a:ext uri="{FF2B5EF4-FFF2-40B4-BE49-F238E27FC236}">
-                <a16:creationId xmlns:a16="http://schemas.microsoft.com/office/drawing/2014/main" id="{D0DCF5F5-5C07-C213-58E3-5F856F047CB0}"/>
-              </a:ext>
-            </a:extLst>
-          </p:cNvPr>
-          <p:cNvSpPr>
-            <a:spLocks noGrp="1"/>
-          </p:cNvSpPr>
-          <p:nvPr>
-            <p:ph type="ftr" sz="quarter" idx="10"/>
-          </p:nvPr>
-        </p:nvSpPr>
-        <p:spPr/>
-        <p:txBody>
-          <a:bodyPr/>
-          <a:lstStyle/>
-          <a:p>
-            <a:r>
-              <a:rPr lang="en-US" altLang="de-DE" dirty="0"/>
-              <a:t>Hochschule Mannheim University of Applied Sciences | Marvin Karhan</a:t>
-            </a:r>
-            <a:endParaRPr lang="de-DE" altLang="de-DE" dirty="0"/>
-          </a:p>
-        </p:txBody>
-      </p:sp>
-      <p:sp>
-        <p:nvSpPr>
-          <p:cNvPr id="4" name="Foliennummernplatzhalter 3">
-            <a:extLst>
-              <a:ext uri="{FF2B5EF4-FFF2-40B4-BE49-F238E27FC236}">
-                <a16:creationId xmlns:a16="http://schemas.microsoft.com/office/drawing/2014/main" id="{355734E1-0407-D0AD-C1AA-D2C386B1FF85}"/>
-              </a:ext>
-            </a:extLst>
-          </p:cNvPr>
-          <p:cNvSpPr>
-            <a:spLocks noGrp="1"/>
-          </p:cNvSpPr>
-          <p:nvPr>
-            <p:ph type="sldNum" sz="quarter" idx="11"/>
-          </p:nvPr>
-        </p:nvSpPr>
-        <p:spPr/>
-        <p:txBody>
-          <a:bodyPr/>
-          <a:lstStyle/>
-          <a:p>
-            <a:fld id="{57D12BB6-0ED4-46B6-AB23-7758AD07EFBF}" type="slidenum">
-              <a:rPr lang="de-DE" smtClean="0"/>
-              <a:pPr/>
-              <a:t>17</a:t>
-            </a:fld>
-            <a:endParaRPr lang="de-DE" dirty="0"/>
-          </a:p>
-        </p:txBody>
-      </p:sp>
-    </p:spTree>
-    <p:extLst>
-      <p:ext uri="{BB962C8B-B14F-4D97-AF65-F5344CB8AC3E}">
-        <p14:creationId xmlns:p14="http://schemas.microsoft.com/office/powerpoint/2010/main" val="358082169"/>
-      </p:ext>
-    </p:extLst>
-  </p:cSld>
-  <p:clrMapOvr>
-    <a:masterClrMapping/>
-  </p:clrMapOvr>
-  <p:transition/>
-</p:sld>
-</file>
-
-<file path=ppt/slides/slide18.xml><?xml version="1.0" encoding="utf-8"?>
-<p:sld xmlns:a="http://schemas.openxmlformats.org/drawingml/2006/main" xmlns:r="http://schemas.openxmlformats.org/officeDocument/2006/relationships" xmlns:p="http://schemas.openxmlformats.org/presentationml/2006/main">
-  <p:cSld>
-    <p:spTree>
-      <p:nvGrpSpPr>
-        <p:cNvPr id="1" name=""/>
-        <p:cNvGrpSpPr/>
-        <p:nvPr/>
-      </p:nvGrpSpPr>
-      <p:grpSpPr>
-        <a:xfrm>
-          <a:off x="0" y="0"/>
-          <a:ext cx="0" cy="0"/>
-          <a:chOff x="0" y="0"/>
-          <a:chExt cx="0" cy="0"/>
-        </a:xfrm>
-      </p:grpSpPr>
-      <p:sp>
-        <p:nvSpPr>
-          <p:cNvPr id="3" name="Fußzeilenplatzhalter 2"/>
-          <p:cNvSpPr>
-            <a:spLocks noGrp="1"/>
-          </p:cNvSpPr>
-          <p:nvPr>
-            <p:ph type="ftr" sz="quarter" idx="10"/>
-          </p:nvPr>
-        </p:nvSpPr>
-        <p:spPr/>
-        <p:txBody>
-          <a:bodyPr/>
-          <a:lstStyle/>
-          <a:p>
-            <a:r>
-              <a:rPr lang="en-US" altLang="de-DE" dirty="0"/>
-              <a:t>Hochschule Mannheim University of Applied Sciences | Marvin Karhan</a:t>
-            </a:r>
-            <a:endParaRPr lang="de-DE" altLang="de-DE" dirty="0"/>
-          </a:p>
-        </p:txBody>
-      </p:sp>
-      <p:sp>
-        <p:nvSpPr>
-          <p:cNvPr id="4" name="Foliennummernplatzhalter 3"/>
-          <p:cNvSpPr>
-            <a:spLocks noGrp="1"/>
-          </p:cNvSpPr>
-          <p:nvPr>
-            <p:ph type="sldNum" sz="quarter" idx="11"/>
-          </p:nvPr>
-        </p:nvSpPr>
-        <p:spPr/>
-        <p:txBody>
-          <a:bodyPr/>
-          <a:lstStyle/>
-          <a:p>
-            <a:fld id="{57D12BB6-0ED4-46B6-AB23-7758AD07EFBF}" type="slidenum">
-              <a:rPr lang="de-DE" smtClean="0"/>
-              <a:pPr/>
-              <a:t>18</a:t>
-            </a:fld>
-            <a:endParaRPr lang="de-DE" dirty="0"/>
-          </a:p>
-        </p:txBody>
-      </p:sp>
-      <p:sp>
-        <p:nvSpPr>
-          <p:cNvPr id="5" name="Rectangle 2"/>
-          <p:cNvSpPr>
-            <a:spLocks noGrp="1" noChangeArrowheads="1"/>
-          </p:cNvSpPr>
-          <p:nvPr>
-            <p:ph type="title"/>
-          </p:nvPr>
-        </p:nvSpPr>
-        <p:spPr>
-          <a:xfrm>
-            <a:off x="971550" y="1404000"/>
-            <a:ext cx="7704138" cy="792162"/>
-          </a:xfrm>
-          <a:noFill/>
-        </p:spPr>
-        <p:txBody>
-          <a:bodyPr/>
-          <a:lstStyle/>
-          <a:p>
-            <a:r>
-              <a:rPr lang="de-DE" altLang="de-DE" dirty="0"/>
-              <a:t>Implementierung</a:t>
-            </a:r>
-          </a:p>
-        </p:txBody>
-      </p:sp>
-      <p:sp>
-        <p:nvSpPr>
-          <p:cNvPr id="6" name="Rectangle 3"/>
-          <p:cNvSpPr txBox="1">
-            <a:spLocks noChangeArrowheads="1"/>
-          </p:cNvSpPr>
-          <p:nvPr/>
-        </p:nvSpPr>
-        <p:spPr>
-          <a:xfrm>
-            <a:off x="971550" y="2160000"/>
-            <a:ext cx="7704138" cy="3600450"/>
-          </a:xfrm>
-          <a:prstGeom prst="rect">
-            <a:avLst/>
-          </a:prstGeom>
-        </p:spPr>
-        <p:txBody>
-          <a:bodyPr/>
-          <a:lstStyle>
-            <a:lvl1pPr algn="l" rtl="0" eaLnBrk="1" fontAlgn="base" hangingPunct="1">
-              <a:lnSpc>
-                <a:spcPct val="110000"/>
-              </a:lnSpc>
-              <a:spcBef>
-                <a:spcPct val="0"/>
-              </a:spcBef>
-              <a:spcAft>
-                <a:spcPct val="20000"/>
-              </a:spcAft>
-              <a:defRPr>
-                <a:solidFill>
-                  <a:schemeClr val="tx1"/>
-                </a:solidFill>
-                <a:latin typeface="+mn-lt"/>
-                <a:ea typeface="+mn-ea"/>
-                <a:cs typeface="+mn-cs"/>
-              </a:defRPr>
-            </a:lvl1pPr>
-            <a:lvl2pPr marL="182563" indent="-180975" algn="l" rtl="0" eaLnBrk="1" fontAlgn="base" hangingPunct="1">
-              <a:lnSpc>
-                <a:spcPct val="110000"/>
-              </a:lnSpc>
-              <a:spcBef>
-                <a:spcPct val="0"/>
-              </a:spcBef>
-              <a:spcAft>
-                <a:spcPct val="20000"/>
-              </a:spcAft>
-              <a:buFont typeface="Arial" charset="0"/>
-              <a:buChar char="•"/>
-              <a:defRPr>
-                <a:solidFill>
-                  <a:schemeClr val="tx1"/>
-                </a:solidFill>
-                <a:latin typeface="+mn-lt"/>
-              </a:defRPr>
-            </a:lvl2pPr>
-            <a:lvl3pPr marL="366713" indent="-182563" algn="l" rtl="0" eaLnBrk="1" fontAlgn="base" hangingPunct="1">
-              <a:lnSpc>
-                <a:spcPct val="110000"/>
-              </a:lnSpc>
-              <a:spcBef>
-                <a:spcPct val="0"/>
-              </a:spcBef>
-              <a:spcAft>
-                <a:spcPct val="20000"/>
-              </a:spcAft>
-              <a:buFont typeface="Arial" charset="0"/>
-              <a:buChar char="•"/>
-              <a:defRPr>
-                <a:solidFill>
-                  <a:schemeClr val="tx1"/>
-                </a:solidFill>
-                <a:latin typeface="+mn-lt"/>
-              </a:defRPr>
-            </a:lvl3pPr>
-            <a:lvl4pPr marL="552450" indent="-184150" algn="l" rtl="0" eaLnBrk="1" fontAlgn="base" hangingPunct="1">
-              <a:lnSpc>
-                <a:spcPct val="110000"/>
-              </a:lnSpc>
-              <a:spcBef>
-                <a:spcPct val="0"/>
-              </a:spcBef>
-              <a:spcAft>
-                <a:spcPct val="20000"/>
-              </a:spcAft>
-              <a:buFont typeface="Arial" charset="0"/>
-              <a:buChar char="•"/>
-              <a:defRPr>
-                <a:solidFill>
-                  <a:schemeClr val="tx1"/>
-                </a:solidFill>
-                <a:latin typeface="+mn-lt"/>
-              </a:defRPr>
-            </a:lvl4pPr>
-            <a:lvl5pPr marL="738188" indent="-184150" algn="l" rtl="0" eaLnBrk="1" fontAlgn="base" hangingPunct="1">
-              <a:lnSpc>
-                <a:spcPct val="110000"/>
-              </a:lnSpc>
-              <a:spcBef>
-                <a:spcPct val="0"/>
-              </a:spcBef>
-              <a:spcAft>
-                <a:spcPct val="20000"/>
-              </a:spcAft>
-              <a:buFont typeface="Arial" charset="0"/>
-              <a:buChar char="•"/>
-              <a:defRPr>
-                <a:solidFill>
-                  <a:schemeClr val="tx1"/>
-                </a:solidFill>
-                <a:latin typeface="+mn-lt"/>
-              </a:defRPr>
-            </a:lvl5pPr>
-            <a:lvl6pPr marL="1195388" indent="-184150" algn="l" rtl="0" eaLnBrk="1" fontAlgn="base" hangingPunct="1">
-              <a:lnSpc>
-                <a:spcPct val="110000"/>
-              </a:lnSpc>
-              <a:spcBef>
-                <a:spcPct val="0"/>
-              </a:spcBef>
-              <a:spcAft>
-                <a:spcPct val="20000"/>
-              </a:spcAft>
-              <a:buFont typeface="Arial" charset="0"/>
-              <a:buChar char="•"/>
-              <a:defRPr>
-                <a:solidFill>
-                  <a:schemeClr val="tx1"/>
-                </a:solidFill>
-                <a:latin typeface="+mn-lt"/>
-              </a:defRPr>
-            </a:lvl6pPr>
-            <a:lvl7pPr marL="1652588" indent="-184150" algn="l" rtl="0" eaLnBrk="1" fontAlgn="base" hangingPunct="1">
-              <a:lnSpc>
-                <a:spcPct val="110000"/>
-              </a:lnSpc>
-              <a:spcBef>
-                <a:spcPct val="0"/>
-              </a:spcBef>
-              <a:spcAft>
-                <a:spcPct val="20000"/>
-              </a:spcAft>
-              <a:buFont typeface="Arial" charset="0"/>
-              <a:buChar char="•"/>
-              <a:defRPr>
-                <a:solidFill>
-                  <a:schemeClr val="tx1"/>
-                </a:solidFill>
-                <a:latin typeface="+mn-lt"/>
-              </a:defRPr>
-            </a:lvl7pPr>
-            <a:lvl8pPr marL="2109788" indent="-184150" algn="l" rtl="0" eaLnBrk="1" fontAlgn="base" hangingPunct="1">
-              <a:lnSpc>
-                <a:spcPct val="110000"/>
-              </a:lnSpc>
-              <a:spcBef>
-                <a:spcPct val="0"/>
-              </a:spcBef>
-              <a:spcAft>
-                <a:spcPct val="20000"/>
-              </a:spcAft>
-              <a:buFont typeface="Arial" charset="0"/>
-              <a:buChar char="•"/>
-              <a:defRPr>
-                <a:solidFill>
-                  <a:schemeClr val="tx1"/>
-                </a:solidFill>
-                <a:latin typeface="+mn-lt"/>
-              </a:defRPr>
-            </a:lvl8pPr>
-            <a:lvl9pPr marL="2566988" indent="-184150" algn="l" rtl="0" eaLnBrk="1" fontAlgn="base" hangingPunct="1">
-              <a:lnSpc>
-                <a:spcPct val="110000"/>
-              </a:lnSpc>
-              <a:spcBef>
-                <a:spcPct val="0"/>
-              </a:spcBef>
-              <a:spcAft>
-                <a:spcPct val="20000"/>
-              </a:spcAft>
-              <a:buFont typeface="Arial" charset="0"/>
-              <a:buChar char="•"/>
-              <a:defRPr>
-                <a:solidFill>
-                  <a:schemeClr val="tx1"/>
-                </a:solidFill>
-                <a:latin typeface="+mn-lt"/>
-              </a:defRPr>
-            </a:lvl9pPr>
-          </a:lstStyle>
-          <a:p>
-            <a:pPr marL="381000" indent="-381000">
-              <a:buAutoNum type="arabicPeriod"/>
-            </a:pPr>
-            <a:r>
-              <a:rPr lang="de-DE" altLang="de-DE" kern="0" dirty="0"/>
-              <a:t>Architektur</a:t>
-            </a:r>
-          </a:p>
-          <a:p>
-            <a:pPr marL="381000" indent="-381000">
-              <a:buAutoNum type="arabicPeriod"/>
-            </a:pPr>
-            <a:r>
-              <a:rPr lang="de-DE" altLang="de-DE" kern="0" dirty="0"/>
-              <a:t>Training</a:t>
-            </a:r>
-          </a:p>
-          <a:p>
-            <a:pPr marL="381000" indent="-381000">
-              <a:buAutoNum type="arabicPeriod"/>
-            </a:pPr>
-            <a:r>
-              <a:rPr lang="de-DE" altLang="de-DE" kern="0" dirty="0"/>
-              <a:t>Integration in einen Schachcomputer</a:t>
-            </a:r>
-          </a:p>
-        </p:txBody>
-      </p:sp>
-    </p:spTree>
-    <p:extLst>
-      <p:ext uri="{BB962C8B-B14F-4D97-AF65-F5344CB8AC3E}">
-        <p14:creationId xmlns:p14="http://schemas.microsoft.com/office/powerpoint/2010/main" val="1936599568"/>
-      </p:ext>
-    </p:extLst>
-  </p:cSld>
-  <p:clrMapOvr>
-    <a:masterClrMapping/>
-  </p:clrMapOvr>
-  <p:transition/>
-</p:sld>
-</file>
-
-<file path=ppt/slides/slide19.xml><?xml version="1.0" encoding="utf-8"?>
-<p:sld xmlns:a="http://schemas.openxmlformats.org/drawingml/2006/main" xmlns:r="http://schemas.openxmlformats.org/officeDocument/2006/relationships" xmlns:p="http://schemas.openxmlformats.org/presentationml/2006/main">
-  <p:cSld>
-    <p:spTree>
-      <p:nvGrpSpPr>
-        <p:cNvPr id="1" name=""/>
-        <p:cNvGrpSpPr/>
-        <p:nvPr/>
-      </p:nvGrpSpPr>
-      <p:grpSpPr>
-        <a:xfrm>
-          <a:off x="0" y="0"/>
-          <a:ext cx="0" cy="0"/>
-          <a:chOff x="0" y="0"/>
-          <a:chExt cx="0" cy="0"/>
-        </a:xfrm>
-      </p:grpSpPr>
-      <p:sp>
-        <p:nvSpPr>
-          <p:cNvPr id="3" name="Fußzeilenplatzhalter 2"/>
-          <p:cNvSpPr>
-            <a:spLocks noGrp="1"/>
-          </p:cNvSpPr>
-          <p:nvPr>
-            <p:ph type="ftr" sz="quarter" idx="10"/>
-          </p:nvPr>
-        </p:nvSpPr>
-        <p:spPr/>
-        <p:txBody>
-          <a:bodyPr/>
-          <a:lstStyle/>
-          <a:p>
-            <a:r>
-              <a:rPr lang="en-US" altLang="de-DE" dirty="0">
-                <a:latin typeface="Arial"/>
-                <a:cs typeface="Arial"/>
-              </a:rPr>
-              <a:t>Hochschule Mannheim University of Applied Sciences | Marvin Karhan</a:t>
-            </a:r>
-          </a:p>
-        </p:txBody>
-      </p:sp>
-      <p:sp>
-        <p:nvSpPr>
-          <p:cNvPr id="4" name="Foliennummernplatzhalter 3"/>
-          <p:cNvSpPr>
-            <a:spLocks noGrp="1"/>
-          </p:cNvSpPr>
-          <p:nvPr>
-            <p:ph type="sldNum" sz="quarter" idx="11"/>
-          </p:nvPr>
-        </p:nvSpPr>
-        <p:spPr/>
-        <p:txBody>
-          <a:bodyPr/>
-          <a:lstStyle/>
-          <a:p>
-            <a:fld id="{57D12BB6-0ED4-46B6-AB23-7758AD07EFBF}" type="slidenum">
-              <a:rPr lang="de-DE" smtClean="0"/>
-              <a:pPr/>
-              <a:t>19</a:t>
             </a:fld>
             <a:endParaRPr lang="de-DE" dirty="0"/>
           </a:p>
@@ -5683,7 +2887,7 @@
 </p:sld>
 </file>
 
-<file path=ppt/slides/slide2.xml><?xml version="1.0" encoding="utf-8"?>
+<file path=ppt/slides/slide12.xml><?xml version="1.0" encoding="utf-8"?>
 <p:sld xmlns:a="http://schemas.openxmlformats.org/drawingml/2006/main" xmlns:r="http://schemas.openxmlformats.org/officeDocument/2006/relationships" xmlns:p="http://schemas.openxmlformats.org/presentationml/2006/main">
   <p:cSld>
     <p:spTree>
@@ -5741,379 +2945,7 @@
             <a:fld id="{57D12BB6-0ED4-46B6-AB23-7758AD07EFBF}" type="slidenum">
               <a:rPr lang="de-DE" smtClean="0"/>
               <a:pPr/>
-              <a:t>2</a:t>
-            </a:fld>
-            <a:endParaRPr lang="de-DE" dirty="0"/>
-          </a:p>
-        </p:txBody>
-      </p:sp>
-      <p:sp>
-        <p:nvSpPr>
-          <p:cNvPr id="5" name="Rectangle 2"/>
-          <p:cNvSpPr>
-            <a:spLocks noGrp="1" noChangeArrowheads="1"/>
-          </p:cNvSpPr>
-          <p:nvPr>
-            <p:ph type="title"/>
-          </p:nvPr>
-        </p:nvSpPr>
-        <p:spPr>
-          <a:xfrm>
-            <a:off x="971550" y="1404000"/>
-            <a:ext cx="7704138" cy="792162"/>
-          </a:xfrm>
-          <a:noFill/>
-        </p:spPr>
-        <p:txBody>
-          <a:bodyPr/>
-          <a:lstStyle/>
-          <a:p>
-            <a:r>
-              <a:rPr lang="de-DE" altLang="de-DE" dirty="0"/>
-              <a:t>Inhalt</a:t>
-            </a:r>
-          </a:p>
-        </p:txBody>
-      </p:sp>
-      <p:sp>
-        <p:nvSpPr>
-          <p:cNvPr id="6" name="Rectangle 3"/>
-          <p:cNvSpPr txBox="1">
-            <a:spLocks noChangeArrowheads="1"/>
-          </p:cNvSpPr>
-          <p:nvPr/>
-        </p:nvSpPr>
-        <p:spPr>
-          <a:xfrm>
-            <a:off x="971550" y="2160000"/>
-            <a:ext cx="7704138" cy="3600450"/>
-          </a:xfrm>
-          <a:prstGeom prst="rect">
-            <a:avLst/>
-          </a:prstGeom>
-        </p:spPr>
-        <p:txBody>
-          <a:bodyPr/>
-          <a:lstStyle>
-            <a:lvl1pPr algn="l" rtl="0" eaLnBrk="1" fontAlgn="base" hangingPunct="1">
-              <a:lnSpc>
-                <a:spcPct val="110000"/>
-              </a:lnSpc>
-              <a:spcBef>
-                <a:spcPct val="0"/>
-              </a:spcBef>
-              <a:spcAft>
-                <a:spcPct val="20000"/>
-              </a:spcAft>
-              <a:defRPr>
-                <a:solidFill>
-                  <a:schemeClr val="tx1"/>
-                </a:solidFill>
-                <a:latin typeface="+mn-lt"/>
-                <a:ea typeface="+mn-ea"/>
-                <a:cs typeface="+mn-cs"/>
-              </a:defRPr>
-            </a:lvl1pPr>
-            <a:lvl2pPr marL="182563" indent="-180975" algn="l" rtl="0" eaLnBrk="1" fontAlgn="base" hangingPunct="1">
-              <a:lnSpc>
-                <a:spcPct val="110000"/>
-              </a:lnSpc>
-              <a:spcBef>
-                <a:spcPct val="0"/>
-              </a:spcBef>
-              <a:spcAft>
-                <a:spcPct val="20000"/>
-              </a:spcAft>
-              <a:buFont typeface="Arial" charset="0"/>
-              <a:buChar char="•"/>
-              <a:defRPr>
-                <a:solidFill>
-                  <a:schemeClr val="tx1"/>
-                </a:solidFill>
-                <a:latin typeface="+mn-lt"/>
-              </a:defRPr>
-            </a:lvl2pPr>
-            <a:lvl3pPr marL="366713" indent="-182563" algn="l" rtl="0" eaLnBrk="1" fontAlgn="base" hangingPunct="1">
-              <a:lnSpc>
-                <a:spcPct val="110000"/>
-              </a:lnSpc>
-              <a:spcBef>
-                <a:spcPct val="0"/>
-              </a:spcBef>
-              <a:spcAft>
-                <a:spcPct val="20000"/>
-              </a:spcAft>
-              <a:buFont typeface="Arial" charset="0"/>
-              <a:buChar char="•"/>
-              <a:defRPr>
-                <a:solidFill>
-                  <a:schemeClr val="tx1"/>
-                </a:solidFill>
-                <a:latin typeface="+mn-lt"/>
-              </a:defRPr>
-            </a:lvl3pPr>
-            <a:lvl4pPr marL="552450" indent="-184150" algn="l" rtl="0" eaLnBrk="1" fontAlgn="base" hangingPunct="1">
-              <a:lnSpc>
-                <a:spcPct val="110000"/>
-              </a:lnSpc>
-              <a:spcBef>
-                <a:spcPct val="0"/>
-              </a:spcBef>
-              <a:spcAft>
-                <a:spcPct val="20000"/>
-              </a:spcAft>
-              <a:buFont typeface="Arial" charset="0"/>
-              <a:buChar char="•"/>
-              <a:defRPr>
-                <a:solidFill>
-                  <a:schemeClr val="tx1"/>
-                </a:solidFill>
-                <a:latin typeface="+mn-lt"/>
-              </a:defRPr>
-            </a:lvl4pPr>
-            <a:lvl5pPr marL="738188" indent="-184150" algn="l" rtl="0" eaLnBrk="1" fontAlgn="base" hangingPunct="1">
-              <a:lnSpc>
-                <a:spcPct val="110000"/>
-              </a:lnSpc>
-              <a:spcBef>
-                <a:spcPct val="0"/>
-              </a:spcBef>
-              <a:spcAft>
-                <a:spcPct val="20000"/>
-              </a:spcAft>
-              <a:buFont typeface="Arial" charset="0"/>
-              <a:buChar char="•"/>
-              <a:defRPr>
-                <a:solidFill>
-                  <a:schemeClr val="tx1"/>
-                </a:solidFill>
-                <a:latin typeface="+mn-lt"/>
-              </a:defRPr>
-            </a:lvl5pPr>
-            <a:lvl6pPr marL="1195388" indent="-184150" algn="l" rtl="0" eaLnBrk="1" fontAlgn="base" hangingPunct="1">
-              <a:lnSpc>
-                <a:spcPct val="110000"/>
-              </a:lnSpc>
-              <a:spcBef>
-                <a:spcPct val="0"/>
-              </a:spcBef>
-              <a:spcAft>
-                <a:spcPct val="20000"/>
-              </a:spcAft>
-              <a:buFont typeface="Arial" charset="0"/>
-              <a:buChar char="•"/>
-              <a:defRPr>
-                <a:solidFill>
-                  <a:schemeClr val="tx1"/>
-                </a:solidFill>
-                <a:latin typeface="+mn-lt"/>
-              </a:defRPr>
-            </a:lvl6pPr>
-            <a:lvl7pPr marL="1652588" indent="-184150" algn="l" rtl="0" eaLnBrk="1" fontAlgn="base" hangingPunct="1">
-              <a:lnSpc>
-                <a:spcPct val="110000"/>
-              </a:lnSpc>
-              <a:spcBef>
-                <a:spcPct val="0"/>
-              </a:spcBef>
-              <a:spcAft>
-                <a:spcPct val="20000"/>
-              </a:spcAft>
-              <a:buFont typeface="Arial" charset="0"/>
-              <a:buChar char="•"/>
-              <a:defRPr>
-                <a:solidFill>
-                  <a:schemeClr val="tx1"/>
-                </a:solidFill>
-                <a:latin typeface="+mn-lt"/>
-              </a:defRPr>
-            </a:lvl7pPr>
-            <a:lvl8pPr marL="2109788" indent="-184150" algn="l" rtl="0" eaLnBrk="1" fontAlgn="base" hangingPunct="1">
-              <a:lnSpc>
-                <a:spcPct val="110000"/>
-              </a:lnSpc>
-              <a:spcBef>
-                <a:spcPct val="0"/>
-              </a:spcBef>
-              <a:spcAft>
-                <a:spcPct val="20000"/>
-              </a:spcAft>
-              <a:buFont typeface="Arial" charset="0"/>
-              <a:buChar char="•"/>
-              <a:defRPr>
-                <a:solidFill>
-                  <a:schemeClr val="tx1"/>
-                </a:solidFill>
-                <a:latin typeface="+mn-lt"/>
-              </a:defRPr>
-            </a:lvl8pPr>
-            <a:lvl9pPr marL="2566988" indent="-184150" algn="l" rtl="0" eaLnBrk="1" fontAlgn="base" hangingPunct="1">
-              <a:lnSpc>
-                <a:spcPct val="110000"/>
-              </a:lnSpc>
-              <a:spcBef>
-                <a:spcPct val="0"/>
-              </a:spcBef>
-              <a:spcAft>
-                <a:spcPct val="20000"/>
-              </a:spcAft>
-              <a:buFont typeface="Arial" charset="0"/>
-              <a:buChar char="•"/>
-              <a:defRPr>
-                <a:solidFill>
-                  <a:schemeClr val="tx1"/>
-                </a:solidFill>
-                <a:latin typeface="+mn-lt"/>
-              </a:defRPr>
-            </a:lvl9pPr>
-          </a:lstStyle>
-          <a:p>
-            <a:pPr marL="381000" indent="-381000">
-              <a:buAutoNum type="arabicPeriod"/>
-            </a:pPr>
-            <a:r>
-              <a:rPr lang="de-DE" altLang="de-DE" kern="0" dirty="0"/>
-              <a:t>Motivation</a:t>
-            </a:r>
-          </a:p>
-          <a:p>
-            <a:pPr marL="381000" indent="-381000">
-              <a:buAutoNum type="arabicPeriod"/>
-            </a:pPr>
-            <a:r>
-              <a:rPr lang="de-DE" altLang="de-DE" kern="0" dirty="0"/>
-              <a:t>Grundlagen</a:t>
-            </a:r>
-          </a:p>
-          <a:p>
-            <a:pPr marL="381000" indent="-381000">
-              <a:buAutoNum type="arabicPeriod"/>
-            </a:pPr>
-            <a:r>
-              <a:rPr lang="de-DE" altLang="de-DE" kern="0" dirty="0"/>
-              <a:t>Implementierung</a:t>
-            </a:r>
-          </a:p>
-          <a:p>
-            <a:pPr marL="381000" indent="-381000">
-              <a:buAutoNum type="arabicPeriod"/>
-            </a:pPr>
-            <a:r>
-              <a:rPr lang="de-DE" altLang="de-DE" kern="0" dirty="0"/>
-              <a:t>Ergebnisse</a:t>
-            </a:r>
-          </a:p>
-          <a:p>
-            <a:pPr marL="381000" indent="-381000">
-              <a:buFontTx/>
-              <a:buAutoNum type="arabicPeriod"/>
-            </a:pPr>
-            <a:r>
-              <a:rPr lang="de-DE" altLang="de-DE" kern="0" dirty="0"/>
-              <a:t>Diskussion</a:t>
-            </a:r>
-          </a:p>
-          <a:p>
-            <a:pPr marL="381000" indent="-381000">
-              <a:buFontTx/>
-              <a:buAutoNum type="arabicPeriod"/>
-            </a:pPr>
-            <a:r>
-              <a:rPr lang="de-DE" altLang="de-DE" kern="0" dirty="0"/>
-              <a:t>Ausblick</a:t>
-            </a:r>
-          </a:p>
-          <a:p>
-            <a:pPr marL="381000" indent="-381000">
-              <a:buFontTx/>
-              <a:buAutoNum type="arabicPeriod"/>
-            </a:pPr>
-            <a:r>
-              <a:rPr lang="de-DE" altLang="de-DE" kern="0" dirty="0"/>
-              <a:t>Demo</a:t>
-            </a:r>
-          </a:p>
-          <a:p>
-            <a:pPr marL="381000" indent="-381000">
-              <a:buAutoNum type="arabicPeriod"/>
-            </a:pPr>
-            <a:endParaRPr lang="de-DE" altLang="de-DE" kern="0" dirty="0"/>
-          </a:p>
-        </p:txBody>
-      </p:sp>
-    </p:spTree>
-    <p:extLst>
-      <p:ext uri="{BB962C8B-B14F-4D97-AF65-F5344CB8AC3E}">
-        <p14:creationId xmlns:p14="http://schemas.microsoft.com/office/powerpoint/2010/main" val="2938349911"/>
-      </p:ext>
-    </p:extLst>
-  </p:cSld>
-  <p:clrMapOvr>
-    <a:masterClrMapping/>
-  </p:clrMapOvr>
-  <p:transition/>
-</p:sld>
-</file>
-
-<file path=ppt/slides/slide20.xml><?xml version="1.0" encoding="utf-8"?>
-<p:sld xmlns:a="http://schemas.openxmlformats.org/drawingml/2006/main" xmlns:r="http://schemas.openxmlformats.org/officeDocument/2006/relationships" xmlns:p="http://schemas.openxmlformats.org/presentationml/2006/main">
-  <p:cSld>
-    <p:spTree>
-      <p:nvGrpSpPr>
-        <p:cNvPr id="1" name=""/>
-        <p:cNvGrpSpPr/>
-        <p:nvPr/>
-      </p:nvGrpSpPr>
-      <p:grpSpPr>
-        <a:xfrm>
-          <a:off x="0" y="0"/>
-          <a:ext cx="0" cy="0"/>
-          <a:chOff x="0" y="0"/>
-          <a:chExt cx="0" cy="0"/>
-        </a:xfrm>
-      </p:grpSpPr>
-      <p:sp>
-        <p:nvSpPr>
-          <p:cNvPr id="3" name="Fußzeilenplatzhalter 2"/>
-          <p:cNvSpPr>
-            <a:spLocks noGrp="1"/>
-          </p:cNvSpPr>
-          <p:nvPr>
-            <p:ph type="ftr" sz="quarter" idx="10"/>
-          </p:nvPr>
-        </p:nvSpPr>
-        <p:spPr/>
-        <p:txBody>
-          <a:bodyPr/>
-          <a:lstStyle/>
-          <a:p>
-            <a:r>
-              <a:rPr lang="en-US" altLang="de-DE" dirty="0"/>
-              <a:t>Hochschule Mannheim University of Applied Sciences | Marvin Karhan</a:t>
-            </a:r>
-            <a:endParaRPr lang="de-DE" altLang="de-DE" dirty="0"/>
-          </a:p>
-        </p:txBody>
-      </p:sp>
-      <p:sp>
-        <p:nvSpPr>
-          <p:cNvPr id="4" name="Foliennummernplatzhalter 3"/>
-          <p:cNvSpPr>
-            <a:spLocks noGrp="1"/>
-          </p:cNvSpPr>
-          <p:nvPr>
-            <p:ph type="sldNum" sz="quarter" idx="11"/>
-          </p:nvPr>
-        </p:nvSpPr>
-        <p:spPr/>
-        <p:txBody>
-          <a:bodyPr/>
-          <a:lstStyle/>
-          <a:p>
-            <a:fld id="{57D12BB6-0ED4-46B6-AB23-7758AD07EFBF}" type="slidenum">
-              <a:rPr lang="de-DE" smtClean="0"/>
-              <a:pPr/>
-              <a:t>20</a:t>
+              <a:t>12</a:t>
             </a:fld>
             <a:endParaRPr lang="de-DE" dirty="0"/>
           </a:p>
@@ -6485,7 +3317,7 @@
 </p:sld>
 </file>
 
-<file path=ppt/slides/slide21.xml><?xml version="1.0" encoding="utf-8"?>
+<file path=ppt/slides/slide13.xml><?xml version="1.0" encoding="utf-8"?>
 <p:sld xmlns:a="http://schemas.openxmlformats.org/drawingml/2006/main" xmlns:r="http://schemas.openxmlformats.org/officeDocument/2006/relationships" xmlns:p="http://schemas.openxmlformats.org/presentationml/2006/main">
   <p:cSld>
     <p:spTree>
@@ -6543,7 +3375,7 @@
             <a:fld id="{57D12BB6-0ED4-46B6-AB23-7758AD07EFBF}" type="slidenum">
               <a:rPr lang="de-DE" smtClean="0"/>
               <a:pPr/>
-              <a:t>21</a:t>
+              <a:t>13</a:t>
             </a:fld>
             <a:endParaRPr lang="de-DE" dirty="0"/>
           </a:p>
@@ -6832,7 +3664,7 @@
 </p:sld>
 </file>
 
-<file path=ppt/slides/slide22.xml><?xml version="1.0" encoding="utf-8"?>
+<file path=ppt/slides/slide14.xml><?xml version="1.0" encoding="utf-8"?>
 <p:sld xmlns:a="http://schemas.openxmlformats.org/drawingml/2006/main" xmlns:r="http://schemas.openxmlformats.org/officeDocument/2006/relationships" xmlns:p="http://schemas.openxmlformats.org/presentationml/2006/main">
   <p:cSld>
     <p:spTree>
@@ -6936,7 +3768,7 @@
             <a:fld id="{57D12BB6-0ED4-46B6-AB23-7758AD07EFBF}" type="slidenum">
               <a:rPr lang="de-DE" smtClean="0"/>
               <a:pPr/>
-              <a:t>22</a:t>
+              <a:t>14</a:t>
             </a:fld>
             <a:endParaRPr lang="de-DE" dirty="0"/>
           </a:p>
@@ -6956,7 +3788,7 @@
 </p:sld>
 </file>
 
-<file path=ppt/slides/slide23.xml><?xml version="1.0" encoding="utf-8"?>
+<file path=ppt/slides/slide15.xml><?xml version="1.0" encoding="utf-8"?>
 <p:sld xmlns:a="http://schemas.openxmlformats.org/drawingml/2006/main" xmlns:r="http://schemas.openxmlformats.org/officeDocument/2006/relationships" xmlns:p="http://schemas.openxmlformats.org/presentationml/2006/main">
   <p:cSld>
     <p:spTree>
@@ -7014,325 +3846,7 @@
             <a:fld id="{57D12BB6-0ED4-46B6-AB23-7758AD07EFBF}" type="slidenum">
               <a:rPr lang="de-DE" smtClean="0"/>
               <a:pPr/>
-              <a:t>23</a:t>
-            </a:fld>
-            <a:endParaRPr lang="de-DE" dirty="0"/>
-          </a:p>
-        </p:txBody>
-      </p:sp>
-      <p:sp>
-        <p:nvSpPr>
-          <p:cNvPr id="5" name="Rectangle 2"/>
-          <p:cNvSpPr>
-            <a:spLocks noGrp="1" noChangeArrowheads="1"/>
-          </p:cNvSpPr>
-          <p:nvPr>
-            <p:ph type="title"/>
-          </p:nvPr>
-        </p:nvSpPr>
-        <p:spPr>
-          <a:xfrm>
-            <a:off x="971550" y="1404000"/>
-            <a:ext cx="7704138" cy="792162"/>
-          </a:xfrm>
-          <a:noFill/>
-        </p:spPr>
-        <p:txBody>
-          <a:bodyPr/>
-          <a:lstStyle/>
-          <a:p>
-            <a:r>
-              <a:rPr lang="de-DE" altLang="de-DE" dirty="0"/>
-              <a:t>Ergebnisse</a:t>
-            </a:r>
-          </a:p>
-        </p:txBody>
-      </p:sp>
-      <p:sp>
-        <p:nvSpPr>
-          <p:cNvPr id="6" name="Rectangle 3"/>
-          <p:cNvSpPr txBox="1">
-            <a:spLocks noChangeArrowheads="1"/>
-          </p:cNvSpPr>
-          <p:nvPr/>
-        </p:nvSpPr>
-        <p:spPr>
-          <a:xfrm>
-            <a:off x="971550" y="2160000"/>
-            <a:ext cx="7704138" cy="3600450"/>
-          </a:xfrm>
-          <a:prstGeom prst="rect">
-            <a:avLst/>
-          </a:prstGeom>
-        </p:spPr>
-        <p:txBody>
-          <a:bodyPr/>
-          <a:lstStyle>
-            <a:lvl1pPr algn="l" rtl="0" eaLnBrk="1" fontAlgn="base" hangingPunct="1">
-              <a:lnSpc>
-                <a:spcPct val="110000"/>
-              </a:lnSpc>
-              <a:spcBef>
-                <a:spcPct val="0"/>
-              </a:spcBef>
-              <a:spcAft>
-                <a:spcPct val="20000"/>
-              </a:spcAft>
-              <a:defRPr>
-                <a:solidFill>
-                  <a:schemeClr val="tx1"/>
-                </a:solidFill>
-                <a:latin typeface="+mn-lt"/>
-                <a:ea typeface="+mn-ea"/>
-                <a:cs typeface="+mn-cs"/>
-              </a:defRPr>
-            </a:lvl1pPr>
-            <a:lvl2pPr marL="182563" indent="-180975" algn="l" rtl="0" eaLnBrk="1" fontAlgn="base" hangingPunct="1">
-              <a:lnSpc>
-                <a:spcPct val="110000"/>
-              </a:lnSpc>
-              <a:spcBef>
-                <a:spcPct val="0"/>
-              </a:spcBef>
-              <a:spcAft>
-                <a:spcPct val="20000"/>
-              </a:spcAft>
-              <a:buFont typeface="Arial" charset="0"/>
-              <a:buChar char="•"/>
-              <a:defRPr>
-                <a:solidFill>
-                  <a:schemeClr val="tx1"/>
-                </a:solidFill>
-                <a:latin typeface="+mn-lt"/>
-              </a:defRPr>
-            </a:lvl2pPr>
-            <a:lvl3pPr marL="366713" indent="-182563" algn="l" rtl="0" eaLnBrk="1" fontAlgn="base" hangingPunct="1">
-              <a:lnSpc>
-                <a:spcPct val="110000"/>
-              </a:lnSpc>
-              <a:spcBef>
-                <a:spcPct val="0"/>
-              </a:spcBef>
-              <a:spcAft>
-                <a:spcPct val="20000"/>
-              </a:spcAft>
-              <a:buFont typeface="Arial" charset="0"/>
-              <a:buChar char="•"/>
-              <a:defRPr>
-                <a:solidFill>
-                  <a:schemeClr val="tx1"/>
-                </a:solidFill>
-                <a:latin typeface="+mn-lt"/>
-              </a:defRPr>
-            </a:lvl3pPr>
-            <a:lvl4pPr marL="552450" indent="-184150" algn="l" rtl="0" eaLnBrk="1" fontAlgn="base" hangingPunct="1">
-              <a:lnSpc>
-                <a:spcPct val="110000"/>
-              </a:lnSpc>
-              <a:spcBef>
-                <a:spcPct val="0"/>
-              </a:spcBef>
-              <a:spcAft>
-                <a:spcPct val="20000"/>
-              </a:spcAft>
-              <a:buFont typeface="Arial" charset="0"/>
-              <a:buChar char="•"/>
-              <a:defRPr>
-                <a:solidFill>
-                  <a:schemeClr val="tx1"/>
-                </a:solidFill>
-                <a:latin typeface="+mn-lt"/>
-              </a:defRPr>
-            </a:lvl4pPr>
-            <a:lvl5pPr marL="738188" indent="-184150" algn="l" rtl="0" eaLnBrk="1" fontAlgn="base" hangingPunct="1">
-              <a:lnSpc>
-                <a:spcPct val="110000"/>
-              </a:lnSpc>
-              <a:spcBef>
-                <a:spcPct val="0"/>
-              </a:spcBef>
-              <a:spcAft>
-                <a:spcPct val="20000"/>
-              </a:spcAft>
-              <a:buFont typeface="Arial" charset="0"/>
-              <a:buChar char="•"/>
-              <a:defRPr>
-                <a:solidFill>
-                  <a:schemeClr val="tx1"/>
-                </a:solidFill>
-                <a:latin typeface="+mn-lt"/>
-              </a:defRPr>
-            </a:lvl5pPr>
-            <a:lvl6pPr marL="1195388" indent="-184150" algn="l" rtl="0" eaLnBrk="1" fontAlgn="base" hangingPunct="1">
-              <a:lnSpc>
-                <a:spcPct val="110000"/>
-              </a:lnSpc>
-              <a:spcBef>
-                <a:spcPct val="0"/>
-              </a:spcBef>
-              <a:spcAft>
-                <a:spcPct val="20000"/>
-              </a:spcAft>
-              <a:buFont typeface="Arial" charset="0"/>
-              <a:buChar char="•"/>
-              <a:defRPr>
-                <a:solidFill>
-                  <a:schemeClr val="tx1"/>
-                </a:solidFill>
-                <a:latin typeface="+mn-lt"/>
-              </a:defRPr>
-            </a:lvl6pPr>
-            <a:lvl7pPr marL="1652588" indent="-184150" algn="l" rtl="0" eaLnBrk="1" fontAlgn="base" hangingPunct="1">
-              <a:lnSpc>
-                <a:spcPct val="110000"/>
-              </a:lnSpc>
-              <a:spcBef>
-                <a:spcPct val="0"/>
-              </a:spcBef>
-              <a:spcAft>
-                <a:spcPct val="20000"/>
-              </a:spcAft>
-              <a:buFont typeface="Arial" charset="0"/>
-              <a:buChar char="•"/>
-              <a:defRPr>
-                <a:solidFill>
-                  <a:schemeClr val="tx1"/>
-                </a:solidFill>
-                <a:latin typeface="+mn-lt"/>
-              </a:defRPr>
-            </a:lvl7pPr>
-            <a:lvl8pPr marL="2109788" indent="-184150" algn="l" rtl="0" eaLnBrk="1" fontAlgn="base" hangingPunct="1">
-              <a:lnSpc>
-                <a:spcPct val="110000"/>
-              </a:lnSpc>
-              <a:spcBef>
-                <a:spcPct val="0"/>
-              </a:spcBef>
-              <a:spcAft>
-                <a:spcPct val="20000"/>
-              </a:spcAft>
-              <a:buFont typeface="Arial" charset="0"/>
-              <a:buChar char="•"/>
-              <a:defRPr>
-                <a:solidFill>
-                  <a:schemeClr val="tx1"/>
-                </a:solidFill>
-                <a:latin typeface="+mn-lt"/>
-              </a:defRPr>
-            </a:lvl8pPr>
-            <a:lvl9pPr marL="2566988" indent="-184150" algn="l" rtl="0" eaLnBrk="1" fontAlgn="base" hangingPunct="1">
-              <a:lnSpc>
-                <a:spcPct val="110000"/>
-              </a:lnSpc>
-              <a:spcBef>
-                <a:spcPct val="0"/>
-              </a:spcBef>
-              <a:spcAft>
-                <a:spcPct val="20000"/>
-              </a:spcAft>
-              <a:buFont typeface="Arial" charset="0"/>
-              <a:buChar char="•"/>
-              <a:defRPr>
-                <a:solidFill>
-                  <a:schemeClr val="tx1"/>
-                </a:solidFill>
-                <a:latin typeface="+mn-lt"/>
-              </a:defRPr>
-            </a:lvl9pPr>
-          </a:lstStyle>
-          <a:p>
-            <a:pPr marL="381000" indent="-381000">
-              <a:buAutoNum type="arabicPeriod"/>
-            </a:pPr>
-            <a:r>
-              <a:rPr lang="de-DE" altLang="de-DE" kern="0" dirty="0"/>
-              <a:t>Testaufbau</a:t>
-            </a:r>
-          </a:p>
-          <a:p>
-            <a:pPr marL="381000" indent="-381000">
-              <a:buAutoNum type="arabicPeriod"/>
-            </a:pPr>
-            <a:r>
-              <a:rPr lang="de-DE" altLang="de-DE" kern="0" dirty="0"/>
-              <a:t>Elo-Entwicklung</a:t>
-            </a:r>
-          </a:p>
-        </p:txBody>
-      </p:sp>
-    </p:spTree>
-    <p:extLst>
-      <p:ext uri="{BB962C8B-B14F-4D97-AF65-F5344CB8AC3E}">
-        <p14:creationId xmlns:p14="http://schemas.microsoft.com/office/powerpoint/2010/main" val="3449397388"/>
-      </p:ext>
-    </p:extLst>
-  </p:cSld>
-  <p:clrMapOvr>
-    <a:masterClrMapping/>
-  </p:clrMapOvr>
-  <p:transition/>
-</p:sld>
-</file>
-
-<file path=ppt/slides/slide24.xml><?xml version="1.0" encoding="utf-8"?>
-<p:sld xmlns:a="http://schemas.openxmlformats.org/drawingml/2006/main" xmlns:r="http://schemas.openxmlformats.org/officeDocument/2006/relationships" xmlns:p="http://schemas.openxmlformats.org/presentationml/2006/main">
-  <p:cSld>
-    <p:spTree>
-      <p:nvGrpSpPr>
-        <p:cNvPr id="1" name=""/>
-        <p:cNvGrpSpPr/>
-        <p:nvPr/>
-      </p:nvGrpSpPr>
-      <p:grpSpPr>
-        <a:xfrm>
-          <a:off x="0" y="0"/>
-          <a:ext cx="0" cy="0"/>
-          <a:chOff x="0" y="0"/>
-          <a:chExt cx="0" cy="0"/>
-        </a:xfrm>
-      </p:grpSpPr>
-      <p:sp>
-        <p:nvSpPr>
-          <p:cNvPr id="3" name="Fußzeilenplatzhalter 2"/>
-          <p:cNvSpPr>
-            <a:spLocks noGrp="1"/>
-          </p:cNvSpPr>
-          <p:nvPr>
-            <p:ph type="ftr" sz="quarter" idx="10"/>
-          </p:nvPr>
-        </p:nvSpPr>
-        <p:spPr/>
-        <p:txBody>
-          <a:bodyPr/>
-          <a:lstStyle/>
-          <a:p>
-            <a:r>
-              <a:rPr lang="en-US" altLang="de-DE" dirty="0"/>
-              <a:t>Hochschule Mannheim University of Applied Sciences | Marvin Karhan</a:t>
-            </a:r>
-            <a:endParaRPr lang="de-DE" altLang="de-DE" dirty="0"/>
-          </a:p>
-        </p:txBody>
-      </p:sp>
-      <p:sp>
-        <p:nvSpPr>
-          <p:cNvPr id="4" name="Foliennummernplatzhalter 3"/>
-          <p:cNvSpPr>
-            <a:spLocks noGrp="1"/>
-          </p:cNvSpPr>
-          <p:nvPr>
-            <p:ph type="sldNum" sz="quarter" idx="11"/>
-          </p:nvPr>
-        </p:nvSpPr>
-        <p:spPr/>
-        <p:txBody>
-          <a:bodyPr/>
-          <a:lstStyle/>
-          <a:p>
-            <a:fld id="{57D12BB6-0ED4-46B6-AB23-7758AD07EFBF}" type="slidenum">
-              <a:rPr lang="de-DE" smtClean="0"/>
-              <a:pPr/>
-              <a:t>24</a:t>
+              <a:t>15</a:t>
             </a:fld>
             <a:endParaRPr lang="de-DE" dirty="0"/>
           </a:p>
@@ -7644,7 +4158,7 @@
 </p:sld>
 </file>
 
-<file path=ppt/slides/slide25.xml><?xml version="1.0" encoding="utf-8"?>
+<file path=ppt/slides/slide16.xml><?xml version="1.0" encoding="utf-8"?>
 <p:sld xmlns:a="http://schemas.openxmlformats.org/drawingml/2006/main" xmlns:r="http://schemas.openxmlformats.org/officeDocument/2006/relationships" xmlns:p="http://schemas.openxmlformats.org/presentationml/2006/main">
   <p:cSld>
     <p:spTree>
@@ -7702,7 +4216,7 @@
             <a:fld id="{57D12BB6-0ED4-46B6-AB23-7758AD07EFBF}" type="slidenum">
               <a:rPr lang="de-DE" smtClean="0"/>
               <a:pPr/>
-              <a:t>25</a:t>
+              <a:t>16</a:t>
             </a:fld>
             <a:endParaRPr lang="de-DE" dirty="0"/>
           </a:p>
@@ -10688,7 +7202,7 @@
 </p:sld>
 </file>
 
-<file path=ppt/slides/slide26.xml><?xml version="1.0" encoding="utf-8"?>
+<file path=ppt/slides/slide17.xml><?xml version="1.0" encoding="utf-8"?>
 <p:sld xmlns:a="http://schemas.openxmlformats.org/drawingml/2006/main" xmlns:r="http://schemas.openxmlformats.org/officeDocument/2006/relationships" xmlns:p="http://schemas.openxmlformats.org/presentationml/2006/main">
   <p:cSld>
     <p:spTree>
@@ -10746,7 +7260,7 @@
             <a:fld id="{57D12BB6-0ED4-46B6-AB23-7758AD07EFBF}" type="slidenum">
               <a:rPr lang="de-DE" smtClean="0"/>
               <a:pPr/>
-              <a:t>26</a:t>
+              <a:t>17</a:t>
             </a:fld>
             <a:endParaRPr lang="de-DE" dirty="0"/>
           </a:p>
@@ -13129,7 +9643,7 @@
 </p:sld>
 </file>
 
-<file path=ppt/slides/slide27.xml><?xml version="1.0" encoding="utf-8"?>
+<file path=ppt/slides/slide18.xml><?xml version="1.0" encoding="utf-8"?>
 <p:sld xmlns:a="http://schemas.openxmlformats.org/drawingml/2006/main" xmlns:r="http://schemas.openxmlformats.org/officeDocument/2006/relationships" xmlns:p="http://schemas.openxmlformats.org/presentationml/2006/main">
   <p:cSld>
     <p:spTree>
@@ -13187,7 +9701,7 @@
             <a:fld id="{57D12BB6-0ED4-46B6-AB23-7758AD07EFBF}" type="slidenum">
               <a:rPr lang="de-DE" smtClean="0"/>
               <a:pPr/>
-              <a:t>27</a:t>
+              <a:t>18</a:t>
             </a:fld>
             <a:endParaRPr lang="de-DE" dirty="0"/>
           </a:p>
@@ -13495,7 +10009,7 @@
 </p:sld>
 </file>
 
-<file path=ppt/slides/slide28.xml><?xml version="1.0" encoding="utf-8"?>
+<file path=ppt/slides/slide19.xml><?xml version="1.0" encoding="utf-8"?>
 <p:sld xmlns:a="http://schemas.openxmlformats.org/drawingml/2006/main" xmlns:r="http://schemas.openxmlformats.org/officeDocument/2006/relationships" xmlns:p="http://schemas.openxmlformats.org/presentationml/2006/main">
   <p:cSld>
     <p:spTree>
@@ -13553,7 +10067,7 @@
             <a:fld id="{57D12BB6-0ED4-46B6-AB23-7758AD07EFBF}" type="slidenum">
               <a:rPr lang="de-DE" smtClean="0"/>
               <a:pPr/>
-              <a:t>28</a:t>
+              <a:t>19</a:t>
             </a:fld>
             <a:endParaRPr lang="de-DE" dirty="0"/>
           </a:p>
@@ -13871,7 +10385,7 @@
 </p:sld>
 </file>
 
-<file path=ppt/slides/slide29.xml><?xml version="1.0" encoding="utf-8"?>
+<file path=ppt/slides/slide2.xml><?xml version="1.0" encoding="utf-8"?>
 <p:sld xmlns:a="http://schemas.openxmlformats.org/drawingml/2006/main" xmlns:r="http://schemas.openxmlformats.org/officeDocument/2006/relationships" xmlns:p="http://schemas.openxmlformats.org/presentationml/2006/main">
   <p:cSld>
     <p:spTree>
@@ -13929,7 +10443,379 @@
             <a:fld id="{57D12BB6-0ED4-46B6-AB23-7758AD07EFBF}" type="slidenum">
               <a:rPr lang="de-DE" smtClean="0"/>
               <a:pPr/>
-              <a:t>29</a:t>
+              <a:t>2</a:t>
+            </a:fld>
+            <a:endParaRPr lang="de-DE" dirty="0"/>
+          </a:p>
+        </p:txBody>
+      </p:sp>
+      <p:sp>
+        <p:nvSpPr>
+          <p:cNvPr id="5" name="Rectangle 2"/>
+          <p:cNvSpPr>
+            <a:spLocks noGrp="1" noChangeArrowheads="1"/>
+          </p:cNvSpPr>
+          <p:nvPr>
+            <p:ph type="title"/>
+          </p:nvPr>
+        </p:nvSpPr>
+        <p:spPr>
+          <a:xfrm>
+            <a:off x="971550" y="1404000"/>
+            <a:ext cx="7704138" cy="792162"/>
+          </a:xfrm>
+          <a:noFill/>
+        </p:spPr>
+        <p:txBody>
+          <a:bodyPr/>
+          <a:lstStyle/>
+          <a:p>
+            <a:r>
+              <a:rPr lang="de-DE" altLang="de-DE" dirty="0"/>
+              <a:t>Inhalt</a:t>
+            </a:r>
+          </a:p>
+        </p:txBody>
+      </p:sp>
+      <p:sp>
+        <p:nvSpPr>
+          <p:cNvPr id="6" name="Rectangle 3"/>
+          <p:cNvSpPr txBox="1">
+            <a:spLocks noChangeArrowheads="1"/>
+          </p:cNvSpPr>
+          <p:nvPr/>
+        </p:nvSpPr>
+        <p:spPr>
+          <a:xfrm>
+            <a:off x="971550" y="2160000"/>
+            <a:ext cx="7704138" cy="3600450"/>
+          </a:xfrm>
+          <a:prstGeom prst="rect">
+            <a:avLst/>
+          </a:prstGeom>
+        </p:spPr>
+        <p:txBody>
+          <a:bodyPr/>
+          <a:lstStyle>
+            <a:lvl1pPr algn="l" rtl="0" eaLnBrk="1" fontAlgn="base" hangingPunct="1">
+              <a:lnSpc>
+                <a:spcPct val="110000"/>
+              </a:lnSpc>
+              <a:spcBef>
+                <a:spcPct val="0"/>
+              </a:spcBef>
+              <a:spcAft>
+                <a:spcPct val="20000"/>
+              </a:spcAft>
+              <a:defRPr>
+                <a:solidFill>
+                  <a:schemeClr val="tx1"/>
+                </a:solidFill>
+                <a:latin typeface="+mn-lt"/>
+                <a:ea typeface="+mn-ea"/>
+                <a:cs typeface="+mn-cs"/>
+              </a:defRPr>
+            </a:lvl1pPr>
+            <a:lvl2pPr marL="182563" indent="-180975" algn="l" rtl="0" eaLnBrk="1" fontAlgn="base" hangingPunct="1">
+              <a:lnSpc>
+                <a:spcPct val="110000"/>
+              </a:lnSpc>
+              <a:spcBef>
+                <a:spcPct val="0"/>
+              </a:spcBef>
+              <a:spcAft>
+                <a:spcPct val="20000"/>
+              </a:spcAft>
+              <a:buFont typeface="Arial" charset="0"/>
+              <a:buChar char="•"/>
+              <a:defRPr>
+                <a:solidFill>
+                  <a:schemeClr val="tx1"/>
+                </a:solidFill>
+                <a:latin typeface="+mn-lt"/>
+              </a:defRPr>
+            </a:lvl2pPr>
+            <a:lvl3pPr marL="366713" indent="-182563" algn="l" rtl="0" eaLnBrk="1" fontAlgn="base" hangingPunct="1">
+              <a:lnSpc>
+                <a:spcPct val="110000"/>
+              </a:lnSpc>
+              <a:spcBef>
+                <a:spcPct val="0"/>
+              </a:spcBef>
+              <a:spcAft>
+                <a:spcPct val="20000"/>
+              </a:spcAft>
+              <a:buFont typeface="Arial" charset="0"/>
+              <a:buChar char="•"/>
+              <a:defRPr>
+                <a:solidFill>
+                  <a:schemeClr val="tx1"/>
+                </a:solidFill>
+                <a:latin typeface="+mn-lt"/>
+              </a:defRPr>
+            </a:lvl3pPr>
+            <a:lvl4pPr marL="552450" indent="-184150" algn="l" rtl="0" eaLnBrk="1" fontAlgn="base" hangingPunct="1">
+              <a:lnSpc>
+                <a:spcPct val="110000"/>
+              </a:lnSpc>
+              <a:spcBef>
+                <a:spcPct val="0"/>
+              </a:spcBef>
+              <a:spcAft>
+                <a:spcPct val="20000"/>
+              </a:spcAft>
+              <a:buFont typeface="Arial" charset="0"/>
+              <a:buChar char="•"/>
+              <a:defRPr>
+                <a:solidFill>
+                  <a:schemeClr val="tx1"/>
+                </a:solidFill>
+                <a:latin typeface="+mn-lt"/>
+              </a:defRPr>
+            </a:lvl4pPr>
+            <a:lvl5pPr marL="738188" indent="-184150" algn="l" rtl="0" eaLnBrk="1" fontAlgn="base" hangingPunct="1">
+              <a:lnSpc>
+                <a:spcPct val="110000"/>
+              </a:lnSpc>
+              <a:spcBef>
+                <a:spcPct val="0"/>
+              </a:spcBef>
+              <a:spcAft>
+                <a:spcPct val="20000"/>
+              </a:spcAft>
+              <a:buFont typeface="Arial" charset="0"/>
+              <a:buChar char="•"/>
+              <a:defRPr>
+                <a:solidFill>
+                  <a:schemeClr val="tx1"/>
+                </a:solidFill>
+                <a:latin typeface="+mn-lt"/>
+              </a:defRPr>
+            </a:lvl5pPr>
+            <a:lvl6pPr marL="1195388" indent="-184150" algn="l" rtl="0" eaLnBrk="1" fontAlgn="base" hangingPunct="1">
+              <a:lnSpc>
+                <a:spcPct val="110000"/>
+              </a:lnSpc>
+              <a:spcBef>
+                <a:spcPct val="0"/>
+              </a:spcBef>
+              <a:spcAft>
+                <a:spcPct val="20000"/>
+              </a:spcAft>
+              <a:buFont typeface="Arial" charset="0"/>
+              <a:buChar char="•"/>
+              <a:defRPr>
+                <a:solidFill>
+                  <a:schemeClr val="tx1"/>
+                </a:solidFill>
+                <a:latin typeface="+mn-lt"/>
+              </a:defRPr>
+            </a:lvl6pPr>
+            <a:lvl7pPr marL="1652588" indent="-184150" algn="l" rtl="0" eaLnBrk="1" fontAlgn="base" hangingPunct="1">
+              <a:lnSpc>
+                <a:spcPct val="110000"/>
+              </a:lnSpc>
+              <a:spcBef>
+                <a:spcPct val="0"/>
+              </a:spcBef>
+              <a:spcAft>
+                <a:spcPct val="20000"/>
+              </a:spcAft>
+              <a:buFont typeface="Arial" charset="0"/>
+              <a:buChar char="•"/>
+              <a:defRPr>
+                <a:solidFill>
+                  <a:schemeClr val="tx1"/>
+                </a:solidFill>
+                <a:latin typeface="+mn-lt"/>
+              </a:defRPr>
+            </a:lvl7pPr>
+            <a:lvl8pPr marL="2109788" indent="-184150" algn="l" rtl="0" eaLnBrk="1" fontAlgn="base" hangingPunct="1">
+              <a:lnSpc>
+                <a:spcPct val="110000"/>
+              </a:lnSpc>
+              <a:spcBef>
+                <a:spcPct val="0"/>
+              </a:spcBef>
+              <a:spcAft>
+                <a:spcPct val="20000"/>
+              </a:spcAft>
+              <a:buFont typeface="Arial" charset="0"/>
+              <a:buChar char="•"/>
+              <a:defRPr>
+                <a:solidFill>
+                  <a:schemeClr val="tx1"/>
+                </a:solidFill>
+                <a:latin typeface="+mn-lt"/>
+              </a:defRPr>
+            </a:lvl8pPr>
+            <a:lvl9pPr marL="2566988" indent="-184150" algn="l" rtl="0" eaLnBrk="1" fontAlgn="base" hangingPunct="1">
+              <a:lnSpc>
+                <a:spcPct val="110000"/>
+              </a:lnSpc>
+              <a:spcBef>
+                <a:spcPct val="0"/>
+              </a:spcBef>
+              <a:spcAft>
+                <a:spcPct val="20000"/>
+              </a:spcAft>
+              <a:buFont typeface="Arial" charset="0"/>
+              <a:buChar char="•"/>
+              <a:defRPr>
+                <a:solidFill>
+                  <a:schemeClr val="tx1"/>
+                </a:solidFill>
+                <a:latin typeface="+mn-lt"/>
+              </a:defRPr>
+            </a:lvl9pPr>
+          </a:lstStyle>
+          <a:p>
+            <a:pPr marL="381000" indent="-381000">
+              <a:buAutoNum type="arabicPeriod"/>
+            </a:pPr>
+            <a:r>
+              <a:rPr lang="de-DE" altLang="de-DE" kern="0" dirty="0"/>
+              <a:t>Motivation</a:t>
+            </a:r>
+          </a:p>
+          <a:p>
+            <a:pPr marL="381000" indent="-381000">
+              <a:buAutoNum type="arabicPeriod"/>
+            </a:pPr>
+            <a:r>
+              <a:rPr lang="de-DE" altLang="de-DE" kern="0" dirty="0"/>
+              <a:t>Theorie</a:t>
+            </a:r>
+          </a:p>
+          <a:p>
+            <a:pPr marL="381000" indent="-381000">
+              <a:buAutoNum type="arabicPeriod"/>
+            </a:pPr>
+            <a:r>
+              <a:rPr lang="de-DE" altLang="de-DE" kern="0" dirty="0"/>
+              <a:t>Implementierung</a:t>
+            </a:r>
+          </a:p>
+          <a:p>
+            <a:pPr marL="381000" indent="-381000">
+              <a:buAutoNum type="arabicPeriod"/>
+            </a:pPr>
+            <a:r>
+              <a:rPr lang="de-DE" altLang="de-DE" kern="0" dirty="0"/>
+              <a:t>Ergebnisse</a:t>
+            </a:r>
+          </a:p>
+          <a:p>
+            <a:pPr marL="381000" indent="-381000">
+              <a:buFontTx/>
+              <a:buAutoNum type="arabicPeriod"/>
+            </a:pPr>
+            <a:r>
+              <a:rPr lang="de-DE" altLang="de-DE" kern="0" dirty="0"/>
+              <a:t>Diskussion</a:t>
+            </a:r>
+          </a:p>
+          <a:p>
+            <a:pPr marL="381000" indent="-381000">
+              <a:buFontTx/>
+              <a:buAutoNum type="arabicPeriod"/>
+            </a:pPr>
+            <a:r>
+              <a:rPr lang="de-DE" altLang="de-DE" kern="0" dirty="0"/>
+              <a:t>Ausblick</a:t>
+            </a:r>
+          </a:p>
+          <a:p>
+            <a:pPr marL="381000" indent="-381000">
+              <a:buFontTx/>
+              <a:buAutoNum type="arabicPeriod"/>
+            </a:pPr>
+            <a:r>
+              <a:rPr lang="de-DE" altLang="de-DE" kern="0" dirty="0"/>
+              <a:t>Demo</a:t>
+            </a:r>
+          </a:p>
+          <a:p>
+            <a:pPr marL="381000" indent="-381000">
+              <a:buAutoNum type="arabicPeriod"/>
+            </a:pPr>
+            <a:endParaRPr lang="de-DE" altLang="de-DE" kern="0" dirty="0"/>
+          </a:p>
+        </p:txBody>
+      </p:sp>
+    </p:spTree>
+    <p:extLst>
+      <p:ext uri="{BB962C8B-B14F-4D97-AF65-F5344CB8AC3E}">
+        <p14:creationId xmlns:p14="http://schemas.microsoft.com/office/powerpoint/2010/main" val="2938349911"/>
+      </p:ext>
+    </p:extLst>
+  </p:cSld>
+  <p:clrMapOvr>
+    <a:masterClrMapping/>
+  </p:clrMapOvr>
+  <p:transition/>
+</p:sld>
+</file>
+
+<file path=ppt/slides/slide20.xml><?xml version="1.0" encoding="utf-8"?>
+<p:sld xmlns:a="http://schemas.openxmlformats.org/drawingml/2006/main" xmlns:r="http://schemas.openxmlformats.org/officeDocument/2006/relationships" xmlns:p="http://schemas.openxmlformats.org/presentationml/2006/main">
+  <p:cSld>
+    <p:spTree>
+      <p:nvGrpSpPr>
+        <p:cNvPr id="1" name=""/>
+        <p:cNvGrpSpPr/>
+        <p:nvPr/>
+      </p:nvGrpSpPr>
+      <p:grpSpPr>
+        <a:xfrm>
+          <a:off x="0" y="0"/>
+          <a:ext cx="0" cy="0"/>
+          <a:chOff x="0" y="0"/>
+          <a:chExt cx="0" cy="0"/>
+        </a:xfrm>
+      </p:grpSpPr>
+      <p:sp>
+        <p:nvSpPr>
+          <p:cNvPr id="3" name="Fußzeilenplatzhalter 2"/>
+          <p:cNvSpPr>
+            <a:spLocks noGrp="1"/>
+          </p:cNvSpPr>
+          <p:nvPr>
+            <p:ph type="ftr" sz="quarter" idx="10"/>
+          </p:nvPr>
+        </p:nvSpPr>
+        <p:spPr/>
+        <p:txBody>
+          <a:bodyPr/>
+          <a:lstStyle/>
+          <a:p>
+            <a:r>
+              <a:rPr lang="en-US" altLang="de-DE" dirty="0"/>
+              <a:t>Hochschule Mannheim University of Applied Sciences | Marvin Karhan</a:t>
+            </a:r>
+            <a:endParaRPr lang="de-DE" altLang="de-DE" dirty="0"/>
+          </a:p>
+        </p:txBody>
+      </p:sp>
+      <p:sp>
+        <p:nvSpPr>
+          <p:cNvPr id="4" name="Foliennummernplatzhalter 3"/>
+          <p:cNvSpPr>
+            <a:spLocks noGrp="1"/>
+          </p:cNvSpPr>
+          <p:nvPr>
+            <p:ph type="sldNum" sz="quarter" idx="11"/>
+          </p:nvPr>
+        </p:nvSpPr>
+        <p:spPr/>
+        <p:txBody>
+          <a:bodyPr/>
+          <a:lstStyle/>
+          <a:p>
+            <a:fld id="{57D12BB6-0ED4-46B6-AB23-7758AD07EFBF}" type="slidenum">
+              <a:rPr lang="de-DE" smtClean="0"/>
+              <a:pPr/>
+              <a:t>20</a:t>
             </a:fld>
             <a:endParaRPr lang="de-DE" dirty="0"/>
           </a:p>
@@ -14255,131 +11141,7 @@
 </p:sld>
 </file>
 
-<file path=ppt/slides/slide3.xml><?xml version="1.0" encoding="utf-8"?>
-<p:sld xmlns:a="http://schemas.openxmlformats.org/drawingml/2006/main" xmlns:r="http://schemas.openxmlformats.org/officeDocument/2006/relationships" xmlns:p="http://schemas.openxmlformats.org/presentationml/2006/main">
-  <p:cSld>
-    <p:spTree>
-      <p:nvGrpSpPr>
-        <p:cNvPr id="1" name=""/>
-        <p:cNvGrpSpPr/>
-        <p:nvPr/>
-      </p:nvGrpSpPr>
-      <p:grpSpPr>
-        <a:xfrm>
-          <a:off x="0" y="0"/>
-          <a:ext cx="0" cy="0"/>
-          <a:chOff x="0" y="0"/>
-          <a:chExt cx="0" cy="0"/>
-        </a:xfrm>
-      </p:grpSpPr>
-      <p:sp>
-        <p:nvSpPr>
-          <p:cNvPr id="2" name="Titel 1">
-            <a:extLst>
-              <a:ext uri="{FF2B5EF4-FFF2-40B4-BE49-F238E27FC236}">
-                <a16:creationId xmlns:a16="http://schemas.microsoft.com/office/drawing/2014/main" id="{F64A9751-63ED-04DE-9EEA-FC0C22828676}"/>
-              </a:ext>
-            </a:extLst>
-          </p:cNvPr>
-          <p:cNvSpPr>
-            <a:spLocks noGrp="1"/>
-          </p:cNvSpPr>
-          <p:nvPr>
-            <p:ph type="title"/>
-          </p:nvPr>
-        </p:nvSpPr>
-        <p:spPr>
-          <a:xfrm>
-            <a:off x="0" y="3246437"/>
-            <a:ext cx="9144000" cy="365125"/>
-          </a:xfrm>
-        </p:spPr>
-        <p:txBody>
-          <a:bodyPr/>
-          <a:lstStyle/>
-          <a:p>
-            <a:pPr algn="ctr"/>
-            <a:r>
-              <a:rPr lang="de-DE" sz="3600" dirty="0"/>
-              <a:t>Motivation</a:t>
-            </a:r>
-          </a:p>
-        </p:txBody>
-      </p:sp>
-      <p:sp>
-        <p:nvSpPr>
-          <p:cNvPr id="3" name="Fußzeilenplatzhalter 2">
-            <a:extLst>
-              <a:ext uri="{FF2B5EF4-FFF2-40B4-BE49-F238E27FC236}">
-                <a16:creationId xmlns:a16="http://schemas.microsoft.com/office/drawing/2014/main" id="{D0DCF5F5-5C07-C213-58E3-5F856F047CB0}"/>
-              </a:ext>
-            </a:extLst>
-          </p:cNvPr>
-          <p:cNvSpPr>
-            <a:spLocks noGrp="1"/>
-          </p:cNvSpPr>
-          <p:nvPr>
-            <p:ph type="ftr" sz="quarter" idx="10"/>
-          </p:nvPr>
-        </p:nvSpPr>
-        <p:spPr/>
-        <p:txBody>
-          <a:bodyPr/>
-          <a:lstStyle/>
-          <a:p>
-            <a:r>
-              <a:rPr lang="en-US" altLang="de-DE" dirty="0"/>
-              <a:t>Hochschule Mannheim University of Applied Sciences | Marvin Karhan</a:t>
-            </a:r>
-            <a:endParaRPr lang="de-DE" altLang="de-DE" dirty="0"/>
-          </a:p>
-        </p:txBody>
-      </p:sp>
-      <p:sp>
-        <p:nvSpPr>
-          <p:cNvPr id="4" name="Foliennummernplatzhalter 3">
-            <a:extLst>
-              <a:ext uri="{FF2B5EF4-FFF2-40B4-BE49-F238E27FC236}">
-                <a16:creationId xmlns:a16="http://schemas.microsoft.com/office/drawing/2014/main" id="{355734E1-0407-D0AD-C1AA-D2C386B1FF85}"/>
-              </a:ext>
-            </a:extLst>
-          </p:cNvPr>
-          <p:cNvSpPr>
-            <a:spLocks noGrp="1"/>
-          </p:cNvSpPr>
-          <p:nvPr>
-            <p:ph type="sldNum" sz="quarter" idx="11"/>
-          </p:nvPr>
-        </p:nvSpPr>
-        <p:spPr/>
-        <p:txBody>
-          <a:bodyPr/>
-          <a:lstStyle/>
-          <a:p>
-            <a:fld id="{57D12BB6-0ED4-46B6-AB23-7758AD07EFBF}" type="slidenum">
-              <a:rPr lang="de-DE" smtClean="0"/>
-              <a:pPr/>
-              <a:t>3</a:t>
-            </a:fld>
-            <a:endParaRPr lang="de-DE" dirty="0"/>
-          </a:p>
-        </p:txBody>
-      </p:sp>
-    </p:spTree>
-    <p:extLst>
-      <p:ext uri="{BB962C8B-B14F-4D97-AF65-F5344CB8AC3E}">
-        <p14:creationId xmlns:p14="http://schemas.microsoft.com/office/powerpoint/2010/main" val="1748363344"/>
-      </p:ext>
-    </p:extLst>
-  </p:cSld>
-  <p:clrMapOvr>
-    <a:masterClrMapping/>
-  </p:clrMapOvr>
-  <p:transition/>
-</p:sld>
-</file>
-
-<file path=ppt/slides/slide30.xml><?xml version="1.0" encoding="utf-8"?>
+<file path=ppt/slides/slide21.xml><?xml version="1.0" encoding="utf-8"?>
 <p:sld xmlns:a="http://schemas.openxmlformats.org/drawingml/2006/main" xmlns:r="http://schemas.openxmlformats.org/officeDocument/2006/relationships" xmlns:p="http://schemas.openxmlformats.org/presentationml/2006/main">
   <p:cSld>
     <p:spTree>
@@ -14437,7 +11199,7 @@
             <a:fld id="{57D12BB6-0ED4-46B6-AB23-7758AD07EFBF}" type="slidenum">
               <a:rPr lang="de-DE" smtClean="0"/>
               <a:pPr/>
-              <a:t>30</a:t>
+              <a:t>21</a:t>
             </a:fld>
             <a:endParaRPr lang="de-DE" dirty="0"/>
           </a:p>
@@ -14813,7 +11575,7 @@
 </p:sld>
 </file>
 
-<file path=ppt/slides/slide31.xml><?xml version="1.0" encoding="utf-8"?>
+<file path=ppt/slides/slide22.xml><?xml version="1.0" encoding="utf-8"?>
 <p:sld xmlns:a="http://schemas.openxmlformats.org/drawingml/2006/main" xmlns:r="http://schemas.openxmlformats.org/officeDocument/2006/relationships" xmlns:p="http://schemas.openxmlformats.org/presentationml/2006/main">
   <p:cSld>
     <p:spTree>
@@ -14871,379 +11633,7 @@
             <a:fld id="{57D12BB6-0ED4-46B6-AB23-7758AD07EFBF}" type="slidenum">
               <a:rPr lang="de-DE" smtClean="0"/>
               <a:pPr/>
-              <a:t>31</a:t>
-            </a:fld>
-            <a:endParaRPr lang="de-DE" dirty="0"/>
-          </a:p>
-        </p:txBody>
-      </p:sp>
-      <p:sp>
-        <p:nvSpPr>
-          <p:cNvPr id="5" name="Rectangle 2"/>
-          <p:cNvSpPr>
-            <a:spLocks noGrp="1" noChangeArrowheads="1"/>
-          </p:cNvSpPr>
-          <p:nvPr>
-            <p:ph type="title"/>
-          </p:nvPr>
-        </p:nvSpPr>
-        <p:spPr>
-          <a:xfrm>
-            <a:off x="971550" y="1404000"/>
-            <a:ext cx="7704138" cy="792162"/>
-          </a:xfrm>
-        </p:spPr>
-        <p:txBody>
-          <a:bodyPr/>
-          <a:lstStyle/>
-          <a:p>
-            <a:r>
-              <a:rPr lang="de-DE" altLang="de-DE" dirty="0"/>
-              <a:t>Elo-Entwicklung: Test 5 &amp; 9 (Fehler)</a:t>
-            </a:r>
-          </a:p>
-        </p:txBody>
-      </p:sp>
-      <p:sp>
-        <p:nvSpPr>
-          <p:cNvPr id="6" name="Rectangle 3"/>
-          <p:cNvSpPr txBox="1">
-            <a:spLocks noChangeArrowheads="1"/>
-          </p:cNvSpPr>
-          <p:nvPr/>
-        </p:nvSpPr>
-        <p:spPr>
-          <a:xfrm>
-            <a:off x="4932363" y="2160000"/>
-            <a:ext cx="3743325" cy="3600450"/>
-          </a:xfrm>
-          <a:prstGeom prst="rect">
-            <a:avLst/>
-          </a:prstGeom>
-        </p:spPr>
-        <p:txBody>
-          <a:bodyPr/>
-          <a:lstStyle>
-            <a:lvl1pPr algn="l" rtl="0" eaLnBrk="1" fontAlgn="base" hangingPunct="1">
-              <a:lnSpc>
-                <a:spcPct val="110000"/>
-              </a:lnSpc>
-              <a:spcBef>
-                <a:spcPct val="0"/>
-              </a:spcBef>
-              <a:spcAft>
-                <a:spcPct val="20000"/>
-              </a:spcAft>
-              <a:defRPr>
-                <a:solidFill>
-                  <a:schemeClr val="tx1"/>
-                </a:solidFill>
-                <a:latin typeface="+mn-lt"/>
-                <a:ea typeface="+mn-ea"/>
-                <a:cs typeface="+mn-cs"/>
-              </a:defRPr>
-            </a:lvl1pPr>
-            <a:lvl2pPr marL="182563" indent="-180975" algn="l" rtl="0" eaLnBrk="1" fontAlgn="base" hangingPunct="1">
-              <a:lnSpc>
-                <a:spcPct val="110000"/>
-              </a:lnSpc>
-              <a:spcBef>
-                <a:spcPct val="0"/>
-              </a:spcBef>
-              <a:spcAft>
-                <a:spcPct val="20000"/>
-              </a:spcAft>
-              <a:buFont typeface="Arial" charset="0"/>
-              <a:buChar char="•"/>
-              <a:defRPr>
-                <a:solidFill>
-                  <a:schemeClr val="tx1"/>
-                </a:solidFill>
-                <a:latin typeface="+mn-lt"/>
-              </a:defRPr>
-            </a:lvl2pPr>
-            <a:lvl3pPr marL="366713" indent="-182563" algn="l" rtl="0" eaLnBrk="1" fontAlgn="base" hangingPunct="1">
-              <a:lnSpc>
-                <a:spcPct val="110000"/>
-              </a:lnSpc>
-              <a:spcBef>
-                <a:spcPct val="0"/>
-              </a:spcBef>
-              <a:spcAft>
-                <a:spcPct val="20000"/>
-              </a:spcAft>
-              <a:buFont typeface="Arial" charset="0"/>
-              <a:buChar char="•"/>
-              <a:defRPr>
-                <a:solidFill>
-                  <a:schemeClr val="tx1"/>
-                </a:solidFill>
-                <a:latin typeface="+mn-lt"/>
-              </a:defRPr>
-            </a:lvl3pPr>
-            <a:lvl4pPr marL="552450" indent="-184150" algn="l" rtl="0" eaLnBrk="1" fontAlgn="base" hangingPunct="1">
-              <a:lnSpc>
-                <a:spcPct val="110000"/>
-              </a:lnSpc>
-              <a:spcBef>
-                <a:spcPct val="0"/>
-              </a:spcBef>
-              <a:spcAft>
-                <a:spcPct val="20000"/>
-              </a:spcAft>
-              <a:buFont typeface="Arial" charset="0"/>
-              <a:buChar char="•"/>
-              <a:defRPr>
-                <a:solidFill>
-                  <a:schemeClr val="tx1"/>
-                </a:solidFill>
-                <a:latin typeface="+mn-lt"/>
-              </a:defRPr>
-            </a:lvl4pPr>
-            <a:lvl5pPr marL="738188" indent="-184150" algn="l" rtl="0" eaLnBrk="1" fontAlgn="base" hangingPunct="1">
-              <a:lnSpc>
-                <a:spcPct val="110000"/>
-              </a:lnSpc>
-              <a:spcBef>
-                <a:spcPct val="0"/>
-              </a:spcBef>
-              <a:spcAft>
-                <a:spcPct val="20000"/>
-              </a:spcAft>
-              <a:buFont typeface="Arial" charset="0"/>
-              <a:buChar char="•"/>
-              <a:defRPr>
-                <a:solidFill>
-                  <a:schemeClr val="tx1"/>
-                </a:solidFill>
-                <a:latin typeface="+mn-lt"/>
-              </a:defRPr>
-            </a:lvl5pPr>
-            <a:lvl6pPr marL="1195388" indent="-184150" algn="l" rtl="0" eaLnBrk="1" fontAlgn="base" hangingPunct="1">
-              <a:lnSpc>
-                <a:spcPct val="110000"/>
-              </a:lnSpc>
-              <a:spcBef>
-                <a:spcPct val="0"/>
-              </a:spcBef>
-              <a:spcAft>
-                <a:spcPct val="20000"/>
-              </a:spcAft>
-              <a:buFont typeface="Arial" charset="0"/>
-              <a:buChar char="•"/>
-              <a:defRPr>
-                <a:solidFill>
-                  <a:schemeClr val="tx1"/>
-                </a:solidFill>
-                <a:latin typeface="+mn-lt"/>
-              </a:defRPr>
-            </a:lvl6pPr>
-            <a:lvl7pPr marL="1652588" indent="-184150" algn="l" rtl="0" eaLnBrk="1" fontAlgn="base" hangingPunct="1">
-              <a:lnSpc>
-                <a:spcPct val="110000"/>
-              </a:lnSpc>
-              <a:spcBef>
-                <a:spcPct val="0"/>
-              </a:spcBef>
-              <a:spcAft>
-                <a:spcPct val="20000"/>
-              </a:spcAft>
-              <a:buFont typeface="Arial" charset="0"/>
-              <a:buChar char="•"/>
-              <a:defRPr>
-                <a:solidFill>
-                  <a:schemeClr val="tx1"/>
-                </a:solidFill>
-                <a:latin typeface="+mn-lt"/>
-              </a:defRPr>
-            </a:lvl7pPr>
-            <a:lvl8pPr marL="2109788" indent="-184150" algn="l" rtl="0" eaLnBrk="1" fontAlgn="base" hangingPunct="1">
-              <a:lnSpc>
-                <a:spcPct val="110000"/>
-              </a:lnSpc>
-              <a:spcBef>
-                <a:spcPct val="0"/>
-              </a:spcBef>
-              <a:spcAft>
-                <a:spcPct val="20000"/>
-              </a:spcAft>
-              <a:buFont typeface="Arial" charset="0"/>
-              <a:buChar char="•"/>
-              <a:defRPr>
-                <a:solidFill>
-                  <a:schemeClr val="tx1"/>
-                </a:solidFill>
-                <a:latin typeface="+mn-lt"/>
-              </a:defRPr>
-            </a:lvl8pPr>
-            <a:lvl9pPr marL="2566988" indent="-184150" algn="l" rtl="0" eaLnBrk="1" fontAlgn="base" hangingPunct="1">
-              <a:lnSpc>
-                <a:spcPct val="110000"/>
-              </a:lnSpc>
-              <a:spcBef>
-                <a:spcPct val="0"/>
-              </a:spcBef>
-              <a:spcAft>
-                <a:spcPct val="20000"/>
-              </a:spcAft>
-              <a:buFont typeface="Arial" charset="0"/>
-              <a:buChar char="•"/>
-              <a:defRPr>
-                <a:solidFill>
-                  <a:schemeClr val="tx1"/>
-                </a:solidFill>
-                <a:latin typeface="+mn-lt"/>
-              </a:defRPr>
-            </a:lvl9pPr>
-          </a:lstStyle>
-          <a:p>
-            <a:pPr marL="1588" lvl="1" indent="0">
-              <a:buNone/>
-            </a:pPr>
-            <a:r>
-              <a:rPr lang="de-DE" altLang="de-DE" kern="0" dirty="0"/>
-              <a:t>Fehler der Testläufe 5 &amp; 9</a:t>
-            </a:r>
-          </a:p>
-          <a:p>
-            <a:pPr marL="134938" lvl="1" indent="-133350"/>
-            <a:r>
-              <a:rPr lang="de-DE" altLang="de-DE" kern="0" dirty="0"/>
-              <a:t>Fehler erklärt nicht den Spielstärke-Ausreißer</a:t>
-            </a:r>
-          </a:p>
-          <a:p>
-            <a:pPr marL="1588" lvl="1" indent="0">
-              <a:buNone/>
-            </a:pPr>
-            <a:endParaRPr lang="de-DE" dirty="0"/>
-          </a:p>
-          <a:p>
-            <a:pPr marL="1588" lvl="1" indent="0">
-              <a:buNone/>
-            </a:pPr>
-            <a:r>
-              <a:rPr lang="de-DE" dirty="0"/>
-              <a:t>⇒</a:t>
-            </a:r>
-            <a:r>
-              <a:rPr lang="de-DE" altLang="de-DE" kern="0" dirty="0"/>
-              <a:t> Der Fehler ist kein guter Indikator der Spielstärke</a:t>
-            </a:r>
-          </a:p>
-        </p:txBody>
-      </p:sp>
-      <p:pic>
-        <p:nvPicPr>
-          <p:cNvPr id="2" name="Grafik 1">
-            <a:extLst>
-              <a:ext uri="{FF2B5EF4-FFF2-40B4-BE49-F238E27FC236}">
-                <a16:creationId xmlns:a16="http://schemas.microsoft.com/office/drawing/2014/main" id="{FC904A1F-7C1C-2BBC-797E-C988AB46D4DF}"/>
-              </a:ext>
-            </a:extLst>
-          </p:cNvPr>
-          <p:cNvPicPr>
-            <a:picLocks noChangeAspect="1"/>
-          </p:cNvPicPr>
-          <p:nvPr/>
-        </p:nvPicPr>
-        <p:blipFill>
-          <a:blip r:embed="rId2">
-            <a:extLst>
-              <a:ext uri="{28A0092B-C50C-407E-A947-70E740481C1C}">
-                <a14:useLocalDpi xmlns:a14="http://schemas.microsoft.com/office/drawing/2010/main" val="0"/>
-              </a:ext>
-              <a:ext uri="{96DAC541-7B7A-43D3-8B79-37D633B846F1}">
-                <asvg:svgBlip xmlns:asvg="http://schemas.microsoft.com/office/drawing/2016/SVG/main" r:embed="rId3"/>
-              </a:ext>
-            </a:extLst>
-          </a:blip>
-          <a:srcRect/>
-          <a:stretch/>
-        </p:blipFill>
-        <p:spPr>
-          <a:xfrm>
-            <a:off x="973506" y="2197851"/>
-            <a:ext cx="3795095" cy="2960713"/>
-          </a:xfrm>
-          <a:prstGeom prst="rect">
-            <a:avLst/>
-          </a:prstGeom>
-        </p:spPr>
-      </p:pic>
-    </p:spTree>
-    <p:extLst>
-      <p:ext uri="{BB962C8B-B14F-4D97-AF65-F5344CB8AC3E}">
-        <p14:creationId xmlns:p14="http://schemas.microsoft.com/office/powerpoint/2010/main" val="1838805387"/>
-      </p:ext>
-    </p:extLst>
-  </p:cSld>
-  <p:clrMapOvr>
-    <a:masterClrMapping/>
-  </p:clrMapOvr>
-  <p:transition/>
-</p:sld>
-</file>
-
-<file path=ppt/slides/slide32.xml><?xml version="1.0" encoding="utf-8"?>
-<p:sld xmlns:a="http://schemas.openxmlformats.org/drawingml/2006/main" xmlns:r="http://schemas.openxmlformats.org/officeDocument/2006/relationships" xmlns:p="http://schemas.openxmlformats.org/presentationml/2006/main">
-  <p:cSld>
-    <p:spTree>
-      <p:nvGrpSpPr>
-        <p:cNvPr id="1" name=""/>
-        <p:cNvGrpSpPr/>
-        <p:nvPr/>
-      </p:nvGrpSpPr>
-      <p:grpSpPr>
-        <a:xfrm>
-          <a:off x="0" y="0"/>
-          <a:ext cx="0" cy="0"/>
-          <a:chOff x="0" y="0"/>
-          <a:chExt cx="0" cy="0"/>
-        </a:xfrm>
-      </p:grpSpPr>
-      <p:sp>
-        <p:nvSpPr>
-          <p:cNvPr id="3" name="Fußzeilenplatzhalter 2"/>
-          <p:cNvSpPr>
-            <a:spLocks noGrp="1"/>
-          </p:cNvSpPr>
-          <p:nvPr>
-            <p:ph type="ftr" sz="quarter" idx="10"/>
-          </p:nvPr>
-        </p:nvSpPr>
-        <p:spPr/>
-        <p:txBody>
-          <a:bodyPr/>
-          <a:lstStyle/>
-          <a:p>
-            <a:r>
-              <a:rPr lang="en-US" altLang="de-DE" dirty="0"/>
-              <a:t>Hochschule Mannheim University of Applied Sciences | Marvin Karhan</a:t>
-            </a:r>
-            <a:endParaRPr lang="de-DE" altLang="de-DE" dirty="0"/>
-          </a:p>
-        </p:txBody>
-      </p:sp>
-      <p:sp>
-        <p:nvSpPr>
-          <p:cNvPr id="4" name="Foliennummernplatzhalter 3"/>
-          <p:cNvSpPr>
-            <a:spLocks noGrp="1"/>
-          </p:cNvSpPr>
-          <p:nvPr>
-            <p:ph type="sldNum" sz="quarter" idx="11"/>
-          </p:nvPr>
-        </p:nvSpPr>
-        <p:spPr/>
-        <p:txBody>
-          <a:bodyPr/>
-          <a:lstStyle/>
-          <a:p>
-            <a:fld id="{57D12BB6-0ED4-46B6-AB23-7758AD07EFBF}" type="slidenum">
-              <a:rPr lang="de-DE" smtClean="0"/>
-              <a:pPr/>
-              <a:t>32</a:t>
+              <a:t>22</a:t>
             </a:fld>
             <a:endParaRPr lang="de-DE" dirty="0"/>
           </a:p>
@@ -15599,7 +11989,7 @@
 </p:sld>
 </file>
 
-<file path=ppt/slides/slide33.xml><?xml version="1.0" encoding="utf-8"?>
+<file path=ppt/slides/slide23.xml><?xml version="1.0" encoding="utf-8"?>
 <p:sld xmlns:a="http://schemas.openxmlformats.org/drawingml/2006/main" xmlns:r="http://schemas.openxmlformats.org/officeDocument/2006/relationships" xmlns:p="http://schemas.openxmlformats.org/presentationml/2006/main">
   <p:cSld>
     <p:spTree>
@@ -15657,7 +12047,7 @@
             <a:fld id="{57D12BB6-0ED4-46B6-AB23-7758AD07EFBF}" type="slidenum">
               <a:rPr lang="de-DE" smtClean="0"/>
               <a:pPr/>
-              <a:t>33</a:t>
+              <a:t>23</a:t>
             </a:fld>
             <a:endParaRPr lang="de-DE" dirty="0"/>
           </a:p>
@@ -15980,7 +12370,7 @@
 </p:sld>
 </file>
 
-<file path=ppt/slides/slide34.xml><?xml version="1.0" encoding="utf-8"?>
+<file path=ppt/slides/slide24.xml><?xml version="1.0" encoding="utf-8"?>
 <p:sld xmlns:a="http://schemas.openxmlformats.org/drawingml/2006/main" xmlns:r="http://schemas.openxmlformats.org/officeDocument/2006/relationships" xmlns:p="http://schemas.openxmlformats.org/presentationml/2006/main">
   <p:cSld>
     <p:spTree>
@@ -16038,7 +12428,7 @@
             <a:fld id="{57D12BB6-0ED4-46B6-AB23-7758AD07EFBF}" type="slidenum">
               <a:rPr lang="de-DE" smtClean="0"/>
               <a:pPr/>
-              <a:t>34</a:t>
+              <a:t>24</a:t>
             </a:fld>
             <a:endParaRPr lang="de-DE" dirty="0"/>
           </a:p>
@@ -21494,7 +17884,7 @@
 </p:sld>
 </file>
 
-<file path=ppt/slides/slide35.xml><?xml version="1.0" encoding="utf-8"?>
+<file path=ppt/slides/slide25.xml><?xml version="1.0" encoding="utf-8"?>
 <p:sld xmlns:a="http://schemas.openxmlformats.org/drawingml/2006/main" xmlns:r="http://schemas.openxmlformats.org/officeDocument/2006/relationships" xmlns:p="http://schemas.openxmlformats.org/presentationml/2006/main">
   <p:cSld>
     <p:spTree>
@@ -21598,7 +17988,7 @@
             <a:fld id="{57D12BB6-0ED4-46B6-AB23-7758AD07EFBF}" type="slidenum">
               <a:rPr lang="de-DE" smtClean="0"/>
               <a:pPr/>
-              <a:t>35</a:t>
+              <a:t>25</a:t>
             </a:fld>
             <a:endParaRPr lang="de-DE" dirty="0"/>
           </a:p>
@@ -21618,7 +18008,7 @@
 </p:sld>
 </file>
 
-<file path=ppt/slides/slide36.xml><?xml version="1.0" encoding="utf-8"?>
+<file path=ppt/slides/slide26.xml><?xml version="1.0" encoding="utf-8"?>
 <p:sld xmlns:a="http://schemas.openxmlformats.org/drawingml/2006/main" xmlns:r="http://schemas.openxmlformats.org/officeDocument/2006/relationships" xmlns:p="http://schemas.openxmlformats.org/presentationml/2006/main">
   <p:cSld>
     <p:spTree>
@@ -21676,325 +18066,7 @@
             <a:fld id="{57D12BB6-0ED4-46B6-AB23-7758AD07EFBF}" type="slidenum">
               <a:rPr lang="de-DE" smtClean="0"/>
               <a:pPr/>
-              <a:t>36</a:t>
-            </a:fld>
-            <a:endParaRPr lang="de-DE" dirty="0"/>
-          </a:p>
-        </p:txBody>
-      </p:sp>
-      <p:sp>
-        <p:nvSpPr>
-          <p:cNvPr id="5" name="Rectangle 2"/>
-          <p:cNvSpPr>
-            <a:spLocks noGrp="1" noChangeArrowheads="1"/>
-          </p:cNvSpPr>
-          <p:nvPr>
-            <p:ph type="title"/>
-          </p:nvPr>
-        </p:nvSpPr>
-        <p:spPr>
-          <a:xfrm>
-            <a:off x="971550" y="1404000"/>
-            <a:ext cx="7704138" cy="792162"/>
-          </a:xfrm>
-          <a:noFill/>
-        </p:spPr>
-        <p:txBody>
-          <a:bodyPr/>
-          <a:lstStyle/>
-          <a:p>
-            <a:r>
-              <a:rPr lang="de-DE" altLang="de-DE" dirty="0"/>
-              <a:t>Diskussion</a:t>
-            </a:r>
-          </a:p>
-        </p:txBody>
-      </p:sp>
-      <p:sp>
-        <p:nvSpPr>
-          <p:cNvPr id="6" name="Rectangle 3"/>
-          <p:cNvSpPr txBox="1">
-            <a:spLocks noChangeArrowheads="1"/>
-          </p:cNvSpPr>
-          <p:nvPr/>
-        </p:nvSpPr>
-        <p:spPr>
-          <a:xfrm>
-            <a:off x="971550" y="2160000"/>
-            <a:ext cx="7704138" cy="3600450"/>
-          </a:xfrm>
-          <a:prstGeom prst="rect">
-            <a:avLst/>
-          </a:prstGeom>
-        </p:spPr>
-        <p:txBody>
-          <a:bodyPr/>
-          <a:lstStyle>
-            <a:lvl1pPr algn="l" rtl="0" eaLnBrk="1" fontAlgn="base" hangingPunct="1">
-              <a:lnSpc>
-                <a:spcPct val="110000"/>
-              </a:lnSpc>
-              <a:spcBef>
-                <a:spcPct val="0"/>
-              </a:spcBef>
-              <a:spcAft>
-                <a:spcPct val="20000"/>
-              </a:spcAft>
-              <a:defRPr>
-                <a:solidFill>
-                  <a:schemeClr val="tx1"/>
-                </a:solidFill>
-                <a:latin typeface="+mn-lt"/>
-                <a:ea typeface="+mn-ea"/>
-                <a:cs typeface="+mn-cs"/>
-              </a:defRPr>
-            </a:lvl1pPr>
-            <a:lvl2pPr marL="182563" indent="-180975" algn="l" rtl="0" eaLnBrk="1" fontAlgn="base" hangingPunct="1">
-              <a:lnSpc>
-                <a:spcPct val="110000"/>
-              </a:lnSpc>
-              <a:spcBef>
-                <a:spcPct val="0"/>
-              </a:spcBef>
-              <a:spcAft>
-                <a:spcPct val="20000"/>
-              </a:spcAft>
-              <a:buFont typeface="Arial" charset="0"/>
-              <a:buChar char="•"/>
-              <a:defRPr>
-                <a:solidFill>
-                  <a:schemeClr val="tx1"/>
-                </a:solidFill>
-                <a:latin typeface="+mn-lt"/>
-              </a:defRPr>
-            </a:lvl2pPr>
-            <a:lvl3pPr marL="366713" indent="-182563" algn="l" rtl="0" eaLnBrk="1" fontAlgn="base" hangingPunct="1">
-              <a:lnSpc>
-                <a:spcPct val="110000"/>
-              </a:lnSpc>
-              <a:spcBef>
-                <a:spcPct val="0"/>
-              </a:spcBef>
-              <a:spcAft>
-                <a:spcPct val="20000"/>
-              </a:spcAft>
-              <a:buFont typeface="Arial" charset="0"/>
-              <a:buChar char="•"/>
-              <a:defRPr>
-                <a:solidFill>
-                  <a:schemeClr val="tx1"/>
-                </a:solidFill>
-                <a:latin typeface="+mn-lt"/>
-              </a:defRPr>
-            </a:lvl3pPr>
-            <a:lvl4pPr marL="552450" indent="-184150" algn="l" rtl="0" eaLnBrk="1" fontAlgn="base" hangingPunct="1">
-              <a:lnSpc>
-                <a:spcPct val="110000"/>
-              </a:lnSpc>
-              <a:spcBef>
-                <a:spcPct val="0"/>
-              </a:spcBef>
-              <a:spcAft>
-                <a:spcPct val="20000"/>
-              </a:spcAft>
-              <a:buFont typeface="Arial" charset="0"/>
-              <a:buChar char="•"/>
-              <a:defRPr>
-                <a:solidFill>
-                  <a:schemeClr val="tx1"/>
-                </a:solidFill>
-                <a:latin typeface="+mn-lt"/>
-              </a:defRPr>
-            </a:lvl4pPr>
-            <a:lvl5pPr marL="738188" indent="-184150" algn="l" rtl="0" eaLnBrk="1" fontAlgn="base" hangingPunct="1">
-              <a:lnSpc>
-                <a:spcPct val="110000"/>
-              </a:lnSpc>
-              <a:spcBef>
-                <a:spcPct val="0"/>
-              </a:spcBef>
-              <a:spcAft>
-                <a:spcPct val="20000"/>
-              </a:spcAft>
-              <a:buFont typeface="Arial" charset="0"/>
-              <a:buChar char="•"/>
-              <a:defRPr>
-                <a:solidFill>
-                  <a:schemeClr val="tx1"/>
-                </a:solidFill>
-                <a:latin typeface="+mn-lt"/>
-              </a:defRPr>
-            </a:lvl5pPr>
-            <a:lvl6pPr marL="1195388" indent="-184150" algn="l" rtl="0" eaLnBrk="1" fontAlgn="base" hangingPunct="1">
-              <a:lnSpc>
-                <a:spcPct val="110000"/>
-              </a:lnSpc>
-              <a:spcBef>
-                <a:spcPct val="0"/>
-              </a:spcBef>
-              <a:spcAft>
-                <a:spcPct val="20000"/>
-              </a:spcAft>
-              <a:buFont typeface="Arial" charset="0"/>
-              <a:buChar char="•"/>
-              <a:defRPr>
-                <a:solidFill>
-                  <a:schemeClr val="tx1"/>
-                </a:solidFill>
-                <a:latin typeface="+mn-lt"/>
-              </a:defRPr>
-            </a:lvl6pPr>
-            <a:lvl7pPr marL="1652588" indent="-184150" algn="l" rtl="0" eaLnBrk="1" fontAlgn="base" hangingPunct="1">
-              <a:lnSpc>
-                <a:spcPct val="110000"/>
-              </a:lnSpc>
-              <a:spcBef>
-                <a:spcPct val="0"/>
-              </a:spcBef>
-              <a:spcAft>
-                <a:spcPct val="20000"/>
-              </a:spcAft>
-              <a:buFont typeface="Arial" charset="0"/>
-              <a:buChar char="•"/>
-              <a:defRPr>
-                <a:solidFill>
-                  <a:schemeClr val="tx1"/>
-                </a:solidFill>
-                <a:latin typeface="+mn-lt"/>
-              </a:defRPr>
-            </a:lvl7pPr>
-            <a:lvl8pPr marL="2109788" indent="-184150" algn="l" rtl="0" eaLnBrk="1" fontAlgn="base" hangingPunct="1">
-              <a:lnSpc>
-                <a:spcPct val="110000"/>
-              </a:lnSpc>
-              <a:spcBef>
-                <a:spcPct val="0"/>
-              </a:spcBef>
-              <a:spcAft>
-                <a:spcPct val="20000"/>
-              </a:spcAft>
-              <a:buFont typeface="Arial" charset="0"/>
-              <a:buChar char="•"/>
-              <a:defRPr>
-                <a:solidFill>
-                  <a:schemeClr val="tx1"/>
-                </a:solidFill>
-                <a:latin typeface="+mn-lt"/>
-              </a:defRPr>
-            </a:lvl8pPr>
-            <a:lvl9pPr marL="2566988" indent="-184150" algn="l" rtl="0" eaLnBrk="1" fontAlgn="base" hangingPunct="1">
-              <a:lnSpc>
-                <a:spcPct val="110000"/>
-              </a:lnSpc>
-              <a:spcBef>
-                <a:spcPct val="0"/>
-              </a:spcBef>
-              <a:spcAft>
-                <a:spcPct val="20000"/>
-              </a:spcAft>
-              <a:buFont typeface="Arial" charset="0"/>
-              <a:buChar char="•"/>
-              <a:defRPr>
-                <a:solidFill>
-                  <a:schemeClr val="tx1"/>
-                </a:solidFill>
-                <a:latin typeface="+mn-lt"/>
-              </a:defRPr>
-            </a:lvl9pPr>
-          </a:lstStyle>
-          <a:p>
-            <a:pPr marL="381000" indent="-381000">
-              <a:buAutoNum type="arabicPeriod"/>
-            </a:pPr>
-            <a:r>
-              <a:rPr lang="de-DE" altLang="de-DE" kern="0" dirty="0"/>
-              <a:t>Erfolge</a:t>
-            </a:r>
-          </a:p>
-          <a:p>
-            <a:pPr marL="381000" indent="-381000">
-              <a:buAutoNum type="arabicPeriod"/>
-            </a:pPr>
-            <a:r>
-              <a:rPr lang="de-DE" altLang="de-DE" kern="0" dirty="0"/>
-              <a:t>Probleme</a:t>
-            </a:r>
-          </a:p>
-        </p:txBody>
-      </p:sp>
-    </p:spTree>
-    <p:extLst>
-      <p:ext uri="{BB962C8B-B14F-4D97-AF65-F5344CB8AC3E}">
-        <p14:creationId xmlns:p14="http://schemas.microsoft.com/office/powerpoint/2010/main" val="1077402096"/>
-      </p:ext>
-    </p:extLst>
-  </p:cSld>
-  <p:clrMapOvr>
-    <a:masterClrMapping/>
-  </p:clrMapOvr>
-  <p:transition/>
-</p:sld>
-</file>
-
-<file path=ppt/slides/slide37.xml><?xml version="1.0" encoding="utf-8"?>
-<p:sld xmlns:a="http://schemas.openxmlformats.org/drawingml/2006/main" xmlns:r="http://schemas.openxmlformats.org/officeDocument/2006/relationships" xmlns:p="http://schemas.openxmlformats.org/presentationml/2006/main">
-  <p:cSld>
-    <p:spTree>
-      <p:nvGrpSpPr>
-        <p:cNvPr id="1" name=""/>
-        <p:cNvGrpSpPr/>
-        <p:nvPr/>
-      </p:nvGrpSpPr>
-      <p:grpSpPr>
-        <a:xfrm>
-          <a:off x="0" y="0"/>
-          <a:ext cx="0" cy="0"/>
-          <a:chOff x="0" y="0"/>
-          <a:chExt cx="0" cy="0"/>
-        </a:xfrm>
-      </p:grpSpPr>
-      <p:sp>
-        <p:nvSpPr>
-          <p:cNvPr id="3" name="Fußzeilenplatzhalter 2"/>
-          <p:cNvSpPr>
-            <a:spLocks noGrp="1"/>
-          </p:cNvSpPr>
-          <p:nvPr>
-            <p:ph type="ftr" sz="quarter" idx="10"/>
-          </p:nvPr>
-        </p:nvSpPr>
-        <p:spPr/>
-        <p:txBody>
-          <a:bodyPr/>
-          <a:lstStyle/>
-          <a:p>
-            <a:r>
-              <a:rPr lang="en-US" altLang="de-DE" dirty="0"/>
-              <a:t>Hochschule Mannheim University of Applied Sciences | Marvin Karhan</a:t>
-            </a:r>
-            <a:endParaRPr lang="de-DE" altLang="de-DE" dirty="0"/>
-          </a:p>
-        </p:txBody>
-      </p:sp>
-      <p:sp>
-        <p:nvSpPr>
-          <p:cNvPr id="4" name="Foliennummernplatzhalter 3"/>
-          <p:cNvSpPr>
-            <a:spLocks noGrp="1"/>
-          </p:cNvSpPr>
-          <p:nvPr>
-            <p:ph type="sldNum" sz="quarter" idx="11"/>
-          </p:nvPr>
-        </p:nvSpPr>
-        <p:spPr/>
-        <p:txBody>
-          <a:bodyPr/>
-          <a:lstStyle/>
-          <a:p>
-            <a:fld id="{57D12BB6-0ED4-46B6-AB23-7758AD07EFBF}" type="slidenum">
-              <a:rPr lang="de-DE" smtClean="0"/>
-              <a:pPr/>
-              <a:t>37</a:t>
+              <a:t>26</a:t>
             </a:fld>
             <a:endParaRPr lang="de-DE" dirty="0"/>
           </a:p>
@@ -22268,7 +18340,7 @@
 </p:sld>
 </file>
 
-<file path=ppt/slides/slide38.xml><?xml version="1.0" encoding="utf-8"?>
+<file path=ppt/slides/slide27.xml><?xml version="1.0" encoding="utf-8"?>
 <p:sld xmlns:a="http://schemas.openxmlformats.org/drawingml/2006/main" xmlns:r="http://schemas.openxmlformats.org/officeDocument/2006/relationships" xmlns:p="http://schemas.openxmlformats.org/presentationml/2006/main">
   <p:cSld>
     <p:spTree>
@@ -22326,7 +18398,7 @@
             <a:fld id="{57D12BB6-0ED4-46B6-AB23-7758AD07EFBF}" type="slidenum">
               <a:rPr lang="de-DE" smtClean="0"/>
               <a:pPr/>
-              <a:t>38</a:t>
+              <a:t>27</a:t>
             </a:fld>
             <a:endParaRPr lang="de-DE" dirty="0"/>
           </a:p>
@@ -22679,7 +18751,7 @@
 </p:sld>
 </file>
 
-<file path=ppt/slides/slide39.xml><?xml version="1.0" encoding="utf-8"?>
+<file path=ppt/slides/slide28.xml><?xml version="1.0" encoding="utf-8"?>
 <p:sld xmlns:a="http://schemas.openxmlformats.org/drawingml/2006/main" xmlns:r="http://schemas.openxmlformats.org/officeDocument/2006/relationships" xmlns:p="http://schemas.openxmlformats.org/presentationml/2006/main">
   <p:cSld>
     <p:spTree>
@@ -22783,7 +18855,7 @@
             <a:fld id="{57D12BB6-0ED4-46B6-AB23-7758AD07EFBF}" type="slidenum">
               <a:rPr lang="de-DE" smtClean="0"/>
               <a:pPr/>
-              <a:t>39</a:t>
+              <a:t>28</a:t>
             </a:fld>
             <a:endParaRPr lang="de-DE" dirty="0"/>
           </a:p>
@@ -22803,7 +18875,7 @@
 </p:sld>
 </file>
 
-<file path=ppt/slides/slide4.xml><?xml version="1.0" encoding="utf-8"?>
+<file path=ppt/slides/slide29.xml><?xml version="1.0" encoding="utf-8"?>
 <p:sld xmlns:a="http://schemas.openxmlformats.org/drawingml/2006/main" xmlns:r="http://schemas.openxmlformats.org/officeDocument/2006/relationships" xmlns:p="http://schemas.openxmlformats.org/presentationml/2006/main">
   <p:cSld>
     <p:spTree>
@@ -22861,344 +18933,7 @@
             <a:fld id="{57D12BB6-0ED4-46B6-AB23-7758AD07EFBF}" type="slidenum">
               <a:rPr lang="de-DE" smtClean="0"/>
               <a:pPr/>
-              <a:t>4</a:t>
-            </a:fld>
-            <a:endParaRPr lang="de-DE" dirty="0"/>
-          </a:p>
-        </p:txBody>
-      </p:sp>
-      <p:sp>
-        <p:nvSpPr>
-          <p:cNvPr id="5" name="Rectangle 2"/>
-          <p:cNvSpPr>
-            <a:spLocks noGrp="1" noChangeArrowheads="1"/>
-          </p:cNvSpPr>
-          <p:nvPr>
-            <p:ph type="title"/>
-          </p:nvPr>
-        </p:nvSpPr>
-        <p:spPr>
-          <a:xfrm>
-            <a:off x="971550" y="1404000"/>
-            <a:ext cx="7704138" cy="792162"/>
-          </a:xfrm>
-          <a:noFill/>
-        </p:spPr>
-        <p:txBody>
-          <a:bodyPr/>
-          <a:lstStyle/>
-          <a:p>
-            <a:r>
-              <a:rPr lang="de-DE" altLang="de-DE" dirty="0"/>
-              <a:t>Motivation</a:t>
-            </a:r>
-          </a:p>
-        </p:txBody>
-      </p:sp>
-      <p:sp>
-        <p:nvSpPr>
-          <p:cNvPr id="6" name="Rectangle 3"/>
-          <p:cNvSpPr txBox="1">
-            <a:spLocks noChangeArrowheads="1"/>
-          </p:cNvSpPr>
-          <p:nvPr/>
-        </p:nvSpPr>
-        <p:spPr>
-          <a:xfrm>
-            <a:off x="971550" y="2160000"/>
-            <a:ext cx="7704138" cy="3600450"/>
-          </a:xfrm>
-          <a:prstGeom prst="rect">
-            <a:avLst/>
-          </a:prstGeom>
-        </p:spPr>
-        <p:txBody>
-          <a:bodyPr lIns="91440" tIns="45720" rIns="91440" bIns="45720" anchor="t"/>
-          <a:lstStyle>
-            <a:lvl1pPr algn="l" rtl="0" eaLnBrk="1" fontAlgn="base" hangingPunct="1">
-              <a:lnSpc>
-                <a:spcPct val="110000"/>
-              </a:lnSpc>
-              <a:spcBef>
-                <a:spcPct val="0"/>
-              </a:spcBef>
-              <a:spcAft>
-                <a:spcPct val="20000"/>
-              </a:spcAft>
-              <a:defRPr>
-                <a:solidFill>
-                  <a:schemeClr val="tx1"/>
-                </a:solidFill>
-                <a:latin typeface="+mn-lt"/>
-                <a:ea typeface="+mn-ea"/>
-                <a:cs typeface="+mn-cs"/>
-              </a:defRPr>
-            </a:lvl1pPr>
-            <a:lvl2pPr marL="182563" indent="-180975" algn="l" rtl="0" eaLnBrk="1" fontAlgn="base" hangingPunct="1">
-              <a:lnSpc>
-                <a:spcPct val="110000"/>
-              </a:lnSpc>
-              <a:spcBef>
-                <a:spcPct val="0"/>
-              </a:spcBef>
-              <a:spcAft>
-                <a:spcPct val="20000"/>
-              </a:spcAft>
-              <a:buFont typeface="Arial" charset="0"/>
-              <a:buChar char="•"/>
-              <a:defRPr>
-                <a:solidFill>
-                  <a:schemeClr val="tx1"/>
-                </a:solidFill>
-                <a:latin typeface="+mn-lt"/>
-              </a:defRPr>
-            </a:lvl2pPr>
-            <a:lvl3pPr marL="366713" indent="-182563" algn="l" rtl="0" eaLnBrk="1" fontAlgn="base" hangingPunct="1">
-              <a:lnSpc>
-                <a:spcPct val="110000"/>
-              </a:lnSpc>
-              <a:spcBef>
-                <a:spcPct val="0"/>
-              </a:spcBef>
-              <a:spcAft>
-                <a:spcPct val="20000"/>
-              </a:spcAft>
-              <a:buFont typeface="Arial" charset="0"/>
-              <a:buChar char="•"/>
-              <a:defRPr>
-                <a:solidFill>
-                  <a:schemeClr val="tx1"/>
-                </a:solidFill>
-                <a:latin typeface="+mn-lt"/>
-              </a:defRPr>
-            </a:lvl3pPr>
-            <a:lvl4pPr marL="552450" indent="-184150" algn="l" rtl="0" eaLnBrk="1" fontAlgn="base" hangingPunct="1">
-              <a:lnSpc>
-                <a:spcPct val="110000"/>
-              </a:lnSpc>
-              <a:spcBef>
-                <a:spcPct val="0"/>
-              </a:spcBef>
-              <a:spcAft>
-                <a:spcPct val="20000"/>
-              </a:spcAft>
-              <a:buFont typeface="Arial" charset="0"/>
-              <a:buChar char="•"/>
-              <a:defRPr>
-                <a:solidFill>
-                  <a:schemeClr val="tx1"/>
-                </a:solidFill>
-                <a:latin typeface="+mn-lt"/>
-              </a:defRPr>
-            </a:lvl4pPr>
-            <a:lvl5pPr marL="738188" indent="-184150" algn="l" rtl="0" eaLnBrk="1" fontAlgn="base" hangingPunct="1">
-              <a:lnSpc>
-                <a:spcPct val="110000"/>
-              </a:lnSpc>
-              <a:spcBef>
-                <a:spcPct val="0"/>
-              </a:spcBef>
-              <a:spcAft>
-                <a:spcPct val="20000"/>
-              </a:spcAft>
-              <a:buFont typeface="Arial" charset="0"/>
-              <a:buChar char="•"/>
-              <a:defRPr>
-                <a:solidFill>
-                  <a:schemeClr val="tx1"/>
-                </a:solidFill>
-                <a:latin typeface="+mn-lt"/>
-              </a:defRPr>
-            </a:lvl5pPr>
-            <a:lvl6pPr marL="1195388" indent="-184150" algn="l" rtl="0" eaLnBrk="1" fontAlgn="base" hangingPunct="1">
-              <a:lnSpc>
-                <a:spcPct val="110000"/>
-              </a:lnSpc>
-              <a:spcBef>
-                <a:spcPct val="0"/>
-              </a:spcBef>
-              <a:spcAft>
-                <a:spcPct val="20000"/>
-              </a:spcAft>
-              <a:buFont typeface="Arial" charset="0"/>
-              <a:buChar char="•"/>
-              <a:defRPr>
-                <a:solidFill>
-                  <a:schemeClr val="tx1"/>
-                </a:solidFill>
-                <a:latin typeface="+mn-lt"/>
-              </a:defRPr>
-            </a:lvl6pPr>
-            <a:lvl7pPr marL="1652588" indent="-184150" algn="l" rtl="0" eaLnBrk="1" fontAlgn="base" hangingPunct="1">
-              <a:lnSpc>
-                <a:spcPct val="110000"/>
-              </a:lnSpc>
-              <a:spcBef>
-                <a:spcPct val="0"/>
-              </a:spcBef>
-              <a:spcAft>
-                <a:spcPct val="20000"/>
-              </a:spcAft>
-              <a:buFont typeface="Arial" charset="0"/>
-              <a:buChar char="•"/>
-              <a:defRPr>
-                <a:solidFill>
-                  <a:schemeClr val="tx1"/>
-                </a:solidFill>
-                <a:latin typeface="+mn-lt"/>
-              </a:defRPr>
-            </a:lvl7pPr>
-            <a:lvl8pPr marL="2109788" indent="-184150" algn="l" rtl="0" eaLnBrk="1" fontAlgn="base" hangingPunct="1">
-              <a:lnSpc>
-                <a:spcPct val="110000"/>
-              </a:lnSpc>
-              <a:spcBef>
-                <a:spcPct val="0"/>
-              </a:spcBef>
-              <a:spcAft>
-                <a:spcPct val="20000"/>
-              </a:spcAft>
-              <a:buFont typeface="Arial" charset="0"/>
-              <a:buChar char="•"/>
-              <a:defRPr>
-                <a:solidFill>
-                  <a:schemeClr val="tx1"/>
-                </a:solidFill>
-                <a:latin typeface="+mn-lt"/>
-              </a:defRPr>
-            </a:lvl8pPr>
-            <a:lvl9pPr marL="2566988" indent="-184150" algn="l" rtl="0" eaLnBrk="1" fontAlgn="base" hangingPunct="1">
-              <a:lnSpc>
-                <a:spcPct val="110000"/>
-              </a:lnSpc>
-              <a:spcBef>
-                <a:spcPct val="0"/>
-              </a:spcBef>
-              <a:spcAft>
-                <a:spcPct val="20000"/>
-              </a:spcAft>
-              <a:buFont typeface="Arial" charset="0"/>
-              <a:buChar char="•"/>
-              <a:defRPr>
-                <a:solidFill>
-                  <a:schemeClr val="tx1"/>
-                </a:solidFill>
-                <a:latin typeface="+mn-lt"/>
-              </a:defRPr>
-            </a:lvl9pPr>
-          </a:lstStyle>
-          <a:p>
-            <a:pPr marL="381000" indent="-381000">
-              <a:buAutoNum type="arabicPeriod"/>
-            </a:pPr>
-            <a:r>
-              <a:rPr lang="de-DE" altLang="de-DE" kern="0" dirty="0"/>
-              <a:t>Hintergrund</a:t>
-            </a:r>
-          </a:p>
-          <a:p>
-            <a:pPr marL="381000" indent="-381000">
-              <a:buAutoNum type="arabicPeriod"/>
-            </a:pPr>
-            <a:r>
-              <a:rPr lang="de-DE" altLang="de-DE" dirty="0" err="1"/>
-              <a:t>Zugsuche</a:t>
-            </a:r>
-            <a:endParaRPr lang="de-DE" altLang="de-DE" dirty="0"/>
-          </a:p>
-          <a:p>
-            <a:pPr marL="381000" indent="-381000">
-              <a:buAutoNum type="arabicPeriod"/>
-            </a:pPr>
-            <a:r>
-              <a:rPr lang="de-DE" altLang="de-DE"/>
-              <a:t>Anwendungsgebiete</a:t>
-            </a:r>
-            <a:endParaRPr lang="de-DE" altLang="de-DE">
-              <a:cs typeface="Arial"/>
-            </a:endParaRPr>
-          </a:p>
-          <a:p>
-            <a:pPr marL="381000" indent="-381000">
-              <a:buAutoNum type="arabicPeriod"/>
-            </a:pPr>
-            <a:endParaRPr lang="de-DE" altLang="de-DE" kern="0" dirty="0"/>
-          </a:p>
-        </p:txBody>
-      </p:sp>
-    </p:spTree>
-    <p:extLst>
-      <p:ext uri="{BB962C8B-B14F-4D97-AF65-F5344CB8AC3E}">
-        <p14:creationId xmlns:p14="http://schemas.microsoft.com/office/powerpoint/2010/main" val="2130800735"/>
-      </p:ext>
-    </p:extLst>
-  </p:cSld>
-  <p:clrMapOvr>
-    <a:masterClrMapping/>
-  </p:clrMapOvr>
-  <p:transition/>
-</p:sld>
-</file>
-
-<file path=ppt/slides/slide40.xml><?xml version="1.0" encoding="utf-8"?>
-<p:sld xmlns:a="http://schemas.openxmlformats.org/drawingml/2006/main" xmlns:r="http://schemas.openxmlformats.org/officeDocument/2006/relationships" xmlns:p="http://schemas.openxmlformats.org/presentationml/2006/main">
-  <p:cSld>
-    <p:spTree>
-      <p:nvGrpSpPr>
-        <p:cNvPr id="1" name=""/>
-        <p:cNvGrpSpPr/>
-        <p:nvPr/>
-      </p:nvGrpSpPr>
-      <p:grpSpPr>
-        <a:xfrm>
-          <a:off x="0" y="0"/>
-          <a:ext cx="0" cy="0"/>
-          <a:chOff x="0" y="0"/>
-          <a:chExt cx="0" cy="0"/>
-        </a:xfrm>
-      </p:grpSpPr>
-      <p:sp>
-        <p:nvSpPr>
-          <p:cNvPr id="3" name="Fußzeilenplatzhalter 2"/>
-          <p:cNvSpPr>
-            <a:spLocks noGrp="1"/>
-          </p:cNvSpPr>
-          <p:nvPr>
-            <p:ph type="ftr" sz="quarter" idx="10"/>
-          </p:nvPr>
-        </p:nvSpPr>
-        <p:spPr/>
-        <p:txBody>
-          <a:bodyPr/>
-          <a:lstStyle/>
-          <a:p>
-            <a:r>
-              <a:rPr lang="en-US" altLang="de-DE" dirty="0"/>
-              <a:t>Hochschule Mannheim University of Applied Sciences | Marvin Karhan</a:t>
-            </a:r>
-            <a:endParaRPr lang="de-DE" altLang="de-DE" dirty="0"/>
-          </a:p>
-        </p:txBody>
-      </p:sp>
-      <p:sp>
-        <p:nvSpPr>
-          <p:cNvPr id="4" name="Foliennummernplatzhalter 3"/>
-          <p:cNvSpPr>
-            <a:spLocks noGrp="1"/>
-          </p:cNvSpPr>
-          <p:nvPr>
-            <p:ph type="sldNum" sz="quarter" idx="11"/>
-          </p:nvPr>
-        </p:nvSpPr>
-        <p:spPr/>
-        <p:txBody>
-          <a:bodyPr/>
-          <a:lstStyle/>
-          <a:p>
-            <a:fld id="{57D12BB6-0ED4-46B6-AB23-7758AD07EFBF}" type="slidenum">
-              <a:rPr lang="de-DE" smtClean="0"/>
-              <a:pPr/>
-              <a:t>40</a:t>
+              <a:t>29</a:t>
             </a:fld>
             <a:endParaRPr lang="de-DE" dirty="0"/>
           </a:p>
@@ -23489,7 +19224,7 @@
 </p:sld>
 </file>
 
-<file path=ppt/slides/slide41.xml><?xml version="1.0" encoding="utf-8"?>
+<file path=ppt/slides/slide3.xml><?xml version="1.0" encoding="utf-8"?>
 <p:sld xmlns:a="http://schemas.openxmlformats.org/drawingml/2006/main" xmlns:r="http://schemas.openxmlformats.org/officeDocument/2006/relationships" xmlns:p="http://schemas.openxmlformats.org/presentationml/2006/main">
   <p:cSld>
     <p:spTree>
@@ -23535,7 +19270,7 @@
             <a:pPr algn="ctr"/>
             <a:r>
               <a:rPr lang="de-DE" sz="3600" dirty="0"/>
-              <a:t>Demo</a:t>
+              <a:t>Motivation</a:t>
             </a:r>
           </a:p>
         </p:txBody>
@@ -23593,7 +19328,131 @@
             <a:fld id="{57D12BB6-0ED4-46B6-AB23-7758AD07EFBF}" type="slidenum">
               <a:rPr lang="de-DE" smtClean="0"/>
               <a:pPr/>
-              <a:t>41</a:t>
+              <a:t>3</a:t>
+            </a:fld>
+            <a:endParaRPr lang="de-DE" dirty="0"/>
+          </a:p>
+        </p:txBody>
+      </p:sp>
+    </p:spTree>
+    <p:extLst>
+      <p:ext uri="{BB962C8B-B14F-4D97-AF65-F5344CB8AC3E}">
+        <p14:creationId xmlns:p14="http://schemas.microsoft.com/office/powerpoint/2010/main" val="1748363344"/>
+      </p:ext>
+    </p:extLst>
+  </p:cSld>
+  <p:clrMapOvr>
+    <a:masterClrMapping/>
+  </p:clrMapOvr>
+  <p:transition/>
+</p:sld>
+</file>
+
+<file path=ppt/slides/slide30.xml><?xml version="1.0" encoding="utf-8"?>
+<p:sld xmlns:a="http://schemas.openxmlformats.org/drawingml/2006/main" xmlns:r="http://schemas.openxmlformats.org/officeDocument/2006/relationships" xmlns:p="http://schemas.openxmlformats.org/presentationml/2006/main">
+  <p:cSld>
+    <p:spTree>
+      <p:nvGrpSpPr>
+        <p:cNvPr id="1" name=""/>
+        <p:cNvGrpSpPr/>
+        <p:nvPr/>
+      </p:nvGrpSpPr>
+      <p:grpSpPr>
+        <a:xfrm>
+          <a:off x="0" y="0"/>
+          <a:ext cx="0" cy="0"/>
+          <a:chOff x="0" y="0"/>
+          <a:chExt cx="0" cy="0"/>
+        </a:xfrm>
+      </p:grpSpPr>
+      <p:sp>
+        <p:nvSpPr>
+          <p:cNvPr id="2" name="Titel 1">
+            <a:extLst>
+              <a:ext uri="{FF2B5EF4-FFF2-40B4-BE49-F238E27FC236}">
+                <a16:creationId xmlns:a16="http://schemas.microsoft.com/office/drawing/2014/main" id="{F64A9751-63ED-04DE-9EEA-FC0C22828676}"/>
+              </a:ext>
+            </a:extLst>
+          </p:cNvPr>
+          <p:cNvSpPr>
+            <a:spLocks noGrp="1"/>
+          </p:cNvSpPr>
+          <p:nvPr>
+            <p:ph type="title"/>
+          </p:nvPr>
+        </p:nvSpPr>
+        <p:spPr>
+          <a:xfrm>
+            <a:off x="0" y="3246437"/>
+            <a:ext cx="9144000" cy="365125"/>
+          </a:xfrm>
+        </p:spPr>
+        <p:txBody>
+          <a:bodyPr/>
+          <a:lstStyle/>
+          <a:p>
+            <a:pPr algn="ctr"/>
+            <a:r>
+              <a:rPr lang="de-DE" sz="3600" dirty="0"/>
+              <a:t>Demo</a:t>
+            </a:r>
+          </a:p>
+        </p:txBody>
+      </p:sp>
+      <p:sp>
+        <p:nvSpPr>
+          <p:cNvPr id="3" name="Fußzeilenplatzhalter 2">
+            <a:extLst>
+              <a:ext uri="{FF2B5EF4-FFF2-40B4-BE49-F238E27FC236}">
+                <a16:creationId xmlns:a16="http://schemas.microsoft.com/office/drawing/2014/main" id="{D0DCF5F5-5C07-C213-58E3-5F856F047CB0}"/>
+              </a:ext>
+            </a:extLst>
+          </p:cNvPr>
+          <p:cNvSpPr>
+            <a:spLocks noGrp="1"/>
+          </p:cNvSpPr>
+          <p:nvPr>
+            <p:ph type="ftr" sz="quarter" idx="10"/>
+          </p:nvPr>
+        </p:nvSpPr>
+        <p:spPr/>
+        <p:txBody>
+          <a:bodyPr/>
+          <a:lstStyle/>
+          <a:p>
+            <a:r>
+              <a:rPr lang="en-US" altLang="de-DE" dirty="0"/>
+              <a:t>Hochschule Mannheim University of Applied Sciences | Marvin Karhan</a:t>
+            </a:r>
+            <a:endParaRPr lang="de-DE" altLang="de-DE" dirty="0"/>
+          </a:p>
+        </p:txBody>
+      </p:sp>
+      <p:sp>
+        <p:nvSpPr>
+          <p:cNvPr id="4" name="Foliennummernplatzhalter 3">
+            <a:extLst>
+              <a:ext uri="{FF2B5EF4-FFF2-40B4-BE49-F238E27FC236}">
+                <a16:creationId xmlns:a16="http://schemas.microsoft.com/office/drawing/2014/main" id="{355734E1-0407-D0AD-C1AA-D2C386B1FF85}"/>
+              </a:ext>
+            </a:extLst>
+          </p:cNvPr>
+          <p:cNvSpPr>
+            <a:spLocks noGrp="1"/>
+          </p:cNvSpPr>
+          <p:nvPr>
+            <p:ph type="sldNum" sz="quarter" idx="11"/>
+          </p:nvPr>
+        </p:nvSpPr>
+        <p:spPr/>
+        <p:txBody>
+          <a:bodyPr/>
+          <a:lstStyle/>
+          <a:p>
+            <a:fld id="{57D12BB6-0ED4-46B6-AB23-7758AD07EFBF}" type="slidenum">
+              <a:rPr lang="de-DE" smtClean="0"/>
+              <a:pPr/>
+              <a:t>30</a:t>
             </a:fld>
             <a:endParaRPr lang="de-DE" dirty="0"/>
           </a:p>
@@ -23651,7 +19510,7 @@
 </p:sld>
 </file>
 
-<file path=ppt/slides/slide42.xml><?xml version="1.0" encoding="utf-8"?>
+<file path=ppt/slides/slide31.xml><?xml version="1.0" encoding="utf-8"?>
 <p:sld xmlns:a="http://schemas.openxmlformats.org/drawingml/2006/main" xmlns:r="http://schemas.openxmlformats.org/officeDocument/2006/relationships" xmlns:p="http://schemas.openxmlformats.org/presentationml/2006/main">
   <p:cSld>
     <p:spTree>
@@ -23711,7 +19570,7 @@
             <a:fld id="{57D12BB6-0ED4-46B6-AB23-7758AD07EFBF}" type="slidenum">
               <a:rPr lang="de-DE" smtClean="0"/>
               <a:pPr/>
-              <a:t>42</a:t>
+              <a:t>31</a:t>
             </a:fld>
             <a:endParaRPr lang="de-DE" dirty="0"/>
           </a:p>
@@ -24170,8 +20029,8 @@
 </p:sld>
 </file>
 
-<file path=ppt/slides/slide5.xml><?xml version="1.0" encoding="utf-8"?>
-<p:sld xmlns:a="http://schemas.openxmlformats.org/drawingml/2006/main" xmlns:r="http://schemas.openxmlformats.org/officeDocument/2006/relationships" xmlns:p="http://schemas.openxmlformats.org/presentationml/2006/main">
+<file path=ppt/slides/slide32.xml><?xml version="1.0" encoding="utf-8"?>
+<p:sld xmlns:a="http://schemas.openxmlformats.org/drawingml/2006/main" xmlns:r="http://schemas.openxmlformats.org/officeDocument/2006/relationships" xmlns:p="http://schemas.openxmlformats.org/presentationml/2006/main" show="0">
   <p:cSld>
     <p:spTree>
       <p:nvGrpSpPr>
@@ -24234,7 +20093,7 @@
             <a:fld id="{57D12BB6-0ED4-46B6-AB23-7758AD07EFBF}" type="slidenum">
               <a:rPr lang="de-DE" smtClean="0"/>
               <a:pPr/>
-              <a:t>5</a:t>
+              <a:t>32</a:t>
             </a:fld>
             <a:endParaRPr lang="de-DE" dirty="0"/>
           </a:p>
@@ -24942,8 +20801,8 @@
 </p:sld>
 </file>
 
-<file path=ppt/slides/slide6.xml><?xml version="1.0" encoding="utf-8"?>
-<p:sld xmlns:a="http://schemas.openxmlformats.org/drawingml/2006/main" xmlns:r="http://schemas.openxmlformats.org/officeDocument/2006/relationships" xmlns:p="http://schemas.openxmlformats.org/presentationml/2006/main">
+<file path=ppt/slides/slide33.xml><?xml version="1.0" encoding="utf-8"?>
+<p:sld xmlns:a="http://schemas.openxmlformats.org/drawingml/2006/main" xmlns:r="http://schemas.openxmlformats.org/officeDocument/2006/relationships" xmlns:p="http://schemas.openxmlformats.org/presentationml/2006/main" show="0">
   <p:cSld>
     <p:spTree>
       <p:nvGrpSpPr>
@@ -25000,7 +20859,7 @@
             <a:fld id="{57D12BB6-0ED4-46B6-AB23-7758AD07EFBF}" type="slidenum">
               <a:rPr lang="de-DE" smtClean="0"/>
               <a:pPr/>
-              <a:t>6</a:t>
+              <a:t>33</a:t>
             </a:fld>
             <a:endParaRPr lang="de-DE" dirty="0"/>
           </a:p>
@@ -25027,8 +20886,783 @@
           <a:lstStyle/>
           <a:p>
             <a:r>
-              <a:rPr lang="de-DE" altLang="de-DE" dirty="0" err="1"/>
-              <a:t>Zugsuche</a:t>
+              <a:rPr lang="de-DE" altLang="de-DE" kern="0" dirty="0"/>
+              <a:t>Neuronale Netze</a:t>
+            </a:r>
+            <a:endParaRPr lang="de-DE" altLang="de-DE" dirty="0"/>
+          </a:p>
+        </p:txBody>
+      </p:sp>
+      <p:sp>
+        <p:nvSpPr>
+          <p:cNvPr id="6" name="Rectangle 3"/>
+          <p:cNvSpPr txBox="1">
+            <a:spLocks noChangeArrowheads="1"/>
+          </p:cNvSpPr>
+          <p:nvPr/>
+        </p:nvSpPr>
+        <p:spPr>
+          <a:xfrm>
+            <a:off x="4932363" y="2160000"/>
+            <a:ext cx="4032125" cy="3600450"/>
+          </a:xfrm>
+          <a:prstGeom prst="rect">
+            <a:avLst/>
+          </a:prstGeom>
+        </p:spPr>
+        <p:txBody>
+          <a:bodyPr lIns="91440" tIns="45720" rIns="91440" bIns="45720" anchor="t"/>
+          <a:lstStyle>
+            <a:lvl1pPr algn="l" rtl="0" eaLnBrk="1" fontAlgn="base" hangingPunct="1">
+              <a:lnSpc>
+                <a:spcPct val="110000"/>
+              </a:lnSpc>
+              <a:spcBef>
+                <a:spcPct val="0"/>
+              </a:spcBef>
+              <a:spcAft>
+                <a:spcPct val="20000"/>
+              </a:spcAft>
+              <a:defRPr>
+                <a:solidFill>
+                  <a:schemeClr val="tx1"/>
+                </a:solidFill>
+                <a:latin typeface="+mn-lt"/>
+                <a:ea typeface="+mn-ea"/>
+                <a:cs typeface="+mn-cs"/>
+              </a:defRPr>
+            </a:lvl1pPr>
+            <a:lvl2pPr marL="182563" indent="-180975" algn="l" rtl="0" eaLnBrk="1" fontAlgn="base" hangingPunct="1">
+              <a:lnSpc>
+                <a:spcPct val="110000"/>
+              </a:lnSpc>
+              <a:spcBef>
+                <a:spcPct val="0"/>
+              </a:spcBef>
+              <a:spcAft>
+                <a:spcPct val="20000"/>
+              </a:spcAft>
+              <a:buFont typeface="Arial" charset="0"/>
+              <a:buChar char="•"/>
+              <a:defRPr>
+                <a:solidFill>
+                  <a:schemeClr val="tx1"/>
+                </a:solidFill>
+                <a:latin typeface="+mn-lt"/>
+              </a:defRPr>
+            </a:lvl2pPr>
+            <a:lvl3pPr marL="366713" indent="-182563" algn="l" rtl="0" eaLnBrk="1" fontAlgn="base" hangingPunct="1">
+              <a:lnSpc>
+                <a:spcPct val="110000"/>
+              </a:lnSpc>
+              <a:spcBef>
+                <a:spcPct val="0"/>
+              </a:spcBef>
+              <a:spcAft>
+                <a:spcPct val="20000"/>
+              </a:spcAft>
+              <a:buFont typeface="Arial" charset="0"/>
+              <a:buChar char="•"/>
+              <a:defRPr>
+                <a:solidFill>
+                  <a:schemeClr val="tx1"/>
+                </a:solidFill>
+                <a:latin typeface="+mn-lt"/>
+              </a:defRPr>
+            </a:lvl3pPr>
+            <a:lvl4pPr marL="552450" indent="-184150" algn="l" rtl="0" eaLnBrk="1" fontAlgn="base" hangingPunct="1">
+              <a:lnSpc>
+                <a:spcPct val="110000"/>
+              </a:lnSpc>
+              <a:spcBef>
+                <a:spcPct val="0"/>
+              </a:spcBef>
+              <a:spcAft>
+                <a:spcPct val="20000"/>
+              </a:spcAft>
+              <a:buFont typeface="Arial" charset="0"/>
+              <a:buChar char="•"/>
+              <a:defRPr>
+                <a:solidFill>
+                  <a:schemeClr val="tx1"/>
+                </a:solidFill>
+                <a:latin typeface="+mn-lt"/>
+              </a:defRPr>
+            </a:lvl4pPr>
+            <a:lvl5pPr marL="738188" indent="-184150" algn="l" rtl="0" eaLnBrk="1" fontAlgn="base" hangingPunct="1">
+              <a:lnSpc>
+                <a:spcPct val="110000"/>
+              </a:lnSpc>
+              <a:spcBef>
+                <a:spcPct val="0"/>
+              </a:spcBef>
+              <a:spcAft>
+                <a:spcPct val="20000"/>
+              </a:spcAft>
+              <a:buFont typeface="Arial" charset="0"/>
+              <a:buChar char="•"/>
+              <a:defRPr>
+                <a:solidFill>
+                  <a:schemeClr val="tx1"/>
+                </a:solidFill>
+                <a:latin typeface="+mn-lt"/>
+              </a:defRPr>
+            </a:lvl5pPr>
+            <a:lvl6pPr marL="1195388" indent="-184150" algn="l" rtl="0" eaLnBrk="1" fontAlgn="base" hangingPunct="1">
+              <a:lnSpc>
+                <a:spcPct val="110000"/>
+              </a:lnSpc>
+              <a:spcBef>
+                <a:spcPct val="0"/>
+              </a:spcBef>
+              <a:spcAft>
+                <a:spcPct val="20000"/>
+              </a:spcAft>
+              <a:buFont typeface="Arial" charset="0"/>
+              <a:buChar char="•"/>
+              <a:defRPr>
+                <a:solidFill>
+                  <a:schemeClr val="tx1"/>
+                </a:solidFill>
+                <a:latin typeface="+mn-lt"/>
+              </a:defRPr>
+            </a:lvl6pPr>
+            <a:lvl7pPr marL="1652588" indent="-184150" algn="l" rtl="0" eaLnBrk="1" fontAlgn="base" hangingPunct="1">
+              <a:lnSpc>
+                <a:spcPct val="110000"/>
+              </a:lnSpc>
+              <a:spcBef>
+                <a:spcPct val="0"/>
+              </a:spcBef>
+              <a:spcAft>
+                <a:spcPct val="20000"/>
+              </a:spcAft>
+              <a:buFont typeface="Arial" charset="0"/>
+              <a:buChar char="•"/>
+              <a:defRPr>
+                <a:solidFill>
+                  <a:schemeClr val="tx1"/>
+                </a:solidFill>
+                <a:latin typeface="+mn-lt"/>
+              </a:defRPr>
+            </a:lvl7pPr>
+            <a:lvl8pPr marL="2109788" indent="-184150" algn="l" rtl="0" eaLnBrk="1" fontAlgn="base" hangingPunct="1">
+              <a:lnSpc>
+                <a:spcPct val="110000"/>
+              </a:lnSpc>
+              <a:spcBef>
+                <a:spcPct val="0"/>
+              </a:spcBef>
+              <a:spcAft>
+                <a:spcPct val="20000"/>
+              </a:spcAft>
+              <a:buFont typeface="Arial" charset="0"/>
+              <a:buChar char="•"/>
+              <a:defRPr>
+                <a:solidFill>
+                  <a:schemeClr val="tx1"/>
+                </a:solidFill>
+                <a:latin typeface="+mn-lt"/>
+              </a:defRPr>
+            </a:lvl8pPr>
+            <a:lvl9pPr marL="2566988" indent="-184150" algn="l" rtl="0" eaLnBrk="1" fontAlgn="base" hangingPunct="1">
+              <a:lnSpc>
+                <a:spcPct val="110000"/>
+              </a:lnSpc>
+              <a:spcBef>
+                <a:spcPct val="0"/>
+              </a:spcBef>
+              <a:spcAft>
+                <a:spcPct val="20000"/>
+              </a:spcAft>
+              <a:buFont typeface="Arial" charset="0"/>
+              <a:buChar char="•"/>
+              <a:defRPr>
+                <a:solidFill>
+                  <a:schemeClr val="tx1"/>
+                </a:solidFill>
+                <a:latin typeface="+mn-lt"/>
+              </a:defRPr>
+            </a:lvl9pPr>
+          </a:lstStyle>
+          <a:p>
+            <a:pPr marL="182245" lvl="1"/>
+            <a:r>
+              <a:rPr lang="de-DE" altLang="de-DE" kern="0" dirty="0"/>
+              <a:t>Nach biologischem Vorbild (Gehirn)</a:t>
+            </a:r>
+            <a:endParaRPr lang="de-DE" dirty="0"/>
+          </a:p>
+          <a:p>
+            <a:pPr marL="182245" lvl="1"/>
+            <a:r>
+              <a:rPr lang="de-DE" altLang="de-DE" kern="0" dirty="0"/>
+              <a:t>Vernetzte Neuronen</a:t>
+            </a:r>
+            <a:endParaRPr lang="de-DE" altLang="de-DE" kern="0" dirty="0">
+              <a:cs typeface="Arial"/>
+            </a:endParaRPr>
+          </a:p>
+          <a:p>
+            <a:pPr marL="182245" lvl="1"/>
+            <a:r>
+              <a:rPr lang="de-DE" altLang="de-DE" kern="0" dirty="0"/>
+              <a:t>Aufgeteilt in Schichten</a:t>
+            </a:r>
+            <a:endParaRPr lang="de-DE" altLang="de-DE" kern="0" dirty="0">
+              <a:cs typeface="Arial"/>
+            </a:endParaRPr>
+          </a:p>
+          <a:p>
+            <a:pPr marL="182245" lvl="1"/>
+            <a:r>
+              <a:rPr lang="de-DE" altLang="de-DE" kern="0" dirty="0"/>
+              <a:t>Kanten sind Gewichte</a:t>
+            </a:r>
+            <a:endParaRPr lang="de-DE" altLang="de-DE" kern="0" dirty="0">
+              <a:cs typeface="Arial"/>
+            </a:endParaRPr>
+          </a:p>
+          <a:p>
+            <a:pPr marL="182245" lvl="1"/>
+            <a:r>
+              <a:rPr lang="de-DE" altLang="de-DE" kern="0" dirty="0"/>
+              <a:t>Darstellung der Gewichte</a:t>
+            </a:r>
+            <a:endParaRPr lang="de-DE" altLang="de-DE" kern="0" dirty="0">
+              <a:cs typeface="Arial"/>
+            </a:endParaRPr>
+          </a:p>
+          <a:p>
+            <a:pPr lvl="2">
+              <a:buFont typeface="Wingdings" panose="05000000000000000000" pitchFamily="2" charset="2"/>
+              <a:buChar char="§"/>
+            </a:pPr>
+            <a:r>
+              <a:rPr lang="de-DE" altLang="de-DE" kern="0" dirty="0"/>
+              <a:t>Quantisierung</a:t>
+            </a:r>
+            <a:endParaRPr lang="de-DE" altLang="de-DE" kern="0" dirty="0">
+              <a:cs typeface="Arial"/>
+            </a:endParaRPr>
+          </a:p>
+          <a:p>
+            <a:pPr marL="182245" lvl="1"/>
+            <a:r>
+              <a:rPr lang="de-DE" altLang="de-DE" kern="0" dirty="0"/>
+              <a:t>Bildet eine Funktion nach</a:t>
+            </a:r>
+            <a:endParaRPr lang="de-DE" altLang="de-DE" kern="0" dirty="0">
+              <a:cs typeface="Arial"/>
+            </a:endParaRPr>
+          </a:p>
+        </p:txBody>
+      </p:sp>
+      <p:pic>
+        <p:nvPicPr>
+          <p:cNvPr id="2" name="Grafik 1">
+            <a:extLst>
+              <a:ext uri="{FF2B5EF4-FFF2-40B4-BE49-F238E27FC236}">
+                <a16:creationId xmlns:a16="http://schemas.microsoft.com/office/drawing/2014/main" id="{FC904A1F-7C1C-2BBC-797E-C988AB46D4DF}"/>
+              </a:ext>
+            </a:extLst>
+          </p:cNvPr>
+          <p:cNvPicPr>
+            <a:picLocks noChangeAspect="1"/>
+          </p:cNvPicPr>
+          <p:nvPr/>
+        </p:nvPicPr>
+        <p:blipFill>
+          <a:blip r:embed="rId2">
+            <a:extLst>
+              <a:ext uri="{28A0092B-C50C-407E-A947-70E740481C1C}">
+                <a14:useLocalDpi xmlns:a14="http://schemas.microsoft.com/office/drawing/2010/main" val="0"/>
+              </a:ext>
+              <a:ext uri="{96DAC541-7B7A-43D3-8B79-37D633B846F1}">
+                <asvg:svgBlip xmlns:asvg="http://schemas.microsoft.com/office/drawing/2016/SVG/main" r:embed="rId3"/>
+              </a:ext>
+            </a:extLst>
+          </a:blip>
+          <a:srcRect/>
+          <a:stretch/>
+        </p:blipFill>
+        <p:spPr>
+          <a:xfrm>
+            <a:off x="971550" y="2535834"/>
+            <a:ext cx="3799008" cy="2284749"/>
+          </a:xfrm>
+          <a:prstGeom prst="rect">
+            <a:avLst/>
+          </a:prstGeom>
+        </p:spPr>
+      </p:pic>
+    </p:spTree>
+    <p:extLst>
+      <p:ext uri="{BB962C8B-B14F-4D97-AF65-F5344CB8AC3E}">
+        <p14:creationId xmlns:p14="http://schemas.microsoft.com/office/powerpoint/2010/main" val="2814027738"/>
+      </p:ext>
+    </p:extLst>
+  </p:cSld>
+  <p:clrMapOvr>
+    <a:masterClrMapping/>
+  </p:clrMapOvr>
+  <p:transition/>
+</p:sld>
+</file>
+
+<file path=ppt/slides/slide34.xml><?xml version="1.0" encoding="utf-8"?>
+<p:sld xmlns:a="http://schemas.openxmlformats.org/drawingml/2006/main" xmlns:r="http://schemas.openxmlformats.org/officeDocument/2006/relationships" xmlns:p="http://schemas.openxmlformats.org/presentationml/2006/main" show="0">
+  <p:cSld>
+    <p:spTree>
+      <p:nvGrpSpPr>
+        <p:cNvPr id="1" name=""/>
+        <p:cNvGrpSpPr/>
+        <p:nvPr/>
+      </p:nvGrpSpPr>
+      <p:grpSpPr>
+        <a:xfrm>
+          <a:off x="0" y="0"/>
+          <a:ext cx="0" cy="0"/>
+          <a:chOff x="0" y="0"/>
+          <a:chExt cx="0" cy="0"/>
+        </a:xfrm>
+      </p:grpSpPr>
+      <p:sp>
+        <p:nvSpPr>
+          <p:cNvPr id="3" name="Fußzeilenplatzhalter 2"/>
+          <p:cNvSpPr>
+            <a:spLocks noGrp="1"/>
+          </p:cNvSpPr>
+          <p:nvPr>
+            <p:ph type="ftr" sz="quarter" idx="10"/>
+          </p:nvPr>
+        </p:nvSpPr>
+        <p:spPr/>
+        <p:txBody>
+          <a:bodyPr/>
+          <a:lstStyle/>
+          <a:p>
+            <a:r>
+              <a:rPr lang="en-US" altLang="de-DE" dirty="0"/>
+              <a:t>Hochschule Mannheim University of Applied Sciences | Marvin Karhan</a:t>
+            </a:r>
+            <a:endParaRPr lang="de-DE" altLang="de-DE" dirty="0"/>
+          </a:p>
+        </p:txBody>
+      </p:sp>
+      <p:sp>
+        <p:nvSpPr>
+          <p:cNvPr id="4" name="Foliennummernplatzhalter 3"/>
+          <p:cNvSpPr>
+            <a:spLocks noGrp="1"/>
+          </p:cNvSpPr>
+          <p:nvPr>
+            <p:ph type="sldNum" sz="quarter" idx="11"/>
+          </p:nvPr>
+        </p:nvSpPr>
+        <p:spPr/>
+        <p:txBody>
+          <a:bodyPr/>
+          <a:lstStyle/>
+          <a:p>
+            <a:fld id="{57D12BB6-0ED4-46B6-AB23-7758AD07EFBF}" type="slidenum">
+              <a:rPr lang="de-DE" smtClean="0"/>
+              <a:pPr/>
+              <a:t>34</a:t>
+            </a:fld>
+            <a:endParaRPr lang="de-DE" dirty="0"/>
+          </a:p>
+        </p:txBody>
+      </p:sp>
+      <p:sp>
+        <p:nvSpPr>
+          <p:cNvPr id="5" name="Rectangle 2"/>
+          <p:cNvSpPr>
+            <a:spLocks noGrp="1" noChangeArrowheads="1"/>
+          </p:cNvSpPr>
+          <p:nvPr>
+            <p:ph type="title"/>
+          </p:nvPr>
+        </p:nvSpPr>
+        <p:spPr>
+          <a:xfrm>
+            <a:off x="971550" y="1404000"/>
+            <a:ext cx="7704138" cy="792162"/>
+          </a:xfrm>
+        </p:spPr>
+        <p:txBody>
+          <a:bodyPr/>
+          <a:lstStyle/>
+          <a:p>
+            <a:r>
+              <a:rPr lang="de-DE" altLang="de-DE" kern="0" dirty="0"/>
+              <a:t>Neuronale Netze: Das Neuron</a:t>
+            </a:r>
+            <a:endParaRPr lang="de-DE" altLang="de-DE" dirty="0"/>
+          </a:p>
+        </p:txBody>
+      </p:sp>
+      <p:sp>
+        <p:nvSpPr>
+          <p:cNvPr id="6" name="Rectangle 3"/>
+          <p:cNvSpPr txBox="1">
+            <a:spLocks noChangeArrowheads="1"/>
+          </p:cNvSpPr>
+          <p:nvPr/>
+        </p:nvSpPr>
+        <p:spPr>
+          <a:xfrm>
+            <a:off x="4932363" y="2160000"/>
+            <a:ext cx="4032125" cy="3600450"/>
+          </a:xfrm>
+          <a:prstGeom prst="rect">
+            <a:avLst/>
+          </a:prstGeom>
+        </p:spPr>
+        <p:txBody>
+          <a:bodyPr/>
+          <a:lstStyle>
+            <a:lvl1pPr algn="l" rtl="0" eaLnBrk="1" fontAlgn="base" hangingPunct="1">
+              <a:lnSpc>
+                <a:spcPct val="110000"/>
+              </a:lnSpc>
+              <a:spcBef>
+                <a:spcPct val="0"/>
+              </a:spcBef>
+              <a:spcAft>
+                <a:spcPct val="20000"/>
+              </a:spcAft>
+              <a:defRPr>
+                <a:solidFill>
+                  <a:schemeClr val="tx1"/>
+                </a:solidFill>
+                <a:latin typeface="+mn-lt"/>
+                <a:ea typeface="+mn-ea"/>
+                <a:cs typeface="+mn-cs"/>
+              </a:defRPr>
+            </a:lvl1pPr>
+            <a:lvl2pPr marL="182563" indent="-180975" algn="l" rtl="0" eaLnBrk="1" fontAlgn="base" hangingPunct="1">
+              <a:lnSpc>
+                <a:spcPct val="110000"/>
+              </a:lnSpc>
+              <a:spcBef>
+                <a:spcPct val="0"/>
+              </a:spcBef>
+              <a:spcAft>
+                <a:spcPct val="20000"/>
+              </a:spcAft>
+              <a:buFont typeface="Arial" charset="0"/>
+              <a:buChar char="•"/>
+              <a:defRPr>
+                <a:solidFill>
+                  <a:schemeClr val="tx1"/>
+                </a:solidFill>
+                <a:latin typeface="+mn-lt"/>
+              </a:defRPr>
+            </a:lvl2pPr>
+            <a:lvl3pPr marL="366713" indent="-182563" algn="l" rtl="0" eaLnBrk="1" fontAlgn="base" hangingPunct="1">
+              <a:lnSpc>
+                <a:spcPct val="110000"/>
+              </a:lnSpc>
+              <a:spcBef>
+                <a:spcPct val="0"/>
+              </a:spcBef>
+              <a:spcAft>
+                <a:spcPct val="20000"/>
+              </a:spcAft>
+              <a:buFont typeface="Arial" charset="0"/>
+              <a:buChar char="•"/>
+              <a:defRPr>
+                <a:solidFill>
+                  <a:schemeClr val="tx1"/>
+                </a:solidFill>
+                <a:latin typeface="+mn-lt"/>
+              </a:defRPr>
+            </a:lvl3pPr>
+            <a:lvl4pPr marL="552450" indent="-184150" algn="l" rtl="0" eaLnBrk="1" fontAlgn="base" hangingPunct="1">
+              <a:lnSpc>
+                <a:spcPct val="110000"/>
+              </a:lnSpc>
+              <a:spcBef>
+                <a:spcPct val="0"/>
+              </a:spcBef>
+              <a:spcAft>
+                <a:spcPct val="20000"/>
+              </a:spcAft>
+              <a:buFont typeface="Arial" charset="0"/>
+              <a:buChar char="•"/>
+              <a:defRPr>
+                <a:solidFill>
+                  <a:schemeClr val="tx1"/>
+                </a:solidFill>
+                <a:latin typeface="+mn-lt"/>
+              </a:defRPr>
+            </a:lvl4pPr>
+            <a:lvl5pPr marL="738188" indent="-184150" algn="l" rtl="0" eaLnBrk="1" fontAlgn="base" hangingPunct="1">
+              <a:lnSpc>
+                <a:spcPct val="110000"/>
+              </a:lnSpc>
+              <a:spcBef>
+                <a:spcPct val="0"/>
+              </a:spcBef>
+              <a:spcAft>
+                <a:spcPct val="20000"/>
+              </a:spcAft>
+              <a:buFont typeface="Arial" charset="0"/>
+              <a:buChar char="•"/>
+              <a:defRPr>
+                <a:solidFill>
+                  <a:schemeClr val="tx1"/>
+                </a:solidFill>
+                <a:latin typeface="+mn-lt"/>
+              </a:defRPr>
+            </a:lvl5pPr>
+            <a:lvl6pPr marL="1195388" indent="-184150" algn="l" rtl="0" eaLnBrk="1" fontAlgn="base" hangingPunct="1">
+              <a:lnSpc>
+                <a:spcPct val="110000"/>
+              </a:lnSpc>
+              <a:spcBef>
+                <a:spcPct val="0"/>
+              </a:spcBef>
+              <a:spcAft>
+                <a:spcPct val="20000"/>
+              </a:spcAft>
+              <a:buFont typeface="Arial" charset="0"/>
+              <a:buChar char="•"/>
+              <a:defRPr>
+                <a:solidFill>
+                  <a:schemeClr val="tx1"/>
+                </a:solidFill>
+                <a:latin typeface="+mn-lt"/>
+              </a:defRPr>
+            </a:lvl6pPr>
+            <a:lvl7pPr marL="1652588" indent="-184150" algn="l" rtl="0" eaLnBrk="1" fontAlgn="base" hangingPunct="1">
+              <a:lnSpc>
+                <a:spcPct val="110000"/>
+              </a:lnSpc>
+              <a:spcBef>
+                <a:spcPct val="0"/>
+              </a:spcBef>
+              <a:spcAft>
+                <a:spcPct val="20000"/>
+              </a:spcAft>
+              <a:buFont typeface="Arial" charset="0"/>
+              <a:buChar char="•"/>
+              <a:defRPr>
+                <a:solidFill>
+                  <a:schemeClr val="tx1"/>
+                </a:solidFill>
+                <a:latin typeface="+mn-lt"/>
+              </a:defRPr>
+            </a:lvl7pPr>
+            <a:lvl8pPr marL="2109788" indent="-184150" algn="l" rtl="0" eaLnBrk="1" fontAlgn="base" hangingPunct="1">
+              <a:lnSpc>
+                <a:spcPct val="110000"/>
+              </a:lnSpc>
+              <a:spcBef>
+                <a:spcPct val="0"/>
+              </a:spcBef>
+              <a:spcAft>
+                <a:spcPct val="20000"/>
+              </a:spcAft>
+              <a:buFont typeface="Arial" charset="0"/>
+              <a:buChar char="•"/>
+              <a:defRPr>
+                <a:solidFill>
+                  <a:schemeClr val="tx1"/>
+                </a:solidFill>
+                <a:latin typeface="+mn-lt"/>
+              </a:defRPr>
+            </a:lvl8pPr>
+            <a:lvl9pPr marL="2566988" indent="-184150" algn="l" rtl="0" eaLnBrk="1" fontAlgn="base" hangingPunct="1">
+              <a:lnSpc>
+                <a:spcPct val="110000"/>
+              </a:lnSpc>
+              <a:spcBef>
+                <a:spcPct val="0"/>
+              </a:spcBef>
+              <a:spcAft>
+                <a:spcPct val="20000"/>
+              </a:spcAft>
+              <a:buFont typeface="Arial" charset="0"/>
+              <a:buChar char="•"/>
+              <a:defRPr>
+                <a:solidFill>
+                  <a:schemeClr val="tx1"/>
+                </a:solidFill>
+                <a:latin typeface="+mn-lt"/>
+              </a:defRPr>
+            </a:lvl9pPr>
+          </a:lstStyle>
+          <a:p>
+            <a:pPr lvl="1"/>
+            <a:r>
+              <a:rPr lang="de-DE" altLang="de-DE" kern="0" dirty="0"/>
+              <a:t>Nimmt Eingabewerte</a:t>
+            </a:r>
+          </a:p>
+          <a:p>
+            <a:pPr lvl="1"/>
+            <a:r>
+              <a:rPr lang="de-DE" altLang="de-DE" kern="0" dirty="0"/>
+              <a:t>Gewichtet</a:t>
+            </a:r>
+          </a:p>
+          <a:p>
+            <a:pPr lvl="1"/>
+            <a:r>
+              <a:rPr lang="de-DE" altLang="de-DE" kern="0" dirty="0"/>
+              <a:t>Summiert</a:t>
+            </a:r>
+          </a:p>
+          <a:p>
+            <a:pPr lvl="1"/>
+            <a:r>
+              <a:rPr lang="de-DE" altLang="de-DE" kern="0" dirty="0"/>
+              <a:t>Aktiviert</a:t>
+            </a:r>
+          </a:p>
+        </p:txBody>
+      </p:sp>
+      <p:pic>
+        <p:nvPicPr>
+          <p:cNvPr id="2" name="Grafik 1">
+            <a:extLst>
+              <a:ext uri="{FF2B5EF4-FFF2-40B4-BE49-F238E27FC236}">
+                <a16:creationId xmlns:a16="http://schemas.microsoft.com/office/drawing/2014/main" id="{FC904A1F-7C1C-2BBC-797E-C988AB46D4DF}"/>
+              </a:ext>
+            </a:extLst>
+          </p:cNvPr>
+          <p:cNvPicPr>
+            <a:picLocks noChangeAspect="1"/>
+          </p:cNvPicPr>
+          <p:nvPr/>
+        </p:nvPicPr>
+        <p:blipFill>
+          <a:blip r:embed="rId2">
+            <a:extLst>
+              <a:ext uri="{28A0092B-C50C-407E-A947-70E740481C1C}">
+                <a14:useLocalDpi xmlns:a14="http://schemas.microsoft.com/office/drawing/2010/main" val="0"/>
+              </a:ext>
+              <a:ext uri="{96DAC541-7B7A-43D3-8B79-37D633B846F1}">
+                <asvg:svgBlip xmlns:asvg="http://schemas.microsoft.com/office/drawing/2016/SVG/main" r:embed="rId3"/>
+              </a:ext>
+            </a:extLst>
+          </a:blip>
+          <a:srcRect/>
+          <a:stretch/>
+        </p:blipFill>
+        <p:spPr>
+          <a:xfrm>
+            <a:off x="971550" y="2701745"/>
+            <a:ext cx="3799008" cy="1952927"/>
+          </a:xfrm>
+          <a:prstGeom prst="rect">
+            <a:avLst/>
+          </a:prstGeom>
+        </p:spPr>
+      </p:pic>
+    </p:spTree>
+    <p:extLst>
+      <p:ext uri="{BB962C8B-B14F-4D97-AF65-F5344CB8AC3E}">
+        <p14:creationId xmlns:p14="http://schemas.microsoft.com/office/powerpoint/2010/main" val="4097952752"/>
+      </p:ext>
+    </p:extLst>
+  </p:cSld>
+  <p:clrMapOvr>
+    <a:masterClrMapping/>
+  </p:clrMapOvr>
+  <p:transition/>
+</p:sld>
+</file>
+
+<file path=ppt/slides/slide35.xml><?xml version="1.0" encoding="utf-8"?>
+<p:sld xmlns:a="http://schemas.openxmlformats.org/drawingml/2006/main" xmlns:r="http://schemas.openxmlformats.org/officeDocument/2006/relationships" xmlns:p="http://schemas.openxmlformats.org/presentationml/2006/main" show="0">
+  <p:cSld>
+    <p:spTree>
+      <p:nvGrpSpPr>
+        <p:cNvPr id="1" name=""/>
+        <p:cNvGrpSpPr/>
+        <p:nvPr/>
+      </p:nvGrpSpPr>
+      <p:grpSpPr>
+        <a:xfrm>
+          <a:off x="0" y="0"/>
+          <a:ext cx="0" cy="0"/>
+          <a:chOff x="0" y="0"/>
+          <a:chExt cx="0" cy="0"/>
+        </a:xfrm>
+      </p:grpSpPr>
+      <p:sp>
+        <p:nvSpPr>
+          <p:cNvPr id="3" name="Fußzeilenplatzhalter 2"/>
+          <p:cNvSpPr>
+            <a:spLocks noGrp="1"/>
+          </p:cNvSpPr>
+          <p:nvPr>
+            <p:ph type="ftr" sz="quarter" idx="10"/>
+          </p:nvPr>
+        </p:nvSpPr>
+        <p:spPr/>
+        <p:txBody>
+          <a:bodyPr/>
+          <a:lstStyle/>
+          <a:p>
+            <a:r>
+              <a:rPr lang="en-US" altLang="de-DE" dirty="0"/>
+              <a:t>Hochschule Mannheim University of Applied Sciences | Marvin Karhan</a:t>
+            </a:r>
+            <a:endParaRPr lang="de-DE" altLang="de-DE" dirty="0"/>
+          </a:p>
+        </p:txBody>
+      </p:sp>
+      <p:sp>
+        <p:nvSpPr>
+          <p:cNvPr id="4" name="Foliennummernplatzhalter 3"/>
+          <p:cNvSpPr>
+            <a:spLocks noGrp="1"/>
+          </p:cNvSpPr>
+          <p:nvPr>
+            <p:ph type="sldNum" sz="quarter" idx="11"/>
+          </p:nvPr>
+        </p:nvSpPr>
+        <p:spPr/>
+        <p:txBody>
+          <a:bodyPr/>
+          <a:lstStyle/>
+          <a:p>
+            <a:fld id="{57D12BB6-0ED4-46B6-AB23-7758AD07EFBF}" type="slidenum">
+              <a:rPr lang="de-DE" smtClean="0"/>
+              <a:pPr/>
+              <a:t>35</a:t>
+            </a:fld>
+            <a:endParaRPr lang="de-DE" dirty="0"/>
+          </a:p>
+        </p:txBody>
+      </p:sp>
+      <p:sp>
+        <p:nvSpPr>
+          <p:cNvPr id="5" name="Rectangle 2"/>
+          <p:cNvSpPr>
+            <a:spLocks noGrp="1" noChangeArrowheads="1"/>
+          </p:cNvSpPr>
+          <p:nvPr>
+            <p:ph type="title"/>
+          </p:nvPr>
+        </p:nvSpPr>
+        <p:spPr>
+          <a:xfrm>
+            <a:off x="971550" y="1404000"/>
+            <a:ext cx="7704138" cy="792162"/>
+          </a:xfrm>
+        </p:spPr>
+        <p:txBody>
+          <a:bodyPr/>
+          <a:lstStyle/>
+          <a:p>
+            <a:r>
+              <a:rPr lang="de-DE" altLang="de-DE" kern="0" dirty="0"/>
+              <a:t>Neuronale Netze: Lernen</a:t>
             </a:r>
             <a:endParaRPr lang="de-DE" altLang="de-DE" dirty="0"/>
           </a:p>
@@ -25232,6 +21866,1103 @@
             </a:pPr>
             <a:r>
               <a:rPr lang="de-DE" altLang="de-DE" kern="0" dirty="0"/>
+              <a:t>Wie lernen Neuronale Netze?</a:t>
+            </a:r>
+          </a:p>
+          <a:p>
+            <a:pPr marL="1588" lvl="1" indent="0">
+              <a:buNone/>
+            </a:pPr>
+            <a:endParaRPr lang="de-DE" altLang="de-DE" kern="0" dirty="0"/>
+          </a:p>
+          <a:p>
+            <a:pPr marL="1588" lvl="1" indent="0">
+              <a:buNone/>
+            </a:pPr>
+            <a:r>
+              <a:rPr lang="de-DE" altLang="de-DE" kern="0" dirty="0"/>
+              <a:t>Aus Fehlern:</a:t>
+            </a:r>
+          </a:p>
+          <a:p>
+            <a:pPr marL="344488" lvl="1" indent="-342900">
+              <a:buFont typeface="+mj-lt"/>
+              <a:buAutoNum type="arabicPeriod"/>
+            </a:pPr>
+            <a:r>
+              <a:rPr lang="de-DE" dirty="0"/>
+              <a:t>Verlustfunktion ⇒ berechnet den Fehler</a:t>
+            </a:r>
+          </a:p>
+          <a:p>
+            <a:pPr marL="344488" lvl="1" indent="-342900">
+              <a:buFont typeface="+mj-lt"/>
+              <a:buAutoNum type="arabicPeriod"/>
+            </a:pPr>
+            <a:r>
+              <a:rPr lang="de-DE" altLang="de-DE" kern="0" dirty="0" err="1"/>
+              <a:t>Gradientenabstieg</a:t>
+            </a:r>
+            <a:r>
+              <a:rPr lang="de-DE" altLang="de-DE" kern="0" dirty="0"/>
+              <a:t> </a:t>
+            </a:r>
+            <a:r>
+              <a:rPr lang="de-DE" dirty="0"/>
+              <a:t>⇒ minimiert den Fehler</a:t>
+            </a:r>
+          </a:p>
+          <a:p>
+            <a:pPr marL="344488" lvl="1" indent="-342900">
+              <a:buFont typeface="+mj-lt"/>
+              <a:buAutoNum type="arabicPeriod"/>
+            </a:pPr>
+            <a:r>
+              <a:rPr lang="de-DE" altLang="de-DE" kern="0" dirty="0"/>
+              <a:t>Backpropagation </a:t>
+            </a:r>
+            <a:r>
+              <a:rPr lang="de-DE" dirty="0"/>
+              <a:t>⇒ passt die Gewichte an</a:t>
+            </a:r>
+            <a:endParaRPr lang="de-DE" altLang="de-DE" kern="0" dirty="0"/>
+          </a:p>
+        </p:txBody>
+      </p:sp>
+    </p:spTree>
+    <p:extLst>
+      <p:ext uri="{BB962C8B-B14F-4D97-AF65-F5344CB8AC3E}">
+        <p14:creationId xmlns:p14="http://schemas.microsoft.com/office/powerpoint/2010/main" val="3458251260"/>
+      </p:ext>
+    </p:extLst>
+  </p:cSld>
+  <p:clrMapOvr>
+    <a:masterClrMapping/>
+  </p:clrMapOvr>
+  <p:transition/>
+</p:sld>
+</file>
+
+<file path=ppt/slides/slide36.xml><?xml version="1.0" encoding="utf-8"?>
+<p:sld xmlns:a="http://schemas.openxmlformats.org/drawingml/2006/main" xmlns:r="http://schemas.openxmlformats.org/officeDocument/2006/relationships" xmlns:p="http://schemas.openxmlformats.org/presentationml/2006/main" show="0">
+  <p:cSld>
+    <p:spTree>
+      <p:nvGrpSpPr>
+        <p:cNvPr id="1" name=""/>
+        <p:cNvGrpSpPr/>
+        <p:nvPr/>
+      </p:nvGrpSpPr>
+      <p:grpSpPr>
+        <a:xfrm>
+          <a:off x="0" y="0"/>
+          <a:ext cx="0" cy="0"/>
+          <a:chOff x="0" y="0"/>
+          <a:chExt cx="0" cy="0"/>
+        </a:xfrm>
+      </p:grpSpPr>
+      <p:sp>
+        <p:nvSpPr>
+          <p:cNvPr id="3" name="Fußzeilenplatzhalter 2"/>
+          <p:cNvSpPr>
+            <a:spLocks noGrp="1"/>
+          </p:cNvSpPr>
+          <p:nvPr>
+            <p:ph type="ftr" sz="quarter" idx="10"/>
+          </p:nvPr>
+        </p:nvSpPr>
+        <p:spPr/>
+        <p:txBody>
+          <a:bodyPr/>
+          <a:lstStyle/>
+          <a:p>
+            <a:r>
+              <a:rPr lang="en-US" altLang="de-DE" dirty="0"/>
+              <a:t>Hochschule Mannheim University of Applied Sciences | Marvin Karhan</a:t>
+            </a:r>
+            <a:endParaRPr lang="de-DE" altLang="de-DE" dirty="0"/>
+          </a:p>
+        </p:txBody>
+      </p:sp>
+      <p:sp>
+        <p:nvSpPr>
+          <p:cNvPr id="4" name="Foliennummernplatzhalter 3"/>
+          <p:cNvSpPr>
+            <a:spLocks noGrp="1"/>
+          </p:cNvSpPr>
+          <p:nvPr>
+            <p:ph type="sldNum" sz="quarter" idx="11"/>
+          </p:nvPr>
+        </p:nvSpPr>
+        <p:spPr/>
+        <p:txBody>
+          <a:bodyPr/>
+          <a:lstStyle/>
+          <a:p>
+            <a:fld id="{57D12BB6-0ED4-46B6-AB23-7758AD07EFBF}" type="slidenum">
+              <a:rPr lang="de-DE" smtClean="0"/>
+              <a:pPr/>
+              <a:t>36</a:t>
+            </a:fld>
+            <a:endParaRPr lang="de-DE" dirty="0"/>
+          </a:p>
+        </p:txBody>
+      </p:sp>
+      <p:sp>
+        <p:nvSpPr>
+          <p:cNvPr id="5" name="Rectangle 2"/>
+          <p:cNvSpPr>
+            <a:spLocks noGrp="1" noChangeArrowheads="1"/>
+          </p:cNvSpPr>
+          <p:nvPr>
+            <p:ph type="title"/>
+          </p:nvPr>
+        </p:nvSpPr>
+        <p:spPr>
+          <a:xfrm>
+            <a:off x="971550" y="1404000"/>
+            <a:ext cx="7704138" cy="792162"/>
+          </a:xfrm>
+        </p:spPr>
+        <p:txBody>
+          <a:bodyPr/>
+          <a:lstStyle/>
+          <a:p>
+            <a:r>
+              <a:rPr lang="de-DE" altLang="de-DE" kern="0" dirty="0"/>
+              <a:t>SIMD</a:t>
+            </a:r>
+            <a:endParaRPr lang="de-DE" altLang="de-DE" dirty="0"/>
+          </a:p>
+        </p:txBody>
+      </p:sp>
+      <p:sp>
+        <p:nvSpPr>
+          <p:cNvPr id="6" name="Rectangle 3"/>
+          <p:cNvSpPr txBox="1">
+            <a:spLocks noChangeArrowheads="1"/>
+          </p:cNvSpPr>
+          <p:nvPr/>
+        </p:nvSpPr>
+        <p:spPr>
+          <a:xfrm>
+            <a:off x="971550" y="2160000"/>
+            <a:ext cx="7677150" cy="3600450"/>
+          </a:xfrm>
+          <a:prstGeom prst="rect">
+            <a:avLst/>
+          </a:prstGeom>
+        </p:spPr>
+        <p:txBody>
+          <a:bodyPr lIns="91440" tIns="45720" rIns="91440" bIns="45720" anchor="t"/>
+          <a:lstStyle>
+            <a:lvl1pPr algn="l" rtl="0" eaLnBrk="1" fontAlgn="base" hangingPunct="1">
+              <a:lnSpc>
+                <a:spcPct val="110000"/>
+              </a:lnSpc>
+              <a:spcBef>
+                <a:spcPct val="0"/>
+              </a:spcBef>
+              <a:spcAft>
+                <a:spcPct val="20000"/>
+              </a:spcAft>
+              <a:defRPr>
+                <a:solidFill>
+                  <a:schemeClr val="tx1"/>
+                </a:solidFill>
+                <a:latin typeface="+mn-lt"/>
+                <a:ea typeface="+mn-ea"/>
+                <a:cs typeface="+mn-cs"/>
+              </a:defRPr>
+            </a:lvl1pPr>
+            <a:lvl2pPr marL="182563" indent="-180975" algn="l" rtl="0" eaLnBrk="1" fontAlgn="base" hangingPunct="1">
+              <a:lnSpc>
+                <a:spcPct val="110000"/>
+              </a:lnSpc>
+              <a:spcBef>
+                <a:spcPct val="0"/>
+              </a:spcBef>
+              <a:spcAft>
+                <a:spcPct val="20000"/>
+              </a:spcAft>
+              <a:buFont typeface="Arial" charset="0"/>
+              <a:buChar char="•"/>
+              <a:defRPr>
+                <a:solidFill>
+                  <a:schemeClr val="tx1"/>
+                </a:solidFill>
+                <a:latin typeface="+mn-lt"/>
+              </a:defRPr>
+            </a:lvl2pPr>
+            <a:lvl3pPr marL="366713" indent="-182563" algn="l" rtl="0" eaLnBrk="1" fontAlgn="base" hangingPunct="1">
+              <a:lnSpc>
+                <a:spcPct val="110000"/>
+              </a:lnSpc>
+              <a:spcBef>
+                <a:spcPct val="0"/>
+              </a:spcBef>
+              <a:spcAft>
+                <a:spcPct val="20000"/>
+              </a:spcAft>
+              <a:buFont typeface="Arial" charset="0"/>
+              <a:buChar char="•"/>
+              <a:defRPr>
+                <a:solidFill>
+                  <a:schemeClr val="tx1"/>
+                </a:solidFill>
+                <a:latin typeface="+mn-lt"/>
+              </a:defRPr>
+            </a:lvl3pPr>
+            <a:lvl4pPr marL="552450" indent="-184150" algn="l" rtl="0" eaLnBrk="1" fontAlgn="base" hangingPunct="1">
+              <a:lnSpc>
+                <a:spcPct val="110000"/>
+              </a:lnSpc>
+              <a:spcBef>
+                <a:spcPct val="0"/>
+              </a:spcBef>
+              <a:spcAft>
+                <a:spcPct val="20000"/>
+              </a:spcAft>
+              <a:buFont typeface="Arial" charset="0"/>
+              <a:buChar char="•"/>
+              <a:defRPr>
+                <a:solidFill>
+                  <a:schemeClr val="tx1"/>
+                </a:solidFill>
+                <a:latin typeface="+mn-lt"/>
+              </a:defRPr>
+            </a:lvl4pPr>
+            <a:lvl5pPr marL="738188" indent="-184150" algn="l" rtl="0" eaLnBrk="1" fontAlgn="base" hangingPunct="1">
+              <a:lnSpc>
+                <a:spcPct val="110000"/>
+              </a:lnSpc>
+              <a:spcBef>
+                <a:spcPct val="0"/>
+              </a:spcBef>
+              <a:spcAft>
+                <a:spcPct val="20000"/>
+              </a:spcAft>
+              <a:buFont typeface="Arial" charset="0"/>
+              <a:buChar char="•"/>
+              <a:defRPr>
+                <a:solidFill>
+                  <a:schemeClr val="tx1"/>
+                </a:solidFill>
+                <a:latin typeface="+mn-lt"/>
+              </a:defRPr>
+            </a:lvl5pPr>
+            <a:lvl6pPr marL="1195388" indent="-184150" algn="l" rtl="0" eaLnBrk="1" fontAlgn="base" hangingPunct="1">
+              <a:lnSpc>
+                <a:spcPct val="110000"/>
+              </a:lnSpc>
+              <a:spcBef>
+                <a:spcPct val="0"/>
+              </a:spcBef>
+              <a:spcAft>
+                <a:spcPct val="20000"/>
+              </a:spcAft>
+              <a:buFont typeface="Arial" charset="0"/>
+              <a:buChar char="•"/>
+              <a:defRPr>
+                <a:solidFill>
+                  <a:schemeClr val="tx1"/>
+                </a:solidFill>
+                <a:latin typeface="+mn-lt"/>
+              </a:defRPr>
+            </a:lvl6pPr>
+            <a:lvl7pPr marL="1652588" indent="-184150" algn="l" rtl="0" eaLnBrk="1" fontAlgn="base" hangingPunct="1">
+              <a:lnSpc>
+                <a:spcPct val="110000"/>
+              </a:lnSpc>
+              <a:spcBef>
+                <a:spcPct val="0"/>
+              </a:spcBef>
+              <a:spcAft>
+                <a:spcPct val="20000"/>
+              </a:spcAft>
+              <a:buFont typeface="Arial" charset="0"/>
+              <a:buChar char="•"/>
+              <a:defRPr>
+                <a:solidFill>
+                  <a:schemeClr val="tx1"/>
+                </a:solidFill>
+                <a:latin typeface="+mn-lt"/>
+              </a:defRPr>
+            </a:lvl7pPr>
+            <a:lvl8pPr marL="2109788" indent="-184150" algn="l" rtl="0" eaLnBrk="1" fontAlgn="base" hangingPunct="1">
+              <a:lnSpc>
+                <a:spcPct val="110000"/>
+              </a:lnSpc>
+              <a:spcBef>
+                <a:spcPct val="0"/>
+              </a:spcBef>
+              <a:spcAft>
+                <a:spcPct val="20000"/>
+              </a:spcAft>
+              <a:buFont typeface="Arial" charset="0"/>
+              <a:buChar char="•"/>
+              <a:defRPr>
+                <a:solidFill>
+                  <a:schemeClr val="tx1"/>
+                </a:solidFill>
+                <a:latin typeface="+mn-lt"/>
+              </a:defRPr>
+            </a:lvl8pPr>
+            <a:lvl9pPr marL="2566988" indent="-184150" algn="l" rtl="0" eaLnBrk="1" fontAlgn="base" hangingPunct="1">
+              <a:lnSpc>
+                <a:spcPct val="110000"/>
+              </a:lnSpc>
+              <a:spcBef>
+                <a:spcPct val="0"/>
+              </a:spcBef>
+              <a:spcAft>
+                <a:spcPct val="20000"/>
+              </a:spcAft>
+              <a:buFont typeface="Arial" charset="0"/>
+              <a:buChar char="•"/>
+              <a:defRPr>
+                <a:solidFill>
+                  <a:schemeClr val="tx1"/>
+                </a:solidFill>
+                <a:latin typeface="+mn-lt"/>
+              </a:defRPr>
+            </a:lvl9pPr>
+          </a:lstStyle>
+          <a:p>
+            <a:pPr marL="182245" lvl="1"/>
+            <a:r>
+              <a:rPr lang="de-DE" altLang="de-DE" kern="0" dirty="0"/>
+              <a:t>Instruktionen auf mehreren Elementen gleichzeitig</a:t>
+            </a:r>
+            <a:endParaRPr lang="de-DE" dirty="0"/>
+          </a:p>
+          <a:p>
+            <a:pPr marL="182245" lvl="1"/>
+            <a:r>
+              <a:rPr lang="de-DE" altLang="de-DE" kern="0" dirty="0"/>
+              <a:t>Befehle sind prozessorspezifisch</a:t>
+            </a:r>
+            <a:endParaRPr lang="de-DE" altLang="de-DE" kern="0" dirty="0">
+              <a:cs typeface="Arial"/>
+            </a:endParaRPr>
+          </a:p>
+          <a:p>
+            <a:pPr marL="182245" lvl="1"/>
+            <a:r>
+              <a:rPr lang="de-DE" altLang="de-DE" kern="0" dirty="0"/>
+              <a:t>Befehlssätze haben unterschiedliche Registergrößen</a:t>
+            </a:r>
+            <a:endParaRPr lang="de-DE" altLang="de-DE" kern="0" dirty="0">
+              <a:cs typeface="Arial"/>
+            </a:endParaRPr>
+          </a:p>
+          <a:p>
+            <a:pPr marL="182245" lvl="1"/>
+            <a:r>
+              <a:rPr lang="de-DE" altLang="de-DE" kern="0" dirty="0"/>
+              <a:t>Vektoren müssen der Registergröße entsprechend </a:t>
+            </a:r>
+            <a:r>
+              <a:rPr lang="de-DE" altLang="de-DE" kern="0" dirty="0" err="1"/>
+              <a:t>aligned</a:t>
+            </a:r>
+            <a:r>
+              <a:rPr lang="de-DE" altLang="de-DE" kern="0" dirty="0"/>
+              <a:t> sein</a:t>
+            </a:r>
+            <a:endParaRPr lang="de-DE" altLang="de-DE" kern="0" dirty="0">
+              <a:cs typeface="Arial"/>
+            </a:endParaRPr>
+          </a:p>
+          <a:p>
+            <a:pPr marL="182245" lvl="1"/>
+            <a:endParaRPr lang="de-DE" altLang="de-DE" kern="0" dirty="0">
+              <a:cs typeface="Arial"/>
+            </a:endParaRPr>
+          </a:p>
+          <a:p>
+            <a:pPr marL="182245" lvl="1"/>
+            <a:endParaRPr lang="de-DE" altLang="de-DE" kern="0" dirty="0">
+              <a:cs typeface="Arial"/>
+            </a:endParaRPr>
+          </a:p>
+        </p:txBody>
+      </p:sp>
+    </p:spTree>
+    <p:extLst>
+      <p:ext uri="{BB962C8B-B14F-4D97-AF65-F5344CB8AC3E}">
+        <p14:creationId xmlns:p14="http://schemas.microsoft.com/office/powerpoint/2010/main" val="3241939481"/>
+      </p:ext>
+    </p:extLst>
+  </p:cSld>
+  <p:clrMapOvr>
+    <a:masterClrMapping/>
+  </p:clrMapOvr>
+  <p:transition/>
+</p:sld>
+</file>
+
+<file path=ppt/slides/slide37.xml><?xml version="1.0" encoding="utf-8"?>
+<p:sld xmlns:a="http://schemas.openxmlformats.org/drawingml/2006/main" xmlns:r="http://schemas.openxmlformats.org/officeDocument/2006/relationships" xmlns:p="http://schemas.openxmlformats.org/presentationml/2006/main" show="0">
+  <p:cSld>
+    <p:spTree>
+      <p:nvGrpSpPr>
+        <p:cNvPr id="1" name=""/>
+        <p:cNvGrpSpPr/>
+        <p:nvPr/>
+      </p:nvGrpSpPr>
+      <p:grpSpPr>
+        <a:xfrm>
+          <a:off x="0" y="0"/>
+          <a:ext cx="0" cy="0"/>
+          <a:chOff x="0" y="0"/>
+          <a:chExt cx="0" cy="0"/>
+        </a:xfrm>
+      </p:grpSpPr>
+      <p:sp>
+        <p:nvSpPr>
+          <p:cNvPr id="3" name="Fußzeilenplatzhalter 2"/>
+          <p:cNvSpPr>
+            <a:spLocks noGrp="1"/>
+          </p:cNvSpPr>
+          <p:nvPr>
+            <p:ph type="ftr" sz="quarter" idx="10"/>
+          </p:nvPr>
+        </p:nvSpPr>
+        <p:spPr/>
+        <p:txBody>
+          <a:bodyPr/>
+          <a:lstStyle/>
+          <a:p>
+            <a:r>
+              <a:rPr lang="en-US" altLang="de-DE" dirty="0"/>
+              <a:t>Hochschule Mannheim University of Applied Sciences | Marvin Karhan</a:t>
+            </a:r>
+            <a:endParaRPr lang="de-DE" altLang="de-DE" dirty="0"/>
+          </a:p>
+        </p:txBody>
+      </p:sp>
+      <p:sp>
+        <p:nvSpPr>
+          <p:cNvPr id="4" name="Foliennummernplatzhalter 3"/>
+          <p:cNvSpPr>
+            <a:spLocks noGrp="1"/>
+          </p:cNvSpPr>
+          <p:nvPr>
+            <p:ph type="sldNum" sz="quarter" idx="11"/>
+          </p:nvPr>
+        </p:nvSpPr>
+        <p:spPr/>
+        <p:txBody>
+          <a:bodyPr/>
+          <a:lstStyle/>
+          <a:p>
+            <a:fld id="{57D12BB6-0ED4-46B6-AB23-7758AD07EFBF}" type="slidenum">
+              <a:rPr lang="de-DE" smtClean="0"/>
+              <a:pPr/>
+              <a:t>37</a:t>
+            </a:fld>
+            <a:endParaRPr lang="de-DE" dirty="0"/>
+          </a:p>
+        </p:txBody>
+      </p:sp>
+      <p:sp>
+        <p:nvSpPr>
+          <p:cNvPr id="5" name="Rectangle 2"/>
+          <p:cNvSpPr>
+            <a:spLocks noGrp="1" noChangeArrowheads="1"/>
+          </p:cNvSpPr>
+          <p:nvPr>
+            <p:ph type="title"/>
+          </p:nvPr>
+        </p:nvSpPr>
+        <p:spPr>
+          <a:xfrm>
+            <a:off x="971550" y="1404000"/>
+            <a:ext cx="7704138" cy="792162"/>
+          </a:xfrm>
+        </p:spPr>
+        <p:txBody>
+          <a:bodyPr/>
+          <a:lstStyle/>
+          <a:p>
+            <a:r>
+              <a:rPr lang="de-DE" altLang="de-DE" dirty="0"/>
+              <a:t>Elo-Entwicklung: Test 5 &amp; 9 (Fehler)</a:t>
+            </a:r>
+          </a:p>
+        </p:txBody>
+      </p:sp>
+      <p:sp>
+        <p:nvSpPr>
+          <p:cNvPr id="6" name="Rectangle 3"/>
+          <p:cNvSpPr txBox="1">
+            <a:spLocks noChangeArrowheads="1"/>
+          </p:cNvSpPr>
+          <p:nvPr/>
+        </p:nvSpPr>
+        <p:spPr>
+          <a:xfrm>
+            <a:off x="4932363" y="2160000"/>
+            <a:ext cx="3743325" cy="3600450"/>
+          </a:xfrm>
+          <a:prstGeom prst="rect">
+            <a:avLst/>
+          </a:prstGeom>
+        </p:spPr>
+        <p:txBody>
+          <a:bodyPr/>
+          <a:lstStyle>
+            <a:lvl1pPr algn="l" rtl="0" eaLnBrk="1" fontAlgn="base" hangingPunct="1">
+              <a:lnSpc>
+                <a:spcPct val="110000"/>
+              </a:lnSpc>
+              <a:spcBef>
+                <a:spcPct val="0"/>
+              </a:spcBef>
+              <a:spcAft>
+                <a:spcPct val="20000"/>
+              </a:spcAft>
+              <a:defRPr>
+                <a:solidFill>
+                  <a:schemeClr val="tx1"/>
+                </a:solidFill>
+                <a:latin typeface="+mn-lt"/>
+                <a:ea typeface="+mn-ea"/>
+                <a:cs typeface="+mn-cs"/>
+              </a:defRPr>
+            </a:lvl1pPr>
+            <a:lvl2pPr marL="182563" indent="-180975" algn="l" rtl="0" eaLnBrk="1" fontAlgn="base" hangingPunct="1">
+              <a:lnSpc>
+                <a:spcPct val="110000"/>
+              </a:lnSpc>
+              <a:spcBef>
+                <a:spcPct val="0"/>
+              </a:spcBef>
+              <a:spcAft>
+                <a:spcPct val="20000"/>
+              </a:spcAft>
+              <a:buFont typeface="Arial" charset="0"/>
+              <a:buChar char="•"/>
+              <a:defRPr>
+                <a:solidFill>
+                  <a:schemeClr val="tx1"/>
+                </a:solidFill>
+                <a:latin typeface="+mn-lt"/>
+              </a:defRPr>
+            </a:lvl2pPr>
+            <a:lvl3pPr marL="366713" indent="-182563" algn="l" rtl="0" eaLnBrk="1" fontAlgn="base" hangingPunct="1">
+              <a:lnSpc>
+                <a:spcPct val="110000"/>
+              </a:lnSpc>
+              <a:spcBef>
+                <a:spcPct val="0"/>
+              </a:spcBef>
+              <a:spcAft>
+                <a:spcPct val="20000"/>
+              </a:spcAft>
+              <a:buFont typeface="Arial" charset="0"/>
+              <a:buChar char="•"/>
+              <a:defRPr>
+                <a:solidFill>
+                  <a:schemeClr val="tx1"/>
+                </a:solidFill>
+                <a:latin typeface="+mn-lt"/>
+              </a:defRPr>
+            </a:lvl3pPr>
+            <a:lvl4pPr marL="552450" indent="-184150" algn="l" rtl="0" eaLnBrk="1" fontAlgn="base" hangingPunct="1">
+              <a:lnSpc>
+                <a:spcPct val="110000"/>
+              </a:lnSpc>
+              <a:spcBef>
+                <a:spcPct val="0"/>
+              </a:spcBef>
+              <a:spcAft>
+                <a:spcPct val="20000"/>
+              </a:spcAft>
+              <a:buFont typeface="Arial" charset="0"/>
+              <a:buChar char="•"/>
+              <a:defRPr>
+                <a:solidFill>
+                  <a:schemeClr val="tx1"/>
+                </a:solidFill>
+                <a:latin typeface="+mn-lt"/>
+              </a:defRPr>
+            </a:lvl4pPr>
+            <a:lvl5pPr marL="738188" indent="-184150" algn="l" rtl="0" eaLnBrk="1" fontAlgn="base" hangingPunct="1">
+              <a:lnSpc>
+                <a:spcPct val="110000"/>
+              </a:lnSpc>
+              <a:spcBef>
+                <a:spcPct val="0"/>
+              </a:spcBef>
+              <a:spcAft>
+                <a:spcPct val="20000"/>
+              </a:spcAft>
+              <a:buFont typeface="Arial" charset="0"/>
+              <a:buChar char="•"/>
+              <a:defRPr>
+                <a:solidFill>
+                  <a:schemeClr val="tx1"/>
+                </a:solidFill>
+                <a:latin typeface="+mn-lt"/>
+              </a:defRPr>
+            </a:lvl5pPr>
+            <a:lvl6pPr marL="1195388" indent="-184150" algn="l" rtl="0" eaLnBrk="1" fontAlgn="base" hangingPunct="1">
+              <a:lnSpc>
+                <a:spcPct val="110000"/>
+              </a:lnSpc>
+              <a:spcBef>
+                <a:spcPct val="0"/>
+              </a:spcBef>
+              <a:spcAft>
+                <a:spcPct val="20000"/>
+              </a:spcAft>
+              <a:buFont typeface="Arial" charset="0"/>
+              <a:buChar char="•"/>
+              <a:defRPr>
+                <a:solidFill>
+                  <a:schemeClr val="tx1"/>
+                </a:solidFill>
+                <a:latin typeface="+mn-lt"/>
+              </a:defRPr>
+            </a:lvl6pPr>
+            <a:lvl7pPr marL="1652588" indent="-184150" algn="l" rtl="0" eaLnBrk="1" fontAlgn="base" hangingPunct="1">
+              <a:lnSpc>
+                <a:spcPct val="110000"/>
+              </a:lnSpc>
+              <a:spcBef>
+                <a:spcPct val="0"/>
+              </a:spcBef>
+              <a:spcAft>
+                <a:spcPct val="20000"/>
+              </a:spcAft>
+              <a:buFont typeface="Arial" charset="0"/>
+              <a:buChar char="•"/>
+              <a:defRPr>
+                <a:solidFill>
+                  <a:schemeClr val="tx1"/>
+                </a:solidFill>
+                <a:latin typeface="+mn-lt"/>
+              </a:defRPr>
+            </a:lvl7pPr>
+            <a:lvl8pPr marL="2109788" indent="-184150" algn="l" rtl="0" eaLnBrk="1" fontAlgn="base" hangingPunct="1">
+              <a:lnSpc>
+                <a:spcPct val="110000"/>
+              </a:lnSpc>
+              <a:spcBef>
+                <a:spcPct val="0"/>
+              </a:spcBef>
+              <a:spcAft>
+                <a:spcPct val="20000"/>
+              </a:spcAft>
+              <a:buFont typeface="Arial" charset="0"/>
+              <a:buChar char="•"/>
+              <a:defRPr>
+                <a:solidFill>
+                  <a:schemeClr val="tx1"/>
+                </a:solidFill>
+                <a:latin typeface="+mn-lt"/>
+              </a:defRPr>
+            </a:lvl8pPr>
+            <a:lvl9pPr marL="2566988" indent="-184150" algn="l" rtl="0" eaLnBrk="1" fontAlgn="base" hangingPunct="1">
+              <a:lnSpc>
+                <a:spcPct val="110000"/>
+              </a:lnSpc>
+              <a:spcBef>
+                <a:spcPct val="0"/>
+              </a:spcBef>
+              <a:spcAft>
+                <a:spcPct val="20000"/>
+              </a:spcAft>
+              <a:buFont typeface="Arial" charset="0"/>
+              <a:buChar char="•"/>
+              <a:defRPr>
+                <a:solidFill>
+                  <a:schemeClr val="tx1"/>
+                </a:solidFill>
+                <a:latin typeface="+mn-lt"/>
+              </a:defRPr>
+            </a:lvl9pPr>
+          </a:lstStyle>
+          <a:p>
+            <a:pPr marL="1588" lvl="1" indent="0">
+              <a:buNone/>
+            </a:pPr>
+            <a:r>
+              <a:rPr lang="de-DE" altLang="de-DE" kern="0" dirty="0"/>
+              <a:t>Fehler der Testläufe 5 &amp; 9</a:t>
+            </a:r>
+          </a:p>
+          <a:p>
+            <a:pPr marL="134938" lvl="1" indent="-133350"/>
+            <a:r>
+              <a:rPr lang="de-DE" altLang="de-DE" kern="0" dirty="0"/>
+              <a:t>Fehler erklärt nicht den Spielstärke-Ausreißer</a:t>
+            </a:r>
+          </a:p>
+          <a:p>
+            <a:pPr marL="1588" lvl="1" indent="0">
+              <a:buNone/>
+            </a:pPr>
+            <a:endParaRPr lang="de-DE" dirty="0"/>
+          </a:p>
+          <a:p>
+            <a:pPr marL="1588" lvl="1" indent="0">
+              <a:buNone/>
+            </a:pPr>
+            <a:r>
+              <a:rPr lang="de-DE" dirty="0"/>
+              <a:t>⇒</a:t>
+            </a:r>
+            <a:r>
+              <a:rPr lang="de-DE" altLang="de-DE" kern="0" dirty="0"/>
+              <a:t> Der Fehler ist kein guter Indikator der Spielstärke</a:t>
+            </a:r>
+          </a:p>
+        </p:txBody>
+      </p:sp>
+      <p:pic>
+        <p:nvPicPr>
+          <p:cNvPr id="2" name="Grafik 1">
+            <a:extLst>
+              <a:ext uri="{FF2B5EF4-FFF2-40B4-BE49-F238E27FC236}">
+                <a16:creationId xmlns:a16="http://schemas.microsoft.com/office/drawing/2014/main" id="{FC904A1F-7C1C-2BBC-797E-C988AB46D4DF}"/>
+              </a:ext>
+            </a:extLst>
+          </p:cNvPr>
+          <p:cNvPicPr>
+            <a:picLocks noChangeAspect="1"/>
+          </p:cNvPicPr>
+          <p:nvPr/>
+        </p:nvPicPr>
+        <p:blipFill>
+          <a:blip r:embed="rId2">
+            <a:extLst>
+              <a:ext uri="{28A0092B-C50C-407E-A947-70E740481C1C}">
+                <a14:useLocalDpi xmlns:a14="http://schemas.microsoft.com/office/drawing/2010/main" val="0"/>
+              </a:ext>
+              <a:ext uri="{96DAC541-7B7A-43D3-8B79-37D633B846F1}">
+                <asvg:svgBlip xmlns:asvg="http://schemas.microsoft.com/office/drawing/2016/SVG/main" r:embed="rId3"/>
+              </a:ext>
+            </a:extLst>
+          </a:blip>
+          <a:srcRect/>
+          <a:stretch/>
+        </p:blipFill>
+        <p:spPr>
+          <a:xfrm>
+            <a:off x="973506" y="2197851"/>
+            <a:ext cx="3795095" cy="2960713"/>
+          </a:xfrm>
+          <a:prstGeom prst="rect">
+            <a:avLst/>
+          </a:prstGeom>
+        </p:spPr>
+      </p:pic>
+    </p:spTree>
+    <p:extLst>
+      <p:ext uri="{BB962C8B-B14F-4D97-AF65-F5344CB8AC3E}">
+        <p14:creationId xmlns:p14="http://schemas.microsoft.com/office/powerpoint/2010/main" val="1838805387"/>
+      </p:ext>
+    </p:extLst>
+  </p:cSld>
+  <p:clrMapOvr>
+    <a:masterClrMapping/>
+  </p:clrMapOvr>
+  <p:transition/>
+</p:sld>
+</file>
+
+<file path=ppt/slides/slide4.xml><?xml version="1.0" encoding="utf-8"?>
+<p:sld xmlns:a="http://schemas.openxmlformats.org/drawingml/2006/main" xmlns:r="http://schemas.openxmlformats.org/officeDocument/2006/relationships" xmlns:p="http://schemas.openxmlformats.org/presentationml/2006/main">
+  <p:cSld>
+    <p:spTree>
+      <p:nvGrpSpPr>
+        <p:cNvPr id="1" name=""/>
+        <p:cNvGrpSpPr/>
+        <p:nvPr/>
+      </p:nvGrpSpPr>
+      <p:grpSpPr>
+        <a:xfrm>
+          <a:off x="0" y="0"/>
+          <a:ext cx="0" cy="0"/>
+          <a:chOff x="0" y="0"/>
+          <a:chExt cx="0" cy="0"/>
+        </a:xfrm>
+      </p:grpSpPr>
+      <p:sp>
+        <p:nvSpPr>
+          <p:cNvPr id="3" name="Fußzeilenplatzhalter 2"/>
+          <p:cNvSpPr>
+            <a:spLocks noGrp="1"/>
+          </p:cNvSpPr>
+          <p:nvPr>
+            <p:ph type="ftr" sz="quarter" idx="10"/>
+          </p:nvPr>
+        </p:nvSpPr>
+        <p:spPr/>
+        <p:txBody>
+          <a:bodyPr/>
+          <a:lstStyle/>
+          <a:p>
+            <a:r>
+              <a:rPr lang="en-US" altLang="de-DE" dirty="0"/>
+              <a:t>Hochschule Mannheim University of Applied Sciences | Marvin Karhan</a:t>
+            </a:r>
+            <a:endParaRPr lang="de-DE" altLang="de-DE" dirty="0"/>
+          </a:p>
+        </p:txBody>
+      </p:sp>
+      <p:sp>
+        <p:nvSpPr>
+          <p:cNvPr id="4" name="Foliennummernplatzhalter 3"/>
+          <p:cNvSpPr>
+            <a:spLocks noGrp="1"/>
+          </p:cNvSpPr>
+          <p:nvPr>
+            <p:ph type="sldNum" sz="quarter" idx="11"/>
+          </p:nvPr>
+        </p:nvSpPr>
+        <p:spPr/>
+        <p:txBody>
+          <a:bodyPr/>
+          <a:lstStyle/>
+          <a:p>
+            <a:fld id="{57D12BB6-0ED4-46B6-AB23-7758AD07EFBF}" type="slidenum">
+              <a:rPr lang="de-DE" smtClean="0"/>
+              <a:pPr/>
+              <a:t>4</a:t>
+            </a:fld>
+            <a:endParaRPr lang="de-DE" dirty="0"/>
+          </a:p>
+        </p:txBody>
+      </p:sp>
+      <p:sp>
+        <p:nvSpPr>
+          <p:cNvPr id="5" name="Rectangle 2"/>
+          <p:cNvSpPr>
+            <a:spLocks noGrp="1" noChangeArrowheads="1"/>
+          </p:cNvSpPr>
+          <p:nvPr>
+            <p:ph type="title"/>
+          </p:nvPr>
+        </p:nvSpPr>
+        <p:spPr>
+          <a:xfrm>
+            <a:off x="971550" y="1404000"/>
+            <a:ext cx="7704138" cy="792162"/>
+          </a:xfrm>
+        </p:spPr>
+        <p:txBody>
+          <a:bodyPr/>
+          <a:lstStyle/>
+          <a:p>
+            <a:r>
+              <a:rPr lang="de-DE" altLang="de-DE" dirty="0" err="1"/>
+              <a:t>Zugsuche</a:t>
+            </a:r>
+            <a:endParaRPr lang="de-DE" altLang="de-DE" dirty="0"/>
+          </a:p>
+        </p:txBody>
+      </p:sp>
+      <p:sp>
+        <p:nvSpPr>
+          <p:cNvPr id="6" name="Rectangle 3"/>
+          <p:cNvSpPr txBox="1">
+            <a:spLocks noChangeArrowheads="1"/>
+          </p:cNvSpPr>
+          <p:nvPr/>
+        </p:nvSpPr>
+        <p:spPr>
+          <a:xfrm>
+            <a:off x="971550" y="2160000"/>
+            <a:ext cx="7677150" cy="3600450"/>
+          </a:xfrm>
+          <a:prstGeom prst="rect">
+            <a:avLst/>
+          </a:prstGeom>
+        </p:spPr>
+        <p:txBody>
+          <a:bodyPr/>
+          <a:lstStyle>
+            <a:lvl1pPr algn="l" rtl="0" eaLnBrk="1" fontAlgn="base" hangingPunct="1">
+              <a:lnSpc>
+                <a:spcPct val="110000"/>
+              </a:lnSpc>
+              <a:spcBef>
+                <a:spcPct val="0"/>
+              </a:spcBef>
+              <a:spcAft>
+                <a:spcPct val="20000"/>
+              </a:spcAft>
+              <a:defRPr>
+                <a:solidFill>
+                  <a:schemeClr val="tx1"/>
+                </a:solidFill>
+                <a:latin typeface="+mn-lt"/>
+                <a:ea typeface="+mn-ea"/>
+                <a:cs typeface="+mn-cs"/>
+              </a:defRPr>
+            </a:lvl1pPr>
+            <a:lvl2pPr marL="182563" indent="-180975" algn="l" rtl="0" eaLnBrk="1" fontAlgn="base" hangingPunct="1">
+              <a:lnSpc>
+                <a:spcPct val="110000"/>
+              </a:lnSpc>
+              <a:spcBef>
+                <a:spcPct val="0"/>
+              </a:spcBef>
+              <a:spcAft>
+                <a:spcPct val="20000"/>
+              </a:spcAft>
+              <a:buFont typeface="Arial" charset="0"/>
+              <a:buChar char="•"/>
+              <a:defRPr>
+                <a:solidFill>
+                  <a:schemeClr val="tx1"/>
+                </a:solidFill>
+                <a:latin typeface="+mn-lt"/>
+              </a:defRPr>
+            </a:lvl2pPr>
+            <a:lvl3pPr marL="366713" indent="-182563" algn="l" rtl="0" eaLnBrk="1" fontAlgn="base" hangingPunct="1">
+              <a:lnSpc>
+                <a:spcPct val="110000"/>
+              </a:lnSpc>
+              <a:spcBef>
+                <a:spcPct val="0"/>
+              </a:spcBef>
+              <a:spcAft>
+                <a:spcPct val="20000"/>
+              </a:spcAft>
+              <a:buFont typeface="Arial" charset="0"/>
+              <a:buChar char="•"/>
+              <a:defRPr>
+                <a:solidFill>
+                  <a:schemeClr val="tx1"/>
+                </a:solidFill>
+                <a:latin typeface="+mn-lt"/>
+              </a:defRPr>
+            </a:lvl3pPr>
+            <a:lvl4pPr marL="552450" indent="-184150" algn="l" rtl="0" eaLnBrk="1" fontAlgn="base" hangingPunct="1">
+              <a:lnSpc>
+                <a:spcPct val="110000"/>
+              </a:lnSpc>
+              <a:spcBef>
+                <a:spcPct val="0"/>
+              </a:spcBef>
+              <a:spcAft>
+                <a:spcPct val="20000"/>
+              </a:spcAft>
+              <a:buFont typeface="Arial" charset="0"/>
+              <a:buChar char="•"/>
+              <a:defRPr>
+                <a:solidFill>
+                  <a:schemeClr val="tx1"/>
+                </a:solidFill>
+                <a:latin typeface="+mn-lt"/>
+              </a:defRPr>
+            </a:lvl4pPr>
+            <a:lvl5pPr marL="738188" indent="-184150" algn="l" rtl="0" eaLnBrk="1" fontAlgn="base" hangingPunct="1">
+              <a:lnSpc>
+                <a:spcPct val="110000"/>
+              </a:lnSpc>
+              <a:spcBef>
+                <a:spcPct val="0"/>
+              </a:spcBef>
+              <a:spcAft>
+                <a:spcPct val="20000"/>
+              </a:spcAft>
+              <a:buFont typeface="Arial" charset="0"/>
+              <a:buChar char="•"/>
+              <a:defRPr>
+                <a:solidFill>
+                  <a:schemeClr val="tx1"/>
+                </a:solidFill>
+                <a:latin typeface="+mn-lt"/>
+              </a:defRPr>
+            </a:lvl5pPr>
+            <a:lvl6pPr marL="1195388" indent="-184150" algn="l" rtl="0" eaLnBrk="1" fontAlgn="base" hangingPunct="1">
+              <a:lnSpc>
+                <a:spcPct val="110000"/>
+              </a:lnSpc>
+              <a:spcBef>
+                <a:spcPct val="0"/>
+              </a:spcBef>
+              <a:spcAft>
+                <a:spcPct val="20000"/>
+              </a:spcAft>
+              <a:buFont typeface="Arial" charset="0"/>
+              <a:buChar char="•"/>
+              <a:defRPr>
+                <a:solidFill>
+                  <a:schemeClr val="tx1"/>
+                </a:solidFill>
+                <a:latin typeface="+mn-lt"/>
+              </a:defRPr>
+            </a:lvl6pPr>
+            <a:lvl7pPr marL="1652588" indent="-184150" algn="l" rtl="0" eaLnBrk="1" fontAlgn="base" hangingPunct="1">
+              <a:lnSpc>
+                <a:spcPct val="110000"/>
+              </a:lnSpc>
+              <a:spcBef>
+                <a:spcPct val="0"/>
+              </a:spcBef>
+              <a:spcAft>
+                <a:spcPct val="20000"/>
+              </a:spcAft>
+              <a:buFont typeface="Arial" charset="0"/>
+              <a:buChar char="•"/>
+              <a:defRPr>
+                <a:solidFill>
+                  <a:schemeClr val="tx1"/>
+                </a:solidFill>
+                <a:latin typeface="+mn-lt"/>
+              </a:defRPr>
+            </a:lvl7pPr>
+            <a:lvl8pPr marL="2109788" indent="-184150" algn="l" rtl="0" eaLnBrk="1" fontAlgn="base" hangingPunct="1">
+              <a:lnSpc>
+                <a:spcPct val="110000"/>
+              </a:lnSpc>
+              <a:spcBef>
+                <a:spcPct val="0"/>
+              </a:spcBef>
+              <a:spcAft>
+                <a:spcPct val="20000"/>
+              </a:spcAft>
+              <a:buFont typeface="Arial" charset="0"/>
+              <a:buChar char="•"/>
+              <a:defRPr>
+                <a:solidFill>
+                  <a:schemeClr val="tx1"/>
+                </a:solidFill>
+                <a:latin typeface="+mn-lt"/>
+              </a:defRPr>
+            </a:lvl8pPr>
+            <a:lvl9pPr marL="2566988" indent="-184150" algn="l" rtl="0" eaLnBrk="1" fontAlgn="base" hangingPunct="1">
+              <a:lnSpc>
+                <a:spcPct val="110000"/>
+              </a:lnSpc>
+              <a:spcBef>
+                <a:spcPct val="0"/>
+              </a:spcBef>
+              <a:spcAft>
+                <a:spcPct val="20000"/>
+              </a:spcAft>
+              <a:buFont typeface="Arial" charset="0"/>
+              <a:buChar char="•"/>
+              <a:defRPr>
+                <a:solidFill>
+                  <a:schemeClr val="tx1"/>
+                </a:solidFill>
+                <a:latin typeface="+mn-lt"/>
+              </a:defRPr>
+            </a:lvl9pPr>
+          </a:lstStyle>
+          <a:p>
+            <a:pPr marL="1588" lvl="1" indent="0">
+              <a:buNone/>
+            </a:pPr>
+            <a:r>
+              <a:rPr lang="de-DE" altLang="de-DE" kern="0" dirty="0"/>
               <a:t>Schach ist ungelöst!</a:t>
             </a:r>
           </a:p>
@@ -25295,6 +23026,469 @@
     <p:extLst>
       <p:ext uri="{BB962C8B-B14F-4D97-AF65-F5344CB8AC3E}">
         <p14:creationId xmlns:p14="http://schemas.microsoft.com/office/powerpoint/2010/main" val="655546966"/>
+      </p:ext>
+    </p:extLst>
+  </p:cSld>
+  <p:clrMapOvr>
+    <a:masterClrMapping/>
+  </p:clrMapOvr>
+  <p:transition/>
+</p:sld>
+</file>
+
+<file path=ppt/slides/slide5.xml><?xml version="1.0" encoding="utf-8"?>
+<p:sld xmlns:a="http://schemas.openxmlformats.org/drawingml/2006/main" xmlns:r="http://schemas.openxmlformats.org/officeDocument/2006/relationships" xmlns:p="http://schemas.openxmlformats.org/presentationml/2006/main">
+  <p:cSld>
+    <p:spTree>
+      <p:nvGrpSpPr>
+        <p:cNvPr id="1" name=""/>
+        <p:cNvGrpSpPr/>
+        <p:nvPr/>
+      </p:nvGrpSpPr>
+      <p:grpSpPr>
+        <a:xfrm>
+          <a:off x="0" y="0"/>
+          <a:ext cx="0" cy="0"/>
+          <a:chOff x="0" y="0"/>
+          <a:chExt cx="0" cy="0"/>
+        </a:xfrm>
+      </p:grpSpPr>
+      <p:sp>
+        <p:nvSpPr>
+          <p:cNvPr id="3" name="Fußzeilenplatzhalter 2"/>
+          <p:cNvSpPr>
+            <a:spLocks noGrp="1"/>
+          </p:cNvSpPr>
+          <p:nvPr>
+            <p:ph type="ftr" sz="quarter" idx="10"/>
+          </p:nvPr>
+        </p:nvSpPr>
+        <p:spPr/>
+        <p:txBody>
+          <a:bodyPr/>
+          <a:lstStyle/>
+          <a:p>
+            <a:r>
+              <a:rPr lang="en-US" altLang="de-DE" dirty="0"/>
+              <a:t>Hochschule Mannheim University of Applied Sciences | Marvin Karhan</a:t>
+            </a:r>
+            <a:endParaRPr lang="de-DE" altLang="de-DE" dirty="0"/>
+          </a:p>
+        </p:txBody>
+      </p:sp>
+      <p:sp>
+        <p:nvSpPr>
+          <p:cNvPr id="4" name="Foliennummernplatzhalter 3"/>
+          <p:cNvSpPr>
+            <a:spLocks noGrp="1"/>
+          </p:cNvSpPr>
+          <p:nvPr>
+            <p:ph type="sldNum" sz="quarter" idx="11"/>
+          </p:nvPr>
+        </p:nvSpPr>
+        <p:spPr/>
+        <p:txBody>
+          <a:bodyPr/>
+          <a:lstStyle/>
+          <a:p>
+            <a:fld id="{57D12BB6-0ED4-46B6-AB23-7758AD07EFBF}" type="slidenum">
+              <a:rPr lang="de-DE" smtClean="0"/>
+              <a:pPr/>
+              <a:t>5</a:t>
+            </a:fld>
+            <a:endParaRPr lang="de-DE" dirty="0"/>
+          </a:p>
+        </p:txBody>
+      </p:sp>
+      <p:sp>
+        <p:nvSpPr>
+          <p:cNvPr id="5" name="Rectangle 2"/>
+          <p:cNvSpPr>
+            <a:spLocks noGrp="1" noChangeArrowheads="1"/>
+          </p:cNvSpPr>
+          <p:nvPr>
+            <p:ph type="title"/>
+          </p:nvPr>
+        </p:nvSpPr>
+        <p:spPr>
+          <a:xfrm>
+            <a:off x="971550" y="1404000"/>
+            <a:ext cx="7704138" cy="792162"/>
+          </a:xfrm>
+        </p:spPr>
+        <p:txBody>
+          <a:bodyPr/>
+          <a:lstStyle/>
+          <a:p>
+            <a:r>
+              <a:rPr lang="de-DE" altLang="de-DE" dirty="0"/>
+              <a:t>Anwendungsgebiete</a:t>
+            </a:r>
+          </a:p>
+        </p:txBody>
+      </p:sp>
+      <p:sp>
+        <p:nvSpPr>
+          <p:cNvPr id="6" name="Rectangle 3"/>
+          <p:cNvSpPr txBox="1">
+            <a:spLocks noChangeArrowheads="1"/>
+          </p:cNvSpPr>
+          <p:nvPr/>
+        </p:nvSpPr>
+        <p:spPr>
+          <a:xfrm>
+            <a:off x="971550" y="2160000"/>
+            <a:ext cx="7677150" cy="3600450"/>
+          </a:xfrm>
+          <a:prstGeom prst="rect">
+            <a:avLst/>
+          </a:prstGeom>
+        </p:spPr>
+        <p:txBody>
+          <a:bodyPr/>
+          <a:lstStyle>
+            <a:lvl1pPr algn="l" rtl="0" eaLnBrk="1" fontAlgn="base" hangingPunct="1">
+              <a:lnSpc>
+                <a:spcPct val="110000"/>
+              </a:lnSpc>
+              <a:spcBef>
+                <a:spcPct val="0"/>
+              </a:spcBef>
+              <a:spcAft>
+                <a:spcPct val="20000"/>
+              </a:spcAft>
+              <a:defRPr>
+                <a:solidFill>
+                  <a:schemeClr val="tx1"/>
+                </a:solidFill>
+                <a:latin typeface="+mn-lt"/>
+                <a:ea typeface="+mn-ea"/>
+                <a:cs typeface="+mn-cs"/>
+              </a:defRPr>
+            </a:lvl1pPr>
+            <a:lvl2pPr marL="182563" indent="-180975" algn="l" rtl="0" eaLnBrk="1" fontAlgn="base" hangingPunct="1">
+              <a:lnSpc>
+                <a:spcPct val="110000"/>
+              </a:lnSpc>
+              <a:spcBef>
+                <a:spcPct val="0"/>
+              </a:spcBef>
+              <a:spcAft>
+                <a:spcPct val="20000"/>
+              </a:spcAft>
+              <a:buFont typeface="Arial" charset="0"/>
+              <a:buChar char="•"/>
+              <a:defRPr>
+                <a:solidFill>
+                  <a:schemeClr val="tx1"/>
+                </a:solidFill>
+                <a:latin typeface="+mn-lt"/>
+              </a:defRPr>
+            </a:lvl2pPr>
+            <a:lvl3pPr marL="366713" indent="-182563" algn="l" rtl="0" eaLnBrk="1" fontAlgn="base" hangingPunct="1">
+              <a:lnSpc>
+                <a:spcPct val="110000"/>
+              </a:lnSpc>
+              <a:spcBef>
+                <a:spcPct val="0"/>
+              </a:spcBef>
+              <a:spcAft>
+                <a:spcPct val="20000"/>
+              </a:spcAft>
+              <a:buFont typeface="Arial" charset="0"/>
+              <a:buChar char="•"/>
+              <a:defRPr>
+                <a:solidFill>
+                  <a:schemeClr val="tx1"/>
+                </a:solidFill>
+                <a:latin typeface="+mn-lt"/>
+              </a:defRPr>
+            </a:lvl3pPr>
+            <a:lvl4pPr marL="552450" indent="-184150" algn="l" rtl="0" eaLnBrk="1" fontAlgn="base" hangingPunct="1">
+              <a:lnSpc>
+                <a:spcPct val="110000"/>
+              </a:lnSpc>
+              <a:spcBef>
+                <a:spcPct val="0"/>
+              </a:spcBef>
+              <a:spcAft>
+                <a:spcPct val="20000"/>
+              </a:spcAft>
+              <a:buFont typeface="Arial" charset="0"/>
+              <a:buChar char="•"/>
+              <a:defRPr>
+                <a:solidFill>
+                  <a:schemeClr val="tx1"/>
+                </a:solidFill>
+                <a:latin typeface="+mn-lt"/>
+              </a:defRPr>
+            </a:lvl4pPr>
+            <a:lvl5pPr marL="738188" indent="-184150" algn="l" rtl="0" eaLnBrk="1" fontAlgn="base" hangingPunct="1">
+              <a:lnSpc>
+                <a:spcPct val="110000"/>
+              </a:lnSpc>
+              <a:spcBef>
+                <a:spcPct val="0"/>
+              </a:spcBef>
+              <a:spcAft>
+                <a:spcPct val="20000"/>
+              </a:spcAft>
+              <a:buFont typeface="Arial" charset="0"/>
+              <a:buChar char="•"/>
+              <a:defRPr>
+                <a:solidFill>
+                  <a:schemeClr val="tx1"/>
+                </a:solidFill>
+                <a:latin typeface="+mn-lt"/>
+              </a:defRPr>
+            </a:lvl5pPr>
+            <a:lvl6pPr marL="1195388" indent="-184150" algn="l" rtl="0" eaLnBrk="1" fontAlgn="base" hangingPunct="1">
+              <a:lnSpc>
+                <a:spcPct val="110000"/>
+              </a:lnSpc>
+              <a:spcBef>
+                <a:spcPct val="0"/>
+              </a:spcBef>
+              <a:spcAft>
+                <a:spcPct val="20000"/>
+              </a:spcAft>
+              <a:buFont typeface="Arial" charset="0"/>
+              <a:buChar char="•"/>
+              <a:defRPr>
+                <a:solidFill>
+                  <a:schemeClr val="tx1"/>
+                </a:solidFill>
+                <a:latin typeface="+mn-lt"/>
+              </a:defRPr>
+            </a:lvl6pPr>
+            <a:lvl7pPr marL="1652588" indent="-184150" algn="l" rtl="0" eaLnBrk="1" fontAlgn="base" hangingPunct="1">
+              <a:lnSpc>
+                <a:spcPct val="110000"/>
+              </a:lnSpc>
+              <a:spcBef>
+                <a:spcPct val="0"/>
+              </a:spcBef>
+              <a:spcAft>
+                <a:spcPct val="20000"/>
+              </a:spcAft>
+              <a:buFont typeface="Arial" charset="0"/>
+              <a:buChar char="•"/>
+              <a:defRPr>
+                <a:solidFill>
+                  <a:schemeClr val="tx1"/>
+                </a:solidFill>
+                <a:latin typeface="+mn-lt"/>
+              </a:defRPr>
+            </a:lvl7pPr>
+            <a:lvl8pPr marL="2109788" indent="-184150" algn="l" rtl="0" eaLnBrk="1" fontAlgn="base" hangingPunct="1">
+              <a:lnSpc>
+                <a:spcPct val="110000"/>
+              </a:lnSpc>
+              <a:spcBef>
+                <a:spcPct val="0"/>
+              </a:spcBef>
+              <a:spcAft>
+                <a:spcPct val="20000"/>
+              </a:spcAft>
+              <a:buFont typeface="Arial" charset="0"/>
+              <a:buChar char="•"/>
+              <a:defRPr>
+                <a:solidFill>
+                  <a:schemeClr val="tx1"/>
+                </a:solidFill>
+                <a:latin typeface="+mn-lt"/>
+              </a:defRPr>
+            </a:lvl8pPr>
+            <a:lvl9pPr marL="2566988" indent="-184150" algn="l" rtl="0" eaLnBrk="1" fontAlgn="base" hangingPunct="1">
+              <a:lnSpc>
+                <a:spcPct val="110000"/>
+              </a:lnSpc>
+              <a:spcBef>
+                <a:spcPct val="0"/>
+              </a:spcBef>
+              <a:spcAft>
+                <a:spcPct val="20000"/>
+              </a:spcAft>
+              <a:buFont typeface="Arial" charset="0"/>
+              <a:buChar char="•"/>
+              <a:defRPr>
+                <a:solidFill>
+                  <a:schemeClr val="tx1"/>
+                </a:solidFill>
+                <a:latin typeface="+mn-lt"/>
+              </a:defRPr>
+            </a:lvl9pPr>
+          </a:lstStyle>
+          <a:p>
+            <a:pPr lvl="1"/>
+            <a:r>
+              <a:rPr lang="de-DE" kern="0" dirty="0"/>
+              <a:t>Schachcomputer</a:t>
+            </a:r>
+          </a:p>
+          <a:p>
+            <a:pPr lvl="1"/>
+            <a:r>
+              <a:rPr lang="de-DE" kern="0" dirty="0"/>
+              <a:t>Spielanalyse</a:t>
+            </a:r>
+          </a:p>
+          <a:p>
+            <a:pPr lvl="1"/>
+            <a:r>
+              <a:rPr lang="de-DE" kern="0" dirty="0"/>
+              <a:t>Spielwiese für andere Anwendungsgebiete</a:t>
+            </a:r>
+          </a:p>
+          <a:p>
+            <a:pPr lvl="1"/>
+            <a:r>
+              <a:rPr lang="de-DE" kern="0" dirty="0" err="1"/>
+              <a:t>AlphaZero</a:t>
+            </a:r>
+            <a:r>
+              <a:rPr lang="de-DE" kern="0" dirty="0"/>
+              <a:t> zeigt bereits Erfolge</a:t>
+            </a:r>
+          </a:p>
+          <a:p>
+            <a:pPr lvl="1"/>
+            <a:endParaRPr lang="de-DE" kern="0" dirty="0"/>
+          </a:p>
+          <a:p>
+            <a:pPr lvl="1"/>
+            <a:endParaRPr lang="de-DE" altLang="de-DE" b="1" kern="0" dirty="0"/>
+          </a:p>
+        </p:txBody>
+      </p:sp>
+    </p:spTree>
+    <p:extLst>
+      <p:ext uri="{BB962C8B-B14F-4D97-AF65-F5344CB8AC3E}">
+        <p14:creationId xmlns:p14="http://schemas.microsoft.com/office/powerpoint/2010/main" val="4162693522"/>
+      </p:ext>
+    </p:extLst>
+  </p:cSld>
+  <p:clrMapOvr>
+    <a:masterClrMapping/>
+  </p:clrMapOvr>
+  <p:transition/>
+</p:sld>
+</file>
+
+<file path=ppt/slides/slide6.xml><?xml version="1.0" encoding="utf-8"?>
+<p:sld xmlns:a="http://schemas.openxmlformats.org/drawingml/2006/main" xmlns:r="http://schemas.openxmlformats.org/officeDocument/2006/relationships" xmlns:p="http://schemas.openxmlformats.org/presentationml/2006/main">
+  <p:cSld>
+    <p:spTree>
+      <p:nvGrpSpPr>
+        <p:cNvPr id="1" name=""/>
+        <p:cNvGrpSpPr/>
+        <p:nvPr/>
+      </p:nvGrpSpPr>
+      <p:grpSpPr>
+        <a:xfrm>
+          <a:off x="0" y="0"/>
+          <a:ext cx="0" cy="0"/>
+          <a:chOff x="0" y="0"/>
+          <a:chExt cx="0" cy="0"/>
+        </a:xfrm>
+      </p:grpSpPr>
+      <p:sp>
+        <p:nvSpPr>
+          <p:cNvPr id="2" name="Titel 1">
+            <a:extLst>
+              <a:ext uri="{FF2B5EF4-FFF2-40B4-BE49-F238E27FC236}">
+                <a16:creationId xmlns:a16="http://schemas.microsoft.com/office/drawing/2014/main" id="{F64A9751-63ED-04DE-9EEA-FC0C22828676}"/>
+              </a:ext>
+            </a:extLst>
+          </p:cNvPr>
+          <p:cNvSpPr>
+            <a:spLocks noGrp="1"/>
+          </p:cNvSpPr>
+          <p:nvPr>
+            <p:ph type="title"/>
+          </p:nvPr>
+        </p:nvSpPr>
+        <p:spPr>
+          <a:xfrm>
+            <a:off x="0" y="3246437"/>
+            <a:ext cx="9144000" cy="365125"/>
+          </a:xfrm>
+        </p:spPr>
+        <p:txBody>
+          <a:bodyPr/>
+          <a:lstStyle/>
+          <a:p>
+            <a:pPr algn="ctr"/>
+            <a:r>
+              <a:rPr lang="de-DE" sz="3600" dirty="0"/>
+              <a:t>Theorie</a:t>
+            </a:r>
+          </a:p>
+        </p:txBody>
+      </p:sp>
+      <p:sp>
+        <p:nvSpPr>
+          <p:cNvPr id="3" name="Fußzeilenplatzhalter 2">
+            <a:extLst>
+              <a:ext uri="{FF2B5EF4-FFF2-40B4-BE49-F238E27FC236}">
+                <a16:creationId xmlns:a16="http://schemas.microsoft.com/office/drawing/2014/main" id="{D0DCF5F5-5C07-C213-58E3-5F856F047CB0}"/>
+              </a:ext>
+            </a:extLst>
+          </p:cNvPr>
+          <p:cNvSpPr>
+            <a:spLocks noGrp="1"/>
+          </p:cNvSpPr>
+          <p:nvPr>
+            <p:ph type="ftr" sz="quarter" idx="10"/>
+          </p:nvPr>
+        </p:nvSpPr>
+        <p:spPr/>
+        <p:txBody>
+          <a:bodyPr/>
+          <a:lstStyle/>
+          <a:p>
+            <a:r>
+              <a:rPr lang="en-US" altLang="de-DE" dirty="0"/>
+              <a:t>Hochschule Mannheim University of Applied Sciences | Marvin Karhan</a:t>
+            </a:r>
+            <a:endParaRPr lang="de-DE" altLang="de-DE" dirty="0"/>
+          </a:p>
+        </p:txBody>
+      </p:sp>
+      <p:sp>
+        <p:nvSpPr>
+          <p:cNvPr id="4" name="Foliennummernplatzhalter 3">
+            <a:extLst>
+              <a:ext uri="{FF2B5EF4-FFF2-40B4-BE49-F238E27FC236}">
+                <a16:creationId xmlns:a16="http://schemas.microsoft.com/office/drawing/2014/main" id="{355734E1-0407-D0AD-C1AA-D2C386B1FF85}"/>
+              </a:ext>
+            </a:extLst>
+          </p:cNvPr>
+          <p:cNvSpPr>
+            <a:spLocks noGrp="1"/>
+          </p:cNvSpPr>
+          <p:nvPr>
+            <p:ph type="sldNum" sz="quarter" idx="11"/>
+          </p:nvPr>
+        </p:nvSpPr>
+        <p:spPr/>
+        <p:txBody>
+          <a:bodyPr/>
+          <a:lstStyle/>
+          <a:p>
+            <a:fld id="{57D12BB6-0ED4-46B6-AB23-7758AD07EFBF}" type="slidenum">
+              <a:rPr lang="de-DE" smtClean="0"/>
+              <a:pPr/>
+              <a:t>6</a:t>
+            </a:fld>
+            <a:endParaRPr lang="de-DE" dirty="0"/>
+          </a:p>
+        </p:txBody>
+      </p:sp>
+    </p:spTree>
+    <p:extLst>
+      <p:ext uri="{BB962C8B-B14F-4D97-AF65-F5344CB8AC3E}">
+        <p14:creationId xmlns:p14="http://schemas.microsoft.com/office/powerpoint/2010/main" val="102712325"/>
       </p:ext>
     </p:extLst>
   </p:cSld>
@@ -25390,9 +23584,21 @@
           <a:lstStyle/>
           <a:p>
             <a:r>
-              <a:rPr lang="de-DE" altLang="de-DE" dirty="0"/>
-              <a:t>Anwendungsgebiete</a:t>
-            </a:r>
+              <a:rPr lang="de-DE" altLang="de-DE" kern="0" dirty="0"/>
+              <a:t>Hand-</a:t>
+            </a:r>
+            <a:r>
+              <a:rPr lang="de-DE" altLang="de-DE" kern="0" dirty="0" err="1"/>
+              <a:t>Crafted</a:t>
+            </a:r>
+            <a:r>
+              <a:rPr lang="de-DE" altLang="de-DE" kern="0" dirty="0"/>
+              <a:t> Evaluation</a:t>
+            </a:r>
+            <a:br>
+              <a:rPr lang="de-DE" altLang="de-DE" kern="0" dirty="0"/>
+            </a:br>
+            <a:endParaRPr lang="de-DE" altLang="de-DE" dirty="0"/>
           </a:p>
         </p:txBody>
       </p:sp>
@@ -25591,49 +23797,71 @@
           <a:p>
             <a:pPr lvl="1"/>
             <a:r>
-              <a:rPr lang="de-DE" kern="0" dirty="0"/>
-              <a:t>Schachcomputer</a:t>
+              <a:rPr lang="de-DE" altLang="de-DE" kern="0" dirty="0"/>
+              <a:t>Per Hand gewählte Evaluationskriterien</a:t>
             </a:r>
           </a:p>
           <a:p>
             <a:pPr lvl="1"/>
             <a:r>
-              <a:rPr lang="de-DE" kern="0" dirty="0"/>
-              <a:t>Spielanalyse</a:t>
+              <a:rPr lang="de-DE" altLang="de-DE" kern="0" dirty="0"/>
+              <a:t>Durch Menschen ausgewählt</a:t>
+            </a:r>
+          </a:p>
+          <a:p>
+            <a:pPr marL="1588" lvl="1" indent="0">
+              <a:buNone/>
+            </a:pPr>
+            <a:endParaRPr lang="de-DE" altLang="de-DE" kern="0" dirty="0"/>
+          </a:p>
+          <a:p>
+            <a:pPr marL="1588" lvl="1" indent="0">
+              <a:buNone/>
+            </a:pPr>
+            <a:r>
+              <a:rPr lang="de-DE" altLang="de-DE" kern="0" dirty="0"/>
+              <a:t>z. B.:</a:t>
             </a:r>
           </a:p>
           <a:p>
             <a:pPr lvl="1"/>
             <a:r>
-              <a:rPr lang="de-DE" kern="0" dirty="0"/>
-              <a:t>Spielwiese für andere Anwendungsgebiete</a:t>
+              <a:rPr lang="de-DE" altLang="de-DE" kern="0" dirty="0"/>
+              <a:t>Materialwertung</a:t>
             </a:r>
           </a:p>
           <a:p>
             <a:pPr lvl="1"/>
             <a:r>
-              <a:rPr lang="de-DE" kern="0" dirty="0" err="1"/>
-              <a:t>AlphaZero</a:t>
-            </a:r>
-            <a:r>
-              <a:rPr lang="de-DE" kern="0" dirty="0"/>
-              <a:t> zeigt bereits Erfolge</a:t>
-            </a:r>
+              <a:rPr lang="de-DE" altLang="de-DE" kern="0" dirty="0"/>
+              <a:t>Piece Square </a:t>
+            </a:r>
+            <a:r>
+              <a:rPr lang="de-DE" altLang="de-DE" kern="0" dirty="0" err="1"/>
+              <a:t>Tables</a:t>
+            </a:r>
+            <a:endParaRPr lang="de-DE" altLang="de-DE" kern="0" dirty="0"/>
           </a:p>
           <a:p>
             <a:pPr lvl="1"/>
-            <a:endParaRPr lang="de-DE" kern="0" dirty="0"/>
+            <a:r>
+              <a:rPr lang="de-DE" altLang="de-DE" kern="0" dirty="0"/>
+              <a:t>Mobilität</a:t>
+            </a:r>
           </a:p>
           <a:p>
             <a:pPr lvl="1"/>
-            <a:endParaRPr lang="de-DE" altLang="de-DE" b="1" kern="0" dirty="0"/>
+            <a:r>
+              <a:rPr lang="de-DE" altLang="de-DE" kern="0" dirty="0"/>
+              <a:t>Spielphasen</a:t>
+            </a:r>
           </a:p>
         </p:txBody>
       </p:sp>
     </p:spTree>
     <p:extLst>
       <p:ext uri="{BB962C8B-B14F-4D97-AF65-F5344CB8AC3E}">
-        <p14:creationId xmlns:p14="http://schemas.microsoft.com/office/powerpoint/2010/main" val="4162693522"/>
+        <p14:creationId xmlns:p14="http://schemas.microsoft.com/office/powerpoint/2010/main" val="4267071689"/>
       </p:ext>
     </p:extLst>
   </p:cSld>
@@ -25663,47 +23891,7 @@
       </p:grpSpPr>
       <p:sp>
         <p:nvSpPr>
-          <p:cNvPr id="2" name="Titel 1">
-            <a:extLst>
-              <a:ext uri="{FF2B5EF4-FFF2-40B4-BE49-F238E27FC236}">
-                <a16:creationId xmlns:a16="http://schemas.microsoft.com/office/drawing/2014/main" id="{F64A9751-63ED-04DE-9EEA-FC0C22828676}"/>
-              </a:ext>
-            </a:extLst>
-          </p:cNvPr>
-          <p:cNvSpPr>
-            <a:spLocks noGrp="1"/>
-          </p:cNvSpPr>
-          <p:nvPr>
-            <p:ph type="title"/>
-          </p:nvPr>
-        </p:nvSpPr>
-        <p:spPr>
-          <a:xfrm>
-            <a:off x="0" y="3246437"/>
-            <a:ext cx="9144000" cy="365125"/>
-          </a:xfrm>
-        </p:spPr>
-        <p:txBody>
-          <a:bodyPr/>
-          <a:lstStyle/>
-          <a:p>
-            <a:pPr algn="ctr"/>
-            <a:r>
-              <a:rPr lang="de-DE" sz="3600" dirty="0"/>
-              <a:t>Grundlagen</a:t>
-            </a:r>
-          </a:p>
-        </p:txBody>
-      </p:sp>
-      <p:sp>
-        <p:nvSpPr>
-          <p:cNvPr id="3" name="Fußzeilenplatzhalter 2">
-            <a:extLst>
-              <a:ext uri="{FF2B5EF4-FFF2-40B4-BE49-F238E27FC236}">
-                <a16:creationId xmlns:a16="http://schemas.microsoft.com/office/drawing/2014/main" id="{D0DCF5F5-5C07-C213-58E3-5F856F047CB0}"/>
-              </a:ext>
-            </a:extLst>
-          </p:cNvPr>
+          <p:cNvPr id="3" name="Fußzeilenplatzhalter 2"/>
           <p:cNvSpPr>
             <a:spLocks noGrp="1"/>
           </p:cNvSpPr>
@@ -25726,13 +23914,7 @@
       </p:sp>
       <p:sp>
         <p:nvSpPr>
-          <p:cNvPr id="4" name="Foliennummernplatzhalter 3">
-            <a:extLst>
-              <a:ext uri="{FF2B5EF4-FFF2-40B4-BE49-F238E27FC236}">
-                <a16:creationId xmlns:a16="http://schemas.microsoft.com/office/drawing/2014/main" id="{355734E1-0407-D0AD-C1AA-D2C386B1FF85}"/>
-              </a:ext>
-            </a:extLst>
-          </p:cNvPr>
+          <p:cNvPr id="4" name="Foliennummernplatzhalter 3"/>
           <p:cNvSpPr>
             <a:spLocks noGrp="1"/>
           </p:cNvSpPr>
@@ -25754,10 +23936,377 @@
           </a:p>
         </p:txBody>
       </p:sp>
+      <p:sp>
+        <p:nvSpPr>
+          <p:cNvPr id="5" name="Rectangle 2"/>
+          <p:cNvSpPr>
+            <a:spLocks noGrp="1" noChangeArrowheads="1"/>
+          </p:cNvSpPr>
+          <p:nvPr>
+            <p:ph type="title"/>
+          </p:nvPr>
+        </p:nvSpPr>
+        <p:spPr>
+          <a:xfrm>
+            <a:off x="971550" y="1404000"/>
+            <a:ext cx="7704138" cy="792162"/>
+          </a:xfrm>
+        </p:spPr>
+        <p:txBody>
+          <a:bodyPr/>
+          <a:lstStyle/>
+          <a:p>
+            <a:r>
+              <a:rPr lang="de-DE" altLang="de-DE" kern="0" dirty="0"/>
+              <a:t>NNUE</a:t>
+            </a:r>
+            <a:endParaRPr lang="de-DE" altLang="de-DE" dirty="0"/>
+          </a:p>
+        </p:txBody>
+      </p:sp>
+      <p:sp>
+        <p:nvSpPr>
+          <p:cNvPr id="6" name="Rectangle 3"/>
+          <p:cNvSpPr txBox="1">
+            <a:spLocks noChangeArrowheads="1"/>
+          </p:cNvSpPr>
+          <p:nvPr/>
+        </p:nvSpPr>
+        <p:spPr>
+          <a:xfrm>
+            <a:off x="971550" y="2160000"/>
+            <a:ext cx="7677150" cy="4221328"/>
+          </a:xfrm>
+          <a:prstGeom prst="rect">
+            <a:avLst/>
+          </a:prstGeom>
+        </p:spPr>
+        <p:txBody>
+          <a:bodyPr lIns="91440" tIns="45720" rIns="91440" bIns="45720" anchor="t"/>
+          <a:lstStyle>
+            <a:lvl1pPr algn="l" rtl="0" eaLnBrk="1" fontAlgn="base" hangingPunct="1">
+              <a:lnSpc>
+                <a:spcPct val="110000"/>
+              </a:lnSpc>
+              <a:spcBef>
+                <a:spcPct val="0"/>
+              </a:spcBef>
+              <a:spcAft>
+                <a:spcPct val="20000"/>
+              </a:spcAft>
+              <a:defRPr>
+                <a:solidFill>
+                  <a:schemeClr val="tx1"/>
+                </a:solidFill>
+                <a:latin typeface="+mn-lt"/>
+                <a:ea typeface="+mn-ea"/>
+                <a:cs typeface="+mn-cs"/>
+              </a:defRPr>
+            </a:lvl1pPr>
+            <a:lvl2pPr marL="182563" indent="-180975" algn="l" rtl="0" eaLnBrk="1" fontAlgn="base" hangingPunct="1">
+              <a:lnSpc>
+                <a:spcPct val="110000"/>
+              </a:lnSpc>
+              <a:spcBef>
+                <a:spcPct val="0"/>
+              </a:spcBef>
+              <a:spcAft>
+                <a:spcPct val="20000"/>
+              </a:spcAft>
+              <a:buFont typeface="Arial" charset="0"/>
+              <a:buChar char="•"/>
+              <a:defRPr>
+                <a:solidFill>
+                  <a:schemeClr val="tx1"/>
+                </a:solidFill>
+                <a:latin typeface="+mn-lt"/>
+              </a:defRPr>
+            </a:lvl2pPr>
+            <a:lvl3pPr marL="366713" indent="-182563" algn="l" rtl="0" eaLnBrk="1" fontAlgn="base" hangingPunct="1">
+              <a:lnSpc>
+                <a:spcPct val="110000"/>
+              </a:lnSpc>
+              <a:spcBef>
+                <a:spcPct val="0"/>
+              </a:spcBef>
+              <a:spcAft>
+                <a:spcPct val="20000"/>
+              </a:spcAft>
+              <a:buFont typeface="Arial" charset="0"/>
+              <a:buChar char="•"/>
+              <a:defRPr>
+                <a:solidFill>
+                  <a:schemeClr val="tx1"/>
+                </a:solidFill>
+                <a:latin typeface="+mn-lt"/>
+              </a:defRPr>
+            </a:lvl3pPr>
+            <a:lvl4pPr marL="552450" indent="-184150" algn="l" rtl="0" eaLnBrk="1" fontAlgn="base" hangingPunct="1">
+              <a:lnSpc>
+                <a:spcPct val="110000"/>
+              </a:lnSpc>
+              <a:spcBef>
+                <a:spcPct val="0"/>
+              </a:spcBef>
+              <a:spcAft>
+                <a:spcPct val="20000"/>
+              </a:spcAft>
+              <a:buFont typeface="Arial" charset="0"/>
+              <a:buChar char="•"/>
+              <a:defRPr>
+                <a:solidFill>
+                  <a:schemeClr val="tx1"/>
+                </a:solidFill>
+                <a:latin typeface="+mn-lt"/>
+              </a:defRPr>
+            </a:lvl4pPr>
+            <a:lvl5pPr marL="738188" indent="-184150" algn="l" rtl="0" eaLnBrk="1" fontAlgn="base" hangingPunct="1">
+              <a:lnSpc>
+                <a:spcPct val="110000"/>
+              </a:lnSpc>
+              <a:spcBef>
+                <a:spcPct val="0"/>
+              </a:spcBef>
+              <a:spcAft>
+                <a:spcPct val="20000"/>
+              </a:spcAft>
+              <a:buFont typeface="Arial" charset="0"/>
+              <a:buChar char="•"/>
+              <a:defRPr>
+                <a:solidFill>
+                  <a:schemeClr val="tx1"/>
+                </a:solidFill>
+                <a:latin typeface="+mn-lt"/>
+              </a:defRPr>
+            </a:lvl5pPr>
+            <a:lvl6pPr marL="1195388" indent="-184150" algn="l" rtl="0" eaLnBrk="1" fontAlgn="base" hangingPunct="1">
+              <a:lnSpc>
+                <a:spcPct val="110000"/>
+              </a:lnSpc>
+              <a:spcBef>
+                <a:spcPct val="0"/>
+              </a:spcBef>
+              <a:spcAft>
+                <a:spcPct val="20000"/>
+              </a:spcAft>
+              <a:buFont typeface="Arial" charset="0"/>
+              <a:buChar char="•"/>
+              <a:defRPr>
+                <a:solidFill>
+                  <a:schemeClr val="tx1"/>
+                </a:solidFill>
+                <a:latin typeface="+mn-lt"/>
+              </a:defRPr>
+            </a:lvl6pPr>
+            <a:lvl7pPr marL="1652588" indent="-184150" algn="l" rtl="0" eaLnBrk="1" fontAlgn="base" hangingPunct="1">
+              <a:lnSpc>
+                <a:spcPct val="110000"/>
+              </a:lnSpc>
+              <a:spcBef>
+                <a:spcPct val="0"/>
+              </a:spcBef>
+              <a:spcAft>
+                <a:spcPct val="20000"/>
+              </a:spcAft>
+              <a:buFont typeface="Arial" charset="0"/>
+              <a:buChar char="•"/>
+              <a:defRPr>
+                <a:solidFill>
+                  <a:schemeClr val="tx1"/>
+                </a:solidFill>
+                <a:latin typeface="+mn-lt"/>
+              </a:defRPr>
+            </a:lvl7pPr>
+            <a:lvl8pPr marL="2109788" indent="-184150" algn="l" rtl="0" eaLnBrk="1" fontAlgn="base" hangingPunct="1">
+              <a:lnSpc>
+                <a:spcPct val="110000"/>
+              </a:lnSpc>
+              <a:spcBef>
+                <a:spcPct val="0"/>
+              </a:spcBef>
+              <a:spcAft>
+                <a:spcPct val="20000"/>
+              </a:spcAft>
+              <a:buFont typeface="Arial" charset="0"/>
+              <a:buChar char="•"/>
+              <a:defRPr>
+                <a:solidFill>
+                  <a:schemeClr val="tx1"/>
+                </a:solidFill>
+                <a:latin typeface="+mn-lt"/>
+              </a:defRPr>
+            </a:lvl8pPr>
+            <a:lvl9pPr marL="2566988" indent="-184150" algn="l" rtl="0" eaLnBrk="1" fontAlgn="base" hangingPunct="1">
+              <a:lnSpc>
+                <a:spcPct val="110000"/>
+              </a:lnSpc>
+              <a:spcBef>
+                <a:spcPct val="0"/>
+              </a:spcBef>
+              <a:spcAft>
+                <a:spcPct val="20000"/>
+              </a:spcAft>
+              <a:buFont typeface="Arial" charset="0"/>
+              <a:buChar char="•"/>
+              <a:defRPr>
+                <a:solidFill>
+                  <a:schemeClr val="tx1"/>
+                </a:solidFill>
+                <a:latin typeface="+mn-lt"/>
+              </a:defRPr>
+            </a:lvl9pPr>
+          </a:lstStyle>
+          <a:p>
+            <a:pPr marL="182245" lvl="1"/>
+            <a:r>
+              <a:rPr lang="de-DE" altLang="de-DE" kern="0" dirty="0"/>
+              <a:t>Evaluiert eine Stellung</a:t>
+            </a:r>
+            <a:endParaRPr lang="de-DE" dirty="0"/>
+          </a:p>
+          <a:p>
+            <a:pPr marL="182245" lvl="1"/>
+            <a:r>
+              <a:rPr lang="de-DE" altLang="de-DE" kern="0" dirty="0"/>
+              <a:t>Läuft auf der CPU</a:t>
+            </a:r>
+            <a:endParaRPr lang="de-DE" altLang="de-DE" kern="0" dirty="0">
+              <a:cs typeface="Arial"/>
+            </a:endParaRPr>
+          </a:p>
+          <a:p>
+            <a:pPr marL="182245" lvl="1"/>
+            <a:r>
+              <a:rPr lang="de-DE" altLang="de-DE" kern="0" dirty="0"/>
+              <a:t>Inkrementelle Aktualisierung eines Akkumulators:</a:t>
+            </a:r>
+            <a:endParaRPr lang="de-DE" altLang="de-DE" kern="0" dirty="0">
+              <a:cs typeface="Arial"/>
+            </a:endParaRPr>
+          </a:p>
+          <a:p>
+            <a:pPr marL="182245" lvl="1"/>
+            <a:endParaRPr lang="de-DE" altLang="de-DE" kern="0" dirty="0">
+              <a:cs typeface="Arial"/>
+            </a:endParaRPr>
+          </a:p>
+          <a:p>
+            <a:pPr marL="182245" lvl="1"/>
+            <a:endParaRPr lang="de-DE" altLang="de-DE" kern="0" dirty="0">
+              <a:cs typeface="Arial"/>
+            </a:endParaRPr>
+          </a:p>
+          <a:p>
+            <a:pPr marL="182245" lvl="1"/>
+            <a:endParaRPr lang="de-DE" altLang="de-DE" kern="0" dirty="0">
+              <a:cs typeface="Arial"/>
+            </a:endParaRPr>
+          </a:p>
+          <a:p>
+            <a:pPr marL="182245" lvl="1"/>
+            <a:endParaRPr lang="de-DE" altLang="de-DE" kern="0" dirty="0">
+              <a:cs typeface="Arial"/>
+            </a:endParaRPr>
+          </a:p>
+          <a:p>
+            <a:pPr marL="182245" lvl="1"/>
+            <a:r>
+              <a:rPr lang="de-DE" altLang="de-DE" kern="0" dirty="0"/>
+              <a:t>Feature-Set:</a:t>
+            </a:r>
+            <a:endParaRPr lang="de-DE" altLang="de-DE" kern="0" dirty="0">
+              <a:cs typeface="Arial"/>
+            </a:endParaRPr>
+          </a:p>
+          <a:p>
+            <a:pPr lvl="2">
+              <a:buFont typeface="Wingdings" panose="05000000000000000000" pitchFamily="2" charset="2"/>
+              <a:buChar char="§"/>
+            </a:pPr>
+            <a:r>
+              <a:rPr lang="de-DE" altLang="de-DE" kern="0" dirty="0"/>
+              <a:t>Stellt eine Stellung dar</a:t>
+            </a:r>
+            <a:endParaRPr lang="de-DE" altLang="de-DE" kern="0" dirty="0">
+              <a:cs typeface="Arial"/>
+            </a:endParaRPr>
+          </a:p>
+          <a:p>
+            <a:pPr lvl="2">
+              <a:buFont typeface="Wingdings" panose="05000000000000000000" pitchFamily="2" charset="2"/>
+              <a:buChar char="§"/>
+            </a:pPr>
+            <a:r>
+              <a:rPr lang="de-DE" altLang="de-DE" kern="0" dirty="0"/>
+              <a:t>Bestimmt die Form des Eingabevektors</a:t>
+            </a:r>
+            <a:endParaRPr lang="de-DE" altLang="de-DE" kern="0" dirty="0">
+              <a:cs typeface="Arial"/>
+            </a:endParaRPr>
+          </a:p>
+          <a:p>
+            <a:pPr lvl="2">
+              <a:buFont typeface="Wingdings" panose="05000000000000000000" pitchFamily="2" charset="2"/>
+              <a:buChar char="§"/>
+            </a:pPr>
+            <a:r>
+              <a:rPr lang="de-DE" altLang="de-DE" kern="0" dirty="0" err="1"/>
+              <a:t>HalfKP</a:t>
+            </a:r>
+            <a:r>
+              <a:rPr lang="de-DE" altLang="de-DE" kern="0" dirty="0"/>
+              <a:t>: </a:t>
+            </a:r>
+            <a:r>
+              <a:rPr lang="de-DE" dirty="0"/>
+              <a:t>Feld des eigenen Königs, Feld der Figur, Figurentyp, Farbe der Figur (64 ∗ 64 ∗ 5 ∗ 2 = 40960 Merkmale)</a:t>
+            </a:r>
+            <a:endParaRPr lang="de-DE" altLang="de-DE" kern="0" dirty="0">
+              <a:cs typeface="Arial"/>
+            </a:endParaRPr>
+          </a:p>
+        </p:txBody>
+      </p:sp>
+      <p:pic>
+        <p:nvPicPr>
+          <p:cNvPr id="7" name="Grafik 6" descr="Ein Bild, das Text enthält.&#10;&#10;Automatisch generierte Beschreibung">
+            <a:extLst>
+              <a:ext uri="{FF2B5EF4-FFF2-40B4-BE49-F238E27FC236}">
+                <a16:creationId xmlns:a16="http://schemas.microsoft.com/office/drawing/2014/main" id="{E3E97AD9-FD1E-7C35-F34F-5E64503898DF}"/>
+              </a:ext>
+            </a:extLst>
+          </p:cNvPr>
+          <p:cNvPicPr>
+            <a:picLocks noChangeAspect="1"/>
+          </p:cNvPicPr>
+          <p:nvPr/>
+        </p:nvPicPr>
+        <p:blipFill>
+          <a:blip r:embed="rId2">
+            <a:extLst>
+              <a:ext uri="{28A0092B-C50C-407E-A947-70E740481C1C}">
+                <a14:useLocalDpi xmlns:a14="http://schemas.microsoft.com/office/drawing/2010/main" val="0"/>
+              </a:ext>
+            </a:extLst>
+          </a:blip>
+          <a:stretch>
+            <a:fillRect/>
+          </a:stretch>
+        </p:blipFill>
+        <p:spPr>
+          <a:xfrm>
+            <a:off x="1115616" y="3220082"/>
+            <a:ext cx="2993788" cy="1516447"/>
+          </a:xfrm>
+          <a:prstGeom prst="rect">
+            <a:avLst/>
+          </a:prstGeom>
+        </p:spPr>
+      </p:pic>
     </p:spTree>
     <p:extLst>
       <p:ext uri="{BB962C8B-B14F-4D97-AF65-F5344CB8AC3E}">
-        <p14:creationId xmlns:p14="http://schemas.microsoft.com/office/powerpoint/2010/main" val="102712325"/>
+        <p14:creationId xmlns:p14="http://schemas.microsoft.com/office/powerpoint/2010/main" val="1691085576"/>
       </p:ext>
     </p:extLst>
   </p:cSld>
@@ -25801,10 +24350,16 @@
           <a:lstStyle/>
           <a:p>
             <a:r>
-              <a:rPr lang="en-US" altLang="de-DE" dirty="0"/>
+              <a:rPr lang="en-US" altLang="de-DE" dirty="0">
+                <a:latin typeface="Arial"/>
+                <a:cs typeface="Arial"/>
+              </a:rPr>
               <a:t>Hochschule Mannheim University of Applied Sciences | Marvin Karhan</a:t>
             </a:r>
-            <a:endParaRPr lang="de-DE" altLang="de-DE" dirty="0"/>
+            <a:endParaRPr lang="de-DE" altLang="de-DE" dirty="0">
+              <a:latin typeface="Arial"/>
+              <a:cs typeface="Arial"/>
+            </a:endParaRPr>
           </a:p>
         </p:txBody>
       </p:sp>
@@ -25847,7 +24402,6 @@
             <a:off x="971550" y="1404000"/>
             <a:ext cx="7704138" cy="792162"/>
           </a:xfrm>
-          <a:noFill/>
         </p:spPr>
         <p:txBody>
           <a:bodyPr/>
@@ -25855,253 +24409,50 @@
           <a:p>
             <a:r>
               <a:rPr lang="de-DE" altLang="de-DE" dirty="0"/>
-              <a:t>Grundlagen</a:t>
+              <a:t>NNUE</a:t>
             </a:r>
           </a:p>
         </p:txBody>
       </p:sp>
-      <p:sp>
-        <p:nvSpPr>
-          <p:cNvPr id="6" name="Rectangle 3"/>
-          <p:cNvSpPr txBox="1">
-            <a:spLocks noChangeArrowheads="1"/>
-          </p:cNvSpPr>
+      <p:pic>
+        <p:nvPicPr>
+          <p:cNvPr id="7" name="Grafik 6">
+            <a:extLst>
+              <a:ext uri="{FF2B5EF4-FFF2-40B4-BE49-F238E27FC236}">
+                <a16:creationId xmlns:a16="http://schemas.microsoft.com/office/drawing/2014/main" id="{4BE8F783-253E-DC81-A43B-BB05E4C0635C}"/>
+              </a:ext>
+            </a:extLst>
+          </p:cNvPr>
+          <p:cNvPicPr>
+            <a:picLocks noChangeAspect="1"/>
+          </p:cNvPicPr>
           <p:nvPr/>
-        </p:nvSpPr>
+        </p:nvPicPr>
+        <p:blipFill>
+          <a:blip r:embed="rId2">
+            <a:extLst>
+              <a:ext uri="{28A0092B-C50C-407E-A947-70E740481C1C}">
+                <a14:useLocalDpi xmlns:a14="http://schemas.microsoft.com/office/drawing/2010/main" val="0"/>
+              </a:ext>
+            </a:extLst>
+          </a:blip>
+          <a:srcRect/>
+          <a:stretch/>
+        </p:blipFill>
         <p:spPr>
           <a:xfrm>
-            <a:off x="971550" y="2160000"/>
-            <a:ext cx="7704138" cy="3600450"/>
+            <a:off x="827584" y="2159868"/>
+            <a:ext cx="7200800" cy="4260234"/>
           </a:xfrm>
           <a:prstGeom prst="rect">
             <a:avLst/>
           </a:prstGeom>
         </p:spPr>
-        <p:txBody>
-          <a:bodyPr/>
-          <a:lstStyle>
-            <a:lvl1pPr algn="l" rtl="0" eaLnBrk="1" fontAlgn="base" hangingPunct="1">
-              <a:lnSpc>
-                <a:spcPct val="110000"/>
-              </a:lnSpc>
-              <a:spcBef>
-                <a:spcPct val="0"/>
-              </a:spcBef>
-              <a:spcAft>
-                <a:spcPct val="20000"/>
-              </a:spcAft>
-              <a:defRPr>
-                <a:solidFill>
-                  <a:schemeClr val="tx1"/>
-                </a:solidFill>
-                <a:latin typeface="+mn-lt"/>
-                <a:ea typeface="+mn-ea"/>
-                <a:cs typeface="+mn-cs"/>
-              </a:defRPr>
-            </a:lvl1pPr>
-            <a:lvl2pPr marL="182563" indent="-180975" algn="l" rtl="0" eaLnBrk="1" fontAlgn="base" hangingPunct="1">
-              <a:lnSpc>
-                <a:spcPct val="110000"/>
-              </a:lnSpc>
-              <a:spcBef>
-                <a:spcPct val="0"/>
-              </a:spcBef>
-              <a:spcAft>
-                <a:spcPct val="20000"/>
-              </a:spcAft>
-              <a:buFont typeface="Arial" charset="0"/>
-              <a:buChar char="•"/>
-              <a:defRPr>
-                <a:solidFill>
-                  <a:schemeClr val="tx1"/>
-                </a:solidFill>
-                <a:latin typeface="+mn-lt"/>
-              </a:defRPr>
-            </a:lvl2pPr>
-            <a:lvl3pPr marL="366713" indent="-182563" algn="l" rtl="0" eaLnBrk="1" fontAlgn="base" hangingPunct="1">
-              <a:lnSpc>
-                <a:spcPct val="110000"/>
-              </a:lnSpc>
-              <a:spcBef>
-                <a:spcPct val="0"/>
-              </a:spcBef>
-              <a:spcAft>
-                <a:spcPct val="20000"/>
-              </a:spcAft>
-              <a:buFont typeface="Arial" charset="0"/>
-              <a:buChar char="•"/>
-              <a:defRPr>
-                <a:solidFill>
-                  <a:schemeClr val="tx1"/>
-                </a:solidFill>
-                <a:latin typeface="+mn-lt"/>
-              </a:defRPr>
-            </a:lvl3pPr>
-            <a:lvl4pPr marL="552450" indent="-184150" algn="l" rtl="0" eaLnBrk="1" fontAlgn="base" hangingPunct="1">
-              <a:lnSpc>
-                <a:spcPct val="110000"/>
-              </a:lnSpc>
-              <a:spcBef>
-                <a:spcPct val="0"/>
-              </a:spcBef>
-              <a:spcAft>
-                <a:spcPct val="20000"/>
-              </a:spcAft>
-              <a:buFont typeface="Arial" charset="0"/>
-              <a:buChar char="•"/>
-              <a:defRPr>
-                <a:solidFill>
-                  <a:schemeClr val="tx1"/>
-                </a:solidFill>
-                <a:latin typeface="+mn-lt"/>
-              </a:defRPr>
-            </a:lvl4pPr>
-            <a:lvl5pPr marL="738188" indent="-184150" algn="l" rtl="0" eaLnBrk="1" fontAlgn="base" hangingPunct="1">
-              <a:lnSpc>
-                <a:spcPct val="110000"/>
-              </a:lnSpc>
-              <a:spcBef>
-                <a:spcPct val="0"/>
-              </a:spcBef>
-              <a:spcAft>
-                <a:spcPct val="20000"/>
-              </a:spcAft>
-              <a:buFont typeface="Arial" charset="0"/>
-              <a:buChar char="•"/>
-              <a:defRPr>
-                <a:solidFill>
-                  <a:schemeClr val="tx1"/>
-                </a:solidFill>
-                <a:latin typeface="+mn-lt"/>
-              </a:defRPr>
-            </a:lvl5pPr>
-            <a:lvl6pPr marL="1195388" indent="-184150" algn="l" rtl="0" eaLnBrk="1" fontAlgn="base" hangingPunct="1">
-              <a:lnSpc>
-                <a:spcPct val="110000"/>
-              </a:lnSpc>
-              <a:spcBef>
-                <a:spcPct val="0"/>
-              </a:spcBef>
-              <a:spcAft>
-                <a:spcPct val="20000"/>
-              </a:spcAft>
-              <a:buFont typeface="Arial" charset="0"/>
-              <a:buChar char="•"/>
-              <a:defRPr>
-                <a:solidFill>
-                  <a:schemeClr val="tx1"/>
-                </a:solidFill>
-                <a:latin typeface="+mn-lt"/>
-              </a:defRPr>
-            </a:lvl6pPr>
-            <a:lvl7pPr marL="1652588" indent="-184150" algn="l" rtl="0" eaLnBrk="1" fontAlgn="base" hangingPunct="1">
-              <a:lnSpc>
-                <a:spcPct val="110000"/>
-              </a:lnSpc>
-              <a:spcBef>
-                <a:spcPct val="0"/>
-              </a:spcBef>
-              <a:spcAft>
-                <a:spcPct val="20000"/>
-              </a:spcAft>
-              <a:buFont typeface="Arial" charset="0"/>
-              <a:buChar char="•"/>
-              <a:defRPr>
-                <a:solidFill>
-                  <a:schemeClr val="tx1"/>
-                </a:solidFill>
-                <a:latin typeface="+mn-lt"/>
-              </a:defRPr>
-            </a:lvl7pPr>
-            <a:lvl8pPr marL="2109788" indent="-184150" algn="l" rtl="0" eaLnBrk="1" fontAlgn="base" hangingPunct="1">
-              <a:lnSpc>
-                <a:spcPct val="110000"/>
-              </a:lnSpc>
-              <a:spcBef>
-                <a:spcPct val="0"/>
-              </a:spcBef>
-              <a:spcAft>
-                <a:spcPct val="20000"/>
-              </a:spcAft>
-              <a:buFont typeface="Arial" charset="0"/>
-              <a:buChar char="•"/>
-              <a:defRPr>
-                <a:solidFill>
-                  <a:schemeClr val="tx1"/>
-                </a:solidFill>
-                <a:latin typeface="+mn-lt"/>
-              </a:defRPr>
-            </a:lvl8pPr>
-            <a:lvl9pPr marL="2566988" indent="-184150" algn="l" rtl="0" eaLnBrk="1" fontAlgn="base" hangingPunct="1">
-              <a:lnSpc>
-                <a:spcPct val="110000"/>
-              </a:lnSpc>
-              <a:spcBef>
-                <a:spcPct val="0"/>
-              </a:spcBef>
-              <a:spcAft>
-                <a:spcPct val="20000"/>
-              </a:spcAft>
-              <a:buFont typeface="Arial" charset="0"/>
-              <a:buChar char="•"/>
-              <a:defRPr>
-                <a:solidFill>
-                  <a:schemeClr val="tx1"/>
-                </a:solidFill>
-                <a:latin typeface="+mn-lt"/>
-              </a:defRPr>
-            </a:lvl9pPr>
-          </a:lstStyle>
-          <a:p>
-            <a:pPr marL="381000" indent="-381000">
-              <a:buAutoNum type="arabicPeriod"/>
-            </a:pPr>
-            <a:r>
-              <a:rPr lang="de-DE" altLang="de-DE" kern="0" dirty="0"/>
-              <a:t>Hand-</a:t>
-            </a:r>
-            <a:r>
-              <a:rPr lang="de-DE" altLang="de-DE" kern="0" dirty="0" err="1"/>
-              <a:t>Crafted</a:t>
-            </a:r>
-            <a:r>
-              <a:rPr lang="de-DE" altLang="de-DE" kern="0" dirty="0"/>
-              <a:t> Evaluation</a:t>
-            </a:r>
-          </a:p>
-          <a:p>
-            <a:pPr marL="381000" indent="-381000">
-              <a:buAutoNum type="arabicPeriod"/>
-            </a:pPr>
-            <a:r>
-              <a:rPr lang="de-DE" altLang="de-DE" kern="0" dirty="0"/>
-              <a:t>Neuronale Netze</a:t>
-            </a:r>
-          </a:p>
-          <a:p>
-            <a:pPr marL="381000" indent="-381000">
-              <a:buAutoNum type="arabicPeriod"/>
-            </a:pPr>
-            <a:r>
-              <a:rPr lang="de-DE" altLang="de-DE" kern="0" dirty="0"/>
-              <a:t>SIMD</a:t>
-            </a:r>
-          </a:p>
-          <a:p>
-            <a:pPr marL="381000" indent="-381000">
-              <a:buAutoNum type="arabicPeriod"/>
-            </a:pPr>
-            <a:r>
-              <a:rPr lang="de-DE" altLang="de-DE" kern="0" dirty="0"/>
-              <a:t>NNUE</a:t>
-            </a:r>
-          </a:p>
-        </p:txBody>
-      </p:sp>
+      </p:pic>
     </p:spTree>
     <p:extLst>
       <p:ext uri="{BB962C8B-B14F-4D97-AF65-F5344CB8AC3E}">
-        <p14:creationId xmlns:p14="http://schemas.microsoft.com/office/powerpoint/2010/main" val="548249765"/>
+        <p14:creationId xmlns:p14="http://schemas.microsoft.com/office/powerpoint/2010/main" val="1753889684"/>
       </p:ext>
     </p:extLst>
   </p:cSld>

--- a/latex/Kolloquium/Kolloquium_Marvin_Karhan.pptx
+++ b/latex/Kolloquium/Kolloquium_Marvin_Karhan.pptx
@@ -3638,9 +3638,15 @@
               <a:rPr lang="de-DE" altLang="de-DE" kern="0" dirty="0"/>
               <a:t>Übrige Schichten werden normal berechnet</a:t>
             </a:r>
-            <a:endParaRPr lang="de-DE" altLang="de-DE" kern="0" dirty="0">
-              <a:cs typeface="Arial"/>
-            </a:endParaRPr>
+          </a:p>
+          <a:p>
+            <a:pPr marL="182245" lvl="1"/>
+            <a:r>
+              <a:rPr lang="de-DE" altLang="de-DE" kern="0" dirty="0">
+                <a:cs typeface="Arial"/>
+              </a:rPr>
+              <a:t>SIMD</a:t>
+            </a:r>
           </a:p>
           <a:p>
             <a:pPr marL="182245" lvl="1"/>
@@ -11515,7 +11521,7 @@
             </a:pPr>
             <a:r>
               <a:rPr lang="de-DE" dirty="0"/>
-              <a:t>⇒ Test 7 (Epoche 300) ist deutlich stärker als die Versionen zuvor</a:t>
+              <a:t>⇒ Test 9 (Epoche 300) ist deutlich stärker als die Versionen zuvor</a:t>
             </a:r>
             <a:endParaRPr lang="de-DE" altLang="de-DE" kern="0" dirty="0">
               <a:cs typeface="Arial"/>
@@ -18633,19 +18639,9 @@
               <a:rPr lang="de-DE" dirty="0"/>
               <a:t>⇒ lange Trainingsdauer</a:t>
             </a:r>
-            <a:endParaRPr lang="de-DE" kern="0" dirty="0">
-              <a:cs typeface="Arial"/>
-            </a:endParaRPr>
-          </a:p>
-          <a:p>
-            <a:pPr lvl="1"/>
-            <a:r>
-              <a:rPr lang="de-DE" altLang="de-DE" kern="0" dirty="0"/>
-              <a:t>Fehler ist unbrauchbar zur Ermittlung der Spielstärke</a:t>
-            </a:r>
-          </a:p>
-          <a:p>
-            <a:pPr lvl="1"/>
+          </a:p>
+          <a:p>
+            <a:pPr marL="182245" lvl="1"/>
             <a:r>
               <a:rPr lang="de-DE" altLang="de-DE" kern="0" dirty="0"/>
               <a:t>Neutraining immer mit Epoche 800 fortgeführt</a:t>
@@ -18653,16 +18649,6 @@
           </a:p>
           <a:p>
             <a:pPr marL="182245" lvl="1"/>
-            <a:r>
-              <a:rPr lang="de-DE" altLang="de-DE" kern="0" dirty="0"/>
-              <a:t>UHO-Eröffnungsbuch entspricht nicht der Realität</a:t>
-            </a:r>
-            <a:endParaRPr lang="de-DE" altLang="de-DE" kern="0" dirty="0">
-              <a:cs typeface="Arial"/>
-            </a:endParaRPr>
-          </a:p>
-          <a:p>
-            <a:pPr lvl="1"/>
             <a:r>
               <a:rPr lang="de-DE" altLang="de-DE" kern="0" dirty="0"/>
               <a:t>Self-Play Elo </a:t>

--- a/latex/Kolloquium/Kolloquium_Marvin_Karhan.pptx
+++ b/latex/Kolloquium/Kolloquium_Marvin_Karhan.pptx
@@ -22,31 +22,31 @@
     <p:sldId id="390" r:id="rId10"/>
     <p:sldId id="375" r:id="rId11"/>
     <p:sldId id="377" r:id="rId12"/>
-    <p:sldId id="393" r:id="rId13"/>
-    <p:sldId id="392" r:id="rId14"/>
-    <p:sldId id="348" r:id="rId15"/>
-    <p:sldId id="352" r:id="rId16"/>
-    <p:sldId id="354" r:id="rId17"/>
-    <p:sldId id="355" r:id="rId18"/>
-    <p:sldId id="357" r:id="rId19"/>
-    <p:sldId id="349" r:id="rId20"/>
-    <p:sldId id="358" r:id="rId21"/>
-    <p:sldId id="359" r:id="rId22"/>
-    <p:sldId id="360" r:id="rId23"/>
-    <p:sldId id="361" r:id="rId24"/>
-    <p:sldId id="378" r:id="rId25"/>
-    <p:sldId id="363" r:id="rId26"/>
-    <p:sldId id="379" r:id="rId27"/>
-    <p:sldId id="380" r:id="rId28"/>
-    <p:sldId id="365" r:id="rId29"/>
-    <p:sldId id="381" r:id="rId30"/>
-    <p:sldId id="367" r:id="rId31"/>
-    <p:sldId id="346" r:id="rId32"/>
-    <p:sldId id="369" r:id="rId33"/>
-    <p:sldId id="384" r:id="rId34"/>
-    <p:sldId id="385" r:id="rId35"/>
-    <p:sldId id="386" r:id="rId36"/>
-    <p:sldId id="387" r:id="rId37"/>
+    <p:sldId id="348" r:id="rId13"/>
+    <p:sldId id="352" r:id="rId14"/>
+    <p:sldId id="354" r:id="rId15"/>
+    <p:sldId id="355" r:id="rId16"/>
+    <p:sldId id="357" r:id="rId17"/>
+    <p:sldId id="349" r:id="rId18"/>
+    <p:sldId id="358" r:id="rId19"/>
+    <p:sldId id="359" r:id="rId20"/>
+    <p:sldId id="360" r:id="rId21"/>
+    <p:sldId id="361" r:id="rId22"/>
+    <p:sldId id="378" r:id="rId23"/>
+    <p:sldId id="363" r:id="rId24"/>
+    <p:sldId id="379" r:id="rId25"/>
+    <p:sldId id="380" r:id="rId26"/>
+    <p:sldId id="365" r:id="rId27"/>
+    <p:sldId id="381" r:id="rId28"/>
+    <p:sldId id="367" r:id="rId29"/>
+    <p:sldId id="346" r:id="rId30"/>
+    <p:sldId id="369" r:id="rId31"/>
+    <p:sldId id="384" r:id="rId32"/>
+    <p:sldId id="385" r:id="rId33"/>
+    <p:sldId id="386" r:id="rId34"/>
+    <p:sldId id="387" r:id="rId35"/>
+    <p:sldId id="393" r:id="rId36"/>
+    <p:sldId id="392" r:id="rId37"/>
     <p:sldId id="362" r:id="rId38"/>
   </p:sldIdLst>
   <p:sldSz cx="9144000" cy="6858000" type="screen4x3"/>
@@ -2667,7 +2667,7 @@
             <a:pPr algn="ctr"/>
             <a:r>
               <a:rPr lang="de-DE" sz="3600" dirty="0"/>
-              <a:t>Implementierung</a:t>
+              <a:t>Architektur</a:t>
             </a:r>
           </a:p>
         </p:txBody>
@@ -2906,7 +2906,47 @@
       </p:grpSpPr>
       <p:sp>
         <p:nvSpPr>
-          <p:cNvPr id="3" name="Fußzeilenplatzhalter 2"/>
+          <p:cNvPr id="2" name="Titel 1">
+            <a:extLst>
+              <a:ext uri="{FF2B5EF4-FFF2-40B4-BE49-F238E27FC236}">
+                <a16:creationId xmlns:a16="http://schemas.microsoft.com/office/drawing/2014/main" id="{F64A9751-63ED-04DE-9EEA-FC0C22828676}"/>
+              </a:ext>
+            </a:extLst>
+          </p:cNvPr>
+          <p:cNvSpPr>
+            <a:spLocks noGrp="1"/>
+          </p:cNvSpPr>
+          <p:nvPr>
+            <p:ph type="title"/>
+          </p:nvPr>
+        </p:nvSpPr>
+        <p:spPr>
+          <a:xfrm>
+            <a:off x="0" y="3246437"/>
+            <a:ext cx="9144000" cy="365125"/>
+          </a:xfrm>
+        </p:spPr>
+        <p:txBody>
+          <a:bodyPr/>
+          <a:lstStyle/>
+          <a:p>
+            <a:pPr algn="ctr"/>
+            <a:r>
+              <a:rPr lang="de-DE" sz="3600" dirty="0"/>
+              <a:t>Ergebnisse</a:t>
+            </a:r>
+          </a:p>
+        </p:txBody>
+      </p:sp>
+      <p:sp>
+        <p:nvSpPr>
+          <p:cNvPr id="3" name="Fußzeilenplatzhalter 2">
+            <a:extLst>
+              <a:ext uri="{FF2B5EF4-FFF2-40B4-BE49-F238E27FC236}">
+                <a16:creationId xmlns:a16="http://schemas.microsoft.com/office/drawing/2014/main" id="{D0DCF5F5-5C07-C213-58E3-5F856F047CB0}"/>
+              </a:ext>
+            </a:extLst>
+          </p:cNvPr>
           <p:cNvSpPr>
             <a:spLocks noGrp="1"/>
           </p:cNvSpPr>
@@ -2929,7 +2969,13 @@
       </p:sp>
       <p:sp>
         <p:nvSpPr>
-          <p:cNvPr id="4" name="Foliennummernplatzhalter 3"/>
+          <p:cNvPr id="4" name="Foliennummernplatzhalter 3">
+            <a:extLst>
+              <a:ext uri="{FF2B5EF4-FFF2-40B4-BE49-F238E27FC236}">
+                <a16:creationId xmlns:a16="http://schemas.microsoft.com/office/drawing/2014/main" id="{355734E1-0407-D0AD-C1AA-D2C386B1FF85}"/>
+              </a:ext>
+            </a:extLst>
+          </p:cNvPr>
           <p:cNvSpPr>
             <a:spLocks noGrp="1"/>
           </p:cNvSpPr>
@@ -2951,362 +2997,10 @@
           </a:p>
         </p:txBody>
       </p:sp>
-      <p:sp>
-        <p:nvSpPr>
-          <p:cNvPr id="5" name="Rectangle 2"/>
-          <p:cNvSpPr>
-            <a:spLocks noGrp="1" noChangeArrowheads="1"/>
-          </p:cNvSpPr>
-          <p:nvPr>
-            <p:ph type="title"/>
-          </p:nvPr>
-        </p:nvSpPr>
-        <p:spPr>
-          <a:xfrm>
-            <a:off x="971550" y="1404000"/>
-            <a:ext cx="7704138" cy="792162"/>
-          </a:xfrm>
-        </p:spPr>
-        <p:txBody>
-          <a:bodyPr/>
-          <a:lstStyle/>
-          <a:p>
-            <a:r>
-              <a:rPr lang="de-DE" altLang="de-DE" kern="0" dirty="0"/>
-              <a:t>Training</a:t>
-            </a:r>
-            <a:endParaRPr lang="de-DE" altLang="de-DE" dirty="0"/>
-          </a:p>
-        </p:txBody>
-      </p:sp>
-      <p:sp>
-        <p:nvSpPr>
-          <p:cNvPr id="6" name="Rectangle 3"/>
-          <p:cNvSpPr txBox="1">
-            <a:spLocks noChangeArrowheads="1"/>
-          </p:cNvSpPr>
-          <p:nvPr/>
-        </p:nvSpPr>
-        <p:spPr>
-          <a:xfrm>
-            <a:off x="971550" y="2160000"/>
-            <a:ext cx="7677150" cy="4293336"/>
-          </a:xfrm>
-          <a:prstGeom prst="rect">
-            <a:avLst/>
-          </a:prstGeom>
-        </p:spPr>
-        <p:txBody>
-          <a:bodyPr/>
-          <a:lstStyle>
-            <a:lvl1pPr algn="l" rtl="0" eaLnBrk="1" fontAlgn="base" hangingPunct="1">
-              <a:lnSpc>
-                <a:spcPct val="110000"/>
-              </a:lnSpc>
-              <a:spcBef>
-                <a:spcPct val="0"/>
-              </a:spcBef>
-              <a:spcAft>
-                <a:spcPct val="20000"/>
-              </a:spcAft>
-              <a:defRPr>
-                <a:solidFill>
-                  <a:schemeClr val="tx1"/>
-                </a:solidFill>
-                <a:latin typeface="+mn-lt"/>
-                <a:ea typeface="+mn-ea"/>
-                <a:cs typeface="+mn-cs"/>
-              </a:defRPr>
-            </a:lvl1pPr>
-            <a:lvl2pPr marL="182563" indent="-180975" algn="l" rtl="0" eaLnBrk="1" fontAlgn="base" hangingPunct="1">
-              <a:lnSpc>
-                <a:spcPct val="110000"/>
-              </a:lnSpc>
-              <a:spcBef>
-                <a:spcPct val="0"/>
-              </a:spcBef>
-              <a:spcAft>
-                <a:spcPct val="20000"/>
-              </a:spcAft>
-              <a:buFont typeface="Arial" charset="0"/>
-              <a:buChar char="•"/>
-              <a:defRPr>
-                <a:solidFill>
-                  <a:schemeClr val="tx1"/>
-                </a:solidFill>
-                <a:latin typeface="+mn-lt"/>
-              </a:defRPr>
-            </a:lvl2pPr>
-            <a:lvl3pPr marL="366713" indent="-182563" algn="l" rtl="0" eaLnBrk="1" fontAlgn="base" hangingPunct="1">
-              <a:lnSpc>
-                <a:spcPct val="110000"/>
-              </a:lnSpc>
-              <a:spcBef>
-                <a:spcPct val="0"/>
-              </a:spcBef>
-              <a:spcAft>
-                <a:spcPct val="20000"/>
-              </a:spcAft>
-              <a:buFont typeface="Arial" charset="0"/>
-              <a:buChar char="•"/>
-              <a:defRPr>
-                <a:solidFill>
-                  <a:schemeClr val="tx1"/>
-                </a:solidFill>
-                <a:latin typeface="+mn-lt"/>
-              </a:defRPr>
-            </a:lvl3pPr>
-            <a:lvl4pPr marL="552450" indent="-184150" algn="l" rtl="0" eaLnBrk="1" fontAlgn="base" hangingPunct="1">
-              <a:lnSpc>
-                <a:spcPct val="110000"/>
-              </a:lnSpc>
-              <a:spcBef>
-                <a:spcPct val="0"/>
-              </a:spcBef>
-              <a:spcAft>
-                <a:spcPct val="20000"/>
-              </a:spcAft>
-              <a:buFont typeface="Arial" charset="0"/>
-              <a:buChar char="•"/>
-              <a:defRPr>
-                <a:solidFill>
-                  <a:schemeClr val="tx1"/>
-                </a:solidFill>
-                <a:latin typeface="+mn-lt"/>
-              </a:defRPr>
-            </a:lvl4pPr>
-            <a:lvl5pPr marL="738188" indent="-184150" algn="l" rtl="0" eaLnBrk="1" fontAlgn="base" hangingPunct="1">
-              <a:lnSpc>
-                <a:spcPct val="110000"/>
-              </a:lnSpc>
-              <a:spcBef>
-                <a:spcPct val="0"/>
-              </a:spcBef>
-              <a:spcAft>
-                <a:spcPct val="20000"/>
-              </a:spcAft>
-              <a:buFont typeface="Arial" charset="0"/>
-              <a:buChar char="•"/>
-              <a:defRPr>
-                <a:solidFill>
-                  <a:schemeClr val="tx1"/>
-                </a:solidFill>
-                <a:latin typeface="+mn-lt"/>
-              </a:defRPr>
-            </a:lvl5pPr>
-            <a:lvl6pPr marL="1195388" indent="-184150" algn="l" rtl="0" eaLnBrk="1" fontAlgn="base" hangingPunct="1">
-              <a:lnSpc>
-                <a:spcPct val="110000"/>
-              </a:lnSpc>
-              <a:spcBef>
-                <a:spcPct val="0"/>
-              </a:spcBef>
-              <a:spcAft>
-                <a:spcPct val="20000"/>
-              </a:spcAft>
-              <a:buFont typeface="Arial" charset="0"/>
-              <a:buChar char="•"/>
-              <a:defRPr>
-                <a:solidFill>
-                  <a:schemeClr val="tx1"/>
-                </a:solidFill>
-                <a:latin typeface="+mn-lt"/>
-              </a:defRPr>
-            </a:lvl6pPr>
-            <a:lvl7pPr marL="1652588" indent="-184150" algn="l" rtl="0" eaLnBrk="1" fontAlgn="base" hangingPunct="1">
-              <a:lnSpc>
-                <a:spcPct val="110000"/>
-              </a:lnSpc>
-              <a:spcBef>
-                <a:spcPct val="0"/>
-              </a:spcBef>
-              <a:spcAft>
-                <a:spcPct val="20000"/>
-              </a:spcAft>
-              <a:buFont typeface="Arial" charset="0"/>
-              <a:buChar char="•"/>
-              <a:defRPr>
-                <a:solidFill>
-                  <a:schemeClr val="tx1"/>
-                </a:solidFill>
-                <a:latin typeface="+mn-lt"/>
-              </a:defRPr>
-            </a:lvl7pPr>
-            <a:lvl8pPr marL="2109788" indent="-184150" algn="l" rtl="0" eaLnBrk="1" fontAlgn="base" hangingPunct="1">
-              <a:lnSpc>
-                <a:spcPct val="110000"/>
-              </a:lnSpc>
-              <a:spcBef>
-                <a:spcPct val="0"/>
-              </a:spcBef>
-              <a:spcAft>
-                <a:spcPct val="20000"/>
-              </a:spcAft>
-              <a:buFont typeface="Arial" charset="0"/>
-              <a:buChar char="•"/>
-              <a:defRPr>
-                <a:solidFill>
-                  <a:schemeClr val="tx1"/>
-                </a:solidFill>
-                <a:latin typeface="+mn-lt"/>
-              </a:defRPr>
-            </a:lvl8pPr>
-            <a:lvl9pPr marL="2566988" indent="-184150" algn="l" rtl="0" eaLnBrk="1" fontAlgn="base" hangingPunct="1">
-              <a:lnSpc>
-                <a:spcPct val="110000"/>
-              </a:lnSpc>
-              <a:spcBef>
-                <a:spcPct val="0"/>
-              </a:spcBef>
-              <a:spcAft>
-                <a:spcPct val="20000"/>
-              </a:spcAft>
-              <a:buFont typeface="Arial" charset="0"/>
-              <a:buChar char="•"/>
-              <a:defRPr>
-                <a:solidFill>
-                  <a:schemeClr val="tx1"/>
-                </a:solidFill>
-                <a:latin typeface="+mn-lt"/>
-              </a:defRPr>
-            </a:lvl9pPr>
-          </a:lstStyle>
-          <a:p>
-            <a:pPr marL="1588" lvl="1" indent="0">
-              <a:buNone/>
-            </a:pPr>
-            <a:r>
-              <a:rPr lang="de-DE" altLang="de-DE" kern="0" dirty="0"/>
-              <a:t>Eingabedaten:</a:t>
-            </a:r>
-          </a:p>
-          <a:p>
-            <a:pPr lvl="1"/>
-            <a:r>
-              <a:rPr lang="de-DE" altLang="de-DE" kern="0" dirty="0"/>
-              <a:t>Von </a:t>
-            </a:r>
-            <a:r>
-              <a:rPr lang="de-DE" altLang="de-DE" kern="0" dirty="0" err="1"/>
-              <a:t>Stockfish</a:t>
-            </a:r>
-            <a:r>
-              <a:rPr lang="de-DE" altLang="de-DE" kern="0" dirty="0"/>
-              <a:t> und Lc0</a:t>
-            </a:r>
-          </a:p>
-          <a:p>
-            <a:pPr lvl="2">
-              <a:buFont typeface="Wingdings" panose="05000000000000000000" pitchFamily="2" charset="2"/>
-              <a:buChar char="§"/>
-            </a:pPr>
-            <a:r>
-              <a:rPr lang="de-DE" altLang="de-DE" kern="0" dirty="0"/>
-              <a:t>5000 Knoten pro Zug mit </a:t>
-            </a:r>
-            <a:r>
-              <a:rPr lang="de-DE" altLang="de-DE" kern="0" dirty="0" err="1"/>
-              <a:t>Stockfish</a:t>
-            </a:r>
-            <a:endParaRPr lang="de-DE" altLang="de-DE" kern="0" dirty="0"/>
-          </a:p>
-          <a:p>
-            <a:pPr lvl="2">
-              <a:buFont typeface="Wingdings" panose="05000000000000000000" pitchFamily="2" charset="2"/>
-              <a:buChar char="§"/>
-            </a:pPr>
-            <a:r>
-              <a:rPr lang="de-DE" altLang="de-DE" kern="0" dirty="0"/>
-              <a:t>Verschieden generierte Daten mit Lc0</a:t>
-            </a:r>
-          </a:p>
-          <a:p>
-            <a:pPr lvl="2">
-              <a:buFont typeface="Wingdings" panose="05000000000000000000" pitchFamily="2" charset="2"/>
-              <a:buChar char="§"/>
-            </a:pPr>
-            <a:r>
-              <a:rPr lang="de-DE" altLang="de-DE" kern="0" dirty="0"/>
-              <a:t>DFRC 5000 pro Zug mit </a:t>
-            </a:r>
-            <a:r>
-              <a:rPr lang="de-DE" altLang="de-DE" kern="0" dirty="0" err="1"/>
-              <a:t>Stockfish</a:t>
-            </a:r>
-            <a:endParaRPr lang="de-DE" altLang="de-DE" kern="0" dirty="0"/>
-          </a:p>
-          <a:p>
-            <a:pPr marL="1588" lvl="1" indent="0">
-              <a:buNone/>
-            </a:pPr>
-            <a:r>
-              <a:rPr lang="de-DE" altLang="de-DE" kern="0" dirty="0"/>
-              <a:t>Trainer:</a:t>
-            </a:r>
-          </a:p>
-          <a:p>
-            <a:pPr lvl="1"/>
-            <a:r>
-              <a:rPr lang="de-DE" altLang="de-DE" kern="0" dirty="0" err="1"/>
-              <a:t>PyTorch</a:t>
-            </a:r>
-            <a:endParaRPr lang="de-DE" altLang="de-DE" kern="0" dirty="0"/>
-          </a:p>
-          <a:p>
-            <a:pPr lvl="2">
-              <a:buFont typeface="Wingdings" panose="05000000000000000000" pitchFamily="2" charset="2"/>
-              <a:buChar char="§"/>
-            </a:pPr>
-            <a:r>
-              <a:rPr lang="de-DE" altLang="de-DE" kern="0" dirty="0"/>
-              <a:t>Netzwerkdefinition</a:t>
-            </a:r>
-          </a:p>
-          <a:p>
-            <a:pPr lvl="2">
-              <a:buFont typeface="Wingdings" panose="05000000000000000000" pitchFamily="2" charset="2"/>
-              <a:buChar char="§"/>
-            </a:pPr>
-            <a:r>
-              <a:rPr lang="de-DE" dirty="0"/>
-              <a:t>Vorwärtsaktivierung</a:t>
-            </a:r>
-          </a:p>
-          <a:p>
-            <a:pPr lvl="2">
-              <a:buFont typeface="Wingdings" panose="05000000000000000000" pitchFamily="2" charset="2"/>
-              <a:buChar char="§"/>
-            </a:pPr>
-            <a:r>
-              <a:rPr lang="de-DE" dirty="0"/>
-              <a:t>Fehlerberechnung</a:t>
-            </a:r>
-          </a:p>
-          <a:p>
-            <a:pPr lvl="2">
-              <a:buFont typeface="Wingdings" panose="05000000000000000000" pitchFamily="2" charset="2"/>
-              <a:buChar char="§"/>
-            </a:pPr>
-            <a:r>
-              <a:rPr lang="de-DE" dirty="0"/>
-              <a:t>Optimierer</a:t>
-            </a:r>
-            <a:endParaRPr lang="de-DE" altLang="de-DE" kern="0" dirty="0"/>
-          </a:p>
-          <a:p>
-            <a:pPr lvl="1"/>
-            <a:endParaRPr lang="de-DE" altLang="de-DE" kern="0" dirty="0"/>
-          </a:p>
-          <a:p>
-            <a:pPr lvl="1"/>
-            <a:endParaRPr lang="de-DE" altLang="de-DE" kern="0" dirty="0"/>
-          </a:p>
-        </p:txBody>
-      </p:sp>
     </p:spTree>
     <p:extLst>
       <p:ext uri="{BB962C8B-B14F-4D97-AF65-F5344CB8AC3E}">
-        <p14:creationId xmlns:p14="http://schemas.microsoft.com/office/powerpoint/2010/main" val="3220411033"/>
+        <p14:creationId xmlns:p14="http://schemas.microsoft.com/office/powerpoint/2010/main" val="3328677623"/>
       </p:ext>
     </p:extLst>
   </p:cSld>
@@ -3402,13 +3096,9 @@
           <a:lstStyle/>
           <a:p>
             <a:r>
-              <a:rPr lang="de-DE" altLang="de-DE" kern="0" dirty="0"/>
-              <a:t>Integration in einen Schachcomputer</a:t>
-            </a:r>
-            <a:br>
-              <a:rPr lang="de-DE" altLang="de-DE" kern="0" dirty="0"/>
-            </a:br>
-            <a:endParaRPr lang="de-DE" altLang="de-DE" dirty="0"/>
+              <a:rPr lang="de-DE" altLang="de-DE" dirty="0"/>
+              <a:t>Testaufbau</a:t>
+            </a:r>
           </a:p>
         </p:txBody>
       </p:sp>
@@ -3608,15 +3298,15 @@
             <a:pPr marL="182245" lvl="1"/>
             <a:r>
               <a:rPr lang="de-DE" altLang="de-DE" kern="0" dirty="0"/>
-              <a:t>Liest die Gewichte aus einer Binärdatei</a:t>
-            </a:r>
-            <a:endParaRPr lang="de-DE" dirty="0"/>
+              <a:t>Eröffnungsbuch: UHO V3</a:t>
+            </a:r>
+            <a:endParaRPr lang="de-DE"/>
           </a:p>
           <a:p>
             <a:pPr marL="182245" lvl="1"/>
             <a:r>
               <a:rPr lang="de-DE" altLang="de-DE" kern="0" dirty="0"/>
-              <a:t>Speichert Änderungen bei der Ausführung eines Zugs</a:t>
+              <a:t>UCI-Standard</a:t>
             </a:r>
             <a:endParaRPr lang="de-DE" altLang="de-DE" kern="0" dirty="0">
               <a:cs typeface="Arial"/>
@@ -3625,8 +3315,12 @@
           <a:p>
             <a:pPr marL="182245" lvl="1"/>
             <a:r>
+              <a:rPr lang="de-DE" altLang="de-DE" kern="0" dirty="0" err="1"/>
+              <a:t>Cutechess</a:t>
+            </a:r>
+            <a:r>
               <a:rPr lang="de-DE" altLang="de-DE" kern="0" dirty="0"/>
-              <a:t>Falls möglich wird der Akkumulator inkrementell aktualisiert</a:t>
+              <a:t>-cli</a:t>
             </a:r>
             <a:endParaRPr lang="de-DE" altLang="de-DE" kern="0" dirty="0">
               <a:cs typeface="Arial"/>
@@ -3636,17 +3330,34 @@
             <a:pPr marL="182245" lvl="1"/>
             <a:r>
               <a:rPr lang="de-DE" altLang="de-DE" kern="0" dirty="0"/>
-              <a:t>Übrige Schichten werden normal berechnet</a:t>
-            </a:r>
+              <a:t>Ordo</a:t>
+            </a:r>
+            <a:endParaRPr lang="de-DE" altLang="de-DE" kern="0" dirty="0">
+              <a:cs typeface="Arial"/>
+            </a:endParaRPr>
           </a:p>
           <a:p>
             <a:pPr marL="182245" lvl="1"/>
             <a:r>
-              <a:rPr lang="de-DE" altLang="de-DE" kern="0" dirty="0">
-                <a:cs typeface="Arial"/>
+              <a:rPr lang="de-DE" altLang="de-DE" kern="0" dirty="0"/>
+              <a:t>Zeitkontrolle</a:t>
+            </a:r>
+            <a:endParaRPr lang="de-DE" altLang="de-DE" kern="0" dirty="0">
+              <a:cs typeface="Arial"/>
+            </a:endParaRPr>
+          </a:p>
+          <a:p>
+            <a:pPr marL="182245" lvl="1"/>
+            <a:r>
+              <a:rPr lang="de-DE" b="0" i="0" dirty="0">
+                <a:effectLst/>
+                <a:latin typeface="Arial" panose="020B0604020202020204" pitchFamily="34" charset="0"/>
               </a:rPr>
-              <a:t>SIMD</a:t>
-            </a:r>
+              <a:t>Automatische Urteilsverkündung</a:t>
+            </a:r>
+            <a:endParaRPr lang="de-DE" altLang="de-DE" kern="0" dirty="0">
+              <a:cs typeface="Arial"/>
+            </a:endParaRPr>
           </a:p>
           <a:p>
             <a:pPr marL="182245" lvl="1"/>
@@ -3659,7 +3370,7 @@
     </p:spTree>
     <p:extLst>
       <p:ext uri="{BB962C8B-B14F-4D97-AF65-F5344CB8AC3E}">
-        <p14:creationId xmlns:p14="http://schemas.microsoft.com/office/powerpoint/2010/main" val="2027243084"/>
+        <p14:creationId xmlns:p14="http://schemas.microsoft.com/office/powerpoint/2010/main" val="2156961448"/>
       </p:ext>
     </p:extLst>
   </p:cSld>
@@ -3671,130 +3382,6 @@
 </file>
 
 <file path=ppt/slides/slide14.xml><?xml version="1.0" encoding="utf-8"?>
-<p:sld xmlns:a="http://schemas.openxmlformats.org/drawingml/2006/main" xmlns:r="http://schemas.openxmlformats.org/officeDocument/2006/relationships" xmlns:p="http://schemas.openxmlformats.org/presentationml/2006/main">
-  <p:cSld>
-    <p:spTree>
-      <p:nvGrpSpPr>
-        <p:cNvPr id="1" name=""/>
-        <p:cNvGrpSpPr/>
-        <p:nvPr/>
-      </p:nvGrpSpPr>
-      <p:grpSpPr>
-        <a:xfrm>
-          <a:off x="0" y="0"/>
-          <a:ext cx="0" cy="0"/>
-          <a:chOff x="0" y="0"/>
-          <a:chExt cx="0" cy="0"/>
-        </a:xfrm>
-      </p:grpSpPr>
-      <p:sp>
-        <p:nvSpPr>
-          <p:cNvPr id="2" name="Titel 1">
-            <a:extLst>
-              <a:ext uri="{FF2B5EF4-FFF2-40B4-BE49-F238E27FC236}">
-                <a16:creationId xmlns:a16="http://schemas.microsoft.com/office/drawing/2014/main" id="{F64A9751-63ED-04DE-9EEA-FC0C22828676}"/>
-              </a:ext>
-            </a:extLst>
-          </p:cNvPr>
-          <p:cNvSpPr>
-            <a:spLocks noGrp="1"/>
-          </p:cNvSpPr>
-          <p:nvPr>
-            <p:ph type="title"/>
-          </p:nvPr>
-        </p:nvSpPr>
-        <p:spPr>
-          <a:xfrm>
-            <a:off x="0" y="3246437"/>
-            <a:ext cx="9144000" cy="365125"/>
-          </a:xfrm>
-        </p:spPr>
-        <p:txBody>
-          <a:bodyPr/>
-          <a:lstStyle/>
-          <a:p>
-            <a:pPr algn="ctr"/>
-            <a:r>
-              <a:rPr lang="de-DE" sz="3600" dirty="0"/>
-              <a:t>Ergebnisse</a:t>
-            </a:r>
-          </a:p>
-        </p:txBody>
-      </p:sp>
-      <p:sp>
-        <p:nvSpPr>
-          <p:cNvPr id="3" name="Fußzeilenplatzhalter 2">
-            <a:extLst>
-              <a:ext uri="{FF2B5EF4-FFF2-40B4-BE49-F238E27FC236}">
-                <a16:creationId xmlns:a16="http://schemas.microsoft.com/office/drawing/2014/main" id="{D0DCF5F5-5C07-C213-58E3-5F856F047CB0}"/>
-              </a:ext>
-            </a:extLst>
-          </p:cNvPr>
-          <p:cNvSpPr>
-            <a:spLocks noGrp="1"/>
-          </p:cNvSpPr>
-          <p:nvPr>
-            <p:ph type="ftr" sz="quarter" idx="10"/>
-          </p:nvPr>
-        </p:nvSpPr>
-        <p:spPr/>
-        <p:txBody>
-          <a:bodyPr/>
-          <a:lstStyle/>
-          <a:p>
-            <a:r>
-              <a:rPr lang="en-US" altLang="de-DE" dirty="0"/>
-              <a:t>Hochschule Mannheim University of Applied Sciences | Marvin Karhan</a:t>
-            </a:r>
-            <a:endParaRPr lang="de-DE" altLang="de-DE" dirty="0"/>
-          </a:p>
-        </p:txBody>
-      </p:sp>
-      <p:sp>
-        <p:nvSpPr>
-          <p:cNvPr id="4" name="Foliennummernplatzhalter 3">
-            <a:extLst>
-              <a:ext uri="{FF2B5EF4-FFF2-40B4-BE49-F238E27FC236}">
-                <a16:creationId xmlns:a16="http://schemas.microsoft.com/office/drawing/2014/main" id="{355734E1-0407-D0AD-C1AA-D2C386B1FF85}"/>
-              </a:ext>
-            </a:extLst>
-          </p:cNvPr>
-          <p:cNvSpPr>
-            <a:spLocks noGrp="1"/>
-          </p:cNvSpPr>
-          <p:nvPr>
-            <p:ph type="sldNum" sz="quarter" idx="11"/>
-          </p:nvPr>
-        </p:nvSpPr>
-        <p:spPr/>
-        <p:txBody>
-          <a:bodyPr/>
-          <a:lstStyle/>
-          <a:p>
-            <a:fld id="{57D12BB6-0ED4-46B6-AB23-7758AD07EFBF}" type="slidenum">
-              <a:rPr lang="de-DE" smtClean="0"/>
-              <a:pPr/>
-              <a:t>14</a:t>
-            </a:fld>
-            <a:endParaRPr lang="de-DE" dirty="0"/>
-          </a:p>
-        </p:txBody>
-      </p:sp>
-    </p:spTree>
-    <p:extLst>
-      <p:ext uri="{BB962C8B-B14F-4D97-AF65-F5344CB8AC3E}">
-        <p14:creationId xmlns:p14="http://schemas.microsoft.com/office/powerpoint/2010/main" val="3328677623"/>
-      </p:ext>
-    </p:extLst>
-  </p:cSld>
-  <p:clrMapOvr>
-    <a:masterClrMapping/>
-  </p:clrMapOvr>
-  <p:transition/>
-</p:sld>
-</file>
-
-<file path=ppt/slides/slide15.xml><?xml version="1.0" encoding="utf-8"?>
 <p:sld xmlns:a="http://schemas.openxmlformats.org/drawingml/2006/main" xmlns:r="http://schemas.openxmlformats.org/officeDocument/2006/relationships" xmlns:p="http://schemas.openxmlformats.org/presentationml/2006/main">
   <p:cSld>
     <p:spTree>
@@ -3852,377 +3439,7 @@
             <a:fld id="{57D12BB6-0ED4-46B6-AB23-7758AD07EFBF}" type="slidenum">
               <a:rPr lang="de-DE" smtClean="0"/>
               <a:pPr/>
-              <a:t>15</a:t>
-            </a:fld>
-            <a:endParaRPr lang="de-DE" dirty="0"/>
-          </a:p>
-        </p:txBody>
-      </p:sp>
-      <p:sp>
-        <p:nvSpPr>
-          <p:cNvPr id="5" name="Rectangle 2"/>
-          <p:cNvSpPr>
-            <a:spLocks noGrp="1" noChangeArrowheads="1"/>
-          </p:cNvSpPr>
-          <p:nvPr>
-            <p:ph type="title"/>
-          </p:nvPr>
-        </p:nvSpPr>
-        <p:spPr>
-          <a:xfrm>
-            <a:off x="971550" y="1404000"/>
-            <a:ext cx="7704138" cy="792162"/>
-          </a:xfrm>
-        </p:spPr>
-        <p:txBody>
-          <a:bodyPr/>
-          <a:lstStyle/>
-          <a:p>
-            <a:r>
-              <a:rPr lang="de-DE" altLang="de-DE" dirty="0"/>
-              <a:t>Testaufbau</a:t>
-            </a:r>
-          </a:p>
-        </p:txBody>
-      </p:sp>
-      <p:sp>
-        <p:nvSpPr>
-          <p:cNvPr id="6" name="Rectangle 3"/>
-          <p:cNvSpPr txBox="1">
-            <a:spLocks noChangeArrowheads="1"/>
-          </p:cNvSpPr>
-          <p:nvPr/>
-        </p:nvSpPr>
-        <p:spPr>
-          <a:xfrm>
-            <a:off x="971550" y="2160000"/>
-            <a:ext cx="7677150" cy="3600450"/>
-          </a:xfrm>
-          <a:prstGeom prst="rect">
-            <a:avLst/>
-          </a:prstGeom>
-        </p:spPr>
-        <p:txBody>
-          <a:bodyPr lIns="91440" tIns="45720" rIns="91440" bIns="45720" anchor="t"/>
-          <a:lstStyle>
-            <a:lvl1pPr algn="l" rtl="0" eaLnBrk="1" fontAlgn="base" hangingPunct="1">
-              <a:lnSpc>
-                <a:spcPct val="110000"/>
-              </a:lnSpc>
-              <a:spcBef>
-                <a:spcPct val="0"/>
-              </a:spcBef>
-              <a:spcAft>
-                <a:spcPct val="20000"/>
-              </a:spcAft>
-              <a:defRPr>
-                <a:solidFill>
-                  <a:schemeClr val="tx1"/>
-                </a:solidFill>
-                <a:latin typeface="+mn-lt"/>
-                <a:ea typeface="+mn-ea"/>
-                <a:cs typeface="+mn-cs"/>
-              </a:defRPr>
-            </a:lvl1pPr>
-            <a:lvl2pPr marL="182563" indent="-180975" algn="l" rtl="0" eaLnBrk="1" fontAlgn="base" hangingPunct="1">
-              <a:lnSpc>
-                <a:spcPct val="110000"/>
-              </a:lnSpc>
-              <a:spcBef>
-                <a:spcPct val="0"/>
-              </a:spcBef>
-              <a:spcAft>
-                <a:spcPct val="20000"/>
-              </a:spcAft>
-              <a:buFont typeface="Arial" charset="0"/>
-              <a:buChar char="•"/>
-              <a:defRPr>
-                <a:solidFill>
-                  <a:schemeClr val="tx1"/>
-                </a:solidFill>
-                <a:latin typeface="+mn-lt"/>
-              </a:defRPr>
-            </a:lvl2pPr>
-            <a:lvl3pPr marL="366713" indent="-182563" algn="l" rtl="0" eaLnBrk="1" fontAlgn="base" hangingPunct="1">
-              <a:lnSpc>
-                <a:spcPct val="110000"/>
-              </a:lnSpc>
-              <a:spcBef>
-                <a:spcPct val="0"/>
-              </a:spcBef>
-              <a:spcAft>
-                <a:spcPct val="20000"/>
-              </a:spcAft>
-              <a:buFont typeface="Arial" charset="0"/>
-              <a:buChar char="•"/>
-              <a:defRPr>
-                <a:solidFill>
-                  <a:schemeClr val="tx1"/>
-                </a:solidFill>
-                <a:latin typeface="+mn-lt"/>
-              </a:defRPr>
-            </a:lvl3pPr>
-            <a:lvl4pPr marL="552450" indent="-184150" algn="l" rtl="0" eaLnBrk="1" fontAlgn="base" hangingPunct="1">
-              <a:lnSpc>
-                <a:spcPct val="110000"/>
-              </a:lnSpc>
-              <a:spcBef>
-                <a:spcPct val="0"/>
-              </a:spcBef>
-              <a:spcAft>
-                <a:spcPct val="20000"/>
-              </a:spcAft>
-              <a:buFont typeface="Arial" charset="0"/>
-              <a:buChar char="•"/>
-              <a:defRPr>
-                <a:solidFill>
-                  <a:schemeClr val="tx1"/>
-                </a:solidFill>
-                <a:latin typeface="+mn-lt"/>
-              </a:defRPr>
-            </a:lvl4pPr>
-            <a:lvl5pPr marL="738188" indent="-184150" algn="l" rtl="0" eaLnBrk="1" fontAlgn="base" hangingPunct="1">
-              <a:lnSpc>
-                <a:spcPct val="110000"/>
-              </a:lnSpc>
-              <a:spcBef>
-                <a:spcPct val="0"/>
-              </a:spcBef>
-              <a:spcAft>
-                <a:spcPct val="20000"/>
-              </a:spcAft>
-              <a:buFont typeface="Arial" charset="0"/>
-              <a:buChar char="•"/>
-              <a:defRPr>
-                <a:solidFill>
-                  <a:schemeClr val="tx1"/>
-                </a:solidFill>
-                <a:latin typeface="+mn-lt"/>
-              </a:defRPr>
-            </a:lvl5pPr>
-            <a:lvl6pPr marL="1195388" indent="-184150" algn="l" rtl="0" eaLnBrk="1" fontAlgn="base" hangingPunct="1">
-              <a:lnSpc>
-                <a:spcPct val="110000"/>
-              </a:lnSpc>
-              <a:spcBef>
-                <a:spcPct val="0"/>
-              </a:spcBef>
-              <a:spcAft>
-                <a:spcPct val="20000"/>
-              </a:spcAft>
-              <a:buFont typeface="Arial" charset="0"/>
-              <a:buChar char="•"/>
-              <a:defRPr>
-                <a:solidFill>
-                  <a:schemeClr val="tx1"/>
-                </a:solidFill>
-                <a:latin typeface="+mn-lt"/>
-              </a:defRPr>
-            </a:lvl6pPr>
-            <a:lvl7pPr marL="1652588" indent="-184150" algn="l" rtl="0" eaLnBrk="1" fontAlgn="base" hangingPunct="1">
-              <a:lnSpc>
-                <a:spcPct val="110000"/>
-              </a:lnSpc>
-              <a:spcBef>
-                <a:spcPct val="0"/>
-              </a:spcBef>
-              <a:spcAft>
-                <a:spcPct val="20000"/>
-              </a:spcAft>
-              <a:buFont typeface="Arial" charset="0"/>
-              <a:buChar char="•"/>
-              <a:defRPr>
-                <a:solidFill>
-                  <a:schemeClr val="tx1"/>
-                </a:solidFill>
-                <a:latin typeface="+mn-lt"/>
-              </a:defRPr>
-            </a:lvl7pPr>
-            <a:lvl8pPr marL="2109788" indent="-184150" algn="l" rtl="0" eaLnBrk="1" fontAlgn="base" hangingPunct="1">
-              <a:lnSpc>
-                <a:spcPct val="110000"/>
-              </a:lnSpc>
-              <a:spcBef>
-                <a:spcPct val="0"/>
-              </a:spcBef>
-              <a:spcAft>
-                <a:spcPct val="20000"/>
-              </a:spcAft>
-              <a:buFont typeface="Arial" charset="0"/>
-              <a:buChar char="•"/>
-              <a:defRPr>
-                <a:solidFill>
-                  <a:schemeClr val="tx1"/>
-                </a:solidFill>
-                <a:latin typeface="+mn-lt"/>
-              </a:defRPr>
-            </a:lvl8pPr>
-            <a:lvl9pPr marL="2566988" indent="-184150" algn="l" rtl="0" eaLnBrk="1" fontAlgn="base" hangingPunct="1">
-              <a:lnSpc>
-                <a:spcPct val="110000"/>
-              </a:lnSpc>
-              <a:spcBef>
-                <a:spcPct val="0"/>
-              </a:spcBef>
-              <a:spcAft>
-                <a:spcPct val="20000"/>
-              </a:spcAft>
-              <a:buFont typeface="Arial" charset="0"/>
-              <a:buChar char="•"/>
-              <a:defRPr>
-                <a:solidFill>
-                  <a:schemeClr val="tx1"/>
-                </a:solidFill>
-                <a:latin typeface="+mn-lt"/>
-              </a:defRPr>
-            </a:lvl9pPr>
-          </a:lstStyle>
-          <a:p>
-            <a:pPr marL="182245" lvl="1"/>
-            <a:r>
-              <a:rPr lang="de-DE" altLang="de-DE" kern="0" dirty="0"/>
-              <a:t>Eröffnungsbuch: UHO V3</a:t>
-            </a:r>
-            <a:endParaRPr lang="de-DE"/>
-          </a:p>
-          <a:p>
-            <a:pPr marL="182245" lvl="1"/>
-            <a:r>
-              <a:rPr lang="de-DE" altLang="de-DE" kern="0" dirty="0"/>
-              <a:t>UCI-Standard</a:t>
-            </a:r>
-            <a:endParaRPr lang="de-DE" altLang="de-DE" kern="0" dirty="0">
-              <a:cs typeface="Arial"/>
-            </a:endParaRPr>
-          </a:p>
-          <a:p>
-            <a:pPr marL="182245" lvl="1"/>
-            <a:r>
-              <a:rPr lang="de-DE" altLang="de-DE" kern="0" dirty="0" err="1"/>
-              <a:t>Cutechess</a:t>
-            </a:r>
-            <a:r>
-              <a:rPr lang="de-DE" altLang="de-DE" kern="0" dirty="0"/>
-              <a:t>-cli</a:t>
-            </a:r>
-            <a:endParaRPr lang="de-DE" altLang="de-DE" kern="0" dirty="0">
-              <a:cs typeface="Arial"/>
-            </a:endParaRPr>
-          </a:p>
-          <a:p>
-            <a:pPr marL="182245" lvl="1"/>
-            <a:r>
-              <a:rPr lang="de-DE" altLang="de-DE" kern="0" dirty="0"/>
-              <a:t>Ordo</a:t>
-            </a:r>
-            <a:endParaRPr lang="de-DE" altLang="de-DE" kern="0" dirty="0">
-              <a:cs typeface="Arial"/>
-            </a:endParaRPr>
-          </a:p>
-          <a:p>
-            <a:pPr marL="182245" lvl="1"/>
-            <a:r>
-              <a:rPr lang="de-DE" altLang="de-DE" kern="0" dirty="0"/>
-              <a:t>Zeitkontrolle</a:t>
-            </a:r>
-            <a:endParaRPr lang="de-DE" altLang="de-DE" kern="0" dirty="0">
-              <a:cs typeface="Arial"/>
-            </a:endParaRPr>
-          </a:p>
-          <a:p>
-            <a:pPr marL="182245" lvl="1"/>
-            <a:r>
-              <a:rPr lang="de-DE" b="0" i="0" dirty="0">
-                <a:effectLst/>
-                <a:latin typeface="Arial" panose="020B0604020202020204" pitchFamily="34" charset="0"/>
-              </a:rPr>
-              <a:t>Automatische Urteilsverkündung</a:t>
-            </a:r>
-            <a:endParaRPr lang="de-DE" altLang="de-DE" kern="0" dirty="0">
-              <a:cs typeface="Arial"/>
-            </a:endParaRPr>
-          </a:p>
-          <a:p>
-            <a:pPr marL="182245" lvl="1"/>
-            <a:endParaRPr lang="de-DE" altLang="de-DE" kern="0" dirty="0">
-              <a:cs typeface="Arial"/>
-            </a:endParaRPr>
-          </a:p>
-        </p:txBody>
-      </p:sp>
-    </p:spTree>
-    <p:extLst>
-      <p:ext uri="{BB962C8B-B14F-4D97-AF65-F5344CB8AC3E}">
-        <p14:creationId xmlns:p14="http://schemas.microsoft.com/office/powerpoint/2010/main" val="2156961448"/>
-      </p:ext>
-    </p:extLst>
-  </p:cSld>
-  <p:clrMapOvr>
-    <a:masterClrMapping/>
-  </p:clrMapOvr>
-  <p:transition/>
-</p:sld>
-</file>
-
-<file path=ppt/slides/slide16.xml><?xml version="1.0" encoding="utf-8"?>
-<p:sld xmlns:a="http://schemas.openxmlformats.org/drawingml/2006/main" xmlns:r="http://schemas.openxmlformats.org/officeDocument/2006/relationships" xmlns:p="http://schemas.openxmlformats.org/presentationml/2006/main">
-  <p:cSld>
-    <p:spTree>
-      <p:nvGrpSpPr>
-        <p:cNvPr id="1" name=""/>
-        <p:cNvGrpSpPr/>
-        <p:nvPr/>
-      </p:nvGrpSpPr>
-      <p:grpSpPr>
-        <a:xfrm>
-          <a:off x="0" y="0"/>
-          <a:ext cx="0" cy="0"/>
-          <a:chOff x="0" y="0"/>
-          <a:chExt cx="0" cy="0"/>
-        </a:xfrm>
-      </p:grpSpPr>
-      <p:sp>
-        <p:nvSpPr>
-          <p:cNvPr id="3" name="Fußzeilenplatzhalter 2"/>
-          <p:cNvSpPr>
-            <a:spLocks noGrp="1"/>
-          </p:cNvSpPr>
-          <p:nvPr>
-            <p:ph type="ftr" sz="quarter" idx="10"/>
-          </p:nvPr>
-        </p:nvSpPr>
-        <p:spPr/>
-        <p:txBody>
-          <a:bodyPr/>
-          <a:lstStyle/>
-          <a:p>
-            <a:r>
-              <a:rPr lang="en-US" altLang="de-DE" dirty="0"/>
-              <a:t>Hochschule Mannheim University of Applied Sciences | Marvin Karhan</a:t>
-            </a:r>
-            <a:endParaRPr lang="de-DE" altLang="de-DE" dirty="0"/>
-          </a:p>
-        </p:txBody>
-      </p:sp>
-      <p:sp>
-        <p:nvSpPr>
-          <p:cNvPr id="4" name="Foliennummernplatzhalter 3"/>
-          <p:cNvSpPr>
-            <a:spLocks noGrp="1"/>
-          </p:cNvSpPr>
-          <p:nvPr>
-            <p:ph type="sldNum" sz="quarter" idx="11"/>
-          </p:nvPr>
-        </p:nvSpPr>
-        <p:spPr/>
-        <p:txBody>
-          <a:bodyPr/>
-          <a:lstStyle/>
-          <a:p>
-            <a:fld id="{57D12BB6-0ED4-46B6-AB23-7758AD07EFBF}" type="slidenum">
-              <a:rPr lang="de-DE" smtClean="0"/>
-              <a:pPr/>
-              <a:t>16</a:t>
+              <a:t>14</a:t>
             </a:fld>
             <a:endParaRPr lang="de-DE" dirty="0"/>
           </a:p>
@@ -7208,7 +6425,7 @@
 </p:sld>
 </file>
 
-<file path=ppt/slides/slide17.xml><?xml version="1.0" encoding="utf-8"?>
+<file path=ppt/slides/slide15.xml><?xml version="1.0" encoding="utf-8"?>
 <p:sld xmlns:a="http://schemas.openxmlformats.org/drawingml/2006/main" xmlns:r="http://schemas.openxmlformats.org/officeDocument/2006/relationships" xmlns:p="http://schemas.openxmlformats.org/presentationml/2006/main">
   <p:cSld>
     <p:spTree>
@@ -7266,7 +6483,7 @@
             <a:fld id="{57D12BB6-0ED4-46B6-AB23-7758AD07EFBF}" type="slidenum">
               <a:rPr lang="de-DE" smtClean="0"/>
               <a:pPr/>
-              <a:t>17</a:t>
+              <a:t>15</a:t>
             </a:fld>
             <a:endParaRPr lang="de-DE" dirty="0"/>
           </a:p>
@@ -9649,7 +8866,7 @@
 </p:sld>
 </file>
 
-<file path=ppt/slides/slide18.xml><?xml version="1.0" encoding="utf-8"?>
+<file path=ppt/slides/slide16.xml><?xml version="1.0" encoding="utf-8"?>
 <p:sld xmlns:a="http://schemas.openxmlformats.org/drawingml/2006/main" xmlns:r="http://schemas.openxmlformats.org/officeDocument/2006/relationships" xmlns:p="http://schemas.openxmlformats.org/presentationml/2006/main">
   <p:cSld>
     <p:spTree>
@@ -9707,7 +8924,7 @@
             <a:fld id="{57D12BB6-0ED4-46B6-AB23-7758AD07EFBF}" type="slidenum">
               <a:rPr lang="de-DE" smtClean="0"/>
               <a:pPr/>
-              <a:t>18</a:t>
+              <a:t>16</a:t>
             </a:fld>
             <a:endParaRPr lang="de-DE" dirty="0"/>
           </a:p>
@@ -10015,7 +9232,7 @@
 </p:sld>
 </file>
 
-<file path=ppt/slides/slide19.xml><?xml version="1.0" encoding="utf-8"?>
+<file path=ppt/slides/slide17.xml><?xml version="1.0" encoding="utf-8"?>
 <p:sld xmlns:a="http://schemas.openxmlformats.org/drawingml/2006/main" xmlns:r="http://schemas.openxmlformats.org/officeDocument/2006/relationships" xmlns:p="http://schemas.openxmlformats.org/presentationml/2006/main">
   <p:cSld>
     <p:spTree>
@@ -10073,7 +9290,7 @@
             <a:fld id="{57D12BB6-0ED4-46B6-AB23-7758AD07EFBF}" type="slidenum">
               <a:rPr lang="de-DE" smtClean="0"/>
               <a:pPr/>
-              <a:t>19</a:t>
+              <a:t>17</a:t>
             </a:fld>
             <a:endParaRPr lang="de-DE" dirty="0"/>
           </a:p>
@@ -10391,7 +9608,7 @@
 </p:sld>
 </file>
 
-<file path=ppt/slides/slide2.xml><?xml version="1.0" encoding="utf-8"?>
+<file path=ppt/slides/slide18.xml><?xml version="1.0" encoding="utf-8"?>
 <p:sld xmlns:a="http://schemas.openxmlformats.org/drawingml/2006/main" xmlns:r="http://schemas.openxmlformats.org/officeDocument/2006/relationships" xmlns:p="http://schemas.openxmlformats.org/presentationml/2006/main">
   <p:cSld>
     <p:spTree>
@@ -10449,379 +9666,7 @@
             <a:fld id="{57D12BB6-0ED4-46B6-AB23-7758AD07EFBF}" type="slidenum">
               <a:rPr lang="de-DE" smtClean="0"/>
               <a:pPr/>
-              <a:t>2</a:t>
-            </a:fld>
-            <a:endParaRPr lang="de-DE" dirty="0"/>
-          </a:p>
-        </p:txBody>
-      </p:sp>
-      <p:sp>
-        <p:nvSpPr>
-          <p:cNvPr id="5" name="Rectangle 2"/>
-          <p:cNvSpPr>
-            <a:spLocks noGrp="1" noChangeArrowheads="1"/>
-          </p:cNvSpPr>
-          <p:nvPr>
-            <p:ph type="title"/>
-          </p:nvPr>
-        </p:nvSpPr>
-        <p:spPr>
-          <a:xfrm>
-            <a:off x="971550" y="1404000"/>
-            <a:ext cx="7704138" cy="792162"/>
-          </a:xfrm>
-          <a:noFill/>
-        </p:spPr>
-        <p:txBody>
-          <a:bodyPr/>
-          <a:lstStyle/>
-          <a:p>
-            <a:r>
-              <a:rPr lang="de-DE" altLang="de-DE" dirty="0"/>
-              <a:t>Inhalt</a:t>
-            </a:r>
-          </a:p>
-        </p:txBody>
-      </p:sp>
-      <p:sp>
-        <p:nvSpPr>
-          <p:cNvPr id="6" name="Rectangle 3"/>
-          <p:cNvSpPr txBox="1">
-            <a:spLocks noChangeArrowheads="1"/>
-          </p:cNvSpPr>
-          <p:nvPr/>
-        </p:nvSpPr>
-        <p:spPr>
-          <a:xfrm>
-            <a:off x="971550" y="2160000"/>
-            <a:ext cx="7704138" cy="3600450"/>
-          </a:xfrm>
-          <a:prstGeom prst="rect">
-            <a:avLst/>
-          </a:prstGeom>
-        </p:spPr>
-        <p:txBody>
-          <a:bodyPr/>
-          <a:lstStyle>
-            <a:lvl1pPr algn="l" rtl="0" eaLnBrk="1" fontAlgn="base" hangingPunct="1">
-              <a:lnSpc>
-                <a:spcPct val="110000"/>
-              </a:lnSpc>
-              <a:spcBef>
-                <a:spcPct val="0"/>
-              </a:spcBef>
-              <a:spcAft>
-                <a:spcPct val="20000"/>
-              </a:spcAft>
-              <a:defRPr>
-                <a:solidFill>
-                  <a:schemeClr val="tx1"/>
-                </a:solidFill>
-                <a:latin typeface="+mn-lt"/>
-                <a:ea typeface="+mn-ea"/>
-                <a:cs typeface="+mn-cs"/>
-              </a:defRPr>
-            </a:lvl1pPr>
-            <a:lvl2pPr marL="182563" indent="-180975" algn="l" rtl="0" eaLnBrk="1" fontAlgn="base" hangingPunct="1">
-              <a:lnSpc>
-                <a:spcPct val="110000"/>
-              </a:lnSpc>
-              <a:spcBef>
-                <a:spcPct val="0"/>
-              </a:spcBef>
-              <a:spcAft>
-                <a:spcPct val="20000"/>
-              </a:spcAft>
-              <a:buFont typeface="Arial" charset="0"/>
-              <a:buChar char="•"/>
-              <a:defRPr>
-                <a:solidFill>
-                  <a:schemeClr val="tx1"/>
-                </a:solidFill>
-                <a:latin typeface="+mn-lt"/>
-              </a:defRPr>
-            </a:lvl2pPr>
-            <a:lvl3pPr marL="366713" indent="-182563" algn="l" rtl="0" eaLnBrk="1" fontAlgn="base" hangingPunct="1">
-              <a:lnSpc>
-                <a:spcPct val="110000"/>
-              </a:lnSpc>
-              <a:spcBef>
-                <a:spcPct val="0"/>
-              </a:spcBef>
-              <a:spcAft>
-                <a:spcPct val="20000"/>
-              </a:spcAft>
-              <a:buFont typeface="Arial" charset="0"/>
-              <a:buChar char="•"/>
-              <a:defRPr>
-                <a:solidFill>
-                  <a:schemeClr val="tx1"/>
-                </a:solidFill>
-                <a:latin typeface="+mn-lt"/>
-              </a:defRPr>
-            </a:lvl3pPr>
-            <a:lvl4pPr marL="552450" indent="-184150" algn="l" rtl="0" eaLnBrk="1" fontAlgn="base" hangingPunct="1">
-              <a:lnSpc>
-                <a:spcPct val="110000"/>
-              </a:lnSpc>
-              <a:spcBef>
-                <a:spcPct val="0"/>
-              </a:spcBef>
-              <a:spcAft>
-                <a:spcPct val="20000"/>
-              </a:spcAft>
-              <a:buFont typeface="Arial" charset="0"/>
-              <a:buChar char="•"/>
-              <a:defRPr>
-                <a:solidFill>
-                  <a:schemeClr val="tx1"/>
-                </a:solidFill>
-                <a:latin typeface="+mn-lt"/>
-              </a:defRPr>
-            </a:lvl4pPr>
-            <a:lvl5pPr marL="738188" indent="-184150" algn="l" rtl="0" eaLnBrk="1" fontAlgn="base" hangingPunct="1">
-              <a:lnSpc>
-                <a:spcPct val="110000"/>
-              </a:lnSpc>
-              <a:spcBef>
-                <a:spcPct val="0"/>
-              </a:spcBef>
-              <a:spcAft>
-                <a:spcPct val="20000"/>
-              </a:spcAft>
-              <a:buFont typeface="Arial" charset="0"/>
-              <a:buChar char="•"/>
-              <a:defRPr>
-                <a:solidFill>
-                  <a:schemeClr val="tx1"/>
-                </a:solidFill>
-                <a:latin typeface="+mn-lt"/>
-              </a:defRPr>
-            </a:lvl5pPr>
-            <a:lvl6pPr marL="1195388" indent="-184150" algn="l" rtl="0" eaLnBrk="1" fontAlgn="base" hangingPunct="1">
-              <a:lnSpc>
-                <a:spcPct val="110000"/>
-              </a:lnSpc>
-              <a:spcBef>
-                <a:spcPct val="0"/>
-              </a:spcBef>
-              <a:spcAft>
-                <a:spcPct val="20000"/>
-              </a:spcAft>
-              <a:buFont typeface="Arial" charset="0"/>
-              <a:buChar char="•"/>
-              <a:defRPr>
-                <a:solidFill>
-                  <a:schemeClr val="tx1"/>
-                </a:solidFill>
-                <a:latin typeface="+mn-lt"/>
-              </a:defRPr>
-            </a:lvl6pPr>
-            <a:lvl7pPr marL="1652588" indent="-184150" algn="l" rtl="0" eaLnBrk="1" fontAlgn="base" hangingPunct="1">
-              <a:lnSpc>
-                <a:spcPct val="110000"/>
-              </a:lnSpc>
-              <a:spcBef>
-                <a:spcPct val="0"/>
-              </a:spcBef>
-              <a:spcAft>
-                <a:spcPct val="20000"/>
-              </a:spcAft>
-              <a:buFont typeface="Arial" charset="0"/>
-              <a:buChar char="•"/>
-              <a:defRPr>
-                <a:solidFill>
-                  <a:schemeClr val="tx1"/>
-                </a:solidFill>
-                <a:latin typeface="+mn-lt"/>
-              </a:defRPr>
-            </a:lvl7pPr>
-            <a:lvl8pPr marL="2109788" indent="-184150" algn="l" rtl="0" eaLnBrk="1" fontAlgn="base" hangingPunct="1">
-              <a:lnSpc>
-                <a:spcPct val="110000"/>
-              </a:lnSpc>
-              <a:spcBef>
-                <a:spcPct val="0"/>
-              </a:spcBef>
-              <a:spcAft>
-                <a:spcPct val="20000"/>
-              </a:spcAft>
-              <a:buFont typeface="Arial" charset="0"/>
-              <a:buChar char="•"/>
-              <a:defRPr>
-                <a:solidFill>
-                  <a:schemeClr val="tx1"/>
-                </a:solidFill>
-                <a:latin typeface="+mn-lt"/>
-              </a:defRPr>
-            </a:lvl8pPr>
-            <a:lvl9pPr marL="2566988" indent="-184150" algn="l" rtl="0" eaLnBrk="1" fontAlgn="base" hangingPunct="1">
-              <a:lnSpc>
-                <a:spcPct val="110000"/>
-              </a:lnSpc>
-              <a:spcBef>
-                <a:spcPct val="0"/>
-              </a:spcBef>
-              <a:spcAft>
-                <a:spcPct val="20000"/>
-              </a:spcAft>
-              <a:buFont typeface="Arial" charset="0"/>
-              <a:buChar char="•"/>
-              <a:defRPr>
-                <a:solidFill>
-                  <a:schemeClr val="tx1"/>
-                </a:solidFill>
-                <a:latin typeface="+mn-lt"/>
-              </a:defRPr>
-            </a:lvl9pPr>
-          </a:lstStyle>
-          <a:p>
-            <a:pPr marL="381000" indent="-381000">
-              <a:buAutoNum type="arabicPeriod"/>
-            </a:pPr>
-            <a:r>
-              <a:rPr lang="de-DE" altLang="de-DE" kern="0" dirty="0"/>
-              <a:t>Motivation</a:t>
-            </a:r>
-          </a:p>
-          <a:p>
-            <a:pPr marL="381000" indent="-381000">
-              <a:buAutoNum type="arabicPeriod"/>
-            </a:pPr>
-            <a:r>
-              <a:rPr lang="de-DE" altLang="de-DE" kern="0" dirty="0"/>
-              <a:t>Theorie</a:t>
-            </a:r>
-          </a:p>
-          <a:p>
-            <a:pPr marL="381000" indent="-381000">
-              <a:buAutoNum type="arabicPeriod"/>
-            </a:pPr>
-            <a:r>
-              <a:rPr lang="de-DE" altLang="de-DE" kern="0" dirty="0"/>
-              <a:t>Implementierung</a:t>
-            </a:r>
-          </a:p>
-          <a:p>
-            <a:pPr marL="381000" indent="-381000">
-              <a:buAutoNum type="arabicPeriod"/>
-            </a:pPr>
-            <a:r>
-              <a:rPr lang="de-DE" altLang="de-DE" kern="0" dirty="0"/>
-              <a:t>Ergebnisse</a:t>
-            </a:r>
-          </a:p>
-          <a:p>
-            <a:pPr marL="381000" indent="-381000">
-              <a:buFontTx/>
-              <a:buAutoNum type="arabicPeriod"/>
-            </a:pPr>
-            <a:r>
-              <a:rPr lang="de-DE" altLang="de-DE" kern="0" dirty="0"/>
-              <a:t>Diskussion</a:t>
-            </a:r>
-          </a:p>
-          <a:p>
-            <a:pPr marL="381000" indent="-381000">
-              <a:buFontTx/>
-              <a:buAutoNum type="arabicPeriod"/>
-            </a:pPr>
-            <a:r>
-              <a:rPr lang="de-DE" altLang="de-DE" kern="0" dirty="0"/>
-              <a:t>Ausblick</a:t>
-            </a:r>
-          </a:p>
-          <a:p>
-            <a:pPr marL="381000" indent="-381000">
-              <a:buFontTx/>
-              <a:buAutoNum type="arabicPeriod"/>
-            </a:pPr>
-            <a:r>
-              <a:rPr lang="de-DE" altLang="de-DE" kern="0" dirty="0"/>
-              <a:t>Demo</a:t>
-            </a:r>
-          </a:p>
-          <a:p>
-            <a:pPr marL="381000" indent="-381000">
-              <a:buAutoNum type="arabicPeriod"/>
-            </a:pPr>
-            <a:endParaRPr lang="de-DE" altLang="de-DE" kern="0" dirty="0"/>
-          </a:p>
-        </p:txBody>
-      </p:sp>
-    </p:spTree>
-    <p:extLst>
-      <p:ext uri="{BB962C8B-B14F-4D97-AF65-F5344CB8AC3E}">
-        <p14:creationId xmlns:p14="http://schemas.microsoft.com/office/powerpoint/2010/main" val="2938349911"/>
-      </p:ext>
-    </p:extLst>
-  </p:cSld>
-  <p:clrMapOvr>
-    <a:masterClrMapping/>
-  </p:clrMapOvr>
-  <p:transition/>
-</p:sld>
-</file>
-
-<file path=ppt/slides/slide20.xml><?xml version="1.0" encoding="utf-8"?>
-<p:sld xmlns:a="http://schemas.openxmlformats.org/drawingml/2006/main" xmlns:r="http://schemas.openxmlformats.org/officeDocument/2006/relationships" xmlns:p="http://schemas.openxmlformats.org/presentationml/2006/main">
-  <p:cSld>
-    <p:spTree>
-      <p:nvGrpSpPr>
-        <p:cNvPr id="1" name=""/>
-        <p:cNvGrpSpPr/>
-        <p:nvPr/>
-      </p:nvGrpSpPr>
-      <p:grpSpPr>
-        <a:xfrm>
-          <a:off x="0" y="0"/>
-          <a:ext cx="0" cy="0"/>
-          <a:chOff x="0" y="0"/>
-          <a:chExt cx="0" cy="0"/>
-        </a:xfrm>
-      </p:grpSpPr>
-      <p:sp>
-        <p:nvSpPr>
-          <p:cNvPr id="3" name="Fußzeilenplatzhalter 2"/>
-          <p:cNvSpPr>
-            <a:spLocks noGrp="1"/>
-          </p:cNvSpPr>
-          <p:nvPr>
-            <p:ph type="ftr" sz="quarter" idx="10"/>
-          </p:nvPr>
-        </p:nvSpPr>
-        <p:spPr/>
-        <p:txBody>
-          <a:bodyPr/>
-          <a:lstStyle/>
-          <a:p>
-            <a:r>
-              <a:rPr lang="en-US" altLang="de-DE" dirty="0"/>
-              <a:t>Hochschule Mannheim University of Applied Sciences | Marvin Karhan</a:t>
-            </a:r>
-            <a:endParaRPr lang="de-DE" altLang="de-DE" dirty="0"/>
-          </a:p>
-        </p:txBody>
-      </p:sp>
-      <p:sp>
-        <p:nvSpPr>
-          <p:cNvPr id="4" name="Foliennummernplatzhalter 3"/>
-          <p:cNvSpPr>
-            <a:spLocks noGrp="1"/>
-          </p:cNvSpPr>
-          <p:nvPr>
-            <p:ph type="sldNum" sz="quarter" idx="11"/>
-          </p:nvPr>
-        </p:nvSpPr>
-        <p:spPr/>
-        <p:txBody>
-          <a:bodyPr/>
-          <a:lstStyle/>
-          <a:p>
-            <a:fld id="{57D12BB6-0ED4-46B6-AB23-7758AD07EFBF}" type="slidenum">
-              <a:rPr lang="de-DE" smtClean="0"/>
-              <a:pPr/>
-              <a:t>20</a:t>
+              <a:t>18</a:t>
             </a:fld>
             <a:endParaRPr lang="de-DE" dirty="0"/>
           </a:p>
@@ -11147,7 +9992,7 @@
 </p:sld>
 </file>
 
-<file path=ppt/slides/slide21.xml><?xml version="1.0" encoding="utf-8"?>
+<file path=ppt/slides/slide19.xml><?xml version="1.0" encoding="utf-8"?>
 <p:sld xmlns:a="http://schemas.openxmlformats.org/drawingml/2006/main" xmlns:r="http://schemas.openxmlformats.org/officeDocument/2006/relationships" xmlns:p="http://schemas.openxmlformats.org/presentationml/2006/main">
   <p:cSld>
     <p:spTree>
@@ -11205,7 +10050,7 @@
             <a:fld id="{57D12BB6-0ED4-46B6-AB23-7758AD07EFBF}" type="slidenum">
               <a:rPr lang="de-DE" smtClean="0"/>
               <a:pPr/>
-              <a:t>21</a:t>
+              <a:t>19</a:t>
             </a:fld>
             <a:endParaRPr lang="de-DE" dirty="0"/>
           </a:p>
@@ -11581,7 +10426,7 @@
 </p:sld>
 </file>
 
-<file path=ppt/slides/slide22.xml><?xml version="1.0" encoding="utf-8"?>
+<file path=ppt/slides/slide2.xml><?xml version="1.0" encoding="utf-8"?>
 <p:sld xmlns:a="http://schemas.openxmlformats.org/drawingml/2006/main" xmlns:r="http://schemas.openxmlformats.org/officeDocument/2006/relationships" xmlns:p="http://schemas.openxmlformats.org/presentationml/2006/main">
   <p:cSld>
     <p:spTree>
@@ -11639,7 +10484,380 @@
             <a:fld id="{57D12BB6-0ED4-46B6-AB23-7758AD07EFBF}" type="slidenum">
               <a:rPr lang="de-DE" smtClean="0"/>
               <a:pPr/>
-              <a:t>22</a:t>
+              <a:t>2</a:t>
+            </a:fld>
+            <a:endParaRPr lang="de-DE" dirty="0"/>
+          </a:p>
+        </p:txBody>
+      </p:sp>
+      <p:sp>
+        <p:nvSpPr>
+          <p:cNvPr id="5" name="Rectangle 2"/>
+          <p:cNvSpPr>
+            <a:spLocks noGrp="1" noChangeArrowheads="1"/>
+          </p:cNvSpPr>
+          <p:nvPr>
+            <p:ph type="title"/>
+          </p:nvPr>
+        </p:nvSpPr>
+        <p:spPr>
+          <a:xfrm>
+            <a:off x="971550" y="1404000"/>
+            <a:ext cx="7704138" cy="792162"/>
+          </a:xfrm>
+          <a:noFill/>
+        </p:spPr>
+        <p:txBody>
+          <a:bodyPr/>
+          <a:lstStyle/>
+          <a:p>
+            <a:r>
+              <a:rPr lang="de-DE" altLang="de-DE" dirty="0"/>
+              <a:t>Inhalt</a:t>
+            </a:r>
+          </a:p>
+        </p:txBody>
+      </p:sp>
+      <p:sp>
+        <p:nvSpPr>
+          <p:cNvPr id="6" name="Rectangle 3"/>
+          <p:cNvSpPr txBox="1">
+            <a:spLocks noChangeArrowheads="1"/>
+          </p:cNvSpPr>
+          <p:nvPr/>
+        </p:nvSpPr>
+        <p:spPr>
+          <a:xfrm>
+            <a:off x="971550" y="2160000"/>
+            <a:ext cx="7704138" cy="3600450"/>
+          </a:xfrm>
+          <a:prstGeom prst="rect">
+            <a:avLst/>
+          </a:prstGeom>
+        </p:spPr>
+        <p:txBody>
+          <a:bodyPr/>
+          <a:lstStyle>
+            <a:lvl1pPr algn="l" rtl="0" eaLnBrk="1" fontAlgn="base" hangingPunct="1">
+              <a:lnSpc>
+                <a:spcPct val="110000"/>
+              </a:lnSpc>
+              <a:spcBef>
+                <a:spcPct val="0"/>
+              </a:spcBef>
+              <a:spcAft>
+                <a:spcPct val="20000"/>
+              </a:spcAft>
+              <a:defRPr>
+                <a:solidFill>
+                  <a:schemeClr val="tx1"/>
+                </a:solidFill>
+                <a:latin typeface="+mn-lt"/>
+                <a:ea typeface="+mn-ea"/>
+                <a:cs typeface="+mn-cs"/>
+              </a:defRPr>
+            </a:lvl1pPr>
+            <a:lvl2pPr marL="182563" indent="-180975" algn="l" rtl="0" eaLnBrk="1" fontAlgn="base" hangingPunct="1">
+              <a:lnSpc>
+                <a:spcPct val="110000"/>
+              </a:lnSpc>
+              <a:spcBef>
+                <a:spcPct val="0"/>
+              </a:spcBef>
+              <a:spcAft>
+                <a:spcPct val="20000"/>
+              </a:spcAft>
+              <a:buFont typeface="Arial" charset="0"/>
+              <a:buChar char="•"/>
+              <a:defRPr>
+                <a:solidFill>
+                  <a:schemeClr val="tx1"/>
+                </a:solidFill>
+                <a:latin typeface="+mn-lt"/>
+              </a:defRPr>
+            </a:lvl2pPr>
+            <a:lvl3pPr marL="366713" indent="-182563" algn="l" rtl="0" eaLnBrk="1" fontAlgn="base" hangingPunct="1">
+              <a:lnSpc>
+                <a:spcPct val="110000"/>
+              </a:lnSpc>
+              <a:spcBef>
+                <a:spcPct val="0"/>
+              </a:spcBef>
+              <a:spcAft>
+                <a:spcPct val="20000"/>
+              </a:spcAft>
+              <a:buFont typeface="Arial" charset="0"/>
+              <a:buChar char="•"/>
+              <a:defRPr>
+                <a:solidFill>
+                  <a:schemeClr val="tx1"/>
+                </a:solidFill>
+                <a:latin typeface="+mn-lt"/>
+              </a:defRPr>
+            </a:lvl3pPr>
+            <a:lvl4pPr marL="552450" indent="-184150" algn="l" rtl="0" eaLnBrk="1" fontAlgn="base" hangingPunct="1">
+              <a:lnSpc>
+                <a:spcPct val="110000"/>
+              </a:lnSpc>
+              <a:spcBef>
+                <a:spcPct val="0"/>
+              </a:spcBef>
+              <a:spcAft>
+                <a:spcPct val="20000"/>
+              </a:spcAft>
+              <a:buFont typeface="Arial" charset="0"/>
+              <a:buChar char="•"/>
+              <a:defRPr>
+                <a:solidFill>
+                  <a:schemeClr val="tx1"/>
+                </a:solidFill>
+                <a:latin typeface="+mn-lt"/>
+              </a:defRPr>
+            </a:lvl4pPr>
+            <a:lvl5pPr marL="738188" indent="-184150" algn="l" rtl="0" eaLnBrk="1" fontAlgn="base" hangingPunct="1">
+              <a:lnSpc>
+                <a:spcPct val="110000"/>
+              </a:lnSpc>
+              <a:spcBef>
+                <a:spcPct val="0"/>
+              </a:spcBef>
+              <a:spcAft>
+                <a:spcPct val="20000"/>
+              </a:spcAft>
+              <a:buFont typeface="Arial" charset="0"/>
+              <a:buChar char="•"/>
+              <a:defRPr>
+                <a:solidFill>
+                  <a:schemeClr val="tx1"/>
+                </a:solidFill>
+                <a:latin typeface="+mn-lt"/>
+              </a:defRPr>
+            </a:lvl5pPr>
+            <a:lvl6pPr marL="1195388" indent="-184150" algn="l" rtl="0" eaLnBrk="1" fontAlgn="base" hangingPunct="1">
+              <a:lnSpc>
+                <a:spcPct val="110000"/>
+              </a:lnSpc>
+              <a:spcBef>
+                <a:spcPct val="0"/>
+              </a:spcBef>
+              <a:spcAft>
+                <a:spcPct val="20000"/>
+              </a:spcAft>
+              <a:buFont typeface="Arial" charset="0"/>
+              <a:buChar char="•"/>
+              <a:defRPr>
+                <a:solidFill>
+                  <a:schemeClr val="tx1"/>
+                </a:solidFill>
+                <a:latin typeface="+mn-lt"/>
+              </a:defRPr>
+            </a:lvl6pPr>
+            <a:lvl7pPr marL="1652588" indent="-184150" algn="l" rtl="0" eaLnBrk="1" fontAlgn="base" hangingPunct="1">
+              <a:lnSpc>
+                <a:spcPct val="110000"/>
+              </a:lnSpc>
+              <a:spcBef>
+                <a:spcPct val="0"/>
+              </a:spcBef>
+              <a:spcAft>
+                <a:spcPct val="20000"/>
+              </a:spcAft>
+              <a:buFont typeface="Arial" charset="0"/>
+              <a:buChar char="•"/>
+              <a:defRPr>
+                <a:solidFill>
+                  <a:schemeClr val="tx1"/>
+                </a:solidFill>
+                <a:latin typeface="+mn-lt"/>
+              </a:defRPr>
+            </a:lvl7pPr>
+            <a:lvl8pPr marL="2109788" indent="-184150" algn="l" rtl="0" eaLnBrk="1" fontAlgn="base" hangingPunct="1">
+              <a:lnSpc>
+                <a:spcPct val="110000"/>
+              </a:lnSpc>
+              <a:spcBef>
+                <a:spcPct val="0"/>
+              </a:spcBef>
+              <a:spcAft>
+                <a:spcPct val="20000"/>
+              </a:spcAft>
+              <a:buFont typeface="Arial" charset="0"/>
+              <a:buChar char="•"/>
+              <a:defRPr>
+                <a:solidFill>
+                  <a:schemeClr val="tx1"/>
+                </a:solidFill>
+                <a:latin typeface="+mn-lt"/>
+              </a:defRPr>
+            </a:lvl8pPr>
+            <a:lvl9pPr marL="2566988" indent="-184150" algn="l" rtl="0" eaLnBrk="1" fontAlgn="base" hangingPunct="1">
+              <a:lnSpc>
+                <a:spcPct val="110000"/>
+              </a:lnSpc>
+              <a:spcBef>
+                <a:spcPct val="0"/>
+              </a:spcBef>
+              <a:spcAft>
+                <a:spcPct val="20000"/>
+              </a:spcAft>
+              <a:buFont typeface="Arial" charset="0"/>
+              <a:buChar char="•"/>
+              <a:defRPr>
+                <a:solidFill>
+                  <a:schemeClr val="tx1"/>
+                </a:solidFill>
+                <a:latin typeface="+mn-lt"/>
+              </a:defRPr>
+            </a:lvl9pPr>
+          </a:lstStyle>
+          <a:p>
+            <a:pPr marL="381000" indent="-381000">
+              <a:buAutoNum type="arabicPeriod"/>
+            </a:pPr>
+            <a:r>
+              <a:rPr lang="de-DE" altLang="de-DE" kern="0" dirty="0"/>
+              <a:t>Motivation</a:t>
+            </a:r>
+          </a:p>
+          <a:p>
+            <a:pPr marL="381000" indent="-381000">
+              <a:buAutoNum type="arabicPeriod"/>
+            </a:pPr>
+            <a:r>
+              <a:rPr lang="de-DE" altLang="de-DE" kern="0" dirty="0"/>
+              <a:t>Theorie</a:t>
+            </a:r>
+          </a:p>
+          <a:p>
+            <a:pPr marL="381000" indent="-381000">
+              <a:buAutoNum type="arabicPeriod"/>
+            </a:pPr>
+            <a:r>
+              <a:rPr lang="de-DE" sz="1800" dirty="0"/>
+              <a:t>Architektur</a:t>
+            </a:r>
+            <a:endParaRPr lang="de-DE" altLang="de-DE" kern="0" dirty="0"/>
+          </a:p>
+          <a:p>
+            <a:pPr marL="381000" indent="-381000">
+              <a:buAutoNum type="arabicPeriod"/>
+            </a:pPr>
+            <a:r>
+              <a:rPr lang="de-DE" altLang="de-DE" kern="0" dirty="0"/>
+              <a:t>Ergebnisse</a:t>
+            </a:r>
+          </a:p>
+          <a:p>
+            <a:pPr marL="381000" indent="-381000">
+              <a:buFontTx/>
+              <a:buAutoNum type="arabicPeriod"/>
+            </a:pPr>
+            <a:r>
+              <a:rPr lang="de-DE" altLang="de-DE" kern="0" dirty="0"/>
+              <a:t>Diskussion</a:t>
+            </a:r>
+          </a:p>
+          <a:p>
+            <a:pPr marL="381000" indent="-381000">
+              <a:buFontTx/>
+              <a:buAutoNum type="arabicPeriod"/>
+            </a:pPr>
+            <a:r>
+              <a:rPr lang="de-DE" altLang="de-DE" kern="0" dirty="0"/>
+              <a:t>Ausblick</a:t>
+            </a:r>
+          </a:p>
+          <a:p>
+            <a:pPr marL="381000" indent="-381000">
+              <a:buFontTx/>
+              <a:buAutoNum type="arabicPeriod"/>
+            </a:pPr>
+            <a:r>
+              <a:rPr lang="de-DE" altLang="de-DE" kern="0" dirty="0"/>
+              <a:t>Demo</a:t>
+            </a:r>
+          </a:p>
+          <a:p>
+            <a:pPr marL="381000" indent="-381000">
+              <a:buAutoNum type="arabicPeriod"/>
+            </a:pPr>
+            <a:endParaRPr lang="de-DE" altLang="de-DE" kern="0" dirty="0"/>
+          </a:p>
+        </p:txBody>
+      </p:sp>
+    </p:spTree>
+    <p:extLst>
+      <p:ext uri="{BB962C8B-B14F-4D97-AF65-F5344CB8AC3E}">
+        <p14:creationId xmlns:p14="http://schemas.microsoft.com/office/powerpoint/2010/main" val="2938349911"/>
+      </p:ext>
+    </p:extLst>
+  </p:cSld>
+  <p:clrMapOvr>
+    <a:masterClrMapping/>
+  </p:clrMapOvr>
+  <p:transition/>
+</p:sld>
+</file>
+
+<file path=ppt/slides/slide20.xml><?xml version="1.0" encoding="utf-8"?>
+<p:sld xmlns:a="http://schemas.openxmlformats.org/drawingml/2006/main" xmlns:r="http://schemas.openxmlformats.org/officeDocument/2006/relationships" xmlns:p="http://schemas.openxmlformats.org/presentationml/2006/main">
+  <p:cSld>
+    <p:spTree>
+      <p:nvGrpSpPr>
+        <p:cNvPr id="1" name=""/>
+        <p:cNvGrpSpPr/>
+        <p:nvPr/>
+      </p:nvGrpSpPr>
+      <p:grpSpPr>
+        <a:xfrm>
+          <a:off x="0" y="0"/>
+          <a:ext cx="0" cy="0"/>
+          <a:chOff x="0" y="0"/>
+          <a:chExt cx="0" cy="0"/>
+        </a:xfrm>
+      </p:grpSpPr>
+      <p:sp>
+        <p:nvSpPr>
+          <p:cNvPr id="3" name="Fußzeilenplatzhalter 2"/>
+          <p:cNvSpPr>
+            <a:spLocks noGrp="1"/>
+          </p:cNvSpPr>
+          <p:nvPr>
+            <p:ph type="ftr" sz="quarter" idx="10"/>
+          </p:nvPr>
+        </p:nvSpPr>
+        <p:spPr/>
+        <p:txBody>
+          <a:bodyPr/>
+          <a:lstStyle/>
+          <a:p>
+            <a:r>
+              <a:rPr lang="en-US" altLang="de-DE" dirty="0"/>
+              <a:t>Hochschule Mannheim University of Applied Sciences | Marvin Karhan</a:t>
+            </a:r>
+            <a:endParaRPr lang="de-DE" altLang="de-DE" dirty="0"/>
+          </a:p>
+        </p:txBody>
+      </p:sp>
+      <p:sp>
+        <p:nvSpPr>
+          <p:cNvPr id="4" name="Foliennummernplatzhalter 3"/>
+          <p:cNvSpPr>
+            <a:spLocks noGrp="1"/>
+          </p:cNvSpPr>
+          <p:nvPr>
+            <p:ph type="sldNum" sz="quarter" idx="11"/>
+          </p:nvPr>
+        </p:nvSpPr>
+        <p:spPr/>
+        <p:txBody>
+          <a:bodyPr/>
+          <a:lstStyle/>
+          <a:p>
+            <a:fld id="{57D12BB6-0ED4-46B6-AB23-7758AD07EFBF}" type="slidenum">
+              <a:rPr lang="de-DE" smtClean="0"/>
+              <a:pPr/>
+              <a:t>20</a:t>
             </a:fld>
             <a:endParaRPr lang="de-DE" dirty="0"/>
           </a:p>
@@ -11995,7 +11213,7 @@
 </p:sld>
 </file>
 
-<file path=ppt/slides/slide23.xml><?xml version="1.0" encoding="utf-8"?>
+<file path=ppt/slides/slide21.xml><?xml version="1.0" encoding="utf-8"?>
 <p:sld xmlns:a="http://schemas.openxmlformats.org/drawingml/2006/main" xmlns:r="http://schemas.openxmlformats.org/officeDocument/2006/relationships" xmlns:p="http://schemas.openxmlformats.org/presentationml/2006/main">
   <p:cSld>
     <p:spTree>
@@ -12053,7 +11271,7 @@
             <a:fld id="{57D12BB6-0ED4-46B6-AB23-7758AD07EFBF}" type="slidenum">
               <a:rPr lang="de-DE" smtClean="0"/>
               <a:pPr/>
-              <a:t>23</a:t>
+              <a:t>21</a:t>
             </a:fld>
             <a:endParaRPr lang="de-DE" dirty="0"/>
           </a:p>
@@ -12376,7 +11594,7 @@
 </p:sld>
 </file>
 
-<file path=ppt/slides/slide24.xml><?xml version="1.0" encoding="utf-8"?>
+<file path=ppt/slides/slide22.xml><?xml version="1.0" encoding="utf-8"?>
 <p:sld xmlns:a="http://schemas.openxmlformats.org/drawingml/2006/main" xmlns:r="http://schemas.openxmlformats.org/officeDocument/2006/relationships" xmlns:p="http://schemas.openxmlformats.org/presentationml/2006/main">
   <p:cSld>
     <p:spTree>
@@ -12434,7 +11652,7 @@
             <a:fld id="{57D12BB6-0ED4-46B6-AB23-7758AD07EFBF}" type="slidenum">
               <a:rPr lang="de-DE" smtClean="0"/>
               <a:pPr/>
-              <a:t>24</a:t>
+              <a:t>22</a:t>
             </a:fld>
             <a:endParaRPr lang="de-DE" dirty="0"/>
           </a:p>
@@ -17890,7 +17108,7 @@
 </p:sld>
 </file>
 
-<file path=ppt/slides/slide25.xml><?xml version="1.0" encoding="utf-8"?>
+<file path=ppt/slides/slide23.xml><?xml version="1.0" encoding="utf-8"?>
 <p:sld xmlns:a="http://schemas.openxmlformats.org/drawingml/2006/main" xmlns:r="http://schemas.openxmlformats.org/officeDocument/2006/relationships" xmlns:p="http://schemas.openxmlformats.org/presentationml/2006/main">
   <p:cSld>
     <p:spTree>
@@ -17994,7 +17212,7 @@
             <a:fld id="{57D12BB6-0ED4-46B6-AB23-7758AD07EFBF}" type="slidenum">
               <a:rPr lang="de-DE" smtClean="0"/>
               <a:pPr/>
-              <a:t>25</a:t>
+              <a:t>23</a:t>
             </a:fld>
             <a:endParaRPr lang="de-DE" dirty="0"/>
           </a:p>
@@ -18014,7 +17232,7 @@
 </p:sld>
 </file>
 
-<file path=ppt/slides/slide26.xml><?xml version="1.0" encoding="utf-8"?>
+<file path=ppt/slides/slide24.xml><?xml version="1.0" encoding="utf-8"?>
 <p:sld xmlns:a="http://schemas.openxmlformats.org/drawingml/2006/main" xmlns:r="http://schemas.openxmlformats.org/officeDocument/2006/relationships" xmlns:p="http://schemas.openxmlformats.org/presentationml/2006/main">
   <p:cSld>
     <p:spTree>
@@ -18072,7 +17290,7 @@
             <a:fld id="{57D12BB6-0ED4-46B6-AB23-7758AD07EFBF}" type="slidenum">
               <a:rPr lang="de-DE" smtClean="0"/>
               <a:pPr/>
-              <a:t>26</a:t>
+              <a:t>24</a:t>
             </a:fld>
             <a:endParaRPr lang="de-DE" dirty="0"/>
           </a:p>
@@ -18336,6 +17554,488 @@
     <p:extLst>
       <p:ext uri="{BB962C8B-B14F-4D97-AF65-F5344CB8AC3E}">
         <p14:creationId xmlns:p14="http://schemas.microsoft.com/office/powerpoint/2010/main" val="3715255307"/>
+      </p:ext>
+    </p:extLst>
+  </p:cSld>
+  <p:clrMapOvr>
+    <a:masterClrMapping/>
+  </p:clrMapOvr>
+  <p:transition/>
+</p:sld>
+</file>
+
+<file path=ppt/slides/slide25.xml><?xml version="1.0" encoding="utf-8"?>
+<p:sld xmlns:a="http://schemas.openxmlformats.org/drawingml/2006/main" xmlns:r="http://schemas.openxmlformats.org/officeDocument/2006/relationships" xmlns:p="http://schemas.openxmlformats.org/presentationml/2006/main">
+  <p:cSld>
+    <p:spTree>
+      <p:nvGrpSpPr>
+        <p:cNvPr id="1" name=""/>
+        <p:cNvGrpSpPr/>
+        <p:nvPr/>
+      </p:nvGrpSpPr>
+      <p:grpSpPr>
+        <a:xfrm>
+          <a:off x="0" y="0"/>
+          <a:ext cx="0" cy="0"/>
+          <a:chOff x="0" y="0"/>
+          <a:chExt cx="0" cy="0"/>
+        </a:xfrm>
+      </p:grpSpPr>
+      <p:sp>
+        <p:nvSpPr>
+          <p:cNvPr id="3" name="Fußzeilenplatzhalter 2"/>
+          <p:cNvSpPr>
+            <a:spLocks noGrp="1"/>
+          </p:cNvSpPr>
+          <p:nvPr>
+            <p:ph type="ftr" sz="quarter" idx="10"/>
+          </p:nvPr>
+        </p:nvSpPr>
+        <p:spPr/>
+        <p:txBody>
+          <a:bodyPr/>
+          <a:lstStyle/>
+          <a:p>
+            <a:r>
+              <a:rPr lang="en-US" altLang="de-DE" dirty="0"/>
+              <a:t>Hochschule Mannheim University of Applied Sciences | Marvin Karhan</a:t>
+            </a:r>
+            <a:endParaRPr lang="de-DE" altLang="de-DE" dirty="0"/>
+          </a:p>
+        </p:txBody>
+      </p:sp>
+      <p:sp>
+        <p:nvSpPr>
+          <p:cNvPr id="4" name="Foliennummernplatzhalter 3"/>
+          <p:cNvSpPr>
+            <a:spLocks noGrp="1"/>
+          </p:cNvSpPr>
+          <p:nvPr>
+            <p:ph type="sldNum" sz="quarter" idx="11"/>
+          </p:nvPr>
+        </p:nvSpPr>
+        <p:spPr/>
+        <p:txBody>
+          <a:bodyPr/>
+          <a:lstStyle/>
+          <a:p>
+            <a:fld id="{57D12BB6-0ED4-46B6-AB23-7758AD07EFBF}" type="slidenum">
+              <a:rPr lang="de-DE" smtClean="0"/>
+              <a:pPr/>
+              <a:t>25</a:t>
+            </a:fld>
+            <a:endParaRPr lang="de-DE" dirty="0"/>
+          </a:p>
+        </p:txBody>
+      </p:sp>
+      <p:sp>
+        <p:nvSpPr>
+          <p:cNvPr id="5" name="Rectangle 2"/>
+          <p:cNvSpPr>
+            <a:spLocks noGrp="1" noChangeArrowheads="1"/>
+          </p:cNvSpPr>
+          <p:nvPr>
+            <p:ph type="title"/>
+          </p:nvPr>
+        </p:nvSpPr>
+        <p:spPr>
+          <a:xfrm>
+            <a:off x="971550" y="1404000"/>
+            <a:ext cx="7704138" cy="792162"/>
+          </a:xfrm>
+        </p:spPr>
+        <p:txBody>
+          <a:bodyPr/>
+          <a:lstStyle/>
+          <a:p>
+            <a:r>
+              <a:rPr lang="de-DE" altLang="de-DE" dirty="0"/>
+              <a:t>Probleme</a:t>
+            </a:r>
+          </a:p>
+        </p:txBody>
+      </p:sp>
+      <p:sp>
+        <p:nvSpPr>
+          <p:cNvPr id="6" name="Rectangle 3"/>
+          <p:cNvSpPr txBox="1">
+            <a:spLocks noChangeArrowheads="1"/>
+          </p:cNvSpPr>
+          <p:nvPr/>
+        </p:nvSpPr>
+        <p:spPr>
+          <a:xfrm>
+            <a:off x="971550" y="2160000"/>
+            <a:ext cx="7677150" cy="3600450"/>
+          </a:xfrm>
+          <a:prstGeom prst="rect">
+            <a:avLst/>
+          </a:prstGeom>
+        </p:spPr>
+        <p:txBody>
+          <a:bodyPr lIns="91440" tIns="45720" rIns="91440" bIns="45720" anchor="t"/>
+          <a:lstStyle>
+            <a:lvl1pPr algn="l" rtl="0" eaLnBrk="1" fontAlgn="base" hangingPunct="1">
+              <a:lnSpc>
+                <a:spcPct val="110000"/>
+              </a:lnSpc>
+              <a:spcBef>
+                <a:spcPct val="0"/>
+              </a:spcBef>
+              <a:spcAft>
+                <a:spcPct val="20000"/>
+              </a:spcAft>
+              <a:defRPr>
+                <a:solidFill>
+                  <a:schemeClr val="tx1"/>
+                </a:solidFill>
+                <a:latin typeface="+mn-lt"/>
+                <a:ea typeface="+mn-ea"/>
+                <a:cs typeface="+mn-cs"/>
+              </a:defRPr>
+            </a:lvl1pPr>
+            <a:lvl2pPr marL="182563" indent="-180975" algn="l" rtl="0" eaLnBrk="1" fontAlgn="base" hangingPunct="1">
+              <a:lnSpc>
+                <a:spcPct val="110000"/>
+              </a:lnSpc>
+              <a:spcBef>
+                <a:spcPct val="0"/>
+              </a:spcBef>
+              <a:spcAft>
+                <a:spcPct val="20000"/>
+              </a:spcAft>
+              <a:buFont typeface="Arial" charset="0"/>
+              <a:buChar char="•"/>
+              <a:defRPr>
+                <a:solidFill>
+                  <a:schemeClr val="tx1"/>
+                </a:solidFill>
+                <a:latin typeface="+mn-lt"/>
+              </a:defRPr>
+            </a:lvl2pPr>
+            <a:lvl3pPr marL="366713" indent="-182563" algn="l" rtl="0" eaLnBrk="1" fontAlgn="base" hangingPunct="1">
+              <a:lnSpc>
+                <a:spcPct val="110000"/>
+              </a:lnSpc>
+              <a:spcBef>
+                <a:spcPct val="0"/>
+              </a:spcBef>
+              <a:spcAft>
+                <a:spcPct val="20000"/>
+              </a:spcAft>
+              <a:buFont typeface="Arial" charset="0"/>
+              <a:buChar char="•"/>
+              <a:defRPr>
+                <a:solidFill>
+                  <a:schemeClr val="tx1"/>
+                </a:solidFill>
+                <a:latin typeface="+mn-lt"/>
+              </a:defRPr>
+            </a:lvl3pPr>
+            <a:lvl4pPr marL="552450" indent="-184150" algn="l" rtl="0" eaLnBrk="1" fontAlgn="base" hangingPunct="1">
+              <a:lnSpc>
+                <a:spcPct val="110000"/>
+              </a:lnSpc>
+              <a:spcBef>
+                <a:spcPct val="0"/>
+              </a:spcBef>
+              <a:spcAft>
+                <a:spcPct val="20000"/>
+              </a:spcAft>
+              <a:buFont typeface="Arial" charset="0"/>
+              <a:buChar char="•"/>
+              <a:defRPr>
+                <a:solidFill>
+                  <a:schemeClr val="tx1"/>
+                </a:solidFill>
+                <a:latin typeface="+mn-lt"/>
+              </a:defRPr>
+            </a:lvl4pPr>
+            <a:lvl5pPr marL="738188" indent="-184150" algn="l" rtl="0" eaLnBrk="1" fontAlgn="base" hangingPunct="1">
+              <a:lnSpc>
+                <a:spcPct val="110000"/>
+              </a:lnSpc>
+              <a:spcBef>
+                <a:spcPct val="0"/>
+              </a:spcBef>
+              <a:spcAft>
+                <a:spcPct val="20000"/>
+              </a:spcAft>
+              <a:buFont typeface="Arial" charset="0"/>
+              <a:buChar char="•"/>
+              <a:defRPr>
+                <a:solidFill>
+                  <a:schemeClr val="tx1"/>
+                </a:solidFill>
+                <a:latin typeface="+mn-lt"/>
+              </a:defRPr>
+            </a:lvl5pPr>
+            <a:lvl6pPr marL="1195388" indent="-184150" algn="l" rtl="0" eaLnBrk="1" fontAlgn="base" hangingPunct="1">
+              <a:lnSpc>
+                <a:spcPct val="110000"/>
+              </a:lnSpc>
+              <a:spcBef>
+                <a:spcPct val="0"/>
+              </a:spcBef>
+              <a:spcAft>
+                <a:spcPct val="20000"/>
+              </a:spcAft>
+              <a:buFont typeface="Arial" charset="0"/>
+              <a:buChar char="•"/>
+              <a:defRPr>
+                <a:solidFill>
+                  <a:schemeClr val="tx1"/>
+                </a:solidFill>
+                <a:latin typeface="+mn-lt"/>
+              </a:defRPr>
+            </a:lvl6pPr>
+            <a:lvl7pPr marL="1652588" indent="-184150" algn="l" rtl="0" eaLnBrk="1" fontAlgn="base" hangingPunct="1">
+              <a:lnSpc>
+                <a:spcPct val="110000"/>
+              </a:lnSpc>
+              <a:spcBef>
+                <a:spcPct val="0"/>
+              </a:spcBef>
+              <a:spcAft>
+                <a:spcPct val="20000"/>
+              </a:spcAft>
+              <a:buFont typeface="Arial" charset="0"/>
+              <a:buChar char="•"/>
+              <a:defRPr>
+                <a:solidFill>
+                  <a:schemeClr val="tx1"/>
+                </a:solidFill>
+                <a:latin typeface="+mn-lt"/>
+              </a:defRPr>
+            </a:lvl7pPr>
+            <a:lvl8pPr marL="2109788" indent="-184150" algn="l" rtl="0" eaLnBrk="1" fontAlgn="base" hangingPunct="1">
+              <a:lnSpc>
+                <a:spcPct val="110000"/>
+              </a:lnSpc>
+              <a:spcBef>
+                <a:spcPct val="0"/>
+              </a:spcBef>
+              <a:spcAft>
+                <a:spcPct val="20000"/>
+              </a:spcAft>
+              <a:buFont typeface="Arial" charset="0"/>
+              <a:buChar char="•"/>
+              <a:defRPr>
+                <a:solidFill>
+                  <a:schemeClr val="tx1"/>
+                </a:solidFill>
+                <a:latin typeface="+mn-lt"/>
+              </a:defRPr>
+            </a:lvl8pPr>
+            <a:lvl9pPr marL="2566988" indent="-184150" algn="l" rtl="0" eaLnBrk="1" fontAlgn="base" hangingPunct="1">
+              <a:lnSpc>
+                <a:spcPct val="110000"/>
+              </a:lnSpc>
+              <a:spcBef>
+                <a:spcPct val="0"/>
+              </a:spcBef>
+              <a:spcAft>
+                <a:spcPct val="20000"/>
+              </a:spcAft>
+              <a:buFont typeface="Arial" charset="0"/>
+              <a:buChar char="•"/>
+              <a:defRPr>
+                <a:solidFill>
+                  <a:schemeClr val="tx1"/>
+                </a:solidFill>
+                <a:latin typeface="+mn-lt"/>
+              </a:defRPr>
+            </a:lvl9pPr>
+          </a:lstStyle>
+          <a:p>
+            <a:pPr marL="182245" lvl="1"/>
+            <a:r>
+              <a:rPr lang="de-DE" altLang="de-DE" kern="0" dirty="0"/>
+              <a:t>Großes Netz </a:t>
+            </a:r>
+            <a:r>
+              <a:rPr lang="de-DE" dirty="0"/>
+              <a:t>⇒ lange Trainingsdauer</a:t>
+            </a:r>
+          </a:p>
+          <a:p>
+            <a:pPr marL="182245" lvl="1"/>
+            <a:r>
+              <a:rPr lang="de-DE" altLang="de-DE" kern="0" dirty="0"/>
+              <a:t>Neutraining immer mit Epoche 800 fortgeführt</a:t>
+            </a:r>
+          </a:p>
+          <a:p>
+            <a:pPr marL="182245" lvl="1"/>
+            <a:r>
+              <a:rPr lang="de-DE" altLang="de-DE" kern="0" dirty="0"/>
+              <a:t>Self-Play Elo </a:t>
+            </a:r>
+            <a:r>
+              <a:rPr lang="de-DE" b="0" i="0" dirty="0">
+                <a:solidFill>
+                  <a:srgbClr val="202122"/>
+                </a:solidFill>
+                <a:effectLst/>
+                <a:latin typeface="Arial" panose="020B0604020202020204" pitchFamily="34" charset="0"/>
+              </a:rPr>
+              <a:t>⇏</a:t>
+            </a:r>
+            <a:r>
+              <a:rPr lang="de-DE" b="0" i="0" kern="0" dirty="0">
+                <a:solidFill>
+                  <a:srgbClr val="202122"/>
+                </a:solidFill>
+                <a:effectLst/>
+                <a:latin typeface="Arial" panose="020B0604020202020204" pitchFamily="34" charset="0"/>
+              </a:rPr>
+              <a:t> </a:t>
+            </a:r>
+            <a:r>
+              <a:rPr lang="de-DE" b="0" i="0" kern="0">
+                <a:solidFill>
+                  <a:srgbClr val="202122"/>
+                </a:solidFill>
+                <a:effectLst/>
+                <a:latin typeface="Arial" panose="020B0604020202020204" pitchFamily="34" charset="0"/>
+              </a:rPr>
+              <a:t>tatsächlicher Elo</a:t>
+            </a:r>
+            <a:endParaRPr lang="de-DE" altLang="de-DE" kern="0" dirty="0">
+              <a:latin typeface="Arial"/>
+              <a:cs typeface="Arial"/>
+            </a:endParaRPr>
+          </a:p>
+        </p:txBody>
+      </p:sp>
+    </p:spTree>
+    <p:extLst>
+      <p:ext uri="{BB962C8B-B14F-4D97-AF65-F5344CB8AC3E}">
+        <p14:creationId xmlns:p14="http://schemas.microsoft.com/office/powerpoint/2010/main" val="2843017855"/>
+      </p:ext>
+    </p:extLst>
+  </p:cSld>
+  <p:clrMapOvr>
+    <a:masterClrMapping/>
+  </p:clrMapOvr>
+  <p:transition/>
+</p:sld>
+</file>
+
+<file path=ppt/slides/slide26.xml><?xml version="1.0" encoding="utf-8"?>
+<p:sld xmlns:a="http://schemas.openxmlformats.org/drawingml/2006/main" xmlns:r="http://schemas.openxmlformats.org/officeDocument/2006/relationships" xmlns:p="http://schemas.openxmlformats.org/presentationml/2006/main">
+  <p:cSld>
+    <p:spTree>
+      <p:nvGrpSpPr>
+        <p:cNvPr id="1" name=""/>
+        <p:cNvGrpSpPr/>
+        <p:nvPr/>
+      </p:nvGrpSpPr>
+      <p:grpSpPr>
+        <a:xfrm>
+          <a:off x="0" y="0"/>
+          <a:ext cx="0" cy="0"/>
+          <a:chOff x="0" y="0"/>
+          <a:chExt cx="0" cy="0"/>
+        </a:xfrm>
+      </p:grpSpPr>
+      <p:sp>
+        <p:nvSpPr>
+          <p:cNvPr id="2" name="Titel 1">
+            <a:extLst>
+              <a:ext uri="{FF2B5EF4-FFF2-40B4-BE49-F238E27FC236}">
+                <a16:creationId xmlns:a16="http://schemas.microsoft.com/office/drawing/2014/main" id="{F64A9751-63ED-04DE-9EEA-FC0C22828676}"/>
+              </a:ext>
+            </a:extLst>
+          </p:cNvPr>
+          <p:cNvSpPr>
+            <a:spLocks noGrp="1"/>
+          </p:cNvSpPr>
+          <p:nvPr>
+            <p:ph type="title"/>
+          </p:nvPr>
+        </p:nvSpPr>
+        <p:spPr>
+          <a:xfrm>
+            <a:off x="0" y="3246437"/>
+            <a:ext cx="9144000" cy="365125"/>
+          </a:xfrm>
+        </p:spPr>
+        <p:txBody>
+          <a:bodyPr/>
+          <a:lstStyle/>
+          <a:p>
+            <a:pPr algn="ctr"/>
+            <a:r>
+              <a:rPr lang="de-DE" sz="3600" dirty="0"/>
+              <a:t>Ausblick</a:t>
+            </a:r>
+          </a:p>
+        </p:txBody>
+      </p:sp>
+      <p:sp>
+        <p:nvSpPr>
+          <p:cNvPr id="3" name="Fußzeilenplatzhalter 2">
+            <a:extLst>
+              <a:ext uri="{FF2B5EF4-FFF2-40B4-BE49-F238E27FC236}">
+                <a16:creationId xmlns:a16="http://schemas.microsoft.com/office/drawing/2014/main" id="{D0DCF5F5-5C07-C213-58E3-5F856F047CB0}"/>
+              </a:ext>
+            </a:extLst>
+          </p:cNvPr>
+          <p:cNvSpPr>
+            <a:spLocks noGrp="1"/>
+          </p:cNvSpPr>
+          <p:nvPr>
+            <p:ph type="ftr" sz="quarter" idx="10"/>
+          </p:nvPr>
+        </p:nvSpPr>
+        <p:spPr/>
+        <p:txBody>
+          <a:bodyPr/>
+          <a:lstStyle/>
+          <a:p>
+            <a:r>
+              <a:rPr lang="en-US" altLang="de-DE" dirty="0"/>
+              <a:t>Hochschule Mannheim University of Applied Sciences | Marvin Karhan</a:t>
+            </a:r>
+            <a:endParaRPr lang="de-DE" altLang="de-DE" dirty="0"/>
+          </a:p>
+        </p:txBody>
+      </p:sp>
+      <p:sp>
+        <p:nvSpPr>
+          <p:cNvPr id="4" name="Foliennummernplatzhalter 3">
+            <a:extLst>
+              <a:ext uri="{FF2B5EF4-FFF2-40B4-BE49-F238E27FC236}">
+                <a16:creationId xmlns:a16="http://schemas.microsoft.com/office/drawing/2014/main" id="{355734E1-0407-D0AD-C1AA-D2C386B1FF85}"/>
+              </a:ext>
+            </a:extLst>
+          </p:cNvPr>
+          <p:cNvSpPr>
+            <a:spLocks noGrp="1"/>
+          </p:cNvSpPr>
+          <p:nvPr>
+            <p:ph type="sldNum" sz="quarter" idx="11"/>
+          </p:nvPr>
+        </p:nvSpPr>
+        <p:spPr/>
+        <p:txBody>
+          <a:bodyPr/>
+          <a:lstStyle/>
+          <a:p>
+            <a:fld id="{57D12BB6-0ED4-46B6-AB23-7758AD07EFBF}" type="slidenum">
+              <a:rPr lang="de-DE" smtClean="0"/>
+              <a:pPr/>
+              <a:t>26</a:t>
+            </a:fld>
+            <a:endParaRPr lang="de-DE" dirty="0"/>
+          </a:p>
+        </p:txBody>
+      </p:sp>
+    </p:spTree>
+    <p:extLst>
+      <p:ext uri="{BB962C8B-B14F-4D97-AF65-F5344CB8AC3E}">
+        <p14:creationId xmlns:p14="http://schemas.microsoft.com/office/powerpoint/2010/main" val="4294181191"/>
       </p:ext>
     </p:extLst>
   </p:cSld>
@@ -18432,7 +18132,7 @@
           <a:p>
             <a:r>
               <a:rPr lang="de-DE" altLang="de-DE" dirty="0"/>
-              <a:t>Probleme</a:t>
+              <a:t>Ausblick</a:t>
             </a:r>
           </a:p>
         </p:txBody>
@@ -18633,91 +18333,49 @@
             <a:pPr marL="182245" lvl="1"/>
             <a:r>
               <a:rPr lang="de-DE" altLang="de-DE" kern="0" dirty="0"/>
-              <a:t>Großes Netz </a:t>
-            </a:r>
-            <a:r>
-              <a:rPr lang="de-DE" dirty="0"/>
-              <a:t>⇒ lange Trainingsdauer</a:t>
-            </a:r>
+              <a:t>Anderen Optimierungsalgorithmus verwenden (z. B. </a:t>
+            </a:r>
+            <a:r>
+              <a:rPr lang="de-DE" kern="0" dirty="0" err="1"/>
+              <a:t>Adan</a:t>
+            </a:r>
+            <a:r>
+              <a:rPr lang="de-DE" kern="0" dirty="0"/>
+              <a:t>)</a:t>
+            </a:r>
+            <a:endParaRPr lang="de-DE"/>
           </a:p>
           <a:p>
             <a:pPr marL="182245" lvl="1"/>
             <a:r>
-              <a:rPr lang="de-DE" altLang="de-DE" kern="0" dirty="0"/>
-              <a:t>Neutraining immer mit Epoche 800 fortgeführt</a:t>
-            </a:r>
+              <a:rPr lang="de-DE" kern="0" dirty="0" err="1"/>
+              <a:t>Buckets</a:t>
+            </a:r>
+            <a:endParaRPr lang="de-DE" kern="0" dirty="0">
+              <a:cs typeface="Arial"/>
+            </a:endParaRPr>
           </a:p>
           <a:p>
             <a:pPr marL="182245" lvl="1"/>
             <a:r>
-              <a:rPr lang="de-DE" altLang="de-DE" kern="0" dirty="0"/>
-              <a:t>Self-Play Elo </a:t>
-            </a:r>
-            <a:r>
-              <a:rPr lang="de-DE" b="0" i="0" dirty="0">
-                <a:solidFill>
-                  <a:srgbClr val="202122"/>
-                </a:solidFill>
-                <a:effectLst/>
-                <a:latin typeface="Arial" panose="020B0604020202020204" pitchFamily="34" charset="0"/>
-              </a:rPr>
-              <a:t>⇏</a:t>
-            </a:r>
-            <a:r>
-              <a:rPr lang="de-DE" b="0" i="0" kern="0" dirty="0">
-                <a:solidFill>
-                  <a:srgbClr val="202122"/>
-                </a:solidFill>
-                <a:effectLst/>
-                <a:latin typeface="Arial" panose="020B0604020202020204" pitchFamily="34" charset="0"/>
-              </a:rPr>
-              <a:t> tatsächlicher Elo</a:t>
-            </a:r>
-          </a:p>
-          <a:p>
-            <a:pPr lvl="1"/>
-            <a:r>
-              <a:rPr lang="de-DE" altLang="de-DE" kern="0" dirty="0">
-                <a:solidFill>
-                  <a:srgbClr val="202122"/>
-                </a:solidFill>
-                <a:latin typeface="Arial" panose="020B0604020202020204" pitchFamily="34" charset="0"/>
-              </a:rPr>
-              <a:t>Initiale Implementierung schwer zu debuggen</a:t>
-            </a:r>
-          </a:p>
-          <a:p>
-            <a:pPr lvl="1"/>
-            <a:r>
-              <a:rPr lang="de-DE" altLang="de-DE" kern="0" dirty="0" err="1">
-                <a:solidFill>
-                  <a:srgbClr val="202122"/>
-                </a:solidFill>
-                <a:latin typeface="Arial" panose="020B0604020202020204" pitchFamily="34" charset="0"/>
-              </a:rPr>
-              <a:t>Overfitting</a:t>
-            </a:r>
-            <a:endParaRPr lang="de-DE" altLang="de-DE" kern="0" dirty="0">
-              <a:solidFill>
-                <a:srgbClr val="202122"/>
-              </a:solidFill>
-              <a:latin typeface="Arial" panose="020B0604020202020204" pitchFamily="34" charset="0"/>
+              <a:rPr lang="de-DE" kern="0" dirty="0"/>
+              <a:t>Feature </a:t>
+            </a:r>
+            <a:r>
+              <a:rPr lang="de-DE" kern="0" dirty="0" err="1"/>
+              <a:t>Factorization</a:t>
+            </a:r>
+            <a:endParaRPr lang="de-DE" kern="0" dirty="0">
+              <a:cs typeface="Arial"/>
             </a:endParaRPr>
           </a:p>
           <a:p>
             <a:pPr marL="182245" lvl="1"/>
             <a:r>
-              <a:rPr lang="de-DE" altLang="de-DE" kern="0" dirty="0">
-                <a:solidFill>
-                  <a:srgbClr val="202122"/>
-                </a:solidFill>
-                <a:latin typeface="Arial"/>
-                <a:cs typeface="Arial"/>
-              </a:rPr>
-              <a:t>Nicht optimaler SIMD Code</a:t>
-            </a:r>
-            <a:endParaRPr lang="de-DE" altLang="de-DE" kern="0" dirty="0">
-              <a:latin typeface="Arial"/>
+              <a:rPr lang="de-DE" kern="0" dirty="0"/>
+              <a:t>Eigene Trainingsdaten</a:t>
+            </a:r>
+            <a:endParaRPr lang="de-DE" kern="0" dirty="0">
               <a:cs typeface="Arial"/>
             </a:endParaRPr>
           </a:p>
@@ -18726,7 +18384,7 @@
     </p:spTree>
     <p:extLst>
       <p:ext uri="{BB962C8B-B14F-4D97-AF65-F5344CB8AC3E}">
-        <p14:creationId xmlns:p14="http://schemas.microsoft.com/office/powerpoint/2010/main" val="2843017855"/>
+        <p14:creationId xmlns:p14="http://schemas.microsoft.com/office/powerpoint/2010/main" val="2695230317"/>
       </p:ext>
     </p:extLst>
   </p:cSld>
@@ -18783,7 +18441,7 @@
             <a:pPr algn="ctr"/>
             <a:r>
               <a:rPr lang="de-DE" sz="3600" dirty="0"/>
-              <a:t>Ausblick</a:t>
+              <a:t>Demo</a:t>
             </a:r>
           </a:p>
         </p:txBody>
@@ -18847,10 +18505,48 @@
           </a:p>
         </p:txBody>
       </p:sp>
+      <p:sp>
+        <p:nvSpPr>
+          <p:cNvPr id="6" name="Textfeld 5">
+            <a:extLst>
+              <a:ext uri="{FF2B5EF4-FFF2-40B4-BE49-F238E27FC236}">
+                <a16:creationId xmlns:a16="http://schemas.microsoft.com/office/drawing/2014/main" id="{221FF201-6582-F746-0D6F-30C1BF54BE83}"/>
+              </a:ext>
+            </a:extLst>
+          </p:cNvPr>
+          <p:cNvSpPr txBox="1"/>
+          <p:nvPr/>
+        </p:nvSpPr>
+        <p:spPr>
+          <a:xfrm>
+            <a:off x="2286000" y="3273758"/>
+            <a:ext cx="4572000" cy="369332"/>
+          </a:xfrm>
+          <a:prstGeom prst="rect">
+            <a:avLst/>
+          </a:prstGeom>
+          <a:noFill/>
+        </p:spPr>
+        <p:txBody>
+          <a:bodyPr wrap="square">
+            <a:spAutoFit/>
+          </a:bodyPr>
+          <a:lstStyle/>
+          <a:p>
+            <a:r>
+              <a:rPr lang="de-DE" b="0" dirty="0">
+                <a:effectLst/>
+              </a:rPr>
+              <a:t> </a:t>
+            </a:r>
+            <a:endParaRPr lang="de-DE" dirty="0"/>
+          </a:p>
+        </p:txBody>
+      </p:sp>
     </p:spTree>
     <p:extLst>
       <p:ext uri="{BB962C8B-B14F-4D97-AF65-F5344CB8AC3E}">
-        <p14:creationId xmlns:p14="http://schemas.microsoft.com/office/powerpoint/2010/main" val="4294181191"/>
+        <p14:creationId xmlns:p14="http://schemas.microsoft.com/office/powerpoint/2010/main" val="2418397784"/>
       </p:ext>
     </p:extLst>
   </p:cSld>
@@ -18894,10 +18590,12 @@
           <a:lstStyle/>
           <a:p>
             <a:r>
-              <a:rPr lang="en-US" altLang="de-DE" dirty="0"/>
+              <a:rPr lang="en-US" altLang="de-DE" dirty="0">
+                <a:latin typeface="Arial"/>
+                <a:cs typeface="Arial"/>
+              </a:rPr>
               <a:t>Hochschule Mannheim University of Applied Sciences | Marvin Karhan</a:t>
             </a:r>
-            <a:endParaRPr lang="de-DE" altLang="de-DE" dirty="0"/>
           </a:p>
         </p:txBody>
       </p:sp>
@@ -18927,52 +18625,113 @@
       </p:sp>
       <p:sp>
         <p:nvSpPr>
-          <p:cNvPr id="5" name="Rectangle 2"/>
+          <p:cNvPr id="5" name="Rectangle 10"/>
           <p:cNvSpPr>
-            <a:spLocks noGrp="1" noChangeArrowheads="1"/>
+            <a:spLocks noChangeArrowheads="1"/>
           </p:cNvSpPr>
-          <p:nvPr>
-            <p:ph type="title"/>
-          </p:nvPr>
+          <p:nvPr/>
         </p:nvSpPr>
-        <p:spPr>
+        <p:spPr bwMode="gray">
           <a:xfrm>
             <a:off x="971550" y="1404000"/>
             <a:ext cx="7704138" cy="792162"/>
           </a:xfrm>
-        </p:spPr>
-        <p:txBody>
-          <a:bodyPr/>
-          <a:lstStyle/>
-          <a:p>
-            <a:r>
-              <a:rPr lang="de-DE" altLang="de-DE" dirty="0"/>
-              <a:t>Ausblick</a:t>
-            </a:r>
-          </a:p>
-        </p:txBody>
-      </p:sp>
-      <p:sp>
-        <p:nvSpPr>
-          <p:cNvPr id="6" name="Rectangle 3"/>
-          <p:cNvSpPr txBox="1">
-            <a:spLocks noChangeArrowheads="1"/>
-          </p:cNvSpPr>
-          <p:nvPr/>
-        </p:nvSpPr>
-        <p:spPr>
-          <a:xfrm>
-            <a:off x="971550" y="2160000"/>
-            <a:ext cx="7677150" cy="3600450"/>
-          </a:xfrm>
           <a:prstGeom prst="rect">
             <a:avLst/>
           </a:prstGeom>
+          <a:noFill/>
+          <a:ln>
+            <a:noFill/>
+          </a:ln>
+          <a:effectLst/>
+          <a:extLst>
+            <a:ext uri="{909E8E84-426E-40DD-AFC4-6F175D3DCCD1}">
+              <a14:hiddenFill xmlns:a14="http://schemas.microsoft.com/office/drawing/2010/main">
+                <a:solidFill>
+                  <a:schemeClr val="accent1"/>
+                </a:solidFill>
+              </a14:hiddenFill>
+            </a:ext>
+            <a:ext uri="{91240B29-F687-4F45-9708-019B960494DF}">
+              <a14:hiddenLine xmlns:a14="http://schemas.microsoft.com/office/drawing/2010/main" w="9525">
+                <a:solidFill>
+                  <a:schemeClr val="tx1"/>
+                </a:solidFill>
+                <a:miter lim="800000"/>
+                <a:headEnd/>
+                <a:tailEnd/>
+              </a14:hiddenLine>
+            </a:ext>
+            <a:ext uri="{AF507438-7753-43E0-B8FC-AC1667EBCBE1}">
+              <a14:hiddenEffects xmlns:a14="http://schemas.microsoft.com/office/drawing/2010/main">
+                <a:effectLst>
+                  <a:outerShdw dist="35921" dir="2700000" algn="ctr" rotWithShape="0">
+                    <a:schemeClr val="bg2"/>
+                  </a:outerShdw>
+                </a:effectLst>
+              </a14:hiddenEffects>
+            </a:ext>
+          </a:extLst>
         </p:spPr>
         <p:txBody>
-          <a:bodyPr lIns="91440" tIns="45720" rIns="91440" bIns="45720" anchor="t"/>
+          <a:bodyPr lIns="0" tIns="0" rIns="0" bIns="0"/>
           <a:lstStyle>
-            <a:lvl1pPr algn="l" rtl="0" eaLnBrk="1" fontAlgn="base" hangingPunct="1">
+            <a:lvl1pPr algn="l">
+              <a:lnSpc>
+                <a:spcPct val="110000"/>
+              </a:lnSpc>
+              <a:defRPr sz="2200" b="1">
+                <a:solidFill>
+                  <a:schemeClr val="bg1"/>
+                </a:solidFill>
+                <a:latin typeface="Arial" charset="0"/>
+              </a:defRPr>
+            </a:lvl1pPr>
+            <a:lvl2pPr algn="l">
+              <a:lnSpc>
+                <a:spcPct val="110000"/>
+              </a:lnSpc>
+              <a:defRPr sz="2200" b="1">
+                <a:solidFill>
+                  <a:schemeClr val="bg1"/>
+                </a:solidFill>
+                <a:latin typeface="Arial" charset="0"/>
+              </a:defRPr>
+            </a:lvl2pPr>
+            <a:lvl3pPr algn="l">
+              <a:lnSpc>
+                <a:spcPct val="110000"/>
+              </a:lnSpc>
+              <a:defRPr sz="2200" b="1">
+                <a:solidFill>
+                  <a:schemeClr val="bg1"/>
+                </a:solidFill>
+                <a:latin typeface="Arial" charset="0"/>
+              </a:defRPr>
+            </a:lvl3pPr>
+            <a:lvl4pPr algn="l">
+              <a:lnSpc>
+                <a:spcPct val="110000"/>
+              </a:lnSpc>
+              <a:defRPr sz="2200" b="1">
+                <a:solidFill>
+                  <a:schemeClr val="bg1"/>
+                </a:solidFill>
+                <a:latin typeface="Arial" charset="0"/>
+              </a:defRPr>
+            </a:lvl4pPr>
+            <a:lvl5pPr algn="l">
+              <a:lnSpc>
+                <a:spcPct val="110000"/>
+              </a:lnSpc>
+              <a:defRPr sz="2200" b="1">
+                <a:solidFill>
+                  <a:schemeClr val="bg1"/>
+                </a:solidFill>
+                <a:latin typeface="Arial" charset="0"/>
+              </a:defRPr>
+            </a:lvl5pPr>
+            <a:lvl6pPr marL="457200" fontAlgn="base">
               <a:lnSpc>
                 <a:spcPct val="110000"/>
               </a:lnSpc>
@@ -18980,18 +18739,208 @@
                 <a:spcPct val="0"/>
               </a:spcBef>
               <a:spcAft>
+                <a:spcPct val="0"/>
+              </a:spcAft>
+              <a:defRPr sz="2200" b="1">
+                <a:solidFill>
+                  <a:schemeClr val="bg1"/>
+                </a:solidFill>
+                <a:latin typeface="Arial" charset="0"/>
+              </a:defRPr>
+            </a:lvl6pPr>
+            <a:lvl7pPr marL="914400" fontAlgn="base">
+              <a:lnSpc>
+                <a:spcPct val="110000"/>
+              </a:lnSpc>
+              <a:spcBef>
+                <a:spcPct val="0"/>
+              </a:spcBef>
+              <a:spcAft>
+                <a:spcPct val="0"/>
+              </a:spcAft>
+              <a:defRPr sz="2200" b="1">
+                <a:solidFill>
+                  <a:schemeClr val="bg1"/>
+                </a:solidFill>
+                <a:latin typeface="Arial" charset="0"/>
+              </a:defRPr>
+            </a:lvl7pPr>
+            <a:lvl8pPr marL="1371600" fontAlgn="base">
+              <a:lnSpc>
+                <a:spcPct val="110000"/>
+              </a:lnSpc>
+              <a:spcBef>
+                <a:spcPct val="0"/>
+              </a:spcBef>
+              <a:spcAft>
+                <a:spcPct val="0"/>
+              </a:spcAft>
+              <a:defRPr sz="2200" b="1">
+                <a:solidFill>
+                  <a:schemeClr val="bg1"/>
+                </a:solidFill>
+                <a:latin typeface="Arial" charset="0"/>
+              </a:defRPr>
+            </a:lvl8pPr>
+            <a:lvl9pPr marL="1828800" fontAlgn="base">
+              <a:lnSpc>
+                <a:spcPct val="110000"/>
+              </a:lnSpc>
+              <a:spcBef>
+                <a:spcPct val="0"/>
+              </a:spcBef>
+              <a:spcAft>
+                <a:spcPct val="0"/>
+              </a:spcAft>
+              <a:defRPr sz="2200" b="1">
+                <a:solidFill>
+                  <a:schemeClr val="bg1"/>
+                </a:solidFill>
+                <a:latin typeface="Arial" charset="0"/>
+              </a:defRPr>
+            </a:lvl9pPr>
+          </a:lstStyle>
+          <a:p>
+            <a:pPr eaLnBrk="1" hangingPunct="1"/>
+            <a:r>
+              <a:rPr lang="de-DE" altLang="de-DE" dirty="0">
+                <a:solidFill>
+                  <a:schemeClr val="tx2"/>
+                </a:solidFill>
+              </a:rPr>
+              <a:t>Danke für Ihre Aufmerksamkeit</a:t>
+            </a:r>
+          </a:p>
+        </p:txBody>
+      </p:sp>
+      <p:sp>
+        <p:nvSpPr>
+          <p:cNvPr id="6" name="Rectangle 11"/>
+          <p:cNvSpPr>
+            <a:spLocks noChangeArrowheads="1"/>
+          </p:cNvSpPr>
+          <p:nvPr/>
+        </p:nvSpPr>
+        <p:spPr bwMode="gray">
+          <a:xfrm>
+            <a:off x="971550" y="2160000"/>
+            <a:ext cx="7704138" cy="1584325"/>
+          </a:xfrm>
+          <a:prstGeom prst="rect">
+            <a:avLst/>
+          </a:prstGeom>
+          <a:noFill/>
+          <a:ln>
+            <a:noFill/>
+          </a:ln>
+          <a:effectLst/>
+          <a:extLst>
+            <a:ext uri="{909E8E84-426E-40DD-AFC4-6F175D3DCCD1}">
+              <a14:hiddenFill xmlns:a14="http://schemas.microsoft.com/office/drawing/2010/main">
+                <a:solidFill>
+                  <a:schemeClr val="tx2"/>
+                </a:solidFill>
+              </a14:hiddenFill>
+            </a:ext>
+            <a:ext uri="{91240B29-F687-4F45-9708-019B960494DF}">
+              <a14:hiddenLine xmlns:a14="http://schemas.microsoft.com/office/drawing/2010/main" w="9525" algn="ctr">
+                <a:solidFill>
+                  <a:schemeClr val="tx1"/>
+                </a:solidFill>
+                <a:miter lim="800000"/>
+                <a:headEnd/>
+                <a:tailEnd/>
+              </a14:hiddenLine>
+            </a:ext>
+            <a:ext uri="{AF507438-7753-43E0-B8FC-AC1667EBCBE1}">
+              <a14:hiddenEffects xmlns:a14="http://schemas.microsoft.com/office/drawing/2010/main">
+                <a:effectLst>
+                  <a:outerShdw dist="35921" dir="2700000" algn="ctr" rotWithShape="0">
+                    <a:schemeClr val="bg2"/>
+                  </a:outerShdw>
+                </a:effectLst>
+              </a14:hiddenEffects>
+            </a:ext>
+          </a:extLst>
+        </p:spPr>
+        <p:txBody>
+          <a:bodyPr lIns="0" tIns="0" rIns="0" bIns="0"/>
+          <a:lstStyle>
+            <a:lvl1pPr algn="l">
+              <a:lnSpc>
+                <a:spcPct val="110000"/>
+              </a:lnSpc>
+              <a:spcAft>
                 <a:spcPct val="20000"/>
               </a:spcAft>
               <a:defRPr>
                 <a:solidFill>
-                  <a:schemeClr val="tx1"/>
-                </a:solidFill>
-                <a:latin typeface="+mn-lt"/>
-                <a:ea typeface="+mn-ea"/>
-                <a:cs typeface="+mn-cs"/>
+                  <a:srgbClr val="A1D0E5"/>
+                </a:solidFill>
+                <a:latin typeface="Arial" charset="0"/>
               </a:defRPr>
             </a:lvl1pPr>
-            <a:lvl2pPr marL="182563" indent="-180975" algn="l" rtl="0" eaLnBrk="1" fontAlgn="base" hangingPunct="1">
+            <a:lvl2pPr marL="671513">
+              <a:lnSpc>
+                <a:spcPct val="110000"/>
+              </a:lnSpc>
+              <a:spcAft>
+                <a:spcPct val="20000"/>
+              </a:spcAft>
+              <a:buFont typeface="Arial" charset="0"/>
+              <a:defRPr>
+                <a:solidFill>
+                  <a:schemeClr val="tx1"/>
+                </a:solidFill>
+                <a:latin typeface="Arial" charset="0"/>
+              </a:defRPr>
+            </a:lvl2pPr>
+            <a:lvl3pPr marL="1319213">
+              <a:lnSpc>
+                <a:spcPct val="110000"/>
+              </a:lnSpc>
+              <a:spcAft>
+                <a:spcPct val="20000"/>
+              </a:spcAft>
+              <a:buFont typeface="Arial" charset="0"/>
+              <a:defRPr>
+                <a:solidFill>
+                  <a:schemeClr val="tx1"/>
+                </a:solidFill>
+                <a:latin typeface="Arial" charset="0"/>
+              </a:defRPr>
+            </a:lvl3pPr>
+            <a:lvl4pPr marL="1966913">
+              <a:lnSpc>
+                <a:spcPct val="110000"/>
+              </a:lnSpc>
+              <a:spcAft>
+                <a:spcPct val="20000"/>
+              </a:spcAft>
+              <a:buFont typeface="Arial" charset="0"/>
+              <a:defRPr>
+                <a:solidFill>
+                  <a:schemeClr val="tx1"/>
+                </a:solidFill>
+                <a:latin typeface="Arial" charset="0"/>
+              </a:defRPr>
+            </a:lvl4pPr>
+            <a:lvl5pPr marL="2614613">
+              <a:lnSpc>
+                <a:spcPct val="110000"/>
+              </a:lnSpc>
+              <a:spcAft>
+                <a:spcPct val="20000"/>
+              </a:spcAft>
+              <a:buFont typeface="Arial" charset="0"/>
+              <a:defRPr>
+                <a:solidFill>
+                  <a:schemeClr val="tx1"/>
+                </a:solidFill>
+                <a:latin typeface="Arial" charset="0"/>
+              </a:defRPr>
+            </a:lvl5pPr>
+            <a:lvl6pPr marL="3071813" algn="ctr" fontAlgn="base">
               <a:lnSpc>
                 <a:spcPct val="110000"/>
               </a:lnSpc>
@@ -19002,15 +18951,14 @@
                 <a:spcPct val="20000"/>
               </a:spcAft>
               <a:buFont typeface="Arial" charset="0"/>
-              <a:buChar char="•"/>
               <a:defRPr>
                 <a:solidFill>
                   <a:schemeClr val="tx1"/>
                 </a:solidFill>
-                <a:latin typeface="+mn-lt"/>
+                <a:latin typeface="Arial" charset="0"/>
               </a:defRPr>
-            </a:lvl2pPr>
-            <a:lvl3pPr marL="366713" indent="-182563" algn="l" rtl="0" eaLnBrk="1" fontAlgn="base" hangingPunct="1">
+            </a:lvl6pPr>
+            <a:lvl7pPr marL="3529013" algn="ctr" fontAlgn="base">
               <a:lnSpc>
                 <a:spcPct val="110000"/>
               </a:lnSpc>
@@ -19021,15 +18969,14 @@
                 <a:spcPct val="20000"/>
               </a:spcAft>
               <a:buFont typeface="Arial" charset="0"/>
-              <a:buChar char="•"/>
               <a:defRPr>
                 <a:solidFill>
                   <a:schemeClr val="tx1"/>
                 </a:solidFill>
-                <a:latin typeface="+mn-lt"/>
+                <a:latin typeface="Arial" charset="0"/>
               </a:defRPr>
-            </a:lvl3pPr>
-            <a:lvl4pPr marL="552450" indent="-184150" algn="l" rtl="0" eaLnBrk="1" fontAlgn="base" hangingPunct="1">
+            </a:lvl7pPr>
+            <a:lvl8pPr marL="3986213" algn="ctr" fontAlgn="base">
               <a:lnSpc>
                 <a:spcPct val="110000"/>
               </a:lnSpc>
@@ -19040,15 +18987,14 @@
                 <a:spcPct val="20000"/>
               </a:spcAft>
               <a:buFont typeface="Arial" charset="0"/>
-              <a:buChar char="•"/>
               <a:defRPr>
                 <a:solidFill>
                   <a:schemeClr val="tx1"/>
                 </a:solidFill>
-                <a:latin typeface="+mn-lt"/>
+                <a:latin typeface="Arial" charset="0"/>
               </a:defRPr>
-            </a:lvl4pPr>
-            <a:lvl5pPr marL="738188" indent="-184150" algn="l" rtl="0" eaLnBrk="1" fontAlgn="base" hangingPunct="1">
+            </a:lvl8pPr>
+            <a:lvl9pPr marL="4443413" algn="ctr" fontAlgn="base">
               <a:lnSpc>
                 <a:spcPct val="110000"/>
               </a:lnSpc>
@@ -19059,139 +19005,59 @@
                 <a:spcPct val="20000"/>
               </a:spcAft>
               <a:buFont typeface="Arial" charset="0"/>
-              <a:buChar char="•"/>
               <a:defRPr>
                 <a:solidFill>
                   <a:schemeClr val="tx1"/>
                 </a:solidFill>
-                <a:latin typeface="+mn-lt"/>
-              </a:defRPr>
-            </a:lvl5pPr>
-            <a:lvl6pPr marL="1195388" indent="-184150" algn="l" rtl="0" eaLnBrk="1" fontAlgn="base" hangingPunct="1">
-              <a:lnSpc>
-                <a:spcPct val="110000"/>
-              </a:lnSpc>
-              <a:spcBef>
-                <a:spcPct val="0"/>
-              </a:spcBef>
-              <a:spcAft>
-                <a:spcPct val="20000"/>
-              </a:spcAft>
-              <a:buFont typeface="Arial" charset="0"/>
-              <a:buChar char="•"/>
-              <a:defRPr>
-                <a:solidFill>
-                  <a:schemeClr val="tx1"/>
-                </a:solidFill>
-                <a:latin typeface="+mn-lt"/>
-              </a:defRPr>
-            </a:lvl6pPr>
-            <a:lvl7pPr marL="1652588" indent="-184150" algn="l" rtl="0" eaLnBrk="1" fontAlgn="base" hangingPunct="1">
-              <a:lnSpc>
-                <a:spcPct val="110000"/>
-              </a:lnSpc>
-              <a:spcBef>
-                <a:spcPct val="0"/>
-              </a:spcBef>
-              <a:spcAft>
-                <a:spcPct val="20000"/>
-              </a:spcAft>
-              <a:buFont typeface="Arial" charset="0"/>
-              <a:buChar char="•"/>
-              <a:defRPr>
-                <a:solidFill>
-                  <a:schemeClr val="tx1"/>
-                </a:solidFill>
-                <a:latin typeface="+mn-lt"/>
-              </a:defRPr>
-            </a:lvl7pPr>
-            <a:lvl8pPr marL="2109788" indent="-184150" algn="l" rtl="0" eaLnBrk="1" fontAlgn="base" hangingPunct="1">
-              <a:lnSpc>
-                <a:spcPct val="110000"/>
-              </a:lnSpc>
-              <a:spcBef>
-                <a:spcPct val="0"/>
-              </a:spcBef>
-              <a:spcAft>
-                <a:spcPct val="20000"/>
-              </a:spcAft>
-              <a:buFont typeface="Arial" charset="0"/>
-              <a:buChar char="•"/>
-              <a:defRPr>
-                <a:solidFill>
-                  <a:schemeClr val="tx1"/>
-                </a:solidFill>
-                <a:latin typeface="+mn-lt"/>
-              </a:defRPr>
-            </a:lvl8pPr>
-            <a:lvl9pPr marL="2566988" indent="-184150" algn="l" rtl="0" eaLnBrk="1" fontAlgn="base" hangingPunct="1">
-              <a:lnSpc>
-                <a:spcPct val="110000"/>
-              </a:lnSpc>
-              <a:spcBef>
-                <a:spcPct val="0"/>
-              </a:spcBef>
-              <a:spcAft>
-                <a:spcPct val="20000"/>
-              </a:spcAft>
-              <a:buFont typeface="Arial" charset="0"/>
-              <a:buChar char="•"/>
-              <a:defRPr>
-                <a:solidFill>
-                  <a:schemeClr val="tx1"/>
-                </a:solidFill>
-                <a:latin typeface="+mn-lt"/>
+                <a:latin typeface="Arial" charset="0"/>
               </a:defRPr>
             </a:lvl9pPr>
           </a:lstStyle>
           <a:p>
-            <a:pPr marL="182245" lvl="1"/>
-            <a:r>
-              <a:rPr lang="de-DE" altLang="de-DE" kern="0" dirty="0"/>
-              <a:t>Anderen Optimierungsalgorithmus verwenden (z. B. </a:t>
-            </a:r>
-            <a:r>
-              <a:rPr lang="de-DE" kern="0" dirty="0" err="1"/>
-              <a:t>Adan</a:t>
-            </a:r>
-            <a:r>
-              <a:rPr lang="de-DE" kern="0" dirty="0"/>
-              <a:t>)</a:t>
-            </a:r>
-            <a:endParaRPr lang="de-DE"/>
-          </a:p>
-          <a:p>
-            <a:pPr marL="182245" lvl="1"/>
-            <a:r>
-              <a:rPr lang="de-DE" kern="0" dirty="0" err="1"/>
-              <a:t>Buckets</a:t>
-            </a:r>
-            <a:endParaRPr lang="de-DE" kern="0" dirty="0">
-              <a:cs typeface="Arial"/>
+            <a:r>
+              <a:rPr lang="de-DE" dirty="0">
+                <a:solidFill>
+                  <a:schemeClr val="tx1"/>
+                </a:solidFill>
+              </a:rPr>
+              <a:t>Bachelor-Thesis</a:t>
+            </a:r>
+            <a:endParaRPr lang="de-DE" altLang="de-DE" dirty="0">
+              <a:solidFill>
+                <a:schemeClr val="tx1"/>
+              </a:solidFill>
             </a:endParaRPr>
           </a:p>
           <a:p>
-            <a:pPr marL="182245" lvl="1"/>
-            <a:r>
-              <a:rPr lang="de-DE" kern="0" dirty="0"/>
-              <a:t>Feature </a:t>
-            </a:r>
-            <a:r>
-              <a:rPr lang="de-DE" kern="0" dirty="0" err="1"/>
-              <a:t>Factorization</a:t>
-            </a:r>
-            <a:endParaRPr lang="de-DE" kern="0" dirty="0">
-              <a:cs typeface="Arial"/>
-            </a:endParaRPr>
-          </a:p>
-          <a:p>
-            <a:pPr marL="182245" lvl="1"/>
-            <a:r>
-              <a:rPr lang="de-DE" kern="0" dirty="0"/>
-              <a:t>Eigene Trainingsdaten</a:t>
-            </a:r>
-            <a:endParaRPr lang="de-DE" kern="0" dirty="0">
-              <a:cs typeface="Arial"/>
+            <a:r>
+              <a:rPr lang="de-DE" altLang="de-DE" dirty="0">
+                <a:solidFill>
+                  <a:schemeClr val="tx1"/>
+                </a:solidFill>
+              </a:rPr>
+              <a:t>Marvin Karhan</a:t>
+            </a:r>
+          </a:p>
+          <a:p>
+            <a:r>
+              <a:rPr lang="de-DE" altLang="de-DE" dirty="0">
+                <a:solidFill>
+                  <a:schemeClr val="tx1"/>
+                </a:solidFill>
+              </a:rPr>
+              <a:t>Mannheim, 14.10.2022</a:t>
+            </a:r>
+          </a:p>
+          <a:p>
+            <a:pPr eaLnBrk="1" hangingPunct="1">
+              <a:spcAft>
+                <a:spcPct val="0"/>
+              </a:spcAft>
+            </a:pPr>
+            <a:endParaRPr lang="de-DE" altLang="de-DE" dirty="0">
+              <a:solidFill>
+                <a:schemeClr val="tx1"/>
+              </a:solidFill>
             </a:endParaRPr>
           </a:p>
         </p:txBody>
@@ -19199,7 +19065,7 @@
     </p:spTree>
     <p:extLst>
       <p:ext uri="{BB962C8B-B14F-4D97-AF65-F5344CB8AC3E}">
-        <p14:creationId xmlns:p14="http://schemas.microsoft.com/office/powerpoint/2010/main" val="2695230317"/>
+        <p14:creationId xmlns:p14="http://schemas.microsoft.com/office/powerpoint/2010/main" val="964439371"/>
       </p:ext>
     </p:extLst>
   </p:cSld>
@@ -19335,687 +19201,6 @@
 </file>
 
 <file path=ppt/slides/slide30.xml><?xml version="1.0" encoding="utf-8"?>
-<p:sld xmlns:a="http://schemas.openxmlformats.org/drawingml/2006/main" xmlns:r="http://schemas.openxmlformats.org/officeDocument/2006/relationships" xmlns:p="http://schemas.openxmlformats.org/presentationml/2006/main">
-  <p:cSld>
-    <p:spTree>
-      <p:nvGrpSpPr>
-        <p:cNvPr id="1" name=""/>
-        <p:cNvGrpSpPr/>
-        <p:nvPr/>
-      </p:nvGrpSpPr>
-      <p:grpSpPr>
-        <a:xfrm>
-          <a:off x="0" y="0"/>
-          <a:ext cx="0" cy="0"/>
-          <a:chOff x="0" y="0"/>
-          <a:chExt cx="0" cy="0"/>
-        </a:xfrm>
-      </p:grpSpPr>
-      <p:sp>
-        <p:nvSpPr>
-          <p:cNvPr id="2" name="Titel 1">
-            <a:extLst>
-              <a:ext uri="{FF2B5EF4-FFF2-40B4-BE49-F238E27FC236}">
-                <a16:creationId xmlns:a16="http://schemas.microsoft.com/office/drawing/2014/main" id="{F64A9751-63ED-04DE-9EEA-FC0C22828676}"/>
-              </a:ext>
-            </a:extLst>
-          </p:cNvPr>
-          <p:cNvSpPr>
-            <a:spLocks noGrp="1"/>
-          </p:cNvSpPr>
-          <p:nvPr>
-            <p:ph type="title"/>
-          </p:nvPr>
-        </p:nvSpPr>
-        <p:spPr>
-          <a:xfrm>
-            <a:off x="0" y="3246437"/>
-            <a:ext cx="9144000" cy="365125"/>
-          </a:xfrm>
-        </p:spPr>
-        <p:txBody>
-          <a:bodyPr/>
-          <a:lstStyle/>
-          <a:p>
-            <a:pPr algn="ctr"/>
-            <a:r>
-              <a:rPr lang="de-DE" sz="3600" dirty="0"/>
-              <a:t>Demo</a:t>
-            </a:r>
-          </a:p>
-        </p:txBody>
-      </p:sp>
-      <p:sp>
-        <p:nvSpPr>
-          <p:cNvPr id="3" name="Fußzeilenplatzhalter 2">
-            <a:extLst>
-              <a:ext uri="{FF2B5EF4-FFF2-40B4-BE49-F238E27FC236}">
-                <a16:creationId xmlns:a16="http://schemas.microsoft.com/office/drawing/2014/main" id="{D0DCF5F5-5C07-C213-58E3-5F856F047CB0}"/>
-              </a:ext>
-            </a:extLst>
-          </p:cNvPr>
-          <p:cNvSpPr>
-            <a:spLocks noGrp="1"/>
-          </p:cNvSpPr>
-          <p:nvPr>
-            <p:ph type="ftr" sz="quarter" idx="10"/>
-          </p:nvPr>
-        </p:nvSpPr>
-        <p:spPr/>
-        <p:txBody>
-          <a:bodyPr/>
-          <a:lstStyle/>
-          <a:p>
-            <a:r>
-              <a:rPr lang="en-US" altLang="de-DE" dirty="0"/>
-              <a:t>Hochschule Mannheim University of Applied Sciences | Marvin Karhan</a:t>
-            </a:r>
-            <a:endParaRPr lang="de-DE" altLang="de-DE" dirty="0"/>
-          </a:p>
-        </p:txBody>
-      </p:sp>
-      <p:sp>
-        <p:nvSpPr>
-          <p:cNvPr id="4" name="Foliennummernplatzhalter 3">
-            <a:extLst>
-              <a:ext uri="{FF2B5EF4-FFF2-40B4-BE49-F238E27FC236}">
-                <a16:creationId xmlns:a16="http://schemas.microsoft.com/office/drawing/2014/main" id="{355734E1-0407-D0AD-C1AA-D2C386B1FF85}"/>
-              </a:ext>
-            </a:extLst>
-          </p:cNvPr>
-          <p:cNvSpPr>
-            <a:spLocks noGrp="1"/>
-          </p:cNvSpPr>
-          <p:nvPr>
-            <p:ph type="sldNum" sz="quarter" idx="11"/>
-          </p:nvPr>
-        </p:nvSpPr>
-        <p:spPr/>
-        <p:txBody>
-          <a:bodyPr/>
-          <a:lstStyle/>
-          <a:p>
-            <a:fld id="{57D12BB6-0ED4-46B6-AB23-7758AD07EFBF}" type="slidenum">
-              <a:rPr lang="de-DE" smtClean="0"/>
-              <a:pPr/>
-              <a:t>30</a:t>
-            </a:fld>
-            <a:endParaRPr lang="de-DE" dirty="0"/>
-          </a:p>
-        </p:txBody>
-      </p:sp>
-      <p:sp>
-        <p:nvSpPr>
-          <p:cNvPr id="6" name="Textfeld 5">
-            <a:extLst>
-              <a:ext uri="{FF2B5EF4-FFF2-40B4-BE49-F238E27FC236}">
-                <a16:creationId xmlns:a16="http://schemas.microsoft.com/office/drawing/2014/main" id="{221FF201-6582-F746-0D6F-30C1BF54BE83}"/>
-              </a:ext>
-            </a:extLst>
-          </p:cNvPr>
-          <p:cNvSpPr txBox="1"/>
-          <p:nvPr/>
-        </p:nvSpPr>
-        <p:spPr>
-          <a:xfrm>
-            <a:off x="2286000" y="3273758"/>
-            <a:ext cx="4572000" cy="369332"/>
-          </a:xfrm>
-          <a:prstGeom prst="rect">
-            <a:avLst/>
-          </a:prstGeom>
-          <a:noFill/>
-        </p:spPr>
-        <p:txBody>
-          <a:bodyPr wrap="square">
-            <a:spAutoFit/>
-          </a:bodyPr>
-          <a:lstStyle/>
-          <a:p>
-            <a:r>
-              <a:rPr lang="de-DE" b="0" dirty="0">
-                <a:effectLst/>
-              </a:rPr>
-              <a:t> </a:t>
-            </a:r>
-            <a:endParaRPr lang="de-DE" dirty="0"/>
-          </a:p>
-        </p:txBody>
-      </p:sp>
-    </p:spTree>
-    <p:extLst>
-      <p:ext uri="{BB962C8B-B14F-4D97-AF65-F5344CB8AC3E}">
-        <p14:creationId xmlns:p14="http://schemas.microsoft.com/office/powerpoint/2010/main" val="2418397784"/>
-      </p:ext>
-    </p:extLst>
-  </p:cSld>
-  <p:clrMapOvr>
-    <a:masterClrMapping/>
-  </p:clrMapOvr>
-  <p:transition/>
-</p:sld>
-</file>
-
-<file path=ppt/slides/slide31.xml><?xml version="1.0" encoding="utf-8"?>
-<p:sld xmlns:a="http://schemas.openxmlformats.org/drawingml/2006/main" xmlns:r="http://schemas.openxmlformats.org/officeDocument/2006/relationships" xmlns:p="http://schemas.openxmlformats.org/presentationml/2006/main">
-  <p:cSld>
-    <p:spTree>
-      <p:nvGrpSpPr>
-        <p:cNvPr id="1" name=""/>
-        <p:cNvGrpSpPr/>
-        <p:nvPr/>
-      </p:nvGrpSpPr>
-      <p:grpSpPr>
-        <a:xfrm>
-          <a:off x="0" y="0"/>
-          <a:ext cx="0" cy="0"/>
-          <a:chOff x="0" y="0"/>
-          <a:chExt cx="0" cy="0"/>
-        </a:xfrm>
-      </p:grpSpPr>
-      <p:sp>
-        <p:nvSpPr>
-          <p:cNvPr id="3" name="Fußzeilenplatzhalter 2"/>
-          <p:cNvSpPr>
-            <a:spLocks noGrp="1"/>
-          </p:cNvSpPr>
-          <p:nvPr>
-            <p:ph type="ftr" sz="quarter" idx="10"/>
-          </p:nvPr>
-        </p:nvSpPr>
-        <p:spPr/>
-        <p:txBody>
-          <a:bodyPr/>
-          <a:lstStyle/>
-          <a:p>
-            <a:r>
-              <a:rPr lang="en-US" altLang="de-DE" dirty="0">
-                <a:latin typeface="Arial"/>
-                <a:cs typeface="Arial"/>
-              </a:rPr>
-              <a:t>Hochschule Mannheim University of Applied Sciences | Marvin Karhan</a:t>
-            </a:r>
-          </a:p>
-        </p:txBody>
-      </p:sp>
-      <p:sp>
-        <p:nvSpPr>
-          <p:cNvPr id="4" name="Foliennummernplatzhalter 3"/>
-          <p:cNvSpPr>
-            <a:spLocks noGrp="1"/>
-          </p:cNvSpPr>
-          <p:nvPr>
-            <p:ph type="sldNum" sz="quarter" idx="11"/>
-          </p:nvPr>
-        </p:nvSpPr>
-        <p:spPr/>
-        <p:txBody>
-          <a:bodyPr/>
-          <a:lstStyle/>
-          <a:p>
-            <a:fld id="{57D12BB6-0ED4-46B6-AB23-7758AD07EFBF}" type="slidenum">
-              <a:rPr lang="de-DE" smtClean="0"/>
-              <a:pPr/>
-              <a:t>31</a:t>
-            </a:fld>
-            <a:endParaRPr lang="de-DE" dirty="0"/>
-          </a:p>
-        </p:txBody>
-      </p:sp>
-      <p:sp>
-        <p:nvSpPr>
-          <p:cNvPr id="5" name="Rectangle 10"/>
-          <p:cNvSpPr>
-            <a:spLocks noChangeArrowheads="1"/>
-          </p:cNvSpPr>
-          <p:nvPr/>
-        </p:nvSpPr>
-        <p:spPr bwMode="gray">
-          <a:xfrm>
-            <a:off x="971550" y="1404000"/>
-            <a:ext cx="7704138" cy="792162"/>
-          </a:xfrm>
-          <a:prstGeom prst="rect">
-            <a:avLst/>
-          </a:prstGeom>
-          <a:noFill/>
-          <a:ln>
-            <a:noFill/>
-          </a:ln>
-          <a:effectLst/>
-          <a:extLst>
-            <a:ext uri="{909E8E84-426E-40DD-AFC4-6F175D3DCCD1}">
-              <a14:hiddenFill xmlns:a14="http://schemas.microsoft.com/office/drawing/2010/main">
-                <a:solidFill>
-                  <a:schemeClr val="accent1"/>
-                </a:solidFill>
-              </a14:hiddenFill>
-            </a:ext>
-            <a:ext uri="{91240B29-F687-4F45-9708-019B960494DF}">
-              <a14:hiddenLine xmlns:a14="http://schemas.microsoft.com/office/drawing/2010/main" w="9525">
-                <a:solidFill>
-                  <a:schemeClr val="tx1"/>
-                </a:solidFill>
-                <a:miter lim="800000"/>
-                <a:headEnd/>
-                <a:tailEnd/>
-              </a14:hiddenLine>
-            </a:ext>
-            <a:ext uri="{AF507438-7753-43E0-B8FC-AC1667EBCBE1}">
-              <a14:hiddenEffects xmlns:a14="http://schemas.microsoft.com/office/drawing/2010/main">
-                <a:effectLst>
-                  <a:outerShdw dist="35921" dir="2700000" algn="ctr" rotWithShape="0">
-                    <a:schemeClr val="bg2"/>
-                  </a:outerShdw>
-                </a:effectLst>
-              </a14:hiddenEffects>
-            </a:ext>
-          </a:extLst>
-        </p:spPr>
-        <p:txBody>
-          <a:bodyPr lIns="0" tIns="0" rIns="0" bIns="0"/>
-          <a:lstStyle>
-            <a:lvl1pPr algn="l">
-              <a:lnSpc>
-                <a:spcPct val="110000"/>
-              </a:lnSpc>
-              <a:defRPr sz="2200" b="1">
-                <a:solidFill>
-                  <a:schemeClr val="bg1"/>
-                </a:solidFill>
-                <a:latin typeface="Arial" charset="0"/>
-              </a:defRPr>
-            </a:lvl1pPr>
-            <a:lvl2pPr algn="l">
-              <a:lnSpc>
-                <a:spcPct val="110000"/>
-              </a:lnSpc>
-              <a:defRPr sz="2200" b="1">
-                <a:solidFill>
-                  <a:schemeClr val="bg1"/>
-                </a:solidFill>
-                <a:latin typeface="Arial" charset="0"/>
-              </a:defRPr>
-            </a:lvl2pPr>
-            <a:lvl3pPr algn="l">
-              <a:lnSpc>
-                <a:spcPct val="110000"/>
-              </a:lnSpc>
-              <a:defRPr sz="2200" b="1">
-                <a:solidFill>
-                  <a:schemeClr val="bg1"/>
-                </a:solidFill>
-                <a:latin typeface="Arial" charset="0"/>
-              </a:defRPr>
-            </a:lvl3pPr>
-            <a:lvl4pPr algn="l">
-              <a:lnSpc>
-                <a:spcPct val="110000"/>
-              </a:lnSpc>
-              <a:defRPr sz="2200" b="1">
-                <a:solidFill>
-                  <a:schemeClr val="bg1"/>
-                </a:solidFill>
-                <a:latin typeface="Arial" charset="0"/>
-              </a:defRPr>
-            </a:lvl4pPr>
-            <a:lvl5pPr algn="l">
-              <a:lnSpc>
-                <a:spcPct val="110000"/>
-              </a:lnSpc>
-              <a:defRPr sz="2200" b="1">
-                <a:solidFill>
-                  <a:schemeClr val="bg1"/>
-                </a:solidFill>
-                <a:latin typeface="Arial" charset="0"/>
-              </a:defRPr>
-            </a:lvl5pPr>
-            <a:lvl6pPr marL="457200" fontAlgn="base">
-              <a:lnSpc>
-                <a:spcPct val="110000"/>
-              </a:lnSpc>
-              <a:spcBef>
-                <a:spcPct val="0"/>
-              </a:spcBef>
-              <a:spcAft>
-                <a:spcPct val="0"/>
-              </a:spcAft>
-              <a:defRPr sz="2200" b="1">
-                <a:solidFill>
-                  <a:schemeClr val="bg1"/>
-                </a:solidFill>
-                <a:latin typeface="Arial" charset="0"/>
-              </a:defRPr>
-            </a:lvl6pPr>
-            <a:lvl7pPr marL="914400" fontAlgn="base">
-              <a:lnSpc>
-                <a:spcPct val="110000"/>
-              </a:lnSpc>
-              <a:spcBef>
-                <a:spcPct val="0"/>
-              </a:spcBef>
-              <a:spcAft>
-                <a:spcPct val="0"/>
-              </a:spcAft>
-              <a:defRPr sz="2200" b="1">
-                <a:solidFill>
-                  <a:schemeClr val="bg1"/>
-                </a:solidFill>
-                <a:latin typeface="Arial" charset="0"/>
-              </a:defRPr>
-            </a:lvl7pPr>
-            <a:lvl8pPr marL="1371600" fontAlgn="base">
-              <a:lnSpc>
-                <a:spcPct val="110000"/>
-              </a:lnSpc>
-              <a:spcBef>
-                <a:spcPct val="0"/>
-              </a:spcBef>
-              <a:spcAft>
-                <a:spcPct val="0"/>
-              </a:spcAft>
-              <a:defRPr sz="2200" b="1">
-                <a:solidFill>
-                  <a:schemeClr val="bg1"/>
-                </a:solidFill>
-                <a:latin typeface="Arial" charset="0"/>
-              </a:defRPr>
-            </a:lvl8pPr>
-            <a:lvl9pPr marL="1828800" fontAlgn="base">
-              <a:lnSpc>
-                <a:spcPct val="110000"/>
-              </a:lnSpc>
-              <a:spcBef>
-                <a:spcPct val="0"/>
-              </a:spcBef>
-              <a:spcAft>
-                <a:spcPct val="0"/>
-              </a:spcAft>
-              <a:defRPr sz="2200" b="1">
-                <a:solidFill>
-                  <a:schemeClr val="bg1"/>
-                </a:solidFill>
-                <a:latin typeface="Arial" charset="0"/>
-              </a:defRPr>
-            </a:lvl9pPr>
-          </a:lstStyle>
-          <a:p>
-            <a:pPr eaLnBrk="1" hangingPunct="1"/>
-            <a:r>
-              <a:rPr lang="de-DE" altLang="de-DE" dirty="0">
-                <a:solidFill>
-                  <a:schemeClr val="tx2"/>
-                </a:solidFill>
-              </a:rPr>
-              <a:t>Danke für Ihre Aufmerksamkeit</a:t>
-            </a:r>
-          </a:p>
-        </p:txBody>
-      </p:sp>
-      <p:sp>
-        <p:nvSpPr>
-          <p:cNvPr id="6" name="Rectangle 11"/>
-          <p:cNvSpPr>
-            <a:spLocks noChangeArrowheads="1"/>
-          </p:cNvSpPr>
-          <p:nvPr/>
-        </p:nvSpPr>
-        <p:spPr bwMode="gray">
-          <a:xfrm>
-            <a:off x="971550" y="2160000"/>
-            <a:ext cx="7704138" cy="1584325"/>
-          </a:xfrm>
-          <a:prstGeom prst="rect">
-            <a:avLst/>
-          </a:prstGeom>
-          <a:noFill/>
-          <a:ln>
-            <a:noFill/>
-          </a:ln>
-          <a:effectLst/>
-          <a:extLst>
-            <a:ext uri="{909E8E84-426E-40DD-AFC4-6F175D3DCCD1}">
-              <a14:hiddenFill xmlns:a14="http://schemas.microsoft.com/office/drawing/2010/main">
-                <a:solidFill>
-                  <a:schemeClr val="tx2"/>
-                </a:solidFill>
-              </a14:hiddenFill>
-            </a:ext>
-            <a:ext uri="{91240B29-F687-4F45-9708-019B960494DF}">
-              <a14:hiddenLine xmlns:a14="http://schemas.microsoft.com/office/drawing/2010/main" w="9525" algn="ctr">
-                <a:solidFill>
-                  <a:schemeClr val="tx1"/>
-                </a:solidFill>
-                <a:miter lim="800000"/>
-                <a:headEnd/>
-                <a:tailEnd/>
-              </a14:hiddenLine>
-            </a:ext>
-            <a:ext uri="{AF507438-7753-43E0-B8FC-AC1667EBCBE1}">
-              <a14:hiddenEffects xmlns:a14="http://schemas.microsoft.com/office/drawing/2010/main">
-                <a:effectLst>
-                  <a:outerShdw dist="35921" dir="2700000" algn="ctr" rotWithShape="0">
-                    <a:schemeClr val="bg2"/>
-                  </a:outerShdw>
-                </a:effectLst>
-              </a14:hiddenEffects>
-            </a:ext>
-          </a:extLst>
-        </p:spPr>
-        <p:txBody>
-          <a:bodyPr lIns="0" tIns="0" rIns="0" bIns="0"/>
-          <a:lstStyle>
-            <a:lvl1pPr algn="l">
-              <a:lnSpc>
-                <a:spcPct val="110000"/>
-              </a:lnSpc>
-              <a:spcAft>
-                <a:spcPct val="20000"/>
-              </a:spcAft>
-              <a:defRPr>
-                <a:solidFill>
-                  <a:srgbClr val="A1D0E5"/>
-                </a:solidFill>
-                <a:latin typeface="Arial" charset="0"/>
-              </a:defRPr>
-            </a:lvl1pPr>
-            <a:lvl2pPr marL="671513">
-              <a:lnSpc>
-                <a:spcPct val="110000"/>
-              </a:lnSpc>
-              <a:spcAft>
-                <a:spcPct val="20000"/>
-              </a:spcAft>
-              <a:buFont typeface="Arial" charset="0"/>
-              <a:defRPr>
-                <a:solidFill>
-                  <a:schemeClr val="tx1"/>
-                </a:solidFill>
-                <a:latin typeface="Arial" charset="0"/>
-              </a:defRPr>
-            </a:lvl2pPr>
-            <a:lvl3pPr marL="1319213">
-              <a:lnSpc>
-                <a:spcPct val="110000"/>
-              </a:lnSpc>
-              <a:spcAft>
-                <a:spcPct val="20000"/>
-              </a:spcAft>
-              <a:buFont typeface="Arial" charset="0"/>
-              <a:defRPr>
-                <a:solidFill>
-                  <a:schemeClr val="tx1"/>
-                </a:solidFill>
-                <a:latin typeface="Arial" charset="0"/>
-              </a:defRPr>
-            </a:lvl3pPr>
-            <a:lvl4pPr marL="1966913">
-              <a:lnSpc>
-                <a:spcPct val="110000"/>
-              </a:lnSpc>
-              <a:spcAft>
-                <a:spcPct val="20000"/>
-              </a:spcAft>
-              <a:buFont typeface="Arial" charset="0"/>
-              <a:defRPr>
-                <a:solidFill>
-                  <a:schemeClr val="tx1"/>
-                </a:solidFill>
-                <a:latin typeface="Arial" charset="0"/>
-              </a:defRPr>
-            </a:lvl4pPr>
-            <a:lvl5pPr marL="2614613">
-              <a:lnSpc>
-                <a:spcPct val="110000"/>
-              </a:lnSpc>
-              <a:spcAft>
-                <a:spcPct val="20000"/>
-              </a:spcAft>
-              <a:buFont typeface="Arial" charset="0"/>
-              <a:defRPr>
-                <a:solidFill>
-                  <a:schemeClr val="tx1"/>
-                </a:solidFill>
-                <a:latin typeface="Arial" charset="0"/>
-              </a:defRPr>
-            </a:lvl5pPr>
-            <a:lvl6pPr marL="3071813" algn="ctr" fontAlgn="base">
-              <a:lnSpc>
-                <a:spcPct val="110000"/>
-              </a:lnSpc>
-              <a:spcBef>
-                <a:spcPct val="0"/>
-              </a:spcBef>
-              <a:spcAft>
-                <a:spcPct val="20000"/>
-              </a:spcAft>
-              <a:buFont typeface="Arial" charset="0"/>
-              <a:defRPr>
-                <a:solidFill>
-                  <a:schemeClr val="tx1"/>
-                </a:solidFill>
-                <a:latin typeface="Arial" charset="0"/>
-              </a:defRPr>
-            </a:lvl6pPr>
-            <a:lvl7pPr marL="3529013" algn="ctr" fontAlgn="base">
-              <a:lnSpc>
-                <a:spcPct val="110000"/>
-              </a:lnSpc>
-              <a:spcBef>
-                <a:spcPct val="0"/>
-              </a:spcBef>
-              <a:spcAft>
-                <a:spcPct val="20000"/>
-              </a:spcAft>
-              <a:buFont typeface="Arial" charset="0"/>
-              <a:defRPr>
-                <a:solidFill>
-                  <a:schemeClr val="tx1"/>
-                </a:solidFill>
-                <a:latin typeface="Arial" charset="0"/>
-              </a:defRPr>
-            </a:lvl7pPr>
-            <a:lvl8pPr marL="3986213" algn="ctr" fontAlgn="base">
-              <a:lnSpc>
-                <a:spcPct val="110000"/>
-              </a:lnSpc>
-              <a:spcBef>
-                <a:spcPct val="0"/>
-              </a:spcBef>
-              <a:spcAft>
-                <a:spcPct val="20000"/>
-              </a:spcAft>
-              <a:buFont typeface="Arial" charset="0"/>
-              <a:defRPr>
-                <a:solidFill>
-                  <a:schemeClr val="tx1"/>
-                </a:solidFill>
-                <a:latin typeface="Arial" charset="0"/>
-              </a:defRPr>
-            </a:lvl8pPr>
-            <a:lvl9pPr marL="4443413" algn="ctr" fontAlgn="base">
-              <a:lnSpc>
-                <a:spcPct val="110000"/>
-              </a:lnSpc>
-              <a:spcBef>
-                <a:spcPct val="0"/>
-              </a:spcBef>
-              <a:spcAft>
-                <a:spcPct val="20000"/>
-              </a:spcAft>
-              <a:buFont typeface="Arial" charset="0"/>
-              <a:defRPr>
-                <a:solidFill>
-                  <a:schemeClr val="tx1"/>
-                </a:solidFill>
-                <a:latin typeface="Arial" charset="0"/>
-              </a:defRPr>
-            </a:lvl9pPr>
-          </a:lstStyle>
-          <a:p>
-            <a:r>
-              <a:rPr lang="de-DE" dirty="0">
-                <a:solidFill>
-                  <a:schemeClr val="tx1"/>
-                </a:solidFill>
-              </a:rPr>
-              <a:t>Bachelor-Thesis</a:t>
-            </a:r>
-            <a:endParaRPr lang="de-DE" altLang="de-DE" dirty="0">
-              <a:solidFill>
-                <a:schemeClr val="tx1"/>
-              </a:solidFill>
-            </a:endParaRPr>
-          </a:p>
-          <a:p>
-            <a:r>
-              <a:rPr lang="de-DE" altLang="de-DE" dirty="0">
-                <a:solidFill>
-                  <a:schemeClr val="tx1"/>
-                </a:solidFill>
-              </a:rPr>
-              <a:t>Marvin Karhan</a:t>
-            </a:r>
-          </a:p>
-          <a:p>
-            <a:r>
-              <a:rPr lang="de-DE" altLang="de-DE" dirty="0">
-                <a:solidFill>
-                  <a:schemeClr val="tx1"/>
-                </a:solidFill>
-              </a:rPr>
-              <a:t>Mannheim, 14.10.2022</a:t>
-            </a:r>
-          </a:p>
-          <a:p>
-            <a:pPr eaLnBrk="1" hangingPunct="1">
-              <a:spcAft>
-                <a:spcPct val="0"/>
-              </a:spcAft>
-            </a:pPr>
-            <a:endParaRPr lang="de-DE" altLang="de-DE" dirty="0">
-              <a:solidFill>
-                <a:schemeClr val="tx1"/>
-              </a:solidFill>
-            </a:endParaRPr>
-          </a:p>
-        </p:txBody>
-      </p:sp>
-    </p:spTree>
-    <p:extLst>
-      <p:ext uri="{BB962C8B-B14F-4D97-AF65-F5344CB8AC3E}">
-        <p14:creationId xmlns:p14="http://schemas.microsoft.com/office/powerpoint/2010/main" val="964439371"/>
-      </p:ext>
-    </p:extLst>
-  </p:cSld>
-  <p:clrMapOvr>
-    <a:masterClrMapping/>
-  </p:clrMapOvr>
-  <p:transition/>
-</p:sld>
-</file>
-
-<file path=ppt/slides/slide32.xml><?xml version="1.0" encoding="utf-8"?>
 <p:sld xmlns:a="http://schemas.openxmlformats.org/drawingml/2006/main" xmlns:r="http://schemas.openxmlformats.org/officeDocument/2006/relationships" xmlns:p="http://schemas.openxmlformats.org/presentationml/2006/main" show="0">
   <p:cSld>
     <p:spTree>
@@ -20079,7 +19264,7 @@
             <a:fld id="{57D12BB6-0ED4-46B6-AB23-7758AD07EFBF}" type="slidenum">
               <a:rPr lang="de-DE" smtClean="0"/>
               <a:pPr/>
-              <a:t>32</a:t>
+              <a:t>30</a:t>
             </a:fld>
             <a:endParaRPr lang="de-DE" dirty="0"/>
           </a:p>
@@ -20787,7 +19972,7 @@
 </p:sld>
 </file>
 
-<file path=ppt/slides/slide33.xml><?xml version="1.0" encoding="utf-8"?>
+<file path=ppt/slides/slide31.xml><?xml version="1.0" encoding="utf-8"?>
 <p:sld xmlns:a="http://schemas.openxmlformats.org/drawingml/2006/main" xmlns:r="http://schemas.openxmlformats.org/officeDocument/2006/relationships" xmlns:p="http://schemas.openxmlformats.org/presentationml/2006/main" show="0">
   <p:cSld>
     <p:spTree>
@@ -20845,7 +20030,7 @@
             <a:fld id="{57D12BB6-0ED4-46B6-AB23-7758AD07EFBF}" type="slidenum">
               <a:rPr lang="de-DE" smtClean="0"/>
               <a:pPr/>
-              <a:t>33</a:t>
+              <a:t>31</a:t>
             </a:fld>
             <a:endParaRPr lang="de-DE" dirty="0"/>
           </a:p>
@@ -21196,7 +20381,7 @@
 </p:sld>
 </file>
 
-<file path=ppt/slides/slide34.xml><?xml version="1.0" encoding="utf-8"?>
+<file path=ppt/slides/slide32.xml><?xml version="1.0" encoding="utf-8"?>
 <p:sld xmlns:a="http://schemas.openxmlformats.org/drawingml/2006/main" xmlns:r="http://schemas.openxmlformats.org/officeDocument/2006/relationships" xmlns:p="http://schemas.openxmlformats.org/presentationml/2006/main" show="0">
   <p:cSld>
     <p:spTree>
@@ -21254,7 +20439,7 @@
             <a:fld id="{57D12BB6-0ED4-46B6-AB23-7758AD07EFBF}" type="slidenum">
               <a:rPr lang="de-DE" smtClean="0"/>
               <a:pPr/>
-              <a:t>34</a:t>
+              <a:t>32</a:t>
             </a:fld>
             <a:endParaRPr lang="de-DE" dirty="0"/>
           </a:p>
@@ -21562,7 +20747,7 @@
 </p:sld>
 </file>
 
-<file path=ppt/slides/slide35.xml><?xml version="1.0" encoding="utf-8"?>
+<file path=ppt/slides/slide33.xml><?xml version="1.0" encoding="utf-8"?>
 <p:sld xmlns:a="http://schemas.openxmlformats.org/drawingml/2006/main" xmlns:r="http://schemas.openxmlformats.org/officeDocument/2006/relationships" xmlns:p="http://schemas.openxmlformats.org/presentationml/2006/main" show="0">
   <p:cSld>
     <p:spTree>
@@ -21620,7 +20805,7 @@
             <a:fld id="{57D12BB6-0ED4-46B6-AB23-7758AD07EFBF}" type="slidenum">
               <a:rPr lang="de-DE" smtClean="0"/>
               <a:pPr/>
-              <a:t>35</a:t>
+              <a:t>33</a:t>
             </a:fld>
             <a:endParaRPr lang="de-DE" dirty="0"/>
           </a:p>
@@ -21919,6 +21104,794 @@
     <p:extLst>
       <p:ext uri="{BB962C8B-B14F-4D97-AF65-F5344CB8AC3E}">
         <p14:creationId xmlns:p14="http://schemas.microsoft.com/office/powerpoint/2010/main" val="3458251260"/>
+      </p:ext>
+    </p:extLst>
+  </p:cSld>
+  <p:clrMapOvr>
+    <a:masterClrMapping/>
+  </p:clrMapOvr>
+  <p:transition/>
+</p:sld>
+</file>
+
+<file path=ppt/slides/slide34.xml><?xml version="1.0" encoding="utf-8"?>
+<p:sld xmlns:a="http://schemas.openxmlformats.org/drawingml/2006/main" xmlns:r="http://schemas.openxmlformats.org/officeDocument/2006/relationships" xmlns:p="http://schemas.openxmlformats.org/presentationml/2006/main" show="0">
+  <p:cSld>
+    <p:spTree>
+      <p:nvGrpSpPr>
+        <p:cNvPr id="1" name=""/>
+        <p:cNvGrpSpPr/>
+        <p:nvPr/>
+      </p:nvGrpSpPr>
+      <p:grpSpPr>
+        <a:xfrm>
+          <a:off x="0" y="0"/>
+          <a:ext cx="0" cy="0"/>
+          <a:chOff x="0" y="0"/>
+          <a:chExt cx="0" cy="0"/>
+        </a:xfrm>
+      </p:grpSpPr>
+      <p:sp>
+        <p:nvSpPr>
+          <p:cNvPr id="3" name="Fußzeilenplatzhalter 2"/>
+          <p:cNvSpPr>
+            <a:spLocks noGrp="1"/>
+          </p:cNvSpPr>
+          <p:nvPr>
+            <p:ph type="ftr" sz="quarter" idx="10"/>
+          </p:nvPr>
+        </p:nvSpPr>
+        <p:spPr/>
+        <p:txBody>
+          <a:bodyPr/>
+          <a:lstStyle/>
+          <a:p>
+            <a:r>
+              <a:rPr lang="en-US" altLang="de-DE" dirty="0"/>
+              <a:t>Hochschule Mannheim University of Applied Sciences | Marvin Karhan</a:t>
+            </a:r>
+            <a:endParaRPr lang="de-DE" altLang="de-DE" dirty="0"/>
+          </a:p>
+        </p:txBody>
+      </p:sp>
+      <p:sp>
+        <p:nvSpPr>
+          <p:cNvPr id="4" name="Foliennummernplatzhalter 3"/>
+          <p:cNvSpPr>
+            <a:spLocks noGrp="1"/>
+          </p:cNvSpPr>
+          <p:nvPr>
+            <p:ph type="sldNum" sz="quarter" idx="11"/>
+          </p:nvPr>
+        </p:nvSpPr>
+        <p:spPr/>
+        <p:txBody>
+          <a:bodyPr/>
+          <a:lstStyle/>
+          <a:p>
+            <a:fld id="{57D12BB6-0ED4-46B6-AB23-7758AD07EFBF}" type="slidenum">
+              <a:rPr lang="de-DE" smtClean="0"/>
+              <a:pPr/>
+              <a:t>34</a:t>
+            </a:fld>
+            <a:endParaRPr lang="de-DE" dirty="0"/>
+          </a:p>
+        </p:txBody>
+      </p:sp>
+      <p:sp>
+        <p:nvSpPr>
+          <p:cNvPr id="5" name="Rectangle 2"/>
+          <p:cNvSpPr>
+            <a:spLocks noGrp="1" noChangeArrowheads="1"/>
+          </p:cNvSpPr>
+          <p:nvPr>
+            <p:ph type="title"/>
+          </p:nvPr>
+        </p:nvSpPr>
+        <p:spPr>
+          <a:xfrm>
+            <a:off x="971550" y="1404000"/>
+            <a:ext cx="7704138" cy="792162"/>
+          </a:xfrm>
+        </p:spPr>
+        <p:txBody>
+          <a:bodyPr/>
+          <a:lstStyle/>
+          <a:p>
+            <a:r>
+              <a:rPr lang="de-DE" altLang="de-DE" kern="0" dirty="0"/>
+              <a:t>SIMD</a:t>
+            </a:r>
+            <a:endParaRPr lang="de-DE" altLang="de-DE" dirty="0"/>
+          </a:p>
+        </p:txBody>
+      </p:sp>
+      <p:sp>
+        <p:nvSpPr>
+          <p:cNvPr id="6" name="Rectangle 3"/>
+          <p:cNvSpPr txBox="1">
+            <a:spLocks noChangeArrowheads="1"/>
+          </p:cNvSpPr>
+          <p:nvPr/>
+        </p:nvSpPr>
+        <p:spPr>
+          <a:xfrm>
+            <a:off x="971550" y="2160000"/>
+            <a:ext cx="7677150" cy="3600450"/>
+          </a:xfrm>
+          <a:prstGeom prst="rect">
+            <a:avLst/>
+          </a:prstGeom>
+        </p:spPr>
+        <p:txBody>
+          <a:bodyPr lIns="91440" tIns="45720" rIns="91440" bIns="45720" anchor="t"/>
+          <a:lstStyle>
+            <a:lvl1pPr algn="l" rtl="0" eaLnBrk="1" fontAlgn="base" hangingPunct="1">
+              <a:lnSpc>
+                <a:spcPct val="110000"/>
+              </a:lnSpc>
+              <a:spcBef>
+                <a:spcPct val="0"/>
+              </a:spcBef>
+              <a:spcAft>
+                <a:spcPct val="20000"/>
+              </a:spcAft>
+              <a:defRPr>
+                <a:solidFill>
+                  <a:schemeClr val="tx1"/>
+                </a:solidFill>
+                <a:latin typeface="+mn-lt"/>
+                <a:ea typeface="+mn-ea"/>
+                <a:cs typeface="+mn-cs"/>
+              </a:defRPr>
+            </a:lvl1pPr>
+            <a:lvl2pPr marL="182563" indent="-180975" algn="l" rtl="0" eaLnBrk="1" fontAlgn="base" hangingPunct="1">
+              <a:lnSpc>
+                <a:spcPct val="110000"/>
+              </a:lnSpc>
+              <a:spcBef>
+                <a:spcPct val="0"/>
+              </a:spcBef>
+              <a:spcAft>
+                <a:spcPct val="20000"/>
+              </a:spcAft>
+              <a:buFont typeface="Arial" charset="0"/>
+              <a:buChar char="•"/>
+              <a:defRPr>
+                <a:solidFill>
+                  <a:schemeClr val="tx1"/>
+                </a:solidFill>
+                <a:latin typeface="+mn-lt"/>
+              </a:defRPr>
+            </a:lvl2pPr>
+            <a:lvl3pPr marL="366713" indent="-182563" algn="l" rtl="0" eaLnBrk="1" fontAlgn="base" hangingPunct="1">
+              <a:lnSpc>
+                <a:spcPct val="110000"/>
+              </a:lnSpc>
+              <a:spcBef>
+                <a:spcPct val="0"/>
+              </a:spcBef>
+              <a:spcAft>
+                <a:spcPct val="20000"/>
+              </a:spcAft>
+              <a:buFont typeface="Arial" charset="0"/>
+              <a:buChar char="•"/>
+              <a:defRPr>
+                <a:solidFill>
+                  <a:schemeClr val="tx1"/>
+                </a:solidFill>
+                <a:latin typeface="+mn-lt"/>
+              </a:defRPr>
+            </a:lvl3pPr>
+            <a:lvl4pPr marL="552450" indent="-184150" algn="l" rtl="0" eaLnBrk="1" fontAlgn="base" hangingPunct="1">
+              <a:lnSpc>
+                <a:spcPct val="110000"/>
+              </a:lnSpc>
+              <a:spcBef>
+                <a:spcPct val="0"/>
+              </a:spcBef>
+              <a:spcAft>
+                <a:spcPct val="20000"/>
+              </a:spcAft>
+              <a:buFont typeface="Arial" charset="0"/>
+              <a:buChar char="•"/>
+              <a:defRPr>
+                <a:solidFill>
+                  <a:schemeClr val="tx1"/>
+                </a:solidFill>
+                <a:latin typeface="+mn-lt"/>
+              </a:defRPr>
+            </a:lvl4pPr>
+            <a:lvl5pPr marL="738188" indent="-184150" algn="l" rtl="0" eaLnBrk="1" fontAlgn="base" hangingPunct="1">
+              <a:lnSpc>
+                <a:spcPct val="110000"/>
+              </a:lnSpc>
+              <a:spcBef>
+                <a:spcPct val="0"/>
+              </a:spcBef>
+              <a:spcAft>
+                <a:spcPct val="20000"/>
+              </a:spcAft>
+              <a:buFont typeface="Arial" charset="0"/>
+              <a:buChar char="•"/>
+              <a:defRPr>
+                <a:solidFill>
+                  <a:schemeClr val="tx1"/>
+                </a:solidFill>
+                <a:latin typeface="+mn-lt"/>
+              </a:defRPr>
+            </a:lvl5pPr>
+            <a:lvl6pPr marL="1195388" indent="-184150" algn="l" rtl="0" eaLnBrk="1" fontAlgn="base" hangingPunct="1">
+              <a:lnSpc>
+                <a:spcPct val="110000"/>
+              </a:lnSpc>
+              <a:spcBef>
+                <a:spcPct val="0"/>
+              </a:spcBef>
+              <a:spcAft>
+                <a:spcPct val="20000"/>
+              </a:spcAft>
+              <a:buFont typeface="Arial" charset="0"/>
+              <a:buChar char="•"/>
+              <a:defRPr>
+                <a:solidFill>
+                  <a:schemeClr val="tx1"/>
+                </a:solidFill>
+                <a:latin typeface="+mn-lt"/>
+              </a:defRPr>
+            </a:lvl6pPr>
+            <a:lvl7pPr marL="1652588" indent="-184150" algn="l" rtl="0" eaLnBrk="1" fontAlgn="base" hangingPunct="1">
+              <a:lnSpc>
+                <a:spcPct val="110000"/>
+              </a:lnSpc>
+              <a:spcBef>
+                <a:spcPct val="0"/>
+              </a:spcBef>
+              <a:spcAft>
+                <a:spcPct val="20000"/>
+              </a:spcAft>
+              <a:buFont typeface="Arial" charset="0"/>
+              <a:buChar char="•"/>
+              <a:defRPr>
+                <a:solidFill>
+                  <a:schemeClr val="tx1"/>
+                </a:solidFill>
+                <a:latin typeface="+mn-lt"/>
+              </a:defRPr>
+            </a:lvl7pPr>
+            <a:lvl8pPr marL="2109788" indent="-184150" algn="l" rtl="0" eaLnBrk="1" fontAlgn="base" hangingPunct="1">
+              <a:lnSpc>
+                <a:spcPct val="110000"/>
+              </a:lnSpc>
+              <a:spcBef>
+                <a:spcPct val="0"/>
+              </a:spcBef>
+              <a:spcAft>
+                <a:spcPct val="20000"/>
+              </a:spcAft>
+              <a:buFont typeface="Arial" charset="0"/>
+              <a:buChar char="•"/>
+              <a:defRPr>
+                <a:solidFill>
+                  <a:schemeClr val="tx1"/>
+                </a:solidFill>
+                <a:latin typeface="+mn-lt"/>
+              </a:defRPr>
+            </a:lvl8pPr>
+            <a:lvl9pPr marL="2566988" indent="-184150" algn="l" rtl="0" eaLnBrk="1" fontAlgn="base" hangingPunct="1">
+              <a:lnSpc>
+                <a:spcPct val="110000"/>
+              </a:lnSpc>
+              <a:spcBef>
+                <a:spcPct val="0"/>
+              </a:spcBef>
+              <a:spcAft>
+                <a:spcPct val="20000"/>
+              </a:spcAft>
+              <a:buFont typeface="Arial" charset="0"/>
+              <a:buChar char="•"/>
+              <a:defRPr>
+                <a:solidFill>
+                  <a:schemeClr val="tx1"/>
+                </a:solidFill>
+                <a:latin typeface="+mn-lt"/>
+              </a:defRPr>
+            </a:lvl9pPr>
+          </a:lstStyle>
+          <a:p>
+            <a:pPr marL="182245" lvl="1"/>
+            <a:r>
+              <a:rPr lang="de-DE" altLang="de-DE" kern="0" dirty="0"/>
+              <a:t>Instruktionen auf mehreren Elementen gleichzeitig</a:t>
+            </a:r>
+            <a:endParaRPr lang="de-DE" dirty="0"/>
+          </a:p>
+          <a:p>
+            <a:pPr marL="182245" lvl="1"/>
+            <a:r>
+              <a:rPr lang="de-DE" altLang="de-DE" kern="0" dirty="0"/>
+              <a:t>Befehle sind prozessorspezifisch</a:t>
+            </a:r>
+            <a:endParaRPr lang="de-DE" altLang="de-DE" kern="0" dirty="0">
+              <a:cs typeface="Arial"/>
+            </a:endParaRPr>
+          </a:p>
+          <a:p>
+            <a:pPr marL="182245" lvl="1"/>
+            <a:r>
+              <a:rPr lang="de-DE" altLang="de-DE" kern="0" dirty="0"/>
+              <a:t>Befehlssätze haben unterschiedliche Registergrößen</a:t>
+            </a:r>
+            <a:endParaRPr lang="de-DE" altLang="de-DE" kern="0" dirty="0">
+              <a:cs typeface="Arial"/>
+            </a:endParaRPr>
+          </a:p>
+          <a:p>
+            <a:pPr marL="182245" lvl="1"/>
+            <a:r>
+              <a:rPr lang="de-DE" altLang="de-DE" kern="0" dirty="0"/>
+              <a:t>Vektoren müssen der Registergröße entsprechend </a:t>
+            </a:r>
+            <a:r>
+              <a:rPr lang="de-DE" altLang="de-DE" kern="0" dirty="0" err="1"/>
+              <a:t>aligned</a:t>
+            </a:r>
+            <a:r>
+              <a:rPr lang="de-DE" altLang="de-DE" kern="0" dirty="0"/>
+              <a:t> sein</a:t>
+            </a:r>
+            <a:endParaRPr lang="de-DE" altLang="de-DE" kern="0" dirty="0">
+              <a:cs typeface="Arial"/>
+            </a:endParaRPr>
+          </a:p>
+          <a:p>
+            <a:pPr marL="182245" lvl="1"/>
+            <a:endParaRPr lang="de-DE" altLang="de-DE" kern="0" dirty="0">
+              <a:cs typeface="Arial"/>
+            </a:endParaRPr>
+          </a:p>
+          <a:p>
+            <a:pPr marL="182245" lvl="1"/>
+            <a:endParaRPr lang="de-DE" altLang="de-DE" kern="0" dirty="0">
+              <a:cs typeface="Arial"/>
+            </a:endParaRPr>
+          </a:p>
+        </p:txBody>
+      </p:sp>
+    </p:spTree>
+    <p:extLst>
+      <p:ext uri="{BB962C8B-B14F-4D97-AF65-F5344CB8AC3E}">
+        <p14:creationId xmlns:p14="http://schemas.microsoft.com/office/powerpoint/2010/main" val="3241939481"/>
+      </p:ext>
+    </p:extLst>
+  </p:cSld>
+  <p:clrMapOvr>
+    <a:masterClrMapping/>
+  </p:clrMapOvr>
+  <p:transition/>
+</p:sld>
+</file>
+
+<file path=ppt/slides/slide35.xml><?xml version="1.0" encoding="utf-8"?>
+<p:sld xmlns:a="http://schemas.openxmlformats.org/drawingml/2006/main" xmlns:r="http://schemas.openxmlformats.org/officeDocument/2006/relationships" xmlns:p="http://schemas.openxmlformats.org/presentationml/2006/main" show="0">
+  <p:cSld>
+    <p:spTree>
+      <p:nvGrpSpPr>
+        <p:cNvPr id="1" name=""/>
+        <p:cNvGrpSpPr/>
+        <p:nvPr/>
+      </p:nvGrpSpPr>
+      <p:grpSpPr>
+        <a:xfrm>
+          <a:off x="0" y="0"/>
+          <a:ext cx="0" cy="0"/>
+          <a:chOff x="0" y="0"/>
+          <a:chExt cx="0" cy="0"/>
+        </a:xfrm>
+      </p:grpSpPr>
+      <p:sp>
+        <p:nvSpPr>
+          <p:cNvPr id="3" name="Fußzeilenplatzhalter 2"/>
+          <p:cNvSpPr>
+            <a:spLocks noGrp="1"/>
+          </p:cNvSpPr>
+          <p:nvPr>
+            <p:ph type="ftr" sz="quarter" idx="10"/>
+          </p:nvPr>
+        </p:nvSpPr>
+        <p:spPr/>
+        <p:txBody>
+          <a:bodyPr/>
+          <a:lstStyle/>
+          <a:p>
+            <a:r>
+              <a:rPr lang="en-US" altLang="de-DE" dirty="0"/>
+              <a:t>Hochschule Mannheim University of Applied Sciences | Marvin Karhan</a:t>
+            </a:r>
+            <a:endParaRPr lang="de-DE" altLang="de-DE" dirty="0"/>
+          </a:p>
+        </p:txBody>
+      </p:sp>
+      <p:sp>
+        <p:nvSpPr>
+          <p:cNvPr id="4" name="Foliennummernplatzhalter 3"/>
+          <p:cNvSpPr>
+            <a:spLocks noGrp="1"/>
+          </p:cNvSpPr>
+          <p:nvPr>
+            <p:ph type="sldNum" sz="quarter" idx="11"/>
+          </p:nvPr>
+        </p:nvSpPr>
+        <p:spPr/>
+        <p:txBody>
+          <a:bodyPr/>
+          <a:lstStyle/>
+          <a:p>
+            <a:fld id="{57D12BB6-0ED4-46B6-AB23-7758AD07EFBF}" type="slidenum">
+              <a:rPr lang="de-DE" smtClean="0"/>
+              <a:pPr/>
+              <a:t>35</a:t>
+            </a:fld>
+            <a:endParaRPr lang="de-DE" dirty="0"/>
+          </a:p>
+        </p:txBody>
+      </p:sp>
+      <p:sp>
+        <p:nvSpPr>
+          <p:cNvPr id="5" name="Rectangle 2"/>
+          <p:cNvSpPr>
+            <a:spLocks noGrp="1" noChangeArrowheads="1"/>
+          </p:cNvSpPr>
+          <p:nvPr>
+            <p:ph type="title"/>
+          </p:nvPr>
+        </p:nvSpPr>
+        <p:spPr>
+          <a:xfrm>
+            <a:off x="971550" y="1404000"/>
+            <a:ext cx="7704138" cy="792162"/>
+          </a:xfrm>
+        </p:spPr>
+        <p:txBody>
+          <a:bodyPr/>
+          <a:lstStyle/>
+          <a:p>
+            <a:r>
+              <a:rPr lang="de-DE" altLang="de-DE" kern="0" dirty="0"/>
+              <a:t>Training</a:t>
+            </a:r>
+            <a:endParaRPr lang="de-DE" altLang="de-DE" dirty="0"/>
+          </a:p>
+        </p:txBody>
+      </p:sp>
+      <p:sp>
+        <p:nvSpPr>
+          <p:cNvPr id="6" name="Rectangle 3"/>
+          <p:cNvSpPr txBox="1">
+            <a:spLocks noChangeArrowheads="1"/>
+          </p:cNvSpPr>
+          <p:nvPr/>
+        </p:nvSpPr>
+        <p:spPr>
+          <a:xfrm>
+            <a:off x="971550" y="2160000"/>
+            <a:ext cx="7677150" cy="4293336"/>
+          </a:xfrm>
+          <a:prstGeom prst="rect">
+            <a:avLst/>
+          </a:prstGeom>
+        </p:spPr>
+        <p:txBody>
+          <a:bodyPr/>
+          <a:lstStyle>
+            <a:lvl1pPr algn="l" rtl="0" eaLnBrk="1" fontAlgn="base" hangingPunct="1">
+              <a:lnSpc>
+                <a:spcPct val="110000"/>
+              </a:lnSpc>
+              <a:spcBef>
+                <a:spcPct val="0"/>
+              </a:spcBef>
+              <a:spcAft>
+                <a:spcPct val="20000"/>
+              </a:spcAft>
+              <a:defRPr>
+                <a:solidFill>
+                  <a:schemeClr val="tx1"/>
+                </a:solidFill>
+                <a:latin typeface="+mn-lt"/>
+                <a:ea typeface="+mn-ea"/>
+                <a:cs typeface="+mn-cs"/>
+              </a:defRPr>
+            </a:lvl1pPr>
+            <a:lvl2pPr marL="182563" indent="-180975" algn="l" rtl="0" eaLnBrk="1" fontAlgn="base" hangingPunct="1">
+              <a:lnSpc>
+                <a:spcPct val="110000"/>
+              </a:lnSpc>
+              <a:spcBef>
+                <a:spcPct val="0"/>
+              </a:spcBef>
+              <a:spcAft>
+                <a:spcPct val="20000"/>
+              </a:spcAft>
+              <a:buFont typeface="Arial" charset="0"/>
+              <a:buChar char="•"/>
+              <a:defRPr>
+                <a:solidFill>
+                  <a:schemeClr val="tx1"/>
+                </a:solidFill>
+                <a:latin typeface="+mn-lt"/>
+              </a:defRPr>
+            </a:lvl2pPr>
+            <a:lvl3pPr marL="366713" indent="-182563" algn="l" rtl="0" eaLnBrk="1" fontAlgn="base" hangingPunct="1">
+              <a:lnSpc>
+                <a:spcPct val="110000"/>
+              </a:lnSpc>
+              <a:spcBef>
+                <a:spcPct val="0"/>
+              </a:spcBef>
+              <a:spcAft>
+                <a:spcPct val="20000"/>
+              </a:spcAft>
+              <a:buFont typeface="Arial" charset="0"/>
+              <a:buChar char="•"/>
+              <a:defRPr>
+                <a:solidFill>
+                  <a:schemeClr val="tx1"/>
+                </a:solidFill>
+                <a:latin typeface="+mn-lt"/>
+              </a:defRPr>
+            </a:lvl3pPr>
+            <a:lvl4pPr marL="552450" indent="-184150" algn="l" rtl="0" eaLnBrk="1" fontAlgn="base" hangingPunct="1">
+              <a:lnSpc>
+                <a:spcPct val="110000"/>
+              </a:lnSpc>
+              <a:spcBef>
+                <a:spcPct val="0"/>
+              </a:spcBef>
+              <a:spcAft>
+                <a:spcPct val="20000"/>
+              </a:spcAft>
+              <a:buFont typeface="Arial" charset="0"/>
+              <a:buChar char="•"/>
+              <a:defRPr>
+                <a:solidFill>
+                  <a:schemeClr val="tx1"/>
+                </a:solidFill>
+                <a:latin typeface="+mn-lt"/>
+              </a:defRPr>
+            </a:lvl4pPr>
+            <a:lvl5pPr marL="738188" indent="-184150" algn="l" rtl="0" eaLnBrk="1" fontAlgn="base" hangingPunct="1">
+              <a:lnSpc>
+                <a:spcPct val="110000"/>
+              </a:lnSpc>
+              <a:spcBef>
+                <a:spcPct val="0"/>
+              </a:spcBef>
+              <a:spcAft>
+                <a:spcPct val="20000"/>
+              </a:spcAft>
+              <a:buFont typeface="Arial" charset="0"/>
+              <a:buChar char="•"/>
+              <a:defRPr>
+                <a:solidFill>
+                  <a:schemeClr val="tx1"/>
+                </a:solidFill>
+                <a:latin typeface="+mn-lt"/>
+              </a:defRPr>
+            </a:lvl5pPr>
+            <a:lvl6pPr marL="1195388" indent="-184150" algn="l" rtl="0" eaLnBrk="1" fontAlgn="base" hangingPunct="1">
+              <a:lnSpc>
+                <a:spcPct val="110000"/>
+              </a:lnSpc>
+              <a:spcBef>
+                <a:spcPct val="0"/>
+              </a:spcBef>
+              <a:spcAft>
+                <a:spcPct val="20000"/>
+              </a:spcAft>
+              <a:buFont typeface="Arial" charset="0"/>
+              <a:buChar char="•"/>
+              <a:defRPr>
+                <a:solidFill>
+                  <a:schemeClr val="tx1"/>
+                </a:solidFill>
+                <a:latin typeface="+mn-lt"/>
+              </a:defRPr>
+            </a:lvl6pPr>
+            <a:lvl7pPr marL="1652588" indent="-184150" algn="l" rtl="0" eaLnBrk="1" fontAlgn="base" hangingPunct="1">
+              <a:lnSpc>
+                <a:spcPct val="110000"/>
+              </a:lnSpc>
+              <a:spcBef>
+                <a:spcPct val="0"/>
+              </a:spcBef>
+              <a:spcAft>
+                <a:spcPct val="20000"/>
+              </a:spcAft>
+              <a:buFont typeface="Arial" charset="0"/>
+              <a:buChar char="•"/>
+              <a:defRPr>
+                <a:solidFill>
+                  <a:schemeClr val="tx1"/>
+                </a:solidFill>
+                <a:latin typeface="+mn-lt"/>
+              </a:defRPr>
+            </a:lvl7pPr>
+            <a:lvl8pPr marL="2109788" indent="-184150" algn="l" rtl="0" eaLnBrk="1" fontAlgn="base" hangingPunct="1">
+              <a:lnSpc>
+                <a:spcPct val="110000"/>
+              </a:lnSpc>
+              <a:spcBef>
+                <a:spcPct val="0"/>
+              </a:spcBef>
+              <a:spcAft>
+                <a:spcPct val="20000"/>
+              </a:spcAft>
+              <a:buFont typeface="Arial" charset="0"/>
+              <a:buChar char="•"/>
+              <a:defRPr>
+                <a:solidFill>
+                  <a:schemeClr val="tx1"/>
+                </a:solidFill>
+                <a:latin typeface="+mn-lt"/>
+              </a:defRPr>
+            </a:lvl8pPr>
+            <a:lvl9pPr marL="2566988" indent="-184150" algn="l" rtl="0" eaLnBrk="1" fontAlgn="base" hangingPunct="1">
+              <a:lnSpc>
+                <a:spcPct val="110000"/>
+              </a:lnSpc>
+              <a:spcBef>
+                <a:spcPct val="0"/>
+              </a:spcBef>
+              <a:spcAft>
+                <a:spcPct val="20000"/>
+              </a:spcAft>
+              <a:buFont typeface="Arial" charset="0"/>
+              <a:buChar char="•"/>
+              <a:defRPr>
+                <a:solidFill>
+                  <a:schemeClr val="tx1"/>
+                </a:solidFill>
+                <a:latin typeface="+mn-lt"/>
+              </a:defRPr>
+            </a:lvl9pPr>
+          </a:lstStyle>
+          <a:p>
+            <a:pPr marL="1588" lvl="1" indent="0">
+              <a:buNone/>
+            </a:pPr>
+            <a:r>
+              <a:rPr lang="de-DE" altLang="de-DE" kern="0" dirty="0"/>
+              <a:t>Eingabedaten:</a:t>
+            </a:r>
+          </a:p>
+          <a:p>
+            <a:pPr lvl="1"/>
+            <a:r>
+              <a:rPr lang="de-DE" altLang="de-DE" kern="0" dirty="0"/>
+              <a:t>Von </a:t>
+            </a:r>
+            <a:r>
+              <a:rPr lang="de-DE" altLang="de-DE" kern="0" dirty="0" err="1"/>
+              <a:t>Stockfish</a:t>
+            </a:r>
+            <a:r>
+              <a:rPr lang="de-DE" altLang="de-DE" kern="0" dirty="0"/>
+              <a:t> und Lc0</a:t>
+            </a:r>
+          </a:p>
+          <a:p>
+            <a:pPr lvl="2">
+              <a:buFont typeface="Wingdings" panose="05000000000000000000" pitchFamily="2" charset="2"/>
+              <a:buChar char="§"/>
+            </a:pPr>
+            <a:r>
+              <a:rPr lang="de-DE" altLang="de-DE" kern="0" dirty="0"/>
+              <a:t>5000 Knoten pro Zug mit </a:t>
+            </a:r>
+            <a:r>
+              <a:rPr lang="de-DE" altLang="de-DE" kern="0" dirty="0" err="1"/>
+              <a:t>Stockfish</a:t>
+            </a:r>
+            <a:endParaRPr lang="de-DE" altLang="de-DE" kern="0" dirty="0"/>
+          </a:p>
+          <a:p>
+            <a:pPr lvl="2">
+              <a:buFont typeface="Wingdings" panose="05000000000000000000" pitchFamily="2" charset="2"/>
+              <a:buChar char="§"/>
+            </a:pPr>
+            <a:r>
+              <a:rPr lang="de-DE" altLang="de-DE" kern="0" dirty="0"/>
+              <a:t>Verschieden generierte Daten mit Lc0</a:t>
+            </a:r>
+          </a:p>
+          <a:p>
+            <a:pPr lvl="2">
+              <a:buFont typeface="Wingdings" panose="05000000000000000000" pitchFamily="2" charset="2"/>
+              <a:buChar char="§"/>
+            </a:pPr>
+            <a:r>
+              <a:rPr lang="de-DE" altLang="de-DE" kern="0" dirty="0"/>
+              <a:t>DFRC 5000 pro Zug mit </a:t>
+            </a:r>
+            <a:r>
+              <a:rPr lang="de-DE" altLang="de-DE" kern="0" dirty="0" err="1"/>
+              <a:t>Stockfish</a:t>
+            </a:r>
+            <a:endParaRPr lang="de-DE" altLang="de-DE" kern="0" dirty="0"/>
+          </a:p>
+          <a:p>
+            <a:pPr marL="1588" lvl="1" indent="0">
+              <a:buNone/>
+            </a:pPr>
+            <a:r>
+              <a:rPr lang="de-DE" altLang="de-DE" kern="0" dirty="0"/>
+              <a:t>Trainer:</a:t>
+            </a:r>
+          </a:p>
+          <a:p>
+            <a:pPr lvl="1"/>
+            <a:r>
+              <a:rPr lang="de-DE" altLang="de-DE" kern="0" dirty="0" err="1"/>
+              <a:t>PyTorch</a:t>
+            </a:r>
+            <a:endParaRPr lang="de-DE" altLang="de-DE" kern="0" dirty="0"/>
+          </a:p>
+          <a:p>
+            <a:pPr lvl="2">
+              <a:buFont typeface="Wingdings" panose="05000000000000000000" pitchFamily="2" charset="2"/>
+              <a:buChar char="§"/>
+            </a:pPr>
+            <a:r>
+              <a:rPr lang="de-DE" altLang="de-DE" kern="0" dirty="0"/>
+              <a:t>Netzwerkdefinition</a:t>
+            </a:r>
+          </a:p>
+          <a:p>
+            <a:pPr lvl="2">
+              <a:buFont typeface="Wingdings" panose="05000000000000000000" pitchFamily="2" charset="2"/>
+              <a:buChar char="§"/>
+            </a:pPr>
+            <a:r>
+              <a:rPr lang="de-DE" dirty="0"/>
+              <a:t>Vorwärtsaktivierung</a:t>
+            </a:r>
+          </a:p>
+          <a:p>
+            <a:pPr lvl="2">
+              <a:buFont typeface="Wingdings" panose="05000000000000000000" pitchFamily="2" charset="2"/>
+              <a:buChar char="§"/>
+            </a:pPr>
+            <a:r>
+              <a:rPr lang="de-DE" dirty="0"/>
+              <a:t>Fehlerberechnung</a:t>
+            </a:r>
+          </a:p>
+          <a:p>
+            <a:pPr lvl="2">
+              <a:buFont typeface="Wingdings" panose="05000000000000000000" pitchFamily="2" charset="2"/>
+              <a:buChar char="§"/>
+            </a:pPr>
+            <a:r>
+              <a:rPr lang="de-DE" dirty="0"/>
+              <a:t>Optimierer</a:t>
+            </a:r>
+            <a:endParaRPr lang="de-DE" altLang="de-DE" kern="0" dirty="0"/>
+          </a:p>
+          <a:p>
+            <a:pPr lvl="1"/>
+            <a:endParaRPr lang="de-DE" altLang="de-DE" kern="0" dirty="0"/>
+          </a:p>
+          <a:p>
+            <a:pPr lvl="1"/>
+            <a:endParaRPr lang="de-DE" altLang="de-DE" kern="0" dirty="0"/>
+          </a:p>
+        </p:txBody>
+      </p:sp>
+    </p:spTree>
+    <p:extLst>
+      <p:ext uri="{BB962C8B-B14F-4D97-AF65-F5344CB8AC3E}">
+        <p14:creationId xmlns:p14="http://schemas.microsoft.com/office/powerpoint/2010/main" val="3220411033"/>
       </p:ext>
     </p:extLst>
   </p:cSld>
@@ -22015,8 +21988,11 @@
           <a:p>
             <a:r>
               <a:rPr lang="de-DE" altLang="de-DE" kern="0" dirty="0"/>
-              <a:t>SIMD</a:t>
-            </a:r>
+              <a:t>Integration in einen Schachcomputer</a:t>
+            </a:r>
+            <a:br>
+              <a:rPr lang="de-DE" altLang="de-DE" kern="0" dirty="0"/>
+            </a:br>
             <a:endParaRPr lang="de-DE" altLang="de-DE" dirty="0"/>
           </a:p>
         </p:txBody>
@@ -22217,7 +22193,7 @@
             <a:pPr marL="182245" lvl="1"/>
             <a:r>
               <a:rPr lang="de-DE" altLang="de-DE" kern="0" dirty="0"/>
-              <a:t>Instruktionen auf mehreren Elementen gleichzeitig</a:t>
+              <a:t>Liest die Gewichte aus einer Binärdatei</a:t>
             </a:r>
             <a:endParaRPr lang="de-DE" dirty="0"/>
           </a:p>
@@ -22225,7 +22201,7 @@
             <a:pPr marL="182245" lvl="1"/>
             <a:r>
               <a:rPr lang="de-DE" altLang="de-DE" kern="0" dirty="0"/>
-              <a:t>Befehle sind prozessorspezifisch</a:t>
+              <a:t>Speichert Änderungen bei der Ausführung eines Zugs</a:t>
             </a:r>
             <a:endParaRPr lang="de-DE" altLang="de-DE" kern="0" dirty="0">
               <a:cs typeface="Arial"/>
@@ -22235,7 +22211,7 @@
             <a:pPr marL="182245" lvl="1"/>
             <a:r>
               <a:rPr lang="de-DE" altLang="de-DE" kern="0" dirty="0"/>
-              <a:t>Befehlssätze haben unterschiedliche Registergrößen</a:t>
+              <a:t>Falls möglich wird der Akkumulator inkrementell aktualisiert</a:t>
             </a:r>
             <a:endParaRPr lang="de-DE" altLang="de-DE" kern="0" dirty="0">
               <a:cs typeface="Arial"/>
@@ -22245,25 +22221,17 @@
             <a:pPr marL="182245" lvl="1"/>
             <a:r>
               <a:rPr lang="de-DE" altLang="de-DE" kern="0" dirty="0"/>
-              <a:t>Vektoren müssen der Registergröße entsprechend </a:t>
-            </a:r>
-            <a:r>
-              <a:rPr lang="de-DE" altLang="de-DE" kern="0" dirty="0" err="1"/>
-              <a:t>aligned</a:t>
-            </a:r>
-            <a:r>
-              <a:rPr lang="de-DE" altLang="de-DE" kern="0" dirty="0"/>
-              <a:t> sein</a:t>
-            </a:r>
-            <a:endParaRPr lang="de-DE" altLang="de-DE" kern="0" dirty="0">
-              <a:cs typeface="Arial"/>
-            </a:endParaRPr>
+              <a:t>Übrige Schichten werden normal berechnet</a:t>
+            </a:r>
           </a:p>
           <a:p>
             <a:pPr marL="182245" lvl="1"/>
-            <a:endParaRPr lang="de-DE" altLang="de-DE" kern="0" dirty="0">
-              <a:cs typeface="Arial"/>
-            </a:endParaRPr>
+            <a:r>
+              <a:rPr lang="de-DE" altLang="de-DE" kern="0" dirty="0">
+                <a:cs typeface="Arial"/>
+              </a:rPr>
+              <a:t>SIMD</a:t>
+            </a:r>
           </a:p>
           <a:p>
             <a:pPr marL="182245" lvl="1"/>
@@ -22276,7 +22244,7 @@
     </p:spTree>
     <p:extLst>
       <p:ext uri="{BB962C8B-B14F-4D97-AF65-F5344CB8AC3E}">
-        <p14:creationId xmlns:p14="http://schemas.microsoft.com/office/powerpoint/2010/main" val="3241939481"/>
+        <p14:creationId xmlns:p14="http://schemas.microsoft.com/office/powerpoint/2010/main" val="2027243084"/>
       </p:ext>
     </p:extLst>
   </p:cSld>
